--- a/lectures/06.command/command.pptx
+++ b/lectures/06.command/command.pptx
@@ -243,7 +243,7 @@
           <a:p>
             <a:fld id="{2F3DCB6D-0B48-4A3D-B663-06C3F903A9D3}" type="datetimeFigureOut">
               <a:rPr lang="ru-RU" smtClean="0"/>
-              <a:t>21.04.2016</a:t>
+              <a:t>09.03.2017</a:t>
             </a:fld>
             <a:endParaRPr lang="ru-RU"/>
           </a:p>
@@ -1008,7 +1008,7 @@
           <a:p>
             <a:fld id="{2590F9C9-AB92-4E86-B698-DEC9BF4350FF}" type="datetimeFigureOut">
               <a:rPr lang="ru-RU" smtClean="0"/>
-              <a:t>21.04.2016</a:t>
+              <a:t>09.03.2017</a:t>
             </a:fld>
             <a:endParaRPr lang="ru-RU"/>
           </a:p>
@@ -1232,7 +1232,7 @@
           <a:p>
             <a:fld id="{2590F9C9-AB92-4E86-B698-DEC9BF4350FF}" type="datetimeFigureOut">
               <a:rPr lang="ru-RU" smtClean="0"/>
-              <a:t>21.04.2016</a:t>
+              <a:t>09.03.2017</a:t>
             </a:fld>
             <a:endParaRPr lang="ru-RU"/>
           </a:p>
@@ -1504,7 +1504,7 @@
           <a:p>
             <a:fld id="{2590F9C9-AB92-4E86-B698-DEC9BF4350FF}" type="datetimeFigureOut">
               <a:rPr lang="ru-RU" smtClean="0"/>
-              <a:t>21.04.2016</a:t>
+              <a:t>09.03.2017</a:t>
             </a:fld>
             <a:endParaRPr lang="ru-RU"/>
           </a:p>
@@ -1679,7 +1679,7 @@
           <a:p>
             <a:fld id="{2590F9C9-AB92-4E86-B698-DEC9BF4350FF}" type="datetimeFigureOut">
               <a:rPr lang="ru-RU" smtClean="0"/>
-              <a:t>21.04.2016</a:t>
+              <a:t>09.03.2017</a:t>
             </a:fld>
             <a:endParaRPr lang="ru-RU"/>
           </a:p>
@@ -2040,7 +2040,7 @@
           <a:p>
             <a:fld id="{2590F9C9-AB92-4E86-B698-DEC9BF4350FF}" type="datetimeFigureOut">
               <a:rPr lang="ru-RU" smtClean="0"/>
-              <a:t>21.04.2016</a:t>
+              <a:t>09.03.2017</a:t>
             </a:fld>
             <a:endParaRPr lang="ru-RU"/>
           </a:p>
@@ -2332,7 +2332,7 @@
           <a:p>
             <a:fld id="{2590F9C9-AB92-4E86-B698-DEC9BF4350FF}" type="datetimeFigureOut">
               <a:rPr lang="ru-RU" smtClean="0"/>
-              <a:t>21.04.2016</a:t>
+              <a:t>09.03.2017</a:t>
             </a:fld>
             <a:endParaRPr lang="ru-RU"/>
           </a:p>
@@ -2761,7 +2761,7 @@
           <a:p>
             <a:fld id="{2590F9C9-AB92-4E86-B698-DEC9BF4350FF}" type="datetimeFigureOut">
               <a:rPr lang="ru-RU" smtClean="0"/>
-              <a:t>21.04.2016</a:t>
+              <a:t>09.03.2017</a:t>
             </a:fld>
             <a:endParaRPr lang="ru-RU"/>
           </a:p>
@@ -2874,7 +2874,7 @@
           <a:p>
             <a:fld id="{2590F9C9-AB92-4E86-B698-DEC9BF4350FF}" type="datetimeFigureOut">
               <a:rPr lang="ru-RU" smtClean="0"/>
-              <a:t>21.04.2016</a:t>
+              <a:t>09.03.2017</a:t>
             </a:fld>
             <a:endParaRPr lang="ru-RU"/>
           </a:p>
@@ -2971,7 +2971,7 @@
           <a:p>
             <a:fld id="{2590F9C9-AB92-4E86-B698-DEC9BF4350FF}" type="datetimeFigureOut">
               <a:rPr lang="ru-RU" smtClean="0"/>
-              <a:t>21.04.2016</a:t>
+              <a:t>09.03.2017</a:t>
             </a:fld>
             <a:endParaRPr lang="ru-RU"/>
           </a:p>
@@ -3256,7 +3256,7 @@
           <a:p>
             <a:fld id="{2590F9C9-AB92-4E86-B698-DEC9BF4350FF}" type="datetimeFigureOut">
               <a:rPr lang="ru-RU" smtClean="0"/>
-              <a:t>21.04.2016</a:t>
+              <a:t>09.03.2017</a:t>
             </a:fld>
             <a:endParaRPr lang="ru-RU"/>
           </a:p>
@@ -3618,7 +3618,7 @@
           <a:p>
             <a:fld id="{2590F9C9-AB92-4E86-B698-DEC9BF4350FF}" type="datetimeFigureOut">
               <a:rPr lang="ru-RU" smtClean="0"/>
-              <a:t>21.04.2016</a:t>
+              <a:t>09.03.2017</a:t>
             </a:fld>
             <a:endParaRPr lang="ru-RU"/>
           </a:p>
@@ -4043,7 +4043,7 @@
           <a:p>
             <a:fld id="{2590F9C9-AB92-4E86-B698-DEC9BF4350FF}" type="datetimeFigureOut">
               <a:rPr lang="ru-RU" smtClean="0"/>
-              <a:t>21.04.2016</a:t>
+              <a:t>09.03.2017</a:t>
             </a:fld>
             <a:endParaRPr lang="ru-RU"/>
           </a:p>
@@ -26276,11 +26276,7 @@
             <a:pPr lvl="1"/>
             <a:r>
               <a:rPr lang="ru-RU" smtClean="0"/>
-              <a:t>Назначение </a:t>
-            </a:r>
-            <a:r>
-              <a:rPr lang="ru-RU" smtClean="0"/>
-              <a:t>команды </a:t>
+              <a:t>Назначение команды </a:t>
             </a:r>
             <a:r>
               <a:rPr lang="ru-RU" dirty="0"/>
@@ -27425,7 +27421,7 @@
     <p:controls>
       <mc:AlternateContent xmlns:mc="http://schemas.openxmlformats.org/markup-compatibility/2006">
         <mc:Choice xmlns:v="urn:schemas-microsoft-com:vml" Requires="v">
-          <p:control spid="1040" name="ShockwaveFlash1" r:id="rId2" imgW="1828800" imgH="1828800"/>
+          <p:control spid="1042" name="ShockwaveFlash1" r:id="rId2" imgW="1828800" imgH="1828800"/>
         </mc:Choice>
         <mc:Fallback>
           <p:control name="ShockwaveFlash1" r:id="rId2" imgW="1828800" imgH="1828800">

--- a/lectures/06.command/command.pptx
+++ b/lectures/06.command/command.pptx
@@ -243,7 +243,7 @@
           <a:p>
             <a:fld id="{2F3DCB6D-0B48-4A3D-B663-06C3F903A9D3}" type="datetimeFigureOut">
               <a:rPr lang="ru-RU" smtClean="0"/>
-              <a:t>09.03.2017</a:t>
+              <a:t>01.03.2018</a:t>
             </a:fld>
             <a:endParaRPr lang="ru-RU"/>
           </a:p>
@@ -1008,7 +1008,7 @@
           <a:p>
             <a:fld id="{2590F9C9-AB92-4E86-B698-DEC9BF4350FF}" type="datetimeFigureOut">
               <a:rPr lang="ru-RU" smtClean="0"/>
-              <a:t>09.03.2017</a:t>
+              <a:t>01.03.2018</a:t>
             </a:fld>
             <a:endParaRPr lang="ru-RU"/>
           </a:p>
@@ -1232,7 +1232,7 @@
           <a:p>
             <a:fld id="{2590F9C9-AB92-4E86-B698-DEC9BF4350FF}" type="datetimeFigureOut">
               <a:rPr lang="ru-RU" smtClean="0"/>
-              <a:t>09.03.2017</a:t>
+              <a:t>01.03.2018</a:t>
             </a:fld>
             <a:endParaRPr lang="ru-RU"/>
           </a:p>
@@ -1504,7 +1504,7 @@
           <a:p>
             <a:fld id="{2590F9C9-AB92-4E86-B698-DEC9BF4350FF}" type="datetimeFigureOut">
               <a:rPr lang="ru-RU" smtClean="0"/>
-              <a:t>09.03.2017</a:t>
+              <a:t>01.03.2018</a:t>
             </a:fld>
             <a:endParaRPr lang="ru-RU"/>
           </a:p>
@@ -1679,7 +1679,7 @@
           <a:p>
             <a:fld id="{2590F9C9-AB92-4E86-B698-DEC9BF4350FF}" type="datetimeFigureOut">
               <a:rPr lang="ru-RU" smtClean="0"/>
-              <a:t>09.03.2017</a:t>
+              <a:t>01.03.2018</a:t>
             </a:fld>
             <a:endParaRPr lang="ru-RU"/>
           </a:p>
@@ -2040,7 +2040,7 @@
           <a:p>
             <a:fld id="{2590F9C9-AB92-4E86-B698-DEC9BF4350FF}" type="datetimeFigureOut">
               <a:rPr lang="ru-RU" smtClean="0"/>
-              <a:t>09.03.2017</a:t>
+              <a:t>01.03.2018</a:t>
             </a:fld>
             <a:endParaRPr lang="ru-RU"/>
           </a:p>
@@ -2332,7 +2332,7 @@
           <a:p>
             <a:fld id="{2590F9C9-AB92-4E86-B698-DEC9BF4350FF}" type="datetimeFigureOut">
               <a:rPr lang="ru-RU" smtClean="0"/>
-              <a:t>09.03.2017</a:t>
+              <a:t>01.03.2018</a:t>
             </a:fld>
             <a:endParaRPr lang="ru-RU"/>
           </a:p>
@@ -2761,7 +2761,7 @@
           <a:p>
             <a:fld id="{2590F9C9-AB92-4E86-B698-DEC9BF4350FF}" type="datetimeFigureOut">
               <a:rPr lang="ru-RU" smtClean="0"/>
-              <a:t>09.03.2017</a:t>
+              <a:t>01.03.2018</a:t>
             </a:fld>
             <a:endParaRPr lang="ru-RU"/>
           </a:p>
@@ -2874,7 +2874,7 @@
           <a:p>
             <a:fld id="{2590F9C9-AB92-4E86-B698-DEC9BF4350FF}" type="datetimeFigureOut">
               <a:rPr lang="ru-RU" smtClean="0"/>
-              <a:t>09.03.2017</a:t>
+              <a:t>01.03.2018</a:t>
             </a:fld>
             <a:endParaRPr lang="ru-RU"/>
           </a:p>
@@ -2971,7 +2971,7 @@
           <a:p>
             <a:fld id="{2590F9C9-AB92-4E86-B698-DEC9BF4350FF}" type="datetimeFigureOut">
               <a:rPr lang="ru-RU" smtClean="0"/>
-              <a:t>09.03.2017</a:t>
+              <a:t>01.03.2018</a:t>
             </a:fld>
             <a:endParaRPr lang="ru-RU"/>
           </a:p>
@@ -3256,7 +3256,7 @@
           <a:p>
             <a:fld id="{2590F9C9-AB92-4E86-B698-DEC9BF4350FF}" type="datetimeFigureOut">
               <a:rPr lang="ru-RU" smtClean="0"/>
-              <a:t>09.03.2017</a:t>
+              <a:t>01.03.2018</a:t>
             </a:fld>
             <a:endParaRPr lang="ru-RU"/>
           </a:p>
@@ -3618,7 +3618,7 @@
           <a:p>
             <a:fld id="{2590F9C9-AB92-4E86-B698-DEC9BF4350FF}" type="datetimeFigureOut">
               <a:rPr lang="ru-RU" smtClean="0"/>
-              <a:t>09.03.2017</a:t>
+              <a:t>01.03.2018</a:t>
             </a:fld>
             <a:endParaRPr lang="ru-RU"/>
           </a:p>
@@ -4043,7 +4043,7 @@
           <a:p>
             <a:fld id="{2590F9C9-AB92-4E86-B698-DEC9BF4350FF}" type="datetimeFigureOut">
               <a:rPr lang="ru-RU" smtClean="0"/>
-              <a:t>09.03.2017</a:t>
+              <a:t>01.03.2018</a:t>
             </a:fld>
             <a:endParaRPr lang="ru-RU"/>
           </a:p>
@@ -4579,7 +4579,7 @@
               <a:t>Все команды должны реализовывать интерфейс </a:t>
             </a:r>
             <a:r>
-              <a:rPr lang="en-US" dirty="0" err="1"/>
+              <a:rPr lang="en-US" b="1" dirty="0" err="1"/>
               <a:t>ICommand</a:t>
             </a:r>
             <a:r>
@@ -4587,7 +4587,7 @@
               <a:t> с методом </a:t>
             </a:r>
             <a:r>
-              <a:rPr lang="en-US" dirty="0"/>
+              <a:rPr lang="en-US" b="1" dirty="0"/>
               <a:t>Execute</a:t>
             </a:r>
           </a:p>
@@ -8438,7 +8438,7 @@
                             </p:stCondLst>
                             <p:childTnLst>
                               <p:par>
-                                <p:cTn id="13" presetID="10" presetClass="entr" presetSubtype="0" fill="hold" grpId="0" nodeType="clickEffect">
+                                <p:cTn id="13" presetID="10" presetClass="entr" presetSubtype="0" fill="hold" nodeType="clickEffect">
                                   <p:stCondLst>
                                     <p:cond delay="0"/>
                                   </p:stCondLst>
@@ -8451,7 +8451,11 @@
                                           </p:stCondLst>
                                         </p:cTn>
                                         <p:tgtEl>
-                                          <p:spTgt spid="11"/>
+                                          <p:spTgt spid="5">
+                                            <p:txEl>
+                                              <p:pRg st="6" end="6"/>
+                                            </p:txEl>
+                                          </p:spTgt>
                                         </p:tgtEl>
                                         <p:attrNameLst>
                                           <p:attrName>style.visibility</p:attrName>
@@ -8465,7 +8469,11 @@
                                       <p:cBhvr>
                                         <p:cTn id="15" dur="500"/>
                                         <p:tgtEl>
-                                          <p:spTgt spid="11"/>
+                                          <p:spTgt spid="5">
+                                            <p:txEl>
+                                              <p:pRg st="6" end="6"/>
+                                            </p:txEl>
+                                          </p:spTgt>
                                         </p:tgtEl>
                                       </p:cBhvr>
                                     </p:animEffect>
@@ -8473,7 +8481,7 @@
                                 </p:cTn>
                               </p:par>
                               <p:par>
-                                <p:cTn id="16" presetID="10" presetClass="entr" presetSubtype="0" fill="hold" grpId="0" nodeType="withEffect">
+                                <p:cTn id="16" presetID="10" presetClass="entr" presetSubtype="0" fill="hold" nodeType="withEffect">
                                   <p:stCondLst>
                                     <p:cond delay="0"/>
                                   </p:stCondLst>
@@ -8486,7 +8494,11 @@
                                           </p:stCondLst>
                                         </p:cTn>
                                         <p:tgtEl>
-                                          <p:spTgt spid="12"/>
+                                          <p:spTgt spid="5">
+                                            <p:txEl>
+                                              <p:pRg st="7" end="7"/>
+                                            </p:txEl>
+                                          </p:spTgt>
                                         </p:tgtEl>
                                         <p:attrNameLst>
                                           <p:attrName>style.visibility</p:attrName>
@@ -8500,7 +8512,11 @@
                                       <p:cBhvr>
                                         <p:cTn id="18" dur="500"/>
                                         <p:tgtEl>
-                                          <p:spTgt spid="12"/>
+                                          <p:spTgt spid="5">
+                                            <p:txEl>
+                                              <p:pRg st="7" end="7"/>
+                                            </p:txEl>
+                                          </p:spTgt>
                                         </p:tgtEl>
                                       </p:cBhvr>
                                     </p:animEffect>
@@ -8508,7 +8524,7 @@
                                 </p:cTn>
                               </p:par>
                               <p:par>
-                                <p:cTn id="19" presetID="10" presetClass="entr" presetSubtype="0" fill="hold" grpId="0" nodeType="withEffect">
+                                <p:cTn id="19" presetID="10" presetClass="entr" presetSubtype="0" fill="hold" nodeType="withEffect">
                                   <p:stCondLst>
                                     <p:cond delay="0"/>
                                   </p:stCondLst>
@@ -8521,7 +8537,11 @@
                                           </p:stCondLst>
                                         </p:cTn>
                                         <p:tgtEl>
-                                          <p:spTgt spid="13"/>
+                                          <p:spTgt spid="5">
+                                            <p:txEl>
+                                              <p:pRg st="8" end="8"/>
+                                            </p:txEl>
+                                          </p:spTgt>
                                         </p:tgtEl>
                                         <p:attrNameLst>
                                           <p:attrName>style.visibility</p:attrName>
@@ -8535,7 +8555,11 @@
                                       <p:cBhvr>
                                         <p:cTn id="21" dur="500"/>
                                         <p:tgtEl>
-                                          <p:spTgt spid="13"/>
+                                          <p:spTgt spid="5">
+                                            <p:txEl>
+                                              <p:pRg st="8" end="8"/>
+                                            </p:txEl>
+                                          </p:spTgt>
                                         </p:tgtEl>
                                       </p:cBhvr>
                                     </p:animEffect>
@@ -8543,7 +8567,7 @@
                                 </p:cTn>
                               </p:par>
                               <p:par>
-                                <p:cTn id="22" presetID="10" presetClass="entr" presetSubtype="0" fill="hold" grpId="0" nodeType="withEffect">
+                                <p:cTn id="22" presetID="10" presetClass="entr" presetSubtype="0" fill="hold" nodeType="withEffect">
                                   <p:stCondLst>
                                     <p:cond delay="0"/>
                                   </p:stCondLst>
@@ -8556,7 +8580,11 @@
                                           </p:stCondLst>
                                         </p:cTn>
                                         <p:tgtEl>
-                                          <p:spTgt spid="14"/>
+                                          <p:spTgt spid="5">
+                                            <p:txEl>
+                                              <p:pRg st="9" end="9"/>
+                                            </p:txEl>
+                                          </p:spTgt>
                                         </p:tgtEl>
                                         <p:attrNameLst>
                                           <p:attrName>style.visibility</p:attrName>
@@ -8570,7 +8598,11 @@
                                       <p:cBhvr>
                                         <p:cTn id="24" dur="500"/>
                                         <p:tgtEl>
-                                          <p:spTgt spid="14"/>
+                                          <p:spTgt spid="5">
+                                            <p:txEl>
+                                              <p:pRg st="9" end="9"/>
+                                            </p:txEl>
+                                          </p:spTgt>
                                         </p:tgtEl>
                                       </p:cBhvr>
                                     </p:animEffect>
@@ -8591,7 +8623,11 @@
                                           </p:stCondLst>
                                         </p:cTn>
                                         <p:tgtEl>
-                                          <p:spTgt spid="37"/>
+                                          <p:spTgt spid="5">
+                                            <p:txEl>
+                                              <p:pRg st="10" end="10"/>
+                                            </p:txEl>
+                                          </p:spTgt>
                                         </p:tgtEl>
                                         <p:attrNameLst>
                                           <p:attrName>style.visibility</p:attrName>
@@ -8604,6 +8640,2371 @@
                                     <p:animEffect transition="in" filter="fade">
                                       <p:cBhvr>
                                         <p:cTn id="27" dur="500"/>
+                                        <p:tgtEl>
+                                          <p:spTgt spid="5">
+                                            <p:txEl>
+                                              <p:pRg st="10" end="10"/>
+                                            </p:txEl>
+                                          </p:spTgt>
+                                        </p:tgtEl>
+                                      </p:cBhvr>
+                                    </p:animEffect>
+                                  </p:childTnLst>
+                                </p:cTn>
+                              </p:par>
+                              <p:par>
+                                <p:cTn id="28" presetID="10" presetClass="entr" presetSubtype="0" fill="hold" nodeType="withEffect">
+                                  <p:stCondLst>
+                                    <p:cond delay="0"/>
+                                  </p:stCondLst>
+                                  <p:childTnLst>
+                                    <p:set>
+                                      <p:cBhvr>
+                                        <p:cTn id="29" dur="1" fill="hold">
+                                          <p:stCondLst>
+                                            <p:cond delay="0"/>
+                                          </p:stCondLst>
+                                        </p:cTn>
+                                        <p:tgtEl>
+                                          <p:spTgt spid="5">
+                                            <p:txEl>
+                                              <p:pRg st="11" end="11"/>
+                                            </p:txEl>
+                                          </p:spTgt>
+                                        </p:tgtEl>
+                                        <p:attrNameLst>
+                                          <p:attrName>style.visibility</p:attrName>
+                                        </p:attrNameLst>
+                                      </p:cBhvr>
+                                      <p:to>
+                                        <p:strVal val="visible"/>
+                                      </p:to>
+                                    </p:set>
+                                    <p:animEffect transition="in" filter="fade">
+                                      <p:cBhvr>
+                                        <p:cTn id="30" dur="500"/>
+                                        <p:tgtEl>
+                                          <p:spTgt spid="5">
+                                            <p:txEl>
+                                              <p:pRg st="11" end="11"/>
+                                            </p:txEl>
+                                          </p:spTgt>
+                                        </p:tgtEl>
+                                      </p:cBhvr>
+                                    </p:animEffect>
+                                  </p:childTnLst>
+                                </p:cTn>
+                              </p:par>
+                              <p:par>
+                                <p:cTn id="31" presetID="10" presetClass="entr" presetSubtype="0" fill="hold" nodeType="withEffect">
+                                  <p:stCondLst>
+                                    <p:cond delay="0"/>
+                                  </p:stCondLst>
+                                  <p:childTnLst>
+                                    <p:set>
+                                      <p:cBhvr>
+                                        <p:cTn id="32" dur="1" fill="hold">
+                                          <p:stCondLst>
+                                            <p:cond delay="0"/>
+                                          </p:stCondLst>
+                                        </p:cTn>
+                                        <p:tgtEl>
+                                          <p:spTgt spid="5">
+                                            <p:txEl>
+                                              <p:pRg st="12" end="12"/>
+                                            </p:txEl>
+                                          </p:spTgt>
+                                        </p:tgtEl>
+                                        <p:attrNameLst>
+                                          <p:attrName>style.visibility</p:attrName>
+                                        </p:attrNameLst>
+                                      </p:cBhvr>
+                                      <p:to>
+                                        <p:strVal val="visible"/>
+                                      </p:to>
+                                    </p:set>
+                                    <p:animEffect transition="in" filter="fade">
+                                      <p:cBhvr>
+                                        <p:cTn id="33" dur="500"/>
+                                        <p:tgtEl>
+                                          <p:spTgt spid="5">
+                                            <p:txEl>
+                                              <p:pRg st="12" end="12"/>
+                                            </p:txEl>
+                                          </p:spTgt>
+                                        </p:tgtEl>
+                                      </p:cBhvr>
+                                    </p:animEffect>
+                                  </p:childTnLst>
+                                </p:cTn>
+                              </p:par>
+                              <p:par>
+                                <p:cTn id="34" presetID="10" presetClass="entr" presetSubtype="0" fill="hold" nodeType="withEffect">
+                                  <p:stCondLst>
+                                    <p:cond delay="0"/>
+                                  </p:stCondLst>
+                                  <p:childTnLst>
+                                    <p:set>
+                                      <p:cBhvr>
+                                        <p:cTn id="35" dur="1" fill="hold">
+                                          <p:stCondLst>
+                                            <p:cond delay="0"/>
+                                          </p:stCondLst>
+                                        </p:cTn>
+                                        <p:tgtEl>
+                                          <p:spTgt spid="5">
+                                            <p:txEl>
+                                              <p:pRg st="13" end="13"/>
+                                            </p:txEl>
+                                          </p:spTgt>
+                                        </p:tgtEl>
+                                        <p:attrNameLst>
+                                          <p:attrName>style.visibility</p:attrName>
+                                        </p:attrNameLst>
+                                      </p:cBhvr>
+                                      <p:to>
+                                        <p:strVal val="visible"/>
+                                      </p:to>
+                                    </p:set>
+                                    <p:animEffect transition="in" filter="fade">
+                                      <p:cBhvr>
+                                        <p:cTn id="36" dur="500"/>
+                                        <p:tgtEl>
+                                          <p:spTgt spid="5">
+                                            <p:txEl>
+                                              <p:pRg st="13" end="13"/>
+                                            </p:txEl>
+                                          </p:spTgt>
+                                        </p:tgtEl>
+                                      </p:cBhvr>
+                                    </p:animEffect>
+                                  </p:childTnLst>
+                                </p:cTn>
+                              </p:par>
+                              <p:par>
+                                <p:cTn id="37" presetID="10" presetClass="entr" presetSubtype="0" fill="hold" nodeType="withEffect">
+                                  <p:stCondLst>
+                                    <p:cond delay="0"/>
+                                  </p:stCondLst>
+                                  <p:childTnLst>
+                                    <p:set>
+                                      <p:cBhvr>
+                                        <p:cTn id="38" dur="1" fill="hold">
+                                          <p:stCondLst>
+                                            <p:cond delay="0"/>
+                                          </p:stCondLst>
+                                        </p:cTn>
+                                        <p:tgtEl>
+                                          <p:spTgt spid="5">
+                                            <p:txEl>
+                                              <p:pRg st="14" end="14"/>
+                                            </p:txEl>
+                                          </p:spTgt>
+                                        </p:tgtEl>
+                                        <p:attrNameLst>
+                                          <p:attrName>style.visibility</p:attrName>
+                                        </p:attrNameLst>
+                                      </p:cBhvr>
+                                      <p:to>
+                                        <p:strVal val="visible"/>
+                                      </p:to>
+                                    </p:set>
+                                    <p:animEffect transition="in" filter="fade">
+                                      <p:cBhvr>
+                                        <p:cTn id="39" dur="500"/>
+                                        <p:tgtEl>
+                                          <p:spTgt spid="5">
+                                            <p:txEl>
+                                              <p:pRg st="14" end="14"/>
+                                            </p:txEl>
+                                          </p:spTgt>
+                                        </p:tgtEl>
+                                      </p:cBhvr>
+                                    </p:animEffect>
+                                  </p:childTnLst>
+                                </p:cTn>
+                              </p:par>
+                              <p:par>
+                                <p:cTn id="40" presetID="10" presetClass="entr" presetSubtype="0" fill="hold" nodeType="withEffect">
+                                  <p:stCondLst>
+                                    <p:cond delay="0"/>
+                                  </p:stCondLst>
+                                  <p:childTnLst>
+                                    <p:set>
+                                      <p:cBhvr>
+                                        <p:cTn id="41" dur="1" fill="hold">
+                                          <p:stCondLst>
+                                            <p:cond delay="0"/>
+                                          </p:stCondLst>
+                                        </p:cTn>
+                                        <p:tgtEl>
+                                          <p:spTgt spid="5">
+                                            <p:txEl>
+                                              <p:pRg st="15" end="15"/>
+                                            </p:txEl>
+                                          </p:spTgt>
+                                        </p:tgtEl>
+                                        <p:attrNameLst>
+                                          <p:attrName>style.visibility</p:attrName>
+                                        </p:attrNameLst>
+                                      </p:cBhvr>
+                                      <p:to>
+                                        <p:strVal val="visible"/>
+                                      </p:to>
+                                    </p:set>
+                                    <p:animEffect transition="in" filter="fade">
+                                      <p:cBhvr>
+                                        <p:cTn id="42" dur="500"/>
+                                        <p:tgtEl>
+                                          <p:spTgt spid="5">
+                                            <p:txEl>
+                                              <p:pRg st="15" end="15"/>
+                                            </p:txEl>
+                                          </p:spTgt>
+                                        </p:tgtEl>
+                                      </p:cBhvr>
+                                    </p:animEffect>
+                                  </p:childTnLst>
+                                </p:cTn>
+                              </p:par>
+                              <p:par>
+                                <p:cTn id="43" presetID="10" presetClass="entr" presetSubtype="0" fill="hold" nodeType="withEffect">
+                                  <p:stCondLst>
+                                    <p:cond delay="0"/>
+                                  </p:stCondLst>
+                                  <p:childTnLst>
+                                    <p:set>
+                                      <p:cBhvr>
+                                        <p:cTn id="44" dur="1" fill="hold">
+                                          <p:stCondLst>
+                                            <p:cond delay="0"/>
+                                          </p:stCondLst>
+                                        </p:cTn>
+                                        <p:tgtEl>
+                                          <p:spTgt spid="5">
+                                            <p:txEl>
+                                              <p:pRg st="16" end="16"/>
+                                            </p:txEl>
+                                          </p:spTgt>
+                                        </p:tgtEl>
+                                        <p:attrNameLst>
+                                          <p:attrName>style.visibility</p:attrName>
+                                        </p:attrNameLst>
+                                      </p:cBhvr>
+                                      <p:to>
+                                        <p:strVal val="visible"/>
+                                      </p:to>
+                                    </p:set>
+                                    <p:animEffect transition="in" filter="fade">
+                                      <p:cBhvr>
+                                        <p:cTn id="45" dur="500"/>
+                                        <p:tgtEl>
+                                          <p:spTgt spid="5">
+                                            <p:txEl>
+                                              <p:pRg st="16" end="16"/>
+                                            </p:txEl>
+                                          </p:spTgt>
+                                        </p:tgtEl>
+                                      </p:cBhvr>
+                                    </p:animEffect>
+                                  </p:childTnLst>
+                                </p:cTn>
+                              </p:par>
+                              <p:par>
+                                <p:cTn id="46" presetID="10" presetClass="entr" presetSubtype="0" fill="hold" nodeType="withEffect">
+                                  <p:stCondLst>
+                                    <p:cond delay="0"/>
+                                  </p:stCondLst>
+                                  <p:childTnLst>
+                                    <p:set>
+                                      <p:cBhvr>
+                                        <p:cTn id="47" dur="1" fill="hold">
+                                          <p:stCondLst>
+                                            <p:cond delay="0"/>
+                                          </p:stCondLst>
+                                        </p:cTn>
+                                        <p:tgtEl>
+                                          <p:spTgt spid="5">
+                                            <p:txEl>
+                                              <p:pRg st="17" end="17"/>
+                                            </p:txEl>
+                                          </p:spTgt>
+                                        </p:tgtEl>
+                                        <p:attrNameLst>
+                                          <p:attrName>style.visibility</p:attrName>
+                                        </p:attrNameLst>
+                                      </p:cBhvr>
+                                      <p:to>
+                                        <p:strVal val="visible"/>
+                                      </p:to>
+                                    </p:set>
+                                    <p:animEffect transition="in" filter="fade">
+                                      <p:cBhvr>
+                                        <p:cTn id="48" dur="500"/>
+                                        <p:tgtEl>
+                                          <p:spTgt spid="5">
+                                            <p:txEl>
+                                              <p:pRg st="17" end="17"/>
+                                            </p:txEl>
+                                          </p:spTgt>
+                                        </p:tgtEl>
+                                      </p:cBhvr>
+                                    </p:animEffect>
+                                  </p:childTnLst>
+                                </p:cTn>
+                              </p:par>
+                              <p:par>
+                                <p:cTn id="49" presetID="10" presetClass="entr" presetSubtype="0" fill="hold" nodeType="withEffect">
+                                  <p:stCondLst>
+                                    <p:cond delay="0"/>
+                                  </p:stCondLst>
+                                  <p:childTnLst>
+                                    <p:set>
+                                      <p:cBhvr>
+                                        <p:cTn id="50" dur="1" fill="hold">
+                                          <p:stCondLst>
+                                            <p:cond delay="0"/>
+                                          </p:stCondLst>
+                                        </p:cTn>
+                                        <p:tgtEl>
+                                          <p:spTgt spid="5">
+                                            <p:txEl>
+                                              <p:pRg st="18" end="18"/>
+                                            </p:txEl>
+                                          </p:spTgt>
+                                        </p:tgtEl>
+                                        <p:attrNameLst>
+                                          <p:attrName>style.visibility</p:attrName>
+                                        </p:attrNameLst>
+                                      </p:cBhvr>
+                                      <p:to>
+                                        <p:strVal val="visible"/>
+                                      </p:to>
+                                    </p:set>
+                                    <p:animEffect transition="in" filter="fade">
+                                      <p:cBhvr>
+                                        <p:cTn id="51" dur="500"/>
+                                        <p:tgtEl>
+                                          <p:spTgt spid="5">
+                                            <p:txEl>
+                                              <p:pRg st="18" end="18"/>
+                                            </p:txEl>
+                                          </p:spTgt>
+                                        </p:tgtEl>
+                                      </p:cBhvr>
+                                    </p:animEffect>
+                                  </p:childTnLst>
+                                </p:cTn>
+                              </p:par>
+                            </p:childTnLst>
+                          </p:cTn>
+                        </p:par>
+                        <p:par>
+                          <p:cTn id="52" fill="hold">
+                            <p:stCondLst>
+                              <p:cond delay="500"/>
+                            </p:stCondLst>
+                            <p:childTnLst>
+                              <p:par>
+                                <p:cTn id="53" presetID="10" presetClass="entr" presetSubtype="0" fill="hold" nodeType="afterEffect">
+                                  <p:stCondLst>
+                                    <p:cond delay="0"/>
+                                  </p:stCondLst>
+                                  <p:childTnLst>
+                                    <p:set>
+                                      <p:cBhvr>
+                                        <p:cTn id="54" dur="1" fill="hold">
+                                          <p:stCondLst>
+                                            <p:cond delay="0"/>
+                                          </p:stCondLst>
+                                        </p:cTn>
+                                        <p:tgtEl>
+                                          <p:spTgt spid="5">
+                                            <p:txEl>
+                                              <p:pRg st="20" end="20"/>
+                                            </p:txEl>
+                                          </p:spTgt>
+                                        </p:tgtEl>
+                                        <p:attrNameLst>
+                                          <p:attrName>style.visibility</p:attrName>
+                                        </p:attrNameLst>
+                                      </p:cBhvr>
+                                      <p:to>
+                                        <p:strVal val="visible"/>
+                                      </p:to>
+                                    </p:set>
+                                    <p:animEffect transition="in" filter="fade">
+                                      <p:cBhvr>
+                                        <p:cTn id="55" dur="500"/>
+                                        <p:tgtEl>
+                                          <p:spTgt spid="5">
+                                            <p:txEl>
+                                              <p:pRg st="20" end="20"/>
+                                            </p:txEl>
+                                          </p:spTgt>
+                                        </p:tgtEl>
+                                      </p:cBhvr>
+                                    </p:animEffect>
+                                  </p:childTnLst>
+                                </p:cTn>
+                              </p:par>
+                              <p:par>
+                                <p:cTn id="56" presetID="10" presetClass="entr" presetSubtype="0" fill="hold" nodeType="withEffect">
+                                  <p:stCondLst>
+                                    <p:cond delay="0"/>
+                                  </p:stCondLst>
+                                  <p:childTnLst>
+                                    <p:set>
+                                      <p:cBhvr>
+                                        <p:cTn id="57" dur="1" fill="hold">
+                                          <p:stCondLst>
+                                            <p:cond delay="0"/>
+                                          </p:stCondLst>
+                                        </p:cTn>
+                                        <p:tgtEl>
+                                          <p:spTgt spid="5">
+                                            <p:txEl>
+                                              <p:pRg st="21" end="21"/>
+                                            </p:txEl>
+                                          </p:spTgt>
+                                        </p:tgtEl>
+                                        <p:attrNameLst>
+                                          <p:attrName>style.visibility</p:attrName>
+                                        </p:attrNameLst>
+                                      </p:cBhvr>
+                                      <p:to>
+                                        <p:strVal val="visible"/>
+                                      </p:to>
+                                    </p:set>
+                                    <p:animEffect transition="in" filter="fade">
+                                      <p:cBhvr>
+                                        <p:cTn id="58" dur="500"/>
+                                        <p:tgtEl>
+                                          <p:spTgt spid="5">
+                                            <p:txEl>
+                                              <p:pRg st="21" end="21"/>
+                                            </p:txEl>
+                                          </p:spTgt>
+                                        </p:tgtEl>
+                                      </p:cBhvr>
+                                    </p:animEffect>
+                                  </p:childTnLst>
+                                </p:cTn>
+                              </p:par>
+                              <p:par>
+                                <p:cTn id="59" presetID="10" presetClass="entr" presetSubtype="0" fill="hold" nodeType="withEffect">
+                                  <p:stCondLst>
+                                    <p:cond delay="0"/>
+                                  </p:stCondLst>
+                                  <p:childTnLst>
+                                    <p:set>
+                                      <p:cBhvr>
+                                        <p:cTn id="60" dur="1" fill="hold">
+                                          <p:stCondLst>
+                                            <p:cond delay="0"/>
+                                          </p:stCondLst>
+                                        </p:cTn>
+                                        <p:tgtEl>
+                                          <p:spTgt spid="5">
+                                            <p:txEl>
+                                              <p:pRg st="22" end="22"/>
+                                            </p:txEl>
+                                          </p:spTgt>
+                                        </p:tgtEl>
+                                        <p:attrNameLst>
+                                          <p:attrName>style.visibility</p:attrName>
+                                        </p:attrNameLst>
+                                      </p:cBhvr>
+                                      <p:to>
+                                        <p:strVal val="visible"/>
+                                      </p:to>
+                                    </p:set>
+                                    <p:animEffect transition="in" filter="fade">
+                                      <p:cBhvr>
+                                        <p:cTn id="61" dur="500"/>
+                                        <p:tgtEl>
+                                          <p:spTgt spid="5">
+                                            <p:txEl>
+                                              <p:pRg st="22" end="22"/>
+                                            </p:txEl>
+                                          </p:spTgt>
+                                        </p:tgtEl>
+                                      </p:cBhvr>
+                                    </p:animEffect>
+                                  </p:childTnLst>
+                                </p:cTn>
+                              </p:par>
+                              <p:par>
+                                <p:cTn id="62" presetID="10" presetClass="entr" presetSubtype="0" fill="hold" nodeType="withEffect">
+                                  <p:stCondLst>
+                                    <p:cond delay="0"/>
+                                  </p:stCondLst>
+                                  <p:childTnLst>
+                                    <p:set>
+                                      <p:cBhvr>
+                                        <p:cTn id="63" dur="1" fill="hold">
+                                          <p:stCondLst>
+                                            <p:cond delay="0"/>
+                                          </p:stCondLst>
+                                        </p:cTn>
+                                        <p:tgtEl>
+                                          <p:spTgt spid="5">
+                                            <p:txEl>
+                                              <p:pRg st="23" end="23"/>
+                                            </p:txEl>
+                                          </p:spTgt>
+                                        </p:tgtEl>
+                                        <p:attrNameLst>
+                                          <p:attrName>style.visibility</p:attrName>
+                                        </p:attrNameLst>
+                                      </p:cBhvr>
+                                      <p:to>
+                                        <p:strVal val="visible"/>
+                                      </p:to>
+                                    </p:set>
+                                    <p:animEffect transition="in" filter="fade">
+                                      <p:cBhvr>
+                                        <p:cTn id="64" dur="500"/>
+                                        <p:tgtEl>
+                                          <p:spTgt spid="5">
+                                            <p:txEl>
+                                              <p:pRg st="23" end="23"/>
+                                            </p:txEl>
+                                          </p:spTgt>
+                                        </p:tgtEl>
+                                      </p:cBhvr>
+                                    </p:animEffect>
+                                  </p:childTnLst>
+                                </p:cTn>
+                              </p:par>
+                              <p:par>
+                                <p:cTn id="65" presetID="10" presetClass="entr" presetSubtype="0" fill="hold" nodeType="withEffect">
+                                  <p:stCondLst>
+                                    <p:cond delay="0"/>
+                                  </p:stCondLst>
+                                  <p:childTnLst>
+                                    <p:set>
+                                      <p:cBhvr>
+                                        <p:cTn id="66" dur="1" fill="hold">
+                                          <p:stCondLst>
+                                            <p:cond delay="0"/>
+                                          </p:stCondLst>
+                                        </p:cTn>
+                                        <p:tgtEl>
+                                          <p:spTgt spid="5">
+                                            <p:txEl>
+                                              <p:pRg st="24" end="24"/>
+                                            </p:txEl>
+                                          </p:spTgt>
+                                        </p:tgtEl>
+                                        <p:attrNameLst>
+                                          <p:attrName>style.visibility</p:attrName>
+                                        </p:attrNameLst>
+                                      </p:cBhvr>
+                                      <p:to>
+                                        <p:strVal val="visible"/>
+                                      </p:to>
+                                    </p:set>
+                                    <p:animEffect transition="in" filter="fade">
+                                      <p:cBhvr>
+                                        <p:cTn id="67" dur="500"/>
+                                        <p:tgtEl>
+                                          <p:spTgt spid="5">
+                                            <p:txEl>
+                                              <p:pRg st="24" end="24"/>
+                                            </p:txEl>
+                                          </p:spTgt>
+                                        </p:tgtEl>
+                                      </p:cBhvr>
+                                    </p:animEffect>
+                                  </p:childTnLst>
+                                </p:cTn>
+                              </p:par>
+                              <p:par>
+                                <p:cTn id="68" presetID="10" presetClass="entr" presetSubtype="0" fill="hold" nodeType="withEffect">
+                                  <p:stCondLst>
+                                    <p:cond delay="0"/>
+                                  </p:stCondLst>
+                                  <p:childTnLst>
+                                    <p:set>
+                                      <p:cBhvr>
+                                        <p:cTn id="69" dur="1" fill="hold">
+                                          <p:stCondLst>
+                                            <p:cond delay="0"/>
+                                          </p:stCondLst>
+                                        </p:cTn>
+                                        <p:tgtEl>
+                                          <p:spTgt spid="5">
+                                            <p:txEl>
+                                              <p:pRg st="25" end="25"/>
+                                            </p:txEl>
+                                          </p:spTgt>
+                                        </p:tgtEl>
+                                        <p:attrNameLst>
+                                          <p:attrName>style.visibility</p:attrName>
+                                        </p:attrNameLst>
+                                      </p:cBhvr>
+                                      <p:to>
+                                        <p:strVal val="visible"/>
+                                      </p:to>
+                                    </p:set>
+                                    <p:animEffect transition="in" filter="fade">
+                                      <p:cBhvr>
+                                        <p:cTn id="70" dur="500"/>
+                                        <p:tgtEl>
+                                          <p:spTgt spid="5">
+                                            <p:txEl>
+                                              <p:pRg st="25" end="25"/>
+                                            </p:txEl>
+                                          </p:spTgt>
+                                        </p:tgtEl>
+                                      </p:cBhvr>
+                                    </p:animEffect>
+                                  </p:childTnLst>
+                                </p:cTn>
+                              </p:par>
+                              <p:par>
+                                <p:cTn id="71" presetID="10" presetClass="entr" presetSubtype="0" fill="hold" nodeType="withEffect">
+                                  <p:stCondLst>
+                                    <p:cond delay="0"/>
+                                  </p:stCondLst>
+                                  <p:childTnLst>
+                                    <p:set>
+                                      <p:cBhvr>
+                                        <p:cTn id="72" dur="1" fill="hold">
+                                          <p:stCondLst>
+                                            <p:cond delay="0"/>
+                                          </p:stCondLst>
+                                        </p:cTn>
+                                        <p:tgtEl>
+                                          <p:spTgt spid="5">
+                                            <p:txEl>
+                                              <p:pRg st="26" end="26"/>
+                                            </p:txEl>
+                                          </p:spTgt>
+                                        </p:tgtEl>
+                                        <p:attrNameLst>
+                                          <p:attrName>style.visibility</p:attrName>
+                                        </p:attrNameLst>
+                                      </p:cBhvr>
+                                      <p:to>
+                                        <p:strVal val="visible"/>
+                                      </p:to>
+                                    </p:set>
+                                    <p:animEffect transition="in" filter="fade">
+                                      <p:cBhvr>
+                                        <p:cTn id="73" dur="500"/>
+                                        <p:tgtEl>
+                                          <p:spTgt spid="5">
+                                            <p:txEl>
+                                              <p:pRg st="26" end="26"/>
+                                            </p:txEl>
+                                          </p:spTgt>
+                                        </p:tgtEl>
+                                      </p:cBhvr>
+                                    </p:animEffect>
+                                  </p:childTnLst>
+                                </p:cTn>
+                              </p:par>
+                              <p:par>
+                                <p:cTn id="74" presetID="10" presetClass="entr" presetSubtype="0" fill="hold" nodeType="withEffect">
+                                  <p:stCondLst>
+                                    <p:cond delay="0"/>
+                                  </p:stCondLst>
+                                  <p:childTnLst>
+                                    <p:set>
+                                      <p:cBhvr>
+                                        <p:cTn id="75" dur="1" fill="hold">
+                                          <p:stCondLst>
+                                            <p:cond delay="0"/>
+                                          </p:stCondLst>
+                                        </p:cTn>
+                                        <p:tgtEl>
+                                          <p:spTgt spid="5">
+                                            <p:txEl>
+                                              <p:pRg st="27" end="27"/>
+                                            </p:txEl>
+                                          </p:spTgt>
+                                        </p:tgtEl>
+                                        <p:attrNameLst>
+                                          <p:attrName>style.visibility</p:attrName>
+                                        </p:attrNameLst>
+                                      </p:cBhvr>
+                                      <p:to>
+                                        <p:strVal val="visible"/>
+                                      </p:to>
+                                    </p:set>
+                                    <p:animEffect transition="in" filter="fade">
+                                      <p:cBhvr>
+                                        <p:cTn id="76" dur="500"/>
+                                        <p:tgtEl>
+                                          <p:spTgt spid="5">
+                                            <p:txEl>
+                                              <p:pRg st="27" end="27"/>
+                                            </p:txEl>
+                                          </p:spTgt>
+                                        </p:tgtEl>
+                                      </p:cBhvr>
+                                    </p:animEffect>
+                                  </p:childTnLst>
+                                </p:cTn>
+                              </p:par>
+                              <p:par>
+                                <p:cTn id="77" presetID="10" presetClass="entr" presetSubtype="0" fill="hold" nodeType="withEffect">
+                                  <p:stCondLst>
+                                    <p:cond delay="0"/>
+                                  </p:stCondLst>
+                                  <p:childTnLst>
+                                    <p:set>
+                                      <p:cBhvr>
+                                        <p:cTn id="78" dur="1" fill="hold">
+                                          <p:stCondLst>
+                                            <p:cond delay="0"/>
+                                          </p:stCondLst>
+                                        </p:cTn>
+                                        <p:tgtEl>
+                                          <p:spTgt spid="5">
+                                            <p:txEl>
+                                              <p:pRg st="28" end="28"/>
+                                            </p:txEl>
+                                          </p:spTgt>
+                                        </p:tgtEl>
+                                        <p:attrNameLst>
+                                          <p:attrName>style.visibility</p:attrName>
+                                        </p:attrNameLst>
+                                      </p:cBhvr>
+                                      <p:to>
+                                        <p:strVal val="visible"/>
+                                      </p:to>
+                                    </p:set>
+                                    <p:animEffect transition="in" filter="fade">
+                                      <p:cBhvr>
+                                        <p:cTn id="79" dur="500"/>
+                                        <p:tgtEl>
+                                          <p:spTgt spid="5">
+                                            <p:txEl>
+                                              <p:pRg st="28" end="28"/>
+                                            </p:txEl>
+                                          </p:spTgt>
+                                        </p:tgtEl>
+                                      </p:cBhvr>
+                                    </p:animEffect>
+                                  </p:childTnLst>
+                                </p:cTn>
+                              </p:par>
+                              <p:par>
+                                <p:cTn id="80" presetID="10" presetClass="entr" presetSubtype="0" fill="hold" nodeType="withEffect">
+                                  <p:stCondLst>
+                                    <p:cond delay="0"/>
+                                  </p:stCondLst>
+                                  <p:childTnLst>
+                                    <p:set>
+                                      <p:cBhvr>
+                                        <p:cTn id="81" dur="1" fill="hold">
+                                          <p:stCondLst>
+                                            <p:cond delay="0"/>
+                                          </p:stCondLst>
+                                        </p:cTn>
+                                        <p:tgtEl>
+                                          <p:spTgt spid="5">
+                                            <p:txEl>
+                                              <p:pRg st="29" end="29"/>
+                                            </p:txEl>
+                                          </p:spTgt>
+                                        </p:tgtEl>
+                                        <p:attrNameLst>
+                                          <p:attrName>style.visibility</p:attrName>
+                                        </p:attrNameLst>
+                                      </p:cBhvr>
+                                      <p:to>
+                                        <p:strVal val="visible"/>
+                                      </p:to>
+                                    </p:set>
+                                    <p:animEffect transition="in" filter="fade">
+                                      <p:cBhvr>
+                                        <p:cTn id="82" dur="500"/>
+                                        <p:tgtEl>
+                                          <p:spTgt spid="5">
+                                            <p:txEl>
+                                              <p:pRg st="29" end="29"/>
+                                            </p:txEl>
+                                          </p:spTgt>
+                                        </p:tgtEl>
+                                      </p:cBhvr>
+                                    </p:animEffect>
+                                  </p:childTnLst>
+                                </p:cTn>
+                              </p:par>
+                              <p:par>
+                                <p:cTn id="83" presetID="10" presetClass="entr" presetSubtype="0" fill="hold" nodeType="withEffect">
+                                  <p:stCondLst>
+                                    <p:cond delay="0"/>
+                                  </p:stCondLst>
+                                  <p:childTnLst>
+                                    <p:set>
+                                      <p:cBhvr>
+                                        <p:cTn id="84" dur="1" fill="hold">
+                                          <p:stCondLst>
+                                            <p:cond delay="0"/>
+                                          </p:stCondLst>
+                                        </p:cTn>
+                                        <p:tgtEl>
+                                          <p:spTgt spid="5">
+                                            <p:txEl>
+                                              <p:pRg st="30" end="30"/>
+                                            </p:txEl>
+                                          </p:spTgt>
+                                        </p:tgtEl>
+                                        <p:attrNameLst>
+                                          <p:attrName>style.visibility</p:attrName>
+                                        </p:attrNameLst>
+                                      </p:cBhvr>
+                                      <p:to>
+                                        <p:strVal val="visible"/>
+                                      </p:to>
+                                    </p:set>
+                                    <p:animEffect transition="in" filter="fade">
+                                      <p:cBhvr>
+                                        <p:cTn id="85" dur="500"/>
+                                        <p:tgtEl>
+                                          <p:spTgt spid="5">
+                                            <p:txEl>
+                                              <p:pRg st="30" end="30"/>
+                                            </p:txEl>
+                                          </p:spTgt>
+                                        </p:tgtEl>
+                                      </p:cBhvr>
+                                    </p:animEffect>
+                                  </p:childTnLst>
+                                </p:cTn>
+                              </p:par>
+                              <p:par>
+                                <p:cTn id="86" presetID="10" presetClass="entr" presetSubtype="0" fill="hold" nodeType="withEffect">
+                                  <p:stCondLst>
+                                    <p:cond delay="0"/>
+                                  </p:stCondLst>
+                                  <p:childTnLst>
+                                    <p:set>
+                                      <p:cBhvr>
+                                        <p:cTn id="87" dur="1" fill="hold">
+                                          <p:stCondLst>
+                                            <p:cond delay="0"/>
+                                          </p:stCondLst>
+                                        </p:cTn>
+                                        <p:tgtEl>
+                                          <p:spTgt spid="5">
+                                            <p:txEl>
+                                              <p:pRg st="31" end="31"/>
+                                            </p:txEl>
+                                          </p:spTgt>
+                                        </p:tgtEl>
+                                        <p:attrNameLst>
+                                          <p:attrName>style.visibility</p:attrName>
+                                        </p:attrNameLst>
+                                      </p:cBhvr>
+                                      <p:to>
+                                        <p:strVal val="visible"/>
+                                      </p:to>
+                                    </p:set>
+                                    <p:animEffect transition="in" filter="fade">
+                                      <p:cBhvr>
+                                        <p:cTn id="88" dur="500"/>
+                                        <p:tgtEl>
+                                          <p:spTgt spid="5">
+                                            <p:txEl>
+                                              <p:pRg st="31" end="31"/>
+                                            </p:txEl>
+                                          </p:spTgt>
+                                        </p:tgtEl>
+                                      </p:cBhvr>
+                                    </p:animEffect>
+                                  </p:childTnLst>
+                                </p:cTn>
+                              </p:par>
+                              <p:par>
+                                <p:cTn id="89" presetID="10" presetClass="entr" presetSubtype="0" fill="hold" nodeType="withEffect">
+                                  <p:stCondLst>
+                                    <p:cond delay="0"/>
+                                  </p:stCondLst>
+                                  <p:childTnLst>
+                                    <p:set>
+                                      <p:cBhvr>
+                                        <p:cTn id="90" dur="1" fill="hold">
+                                          <p:stCondLst>
+                                            <p:cond delay="0"/>
+                                          </p:stCondLst>
+                                        </p:cTn>
+                                        <p:tgtEl>
+                                          <p:spTgt spid="5">
+                                            <p:txEl>
+                                              <p:pRg st="32" end="32"/>
+                                            </p:txEl>
+                                          </p:spTgt>
+                                        </p:tgtEl>
+                                        <p:attrNameLst>
+                                          <p:attrName>style.visibility</p:attrName>
+                                        </p:attrNameLst>
+                                      </p:cBhvr>
+                                      <p:to>
+                                        <p:strVal val="visible"/>
+                                      </p:to>
+                                    </p:set>
+                                    <p:animEffect transition="in" filter="fade">
+                                      <p:cBhvr>
+                                        <p:cTn id="91" dur="500"/>
+                                        <p:tgtEl>
+                                          <p:spTgt spid="5">
+                                            <p:txEl>
+                                              <p:pRg st="32" end="32"/>
+                                            </p:txEl>
+                                          </p:spTgt>
+                                        </p:tgtEl>
+                                      </p:cBhvr>
+                                    </p:animEffect>
+                                  </p:childTnLst>
+                                </p:cTn>
+                              </p:par>
+                            </p:childTnLst>
+                          </p:cTn>
+                        </p:par>
+                        <p:par>
+                          <p:cTn id="92" fill="hold">
+                            <p:stCondLst>
+                              <p:cond delay="1000"/>
+                            </p:stCondLst>
+                            <p:childTnLst>
+                              <p:par>
+                                <p:cTn id="93" presetID="10" presetClass="entr" presetSubtype="0" fill="hold" nodeType="afterEffect">
+                                  <p:stCondLst>
+                                    <p:cond delay="0"/>
+                                  </p:stCondLst>
+                                  <p:childTnLst>
+                                    <p:set>
+                                      <p:cBhvr>
+                                        <p:cTn id="94" dur="1" fill="hold">
+                                          <p:stCondLst>
+                                            <p:cond delay="0"/>
+                                          </p:stCondLst>
+                                        </p:cTn>
+                                        <p:tgtEl>
+                                          <p:spTgt spid="6">
+                                            <p:txEl>
+                                              <p:pRg st="0" end="0"/>
+                                            </p:txEl>
+                                          </p:spTgt>
+                                        </p:tgtEl>
+                                        <p:attrNameLst>
+                                          <p:attrName>style.visibility</p:attrName>
+                                        </p:attrNameLst>
+                                      </p:cBhvr>
+                                      <p:to>
+                                        <p:strVal val="visible"/>
+                                      </p:to>
+                                    </p:set>
+                                    <p:animEffect transition="in" filter="fade">
+                                      <p:cBhvr>
+                                        <p:cTn id="95" dur="500"/>
+                                        <p:tgtEl>
+                                          <p:spTgt spid="6">
+                                            <p:txEl>
+                                              <p:pRg st="0" end="0"/>
+                                            </p:txEl>
+                                          </p:spTgt>
+                                        </p:tgtEl>
+                                      </p:cBhvr>
+                                    </p:animEffect>
+                                  </p:childTnLst>
+                                </p:cTn>
+                              </p:par>
+                              <p:par>
+                                <p:cTn id="96" presetID="10" presetClass="entr" presetSubtype="0" fill="hold" nodeType="withEffect">
+                                  <p:stCondLst>
+                                    <p:cond delay="0"/>
+                                  </p:stCondLst>
+                                  <p:childTnLst>
+                                    <p:set>
+                                      <p:cBhvr>
+                                        <p:cTn id="97" dur="1" fill="hold">
+                                          <p:stCondLst>
+                                            <p:cond delay="0"/>
+                                          </p:stCondLst>
+                                        </p:cTn>
+                                        <p:tgtEl>
+                                          <p:spTgt spid="6">
+                                            <p:txEl>
+                                              <p:pRg st="1" end="1"/>
+                                            </p:txEl>
+                                          </p:spTgt>
+                                        </p:tgtEl>
+                                        <p:attrNameLst>
+                                          <p:attrName>style.visibility</p:attrName>
+                                        </p:attrNameLst>
+                                      </p:cBhvr>
+                                      <p:to>
+                                        <p:strVal val="visible"/>
+                                      </p:to>
+                                    </p:set>
+                                    <p:animEffect transition="in" filter="fade">
+                                      <p:cBhvr>
+                                        <p:cTn id="98" dur="500"/>
+                                        <p:tgtEl>
+                                          <p:spTgt spid="6">
+                                            <p:txEl>
+                                              <p:pRg st="1" end="1"/>
+                                            </p:txEl>
+                                          </p:spTgt>
+                                        </p:tgtEl>
+                                      </p:cBhvr>
+                                    </p:animEffect>
+                                  </p:childTnLst>
+                                </p:cTn>
+                              </p:par>
+                              <p:par>
+                                <p:cTn id="99" presetID="10" presetClass="entr" presetSubtype="0" fill="hold" nodeType="withEffect">
+                                  <p:stCondLst>
+                                    <p:cond delay="0"/>
+                                  </p:stCondLst>
+                                  <p:childTnLst>
+                                    <p:set>
+                                      <p:cBhvr>
+                                        <p:cTn id="100" dur="1" fill="hold">
+                                          <p:stCondLst>
+                                            <p:cond delay="0"/>
+                                          </p:stCondLst>
+                                        </p:cTn>
+                                        <p:tgtEl>
+                                          <p:spTgt spid="6">
+                                            <p:txEl>
+                                              <p:pRg st="2" end="2"/>
+                                            </p:txEl>
+                                          </p:spTgt>
+                                        </p:tgtEl>
+                                        <p:attrNameLst>
+                                          <p:attrName>style.visibility</p:attrName>
+                                        </p:attrNameLst>
+                                      </p:cBhvr>
+                                      <p:to>
+                                        <p:strVal val="visible"/>
+                                      </p:to>
+                                    </p:set>
+                                    <p:animEffect transition="in" filter="fade">
+                                      <p:cBhvr>
+                                        <p:cTn id="101" dur="500"/>
+                                        <p:tgtEl>
+                                          <p:spTgt spid="6">
+                                            <p:txEl>
+                                              <p:pRg st="2" end="2"/>
+                                            </p:txEl>
+                                          </p:spTgt>
+                                        </p:tgtEl>
+                                      </p:cBhvr>
+                                    </p:animEffect>
+                                  </p:childTnLst>
+                                </p:cTn>
+                              </p:par>
+                              <p:par>
+                                <p:cTn id="102" presetID="10" presetClass="entr" presetSubtype="0" fill="hold" nodeType="withEffect">
+                                  <p:stCondLst>
+                                    <p:cond delay="0"/>
+                                  </p:stCondLst>
+                                  <p:childTnLst>
+                                    <p:set>
+                                      <p:cBhvr>
+                                        <p:cTn id="103" dur="1" fill="hold">
+                                          <p:stCondLst>
+                                            <p:cond delay="0"/>
+                                          </p:stCondLst>
+                                        </p:cTn>
+                                        <p:tgtEl>
+                                          <p:spTgt spid="6">
+                                            <p:txEl>
+                                              <p:pRg st="3" end="3"/>
+                                            </p:txEl>
+                                          </p:spTgt>
+                                        </p:tgtEl>
+                                        <p:attrNameLst>
+                                          <p:attrName>style.visibility</p:attrName>
+                                        </p:attrNameLst>
+                                      </p:cBhvr>
+                                      <p:to>
+                                        <p:strVal val="visible"/>
+                                      </p:to>
+                                    </p:set>
+                                    <p:animEffect transition="in" filter="fade">
+                                      <p:cBhvr>
+                                        <p:cTn id="104" dur="500"/>
+                                        <p:tgtEl>
+                                          <p:spTgt spid="6">
+                                            <p:txEl>
+                                              <p:pRg st="3" end="3"/>
+                                            </p:txEl>
+                                          </p:spTgt>
+                                        </p:tgtEl>
+                                      </p:cBhvr>
+                                    </p:animEffect>
+                                  </p:childTnLst>
+                                </p:cTn>
+                              </p:par>
+                              <p:par>
+                                <p:cTn id="105" presetID="10" presetClass="entr" presetSubtype="0" fill="hold" nodeType="withEffect">
+                                  <p:stCondLst>
+                                    <p:cond delay="0"/>
+                                  </p:stCondLst>
+                                  <p:childTnLst>
+                                    <p:set>
+                                      <p:cBhvr>
+                                        <p:cTn id="106" dur="1" fill="hold">
+                                          <p:stCondLst>
+                                            <p:cond delay="0"/>
+                                          </p:stCondLst>
+                                        </p:cTn>
+                                        <p:tgtEl>
+                                          <p:spTgt spid="6">
+                                            <p:txEl>
+                                              <p:pRg st="4" end="4"/>
+                                            </p:txEl>
+                                          </p:spTgt>
+                                        </p:tgtEl>
+                                        <p:attrNameLst>
+                                          <p:attrName>style.visibility</p:attrName>
+                                        </p:attrNameLst>
+                                      </p:cBhvr>
+                                      <p:to>
+                                        <p:strVal val="visible"/>
+                                      </p:to>
+                                    </p:set>
+                                    <p:animEffect transition="in" filter="fade">
+                                      <p:cBhvr>
+                                        <p:cTn id="107" dur="500"/>
+                                        <p:tgtEl>
+                                          <p:spTgt spid="6">
+                                            <p:txEl>
+                                              <p:pRg st="4" end="4"/>
+                                            </p:txEl>
+                                          </p:spTgt>
+                                        </p:tgtEl>
+                                      </p:cBhvr>
+                                    </p:animEffect>
+                                  </p:childTnLst>
+                                </p:cTn>
+                              </p:par>
+                              <p:par>
+                                <p:cTn id="108" presetID="10" presetClass="entr" presetSubtype="0" fill="hold" nodeType="withEffect">
+                                  <p:stCondLst>
+                                    <p:cond delay="0"/>
+                                  </p:stCondLst>
+                                  <p:childTnLst>
+                                    <p:set>
+                                      <p:cBhvr>
+                                        <p:cTn id="109" dur="1" fill="hold">
+                                          <p:stCondLst>
+                                            <p:cond delay="0"/>
+                                          </p:stCondLst>
+                                        </p:cTn>
+                                        <p:tgtEl>
+                                          <p:spTgt spid="6">
+                                            <p:txEl>
+                                              <p:pRg st="5" end="5"/>
+                                            </p:txEl>
+                                          </p:spTgt>
+                                        </p:tgtEl>
+                                        <p:attrNameLst>
+                                          <p:attrName>style.visibility</p:attrName>
+                                        </p:attrNameLst>
+                                      </p:cBhvr>
+                                      <p:to>
+                                        <p:strVal val="visible"/>
+                                      </p:to>
+                                    </p:set>
+                                    <p:animEffect transition="in" filter="fade">
+                                      <p:cBhvr>
+                                        <p:cTn id="110" dur="500"/>
+                                        <p:tgtEl>
+                                          <p:spTgt spid="6">
+                                            <p:txEl>
+                                              <p:pRg st="5" end="5"/>
+                                            </p:txEl>
+                                          </p:spTgt>
+                                        </p:tgtEl>
+                                      </p:cBhvr>
+                                    </p:animEffect>
+                                  </p:childTnLst>
+                                </p:cTn>
+                              </p:par>
+                              <p:par>
+                                <p:cTn id="111" presetID="10" presetClass="entr" presetSubtype="0" fill="hold" nodeType="withEffect">
+                                  <p:stCondLst>
+                                    <p:cond delay="0"/>
+                                  </p:stCondLst>
+                                  <p:childTnLst>
+                                    <p:set>
+                                      <p:cBhvr>
+                                        <p:cTn id="112" dur="1" fill="hold">
+                                          <p:stCondLst>
+                                            <p:cond delay="0"/>
+                                          </p:stCondLst>
+                                        </p:cTn>
+                                        <p:tgtEl>
+                                          <p:spTgt spid="6">
+                                            <p:txEl>
+                                              <p:pRg st="6" end="6"/>
+                                            </p:txEl>
+                                          </p:spTgt>
+                                        </p:tgtEl>
+                                        <p:attrNameLst>
+                                          <p:attrName>style.visibility</p:attrName>
+                                        </p:attrNameLst>
+                                      </p:cBhvr>
+                                      <p:to>
+                                        <p:strVal val="visible"/>
+                                      </p:to>
+                                    </p:set>
+                                    <p:animEffect transition="in" filter="fade">
+                                      <p:cBhvr>
+                                        <p:cTn id="113" dur="500"/>
+                                        <p:tgtEl>
+                                          <p:spTgt spid="6">
+                                            <p:txEl>
+                                              <p:pRg st="6" end="6"/>
+                                            </p:txEl>
+                                          </p:spTgt>
+                                        </p:tgtEl>
+                                      </p:cBhvr>
+                                    </p:animEffect>
+                                  </p:childTnLst>
+                                </p:cTn>
+                              </p:par>
+                              <p:par>
+                                <p:cTn id="114" presetID="10" presetClass="entr" presetSubtype="0" fill="hold" nodeType="withEffect">
+                                  <p:stCondLst>
+                                    <p:cond delay="0"/>
+                                  </p:stCondLst>
+                                  <p:childTnLst>
+                                    <p:set>
+                                      <p:cBhvr>
+                                        <p:cTn id="115" dur="1" fill="hold">
+                                          <p:stCondLst>
+                                            <p:cond delay="0"/>
+                                          </p:stCondLst>
+                                        </p:cTn>
+                                        <p:tgtEl>
+                                          <p:spTgt spid="6">
+                                            <p:txEl>
+                                              <p:pRg st="7" end="7"/>
+                                            </p:txEl>
+                                          </p:spTgt>
+                                        </p:tgtEl>
+                                        <p:attrNameLst>
+                                          <p:attrName>style.visibility</p:attrName>
+                                        </p:attrNameLst>
+                                      </p:cBhvr>
+                                      <p:to>
+                                        <p:strVal val="visible"/>
+                                      </p:to>
+                                    </p:set>
+                                    <p:animEffect transition="in" filter="fade">
+                                      <p:cBhvr>
+                                        <p:cTn id="116" dur="500"/>
+                                        <p:tgtEl>
+                                          <p:spTgt spid="6">
+                                            <p:txEl>
+                                              <p:pRg st="7" end="7"/>
+                                            </p:txEl>
+                                          </p:spTgt>
+                                        </p:tgtEl>
+                                      </p:cBhvr>
+                                    </p:animEffect>
+                                  </p:childTnLst>
+                                </p:cTn>
+                              </p:par>
+                              <p:par>
+                                <p:cTn id="117" presetID="10" presetClass="entr" presetSubtype="0" fill="hold" nodeType="withEffect">
+                                  <p:stCondLst>
+                                    <p:cond delay="0"/>
+                                  </p:stCondLst>
+                                  <p:childTnLst>
+                                    <p:set>
+                                      <p:cBhvr>
+                                        <p:cTn id="118" dur="1" fill="hold">
+                                          <p:stCondLst>
+                                            <p:cond delay="0"/>
+                                          </p:stCondLst>
+                                        </p:cTn>
+                                        <p:tgtEl>
+                                          <p:spTgt spid="6">
+                                            <p:txEl>
+                                              <p:pRg st="8" end="8"/>
+                                            </p:txEl>
+                                          </p:spTgt>
+                                        </p:tgtEl>
+                                        <p:attrNameLst>
+                                          <p:attrName>style.visibility</p:attrName>
+                                        </p:attrNameLst>
+                                      </p:cBhvr>
+                                      <p:to>
+                                        <p:strVal val="visible"/>
+                                      </p:to>
+                                    </p:set>
+                                    <p:animEffect transition="in" filter="fade">
+                                      <p:cBhvr>
+                                        <p:cTn id="119" dur="500"/>
+                                        <p:tgtEl>
+                                          <p:spTgt spid="6">
+                                            <p:txEl>
+                                              <p:pRg st="8" end="8"/>
+                                            </p:txEl>
+                                          </p:spTgt>
+                                        </p:tgtEl>
+                                      </p:cBhvr>
+                                    </p:animEffect>
+                                  </p:childTnLst>
+                                </p:cTn>
+                              </p:par>
+                              <p:par>
+                                <p:cTn id="120" presetID="10" presetClass="entr" presetSubtype="0" fill="hold" nodeType="withEffect">
+                                  <p:stCondLst>
+                                    <p:cond delay="0"/>
+                                  </p:stCondLst>
+                                  <p:childTnLst>
+                                    <p:set>
+                                      <p:cBhvr>
+                                        <p:cTn id="121" dur="1" fill="hold">
+                                          <p:stCondLst>
+                                            <p:cond delay="0"/>
+                                          </p:stCondLst>
+                                        </p:cTn>
+                                        <p:tgtEl>
+                                          <p:spTgt spid="6">
+                                            <p:txEl>
+                                              <p:pRg st="9" end="9"/>
+                                            </p:txEl>
+                                          </p:spTgt>
+                                        </p:tgtEl>
+                                        <p:attrNameLst>
+                                          <p:attrName>style.visibility</p:attrName>
+                                        </p:attrNameLst>
+                                      </p:cBhvr>
+                                      <p:to>
+                                        <p:strVal val="visible"/>
+                                      </p:to>
+                                    </p:set>
+                                    <p:animEffect transition="in" filter="fade">
+                                      <p:cBhvr>
+                                        <p:cTn id="122" dur="500"/>
+                                        <p:tgtEl>
+                                          <p:spTgt spid="6">
+                                            <p:txEl>
+                                              <p:pRg st="9" end="9"/>
+                                            </p:txEl>
+                                          </p:spTgt>
+                                        </p:tgtEl>
+                                      </p:cBhvr>
+                                    </p:animEffect>
+                                  </p:childTnLst>
+                                </p:cTn>
+                              </p:par>
+                              <p:par>
+                                <p:cTn id="123" presetID="10" presetClass="entr" presetSubtype="0" fill="hold" nodeType="withEffect">
+                                  <p:stCondLst>
+                                    <p:cond delay="0"/>
+                                  </p:stCondLst>
+                                  <p:childTnLst>
+                                    <p:set>
+                                      <p:cBhvr>
+                                        <p:cTn id="124" dur="1" fill="hold">
+                                          <p:stCondLst>
+                                            <p:cond delay="0"/>
+                                          </p:stCondLst>
+                                        </p:cTn>
+                                        <p:tgtEl>
+                                          <p:spTgt spid="6">
+                                            <p:txEl>
+                                              <p:pRg st="10" end="10"/>
+                                            </p:txEl>
+                                          </p:spTgt>
+                                        </p:tgtEl>
+                                        <p:attrNameLst>
+                                          <p:attrName>style.visibility</p:attrName>
+                                        </p:attrNameLst>
+                                      </p:cBhvr>
+                                      <p:to>
+                                        <p:strVal val="visible"/>
+                                      </p:to>
+                                    </p:set>
+                                    <p:animEffect transition="in" filter="fade">
+                                      <p:cBhvr>
+                                        <p:cTn id="125" dur="500"/>
+                                        <p:tgtEl>
+                                          <p:spTgt spid="6">
+                                            <p:txEl>
+                                              <p:pRg st="10" end="10"/>
+                                            </p:txEl>
+                                          </p:spTgt>
+                                        </p:tgtEl>
+                                      </p:cBhvr>
+                                    </p:animEffect>
+                                  </p:childTnLst>
+                                </p:cTn>
+                              </p:par>
+                              <p:par>
+                                <p:cTn id="126" presetID="10" presetClass="entr" presetSubtype="0" fill="hold" nodeType="withEffect">
+                                  <p:stCondLst>
+                                    <p:cond delay="0"/>
+                                  </p:stCondLst>
+                                  <p:childTnLst>
+                                    <p:set>
+                                      <p:cBhvr>
+                                        <p:cTn id="127" dur="1" fill="hold">
+                                          <p:stCondLst>
+                                            <p:cond delay="0"/>
+                                          </p:stCondLst>
+                                        </p:cTn>
+                                        <p:tgtEl>
+                                          <p:spTgt spid="6">
+                                            <p:txEl>
+                                              <p:pRg st="11" end="11"/>
+                                            </p:txEl>
+                                          </p:spTgt>
+                                        </p:tgtEl>
+                                        <p:attrNameLst>
+                                          <p:attrName>style.visibility</p:attrName>
+                                        </p:attrNameLst>
+                                      </p:cBhvr>
+                                      <p:to>
+                                        <p:strVal val="visible"/>
+                                      </p:to>
+                                    </p:set>
+                                    <p:animEffect transition="in" filter="fade">
+                                      <p:cBhvr>
+                                        <p:cTn id="128" dur="500"/>
+                                        <p:tgtEl>
+                                          <p:spTgt spid="6">
+                                            <p:txEl>
+                                              <p:pRg st="11" end="11"/>
+                                            </p:txEl>
+                                          </p:spTgt>
+                                        </p:tgtEl>
+                                      </p:cBhvr>
+                                    </p:animEffect>
+                                  </p:childTnLst>
+                                </p:cTn>
+                              </p:par>
+                              <p:par>
+                                <p:cTn id="129" presetID="10" presetClass="entr" presetSubtype="0" fill="hold" nodeType="withEffect">
+                                  <p:stCondLst>
+                                    <p:cond delay="0"/>
+                                  </p:stCondLst>
+                                  <p:childTnLst>
+                                    <p:set>
+                                      <p:cBhvr>
+                                        <p:cTn id="130" dur="1" fill="hold">
+                                          <p:stCondLst>
+                                            <p:cond delay="0"/>
+                                          </p:stCondLst>
+                                        </p:cTn>
+                                        <p:tgtEl>
+                                          <p:spTgt spid="6">
+                                            <p:txEl>
+                                              <p:pRg st="12" end="12"/>
+                                            </p:txEl>
+                                          </p:spTgt>
+                                        </p:tgtEl>
+                                        <p:attrNameLst>
+                                          <p:attrName>style.visibility</p:attrName>
+                                        </p:attrNameLst>
+                                      </p:cBhvr>
+                                      <p:to>
+                                        <p:strVal val="visible"/>
+                                      </p:to>
+                                    </p:set>
+                                    <p:animEffect transition="in" filter="fade">
+                                      <p:cBhvr>
+                                        <p:cTn id="131" dur="500"/>
+                                        <p:tgtEl>
+                                          <p:spTgt spid="6">
+                                            <p:txEl>
+                                              <p:pRg st="12" end="12"/>
+                                            </p:txEl>
+                                          </p:spTgt>
+                                        </p:tgtEl>
+                                      </p:cBhvr>
+                                    </p:animEffect>
+                                  </p:childTnLst>
+                                </p:cTn>
+                              </p:par>
+                              <p:par>
+                                <p:cTn id="132" presetID="10" presetClass="entr" presetSubtype="0" fill="hold" nodeType="withEffect">
+                                  <p:stCondLst>
+                                    <p:cond delay="0"/>
+                                  </p:stCondLst>
+                                  <p:childTnLst>
+                                    <p:set>
+                                      <p:cBhvr>
+                                        <p:cTn id="133" dur="1" fill="hold">
+                                          <p:stCondLst>
+                                            <p:cond delay="0"/>
+                                          </p:stCondLst>
+                                        </p:cTn>
+                                        <p:tgtEl>
+                                          <p:spTgt spid="6">
+                                            <p:txEl>
+                                              <p:pRg st="13" end="13"/>
+                                            </p:txEl>
+                                          </p:spTgt>
+                                        </p:tgtEl>
+                                        <p:attrNameLst>
+                                          <p:attrName>style.visibility</p:attrName>
+                                        </p:attrNameLst>
+                                      </p:cBhvr>
+                                      <p:to>
+                                        <p:strVal val="visible"/>
+                                      </p:to>
+                                    </p:set>
+                                    <p:animEffect transition="in" filter="fade">
+                                      <p:cBhvr>
+                                        <p:cTn id="134" dur="500"/>
+                                        <p:tgtEl>
+                                          <p:spTgt spid="6">
+                                            <p:txEl>
+                                              <p:pRg st="13" end="13"/>
+                                            </p:txEl>
+                                          </p:spTgt>
+                                        </p:tgtEl>
+                                      </p:cBhvr>
+                                    </p:animEffect>
+                                  </p:childTnLst>
+                                </p:cTn>
+                              </p:par>
+                              <p:par>
+                                <p:cTn id="135" presetID="10" presetClass="entr" presetSubtype="0" fill="hold" nodeType="withEffect">
+                                  <p:stCondLst>
+                                    <p:cond delay="0"/>
+                                  </p:stCondLst>
+                                  <p:childTnLst>
+                                    <p:set>
+                                      <p:cBhvr>
+                                        <p:cTn id="136" dur="1" fill="hold">
+                                          <p:stCondLst>
+                                            <p:cond delay="0"/>
+                                          </p:stCondLst>
+                                        </p:cTn>
+                                        <p:tgtEl>
+                                          <p:spTgt spid="6">
+                                            <p:txEl>
+                                              <p:pRg st="14" end="14"/>
+                                            </p:txEl>
+                                          </p:spTgt>
+                                        </p:tgtEl>
+                                        <p:attrNameLst>
+                                          <p:attrName>style.visibility</p:attrName>
+                                        </p:attrNameLst>
+                                      </p:cBhvr>
+                                      <p:to>
+                                        <p:strVal val="visible"/>
+                                      </p:to>
+                                    </p:set>
+                                    <p:animEffect transition="in" filter="fade">
+                                      <p:cBhvr>
+                                        <p:cTn id="137" dur="500"/>
+                                        <p:tgtEl>
+                                          <p:spTgt spid="6">
+                                            <p:txEl>
+                                              <p:pRg st="14" end="14"/>
+                                            </p:txEl>
+                                          </p:spTgt>
+                                        </p:tgtEl>
+                                      </p:cBhvr>
+                                    </p:animEffect>
+                                  </p:childTnLst>
+                                </p:cTn>
+                              </p:par>
+                              <p:par>
+                                <p:cTn id="138" presetID="10" presetClass="entr" presetSubtype="0" fill="hold" nodeType="withEffect">
+                                  <p:stCondLst>
+                                    <p:cond delay="0"/>
+                                  </p:stCondLst>
+                                  <p:childTnLst>
+                                    <p:set>
+                                      <p:cBhvr>
+                                        <p:cTn id="139" dur="1" fill="hold">
+                                          <p:stCondLst>
+                                            <p:cond delay="0"/>
+                                          </p:stCondLst>
+                                        </p:cTn>
+                                        <p:tgtEl>
+                                          <p:spTgt spid="6">
+                                            <p:txEl>
+                                              <p:pRg st="15" end="15"/>
+                                            </p:txEl>
+                                          </p:spTgt>
+                                        </p:tgtEl>
+                                        <p:attrNameLst>
+                                          <p:attrName>style.visibility</p:attrName>
+                                        </p:attrNameLst>
+                                      </p:cBhvr>
+                                      <p:to>
+                                        <p:strVal val="visible"/>
+                                      </p:to>
+                                    </p:set>
+                                    <p:animEffect transition="in" filter="fade">
+                                      <p:cBhvr>
+                                        <p:cTn id="140" dur="500"/>
+                                        <p:tgtEl>
+                                          <p:spTgt spid="6">
+                                            <p:txEl>
+                                              <p:pRg st="15" end="15"/>
+                                            </p:txEl>
+                                          </p:spTgt>
+                                        </p:tgtEl>
+                                      </p:cBhvr>
+                                    </p:animEffect>
+                                  </p:childTnLst>
+                                </p:cTn>
+                              </p:par>
+                            </p:childTnLst>
+                          </p:cTn>
+                        </p:par>
+                        <p:par>
+                          <p:cTn id="141" fill="hold">
+                            <p:stCondLst>
+                              <p:cond delay="1500"/>
+                            </p:stCondLst>
+                            <p:childTnLst>
+                              <p:par>
+                                <p:cTn id="142" presetID="10" presetClass="entr" presetSubtype="0" fill="hold" nodeType="afterEffect">
+                                  <p:stCondLst>
+                                    <p:cond delay="0"/>
+                                  </p:stCondLst>
+                                  <p:childTnLst>
+                                    <p:set>
+                                      <p:cBhvr>
+                                        <p:cTn id="143" dur="1" fill="hold">
+                                          <p:stCondLst>
+                                            <p:cond delay="0"/>
+                                          </p:stCondLst>
+                                        </p:cTn>
+                                        <p:tgtEl>
+                                          <p:spTgt spid="6">
+                                            <p:txEl>
+                                              <p:pRg st="17" end="17"/>
+                                            </p:txEl>
+                                          </p:spTgt>
+                                        </p:tgtEl>
+                                        <p:attrNameLst>
+                                          <p:attrName>style.visibility</p:attrName>
+                                        </p:attrNameLst>
+                                      </p:cBhvr>
+                                      <p:to>
+                                        <p:strVal val="visible"/>
+                                      </p:to>
+                                    </p:set>
+                                    <p:animEffect transition="in" filter="fade">
+                                      <p:cBhvr>
+                                        <p:cTn id="144" dur="500"/>
+                                        <p:tgtEl>
+                                          <p:spTgt spid="6">
+                                            <p:txEl>
+                                              <p:pRg st="17" end="17"/>
+                                            </p:txEl>
+                                          </p:spTgt>
+                                        </p:tgtEl>
+                                      </p:cBhvr>
+                                    </p:animEffect>
+                                  </p:childTnLst>
+                                </p:cTn>
+                              </p:par>
+                              <p:par>
+                                <p:cTn id="145" presetID="10" presetClass="entr" presetSubtype="0" fill="hold" nodeType="withEffect">
+                                  <p:stCondLst>
+                                    <p:cond delay="0"/>
+                                  </p:stCondLst>
+                                  <p:childTnLst>
+                                    <p:set>
+                                      <p:cBhvr>
+                                        <p:cTn id="146" dur="1" fill="hold">
+                                          <p:stCondLst>
+                                            <p:cond delay="0"/>
+                                          </p:stCondLst>
+                                        </p:cTn>
+                                        <p:tgtEl>
+                                          <p:spTgt spid="6">
+                                            <p:txEl>
+                                              <p:pRg st="18" end="18"/>
+                                            </p:txEl>
+                                          </p:spTgt>
+                                        </p:tgtEl>
+                                        <p:attrNameLst>
+                                          <p:attrName>style.visibility</p:attrName>
+                                        </p:attrNameLst>
+                                      </p:cBhvr>
+                                      <p:to>
+                                        <p:strVal val="visible"/>
+                                      </p:to>
+                                    </p:set>
+                                    <p:animEffect transition="in" filter="fade">
+                                      <p:cBhvr>
+                                        <p:cTn id="147" dur="500"/>
+                                        <p:tgtEl>
+                                          <p:spTgt spid="6">
+                                            <p:txEl>
+                                              <p:pRg st="18" end="18"/>
+                                            </p:txEl>
+                                          </p:spTgt>
+                                        </p:tgtEl>
+                                      </p:cBhvr>
+                                    </p:animEffect>
+                                  </p:childTnLst>
+                                </p:cTn>
+                              </p:par>
+                              <p:par>
+                                <p:cTn id="148" presetID="10" presetClass="entr" presetSubtype="0" fill="hold" nodeType="withEffect">
+                                  <p:stCondLst>
+                                    <p:cond delay="0"/>
+                                  </p:stCondLst>
+                                  <p:childTnLst>
+                                    <p:set>
+                                      <p:cBhvr>
+                                        <p:cTn id="149" dur="1" fill="hold">
+                                          <p:stCondLst>
+                                            <p:cond delay="0"/>
+                                          </p:stCondLst>
+                                        </p:cTn>
+                                        <p:tgtEl>
+                                          <p:spTgt spid="6">
+                                            <p:txEl>
+                                              <p:pRg st="19" end="19"/>
+                                            </p:txEl>
+                                          </p:spTgt>
+                                        </p:tgtEl>
+                                        <p:attrNameLst>
+                                          <p:attrName>style.visibility</p:attrName>
+                                        </p:attrNameLst>
+                                      </p:cBhvr>
+                                      <p:to>
+                                        <p:strVal val="visible"/>
+                                      </p:to>
+                                    </p:set>
+                                    <p:animEffect transition="in" filter="fade">
+                                      <p:cBhvr>
+                                        <p:cTn id="150" dur="500"/>
+                                        <p:tgtEl>
+                                          <p:spTgt spid="6">
+                                            <p:txEl>
+                                              <p:pRg st="19" end="19"/>
+                                            </p:txEl>
+                                          </p:spTgt>
+                                        </p:tgtEl>
+                                      </p:cBhvr>
+                                    </p:animEffect>
+                                  </p:childTnLst>
+                                </p:cTn>
+                              </p:par>
+                              <p:par>
+                                <p:cTn id="151" presetID="10" presetClass="entr" presetSubtype="0" fill="hold" nodeType="withEffect">
+                                  <p:stCondLst>
+                                    <p:cond delay="0"/>
+                                  </p:stCondLst>
+                                  <p:childTnLst>
+                                    <p:set>
+                                      <p:cBhvr>
+                                        <p:cTn id="152" dur="1" fill="hold">
+                                          <p:stCondLst>
+                                            <p:cond delay="0"/>
+                                          </p:stCondLst>
+                                        </p:cTn>
+                                        <p:tgtEl>
+                                          <p:spTgt spid="6">
+                                            <p:txEl>
+                                              <p:pRg st="20" end="20"/>
+                                            </p:txEl>
+                                          </p:spTgt>
+                                        </p:tgtEl>
+                                        <p:attrNameLst>
+                                          <p:attrName>style.visibility</p:attrName>
+                                        </p:attrNameLst>
+                                      </p:cBhvr>
+                                      <p:to>
+                                        <p:strVal val="visible"/>
+                                      </p:to>
+                                    </p:set>
+                                    <p:animEffect transition="in" filter="fade">
+                                      <p:cBhvr>
+                                        <p:cTn id="153" dur="500"/>
+                                        <p:tgtEl>
+                                          <p:spTgt spid="6">
+                                            <p:txEl>
+                                              <p:pRg st="20" end="20"/>
+                                            </p:txEl>
+                                          </p:spTgt>
+                                        </p:tgtEl>
+                                      </p:cBhvr>
+                                    </p:animEffect>
+                                  </p:childTnLst>
+                                </p:cTn>
+                              </p:par>
+                              <p:par>
+                                <p:cTn id="154" presetID="10" presetClass="entr" presetSubtype="0" fill="hold" nodeType="withEffect">
+                                  <p:stCondLst>
+                                    <p:cond delay="0"/>
+                                  </p:stCondLst>
+                                  <p:childTnLst>
+                                    <p:set>
+                                      <p:cBhvr>
+                                        <p:cTn id="155" dur="1" fill="hold">
+                                          <p:stCondLst>
+                                            <p:cond delay="0"/>
+                                          </p:stCondLst>
+                                        </p:cTn>
+                                        <p:tgtEl>
+                                          <p:spTgt spid="6">
+                                            <p:txEl>
+                                              <p:pRg st="21" end="21"/>
+                                            </p:txEl>
+                                          </p:spTgt>
+                                        </p:tgtEl>
+                                        <p:attrNameLst>
+                                          <p:attrName>style.visibility</p:attrName>
+                                        </p:attrNameLst>
+                                      </p:cBhvr>
+                                      <p:to>
+                                        <p:strVal val="visible"/>
+                                      </p:to>
+                                    </p:set>
+                                    <p:animEffect transition="in" filter="fade">
+                                      <p:cBhvr>
+                                        <p:cTn id="156" dur="500"/>
+                                        <p:tgtEl>
+                                          <p:spTgt spid="6">
+                                            <p:txEl>
+                                              <p:pRg st="21" end="21"/>
+                                            </p:txEl>
+                                          </p:spTgt>
+                                        </p:tgtEl>
+                                      </p:cBhvr>
+                                    </p:animEffect>
+                                  </p:childTnLst>
+                                </p:cTn>
+                              </p:par>
+                              <p:par>
+                                <p:cTn id="157" presetID="10" presetClass="entr" presetSubtype="0" fill="hold" nodeType="withEffect">
+                                  <p:stCondLst>
+                                    <p:cond delay="0"/>
+                                  </p:stCondLst>
+                                  <p:childTnLst>
+                                    <p:set>
+                                      <p:cBhvr>
+                                        <p:cTn id="158" dur="1" fill="hold">
+                                          <p:stCondLst>
+                                            <p:cond delay="0"/>
+                                          </p:stCondLst>
+                                        </p:cTn>
+                                        <p:tgtEl>
+                                          <p:spTgt spid="6">
+                                            <p:txEl>
+                                              <p:pRg st="22" end="22"/>
+                                            </p:txEl>
+                                          </p:spTgt>
+                                        </p:tgtEl>
+                                        <p:attrNameLst>
+                                          <p:attrName>style.visibility</p:attrName>
+                                        </p:attrNameLst>
+                                      </p:cBhvr>
+                                      <p:to>
+                                        <p:strVal val="visible"/>
+                                      </p:to>
+                                    </p:set>
+                                    <p:animEffect transition="in" filter="fade">
+                                      <p:cBhvr>
+                                        <p:cTn id="159" dur="500"/>
+                                        <p:tgtEl>
+                                          <p:spTgt spid="6">
+                                            <p:txEl>
+                                              <p:pRg st="22" end="22"/>
+                                            </p:txEl>
+                                          </p:spTgt>
+                                        </p:tgtEl>
+                                      </p:cBhvr>
+                                    </p:animEffect>
+                                  </p:childTnLst>
+                                </p:cTn>
+                              </p:par>
+                              <p:par>
+                                <p:cTn id="160" presetID="10" presetClass="entr" presetSubtype="0" fill="hold" nodeType="withEffect">
+                                  <p:stCondLst>
+                                    <p:cond delay="0"/>
+                                  </p:stCondLst>
+                                  <p:childTnLst>
+                                    <p:set>
+                                      <p:cBhvr>
+                                        <p:cTn id="161" dur="1" fill="hold">
+                                          <p:stCondLst>
+                                            <p:cond delay="0"/>
+                                          </p:stCondLst>
+                                        </p:cTn>
+                                        <p:tgtEl>
+                                          <p:spTgt spid="6">
+                                            <p:txEl>
+                                              <p:pRg st="23" end="23"/>
+                                            </p:txEl>
+                                          </p:spTgt>
+                                        </p:tgtEl>
+                                        <p:attrNameLst>
+                                          <p:attrName>style.visibility</p:attrName>
+                                        </p:attrNameLst>
+                                      </p:cBhvr>
+                                      <p:to>
+                                        <p:strVal val="visible"/>
+                                      </p:to>
+                                    </p:set>
+                                    <p:animEffect transition="in" filter="fade">
+                                      <p:cBhvr>
+                                        <p:cTn id="162" dur="500"/>
+                                        <p:tgtEl>
+                                          <p:spTgt spid="6">
+                                            <p:txEl>
+                                              <p:pRg st="23" end="23"/>
+                                            </p:txEl>
+                                          </p:spTgt>
+                                        </p:tgtEl>
+                                      </p:cBhvr>
+                                    </p:animEffect>
+                                  </p:childTnLst>
+                                </p:cTn>
+                              </p:par>
+                              <p:par>
+                                <p:cTn id="163" presetID="10" presetClass="entr" presetSubtype="0" fill="hold" nodeType="withEffect">
+                                  <p:stCondLst>
+                                    <p:cond delay="0"/>
+                                  </p:stCondLst>
+                                  <p:childTnLst>
+                                    <p:set>
+                                      <p:cBhvr>
+                                        <p:cTn id="164" dur="1" fill="hold">
+                                          <p:stCondLst>
+                                            <p:cond delay="0"/>
+                                          </p:stCondLst>
+                                        </p:cTn>
+                                        <p:tgtEl>
+                                          <p:spTgt spid="6">
+                                            <p:txEl>
+                                              <p:pRg st="24" end="24"/>
+                                            </p:txEl>
+                                          </p:spTgt>
+                                        </p:tgtEl>
+                                        <p:attrNameLst>
+                                          <p:attrName>style.visibility</p:attrName>
+                                        </p:attrNameLst>
+                                      </p:cBhvr>
+                                      <p:to>
+                                        <p:strVal val="visible"/>
+                                      </p:to>
+                                    </p:set>
+                                    <p:animEffect transition="in" filter="fade">
+                                      <p:cBhvr>
+                                        <p:cTn id="165" dur="500"/>
+                                        <p:tgtEl>
+                                          <p:spTgt spid="6">
+                                            <p:txEl>
+                                              <p:pRg st="24" end="24"/>
+                                            </p:txEl>
+                                          </p:spTgt>
+                                        </p:tgtEl>
+                                      </p:cBhvr>
+                                    </p:animEffect>
+                                  </p:childTnLst>
+                                </p:cTn>
+                              </p:par>
+                              <p:par>
+                                <p:cTn id="166" presetID="10" presetClass="entr" presetSubtype="0" fill="hold" nodeType="withEffect">
+                                  <p:stCondLst>
+                                    <p:cond delay="0"/>
+                                  </p:stCondLst>
+                                  <p:childTnLst>
+                                    <p:set>
+                                      <p:cBhvr>
+                                        <p:cTn id="167" dur="1" fill="hold">
+                                          <p:stCondLst>
+                                            <p:cond delay="0"/>
+                                          </p:stCondLst>
+                                        </p:cTn>
+                                        <p:tgtEl>
+                                          <p:spTgt spid="6">
+                                            <p:txEl>
+                                              <p:pRg st="25" end="25"/>
+                                            </p:txEl>
+                                          </p:spTgt>
+                                        </p:tgtEl>
+                                        <p:attrNameLst>
+                                          <p:attrName>style.visibility</p:attrName>
+                                        </p:attrNameLst>
+                                      </p:cBhvr>
+                                      <p:to>
+                                        <p:strVal val="visible"/>
+                                      </p:to>
+                                    </p:set>
+                                    <p:animEffect transition="in" filter="fade">
+                                      <p:cBhvr>
+                                        <p:cTn id="168" dur="500"/>
+                                        <p:tgtEl>
+                                          <p:spTgt spid="6">
+                                            <p:txEl>
+                                              <p:pRg st="25" end="25"/>
+                                            </p:txEl>
+                                          </p:spTgt>
+                                        </p:tgtEl>
+                                      </p:cBhvr>
+                                    </p:animEffect>
+                                  </p:childTnLst>
+                                </p:cTn>
+                              </p:par>
+                              <p:par>
+                                <p:cTn id="169" presetID="10" presetClass="entr" presetSubtype="0" fill="hold" nodeType="withEffect">
+                                  <p:stCondLst>
+                                    <p:cond delay="0"/>
+                                  </p:stCondLst>
+                                  <p:childTnLst>
+                                    <p:set>
+                                      <p:cBhvr>
+                                        <p:cTn id="170" dur="1" fill="hold">
+                                          <p:stCondLst>
+                                            <p:cond delay="0"/>
+                                          </p:stCondLst>
+                                        </p:cTn>
+                                        <p:tgtEl>
+                                          <p:spTgt spid="6">
+                                            <p:txEl>
+                                              <p:pRg st="26" end="26"/>
+                                            </p:txEl>
+                                          </p:spTgt>
+                                        </p:tgtEl>
+                                        <p:attrNameLst>
+                                          <p:attrName>style.visibility</p:attrName>
+                                        </p:attrNameLst>
+                                      </p:cBhvr>
+                                      <p:to>
+                                        <p:strVal val="visible"/>
+                                      </p:to>
+                                    </p:set>
+                                    <p:animEffect transition="in" filter="fade">
+                                      <p:cBhvr>
+                                        <p:cTn id="171" dur="500"/>
+                                        <p:tgtEl>
+                                          <p:spTgt spid="6">
+                                            <p:txEl>
+                                              <p:pRg st="26" end="26"/>
+                                            </p:txEl>
+                                          </p:spTgt>
+                                        </p:tgtEl>
+                                      </p:cBhvr>
+                                    </p:animEffect>
+                                  </p:childTnLst>
+                                </p:cTn>
+                              </p:par>
+                              <p:par>
+                                <p:cTn id="172" presetID="10" presetClass="entr" presetSubtype="0" fill="hold" nodeType="withEffect">
+                                  <p:stCondLst>
+                                    <p:cond delay="0"/>
+                                  </p:stCondLst>
+                                  <p:childTnLst>
+                                    <p:set>
+                                      <p:cBhvr>
+                                        <p:cTn id="173" dur="1" fill="hold">
+                                          <p:stCondLst>
+                                            <p:cond delay="0"/>
+                                          </p:stCondLst>
+                                        </p:cTn>
+                                        <p:tgtEl>
+                                          <p:spTgt spid="6">
+                                            <p:txEl>
+                                              <p:pRg st="27" end="27"/>
+                                            </p:txEl>
+                                          </p:spTgt>
+                                        </p:tgtEl>
+                                        <p:attrNameLst>
+                                          <p:attrName>style.visibility</p:attrName>
+                                        </p:attrNameLst>
+                                      </p:cBhvr>
+                                      <p:to>
+                                        <p:strVal val="visible"/>
+                                      </p:to>
+                                    </p:set>
+                                    <p:animEffect transition="in" filter="fade">
+                                      <p:cBhvr>
+                                        <p:cTn id="174" dur="500"/>
+                                        <p:tgtEl>
+                                          <p:spTgt spid="6">
+                                            <p:txEl>
+                                              <p:pRg st="27" end="27"/>
+                                            </p:txEl>
+                                          </p:spTgt>
+                                        </p:tgtEl>
+                                      </p:cBhvr>
+                                    </p:animEffect>
+                                  </p:childTnLst>
+                                </p:cTn>
+                              </p:par>
+                              <p:par>
+                                <p:cTn id="175" presetID="10" presetClass="entr" presetSubtype="0" fill="hold" nodeType="withEffect">
+                                  <p:stCondLst>
+                                    <p:cond delay="0"/>
+                                  </p:stCondLst>
+                                  <p:childTnLst>
+                                    <p:set>
+                                      <p:cBhvr>
+                                        <p:cTn id="176" dur="1" fill="hold">
+                                          <p:stCondLst>
+                                            <p:cond delay="0"/>
+                                          </p:stCondLst>
+                                        </p:cTn>
+                                        <p:tgtEl>
+                                          <p:spTgt spid="6">
+                                            <p:txEl>
+                                              <p:pRg st="28" end="28"/>
+                                            </p:txEl>
+                                          </p:spTgt>
+                                        </p:tgtEl>
+                                        <p:attrNameLst>
+                                          <p:attrName>style.visibility</p:attrName>
+                                        </p:attrNameLst>
+                                      </p:cBhvr>
+                                      <p:to>
+                                        <p:strVal val="visible"/>
+                                      </p:to>
+                                    </p:set>
+                                    <p:animEffect transition="in" filter="fade">
+                                      <p:cBhvr>
+                                        <p:cTn id="177" dur="500"/>
+                                        <p:tgtEl>
+                                          <p:spTgt spid="6">
+                                            <p:txEl>
+                                              <p:pRg st="28" end="28"/>
+                                            </p:txEl>
+                                          </p:spTgt>
+                                        </p:tgtEl>
+                                      </p:cBhvr>
+                                    </p:animEffect>
+                                  </p:childTnLst>
+                                </p:cTn>
+                              </p:par>
+                              <p:par>
+                                <p:cTn id="178" presetID="10" presetClass="entr" presetSubtype="0" fill="hold" nodeType="withEffect">
+                                  <p:stCondLst>
+                                    <p:cond delay="0"/>
+                                  </p:stCondLst>
+                                  <p:childTnLst>
+                                    <p:set>
+                                      <p:cBhvr>
+                                        <p:cTn id="179" dur="1" fill="hold">
+                                          <p:stCondLst>
+                                            <p:cond delay="0"/>
+                                          </p:stCondLst>
+                                        </p:cTn>
+                                        <p:tgtEl>
+                                          <p:spTgt spid="6">
+                                            <p:txEl>
+                                              <p:pRg st="29" end="29"/>
+                                            </p:txEl>
+                                          </p:spTgt>
+                                        </p:tgtEl>
+                                        <p:attrNameLst>
+                                          <p:attrName>style.visibility</p:attrName>
+                                        </p:attrNameLst>
+                                      </p:cBhvr>
+                                      <p:to>
+                                        <p:strVal val="visible"/>
+                                      </p:to>
+                                    </p:set>
+                                    <p:animEffect transition="in" filter="fade">
+                                      <p:cBhvr>
+                                        <p:cTn id="180" dur="500"/>
+                                        <p:tgtEl>
+                                          <p:spTgt spid="6">
+                                            <p:txEl>
+                                              <p:pRg st="29" end="29"/>
+                                            </p:txEl>
+                                          </p:spTgt>
+                                        </p:tgtEl>
+                                      </p:cBhvr>
+                                    </p:animEffect>
+                                  </p:childTnLst>
+                                </p:cTn>
+                              </p:par>
+                            </p:childTnLst>
+                          </p:cTn>
+                        </p:par>
+                        <p:par>
+                          <p:cTn id="181" fill="hold">
+                            <p:stCondLst>
+                              <p:cond delay="2000"/>
+                            </p:stCondLst>
+                            <p:childTnLst>
+                              <p:par>
+                                <p:cTn id="182" presetID="10" presetClass="entr" presetSubtype="0" fill="hold" grpId="0" nodeType="afterEffect">
+                                  <p:stCondLst>
+                                    <p:cond delay="0"/>
+                                  </p:stCondLst>
+                                  <p:childTnLst>
+                                    <p:set>
+                                      <p:cBhvr>
+                                        <p:cTn id="183" dur="1" fill="hold">
+                                          <p:stCondLst>
+                                            <p:cond delay="0"/>
+                                          </p:stCondLst>
+                                        </p:cTn>
+                                        <p:tgtEl>
+                                          <p:spTgt spid="11"/>
+                                        </p:tgtEl>
+                                        <p:attrNameLst>
+                                          <p:attrName>style.visibility</p:attrName>
+                                        </p:attrNameLst>
+                                      </p:cBhvr>
+                                      <p:to>
+                                        <p:strVal val="visible"/>
+                                      </p:to>
+                                    </p:set>
+                                    <p:animEffect transition="in" filter="fade">
+                                      <p:cBhvr>
+                                        <p:cTn id="184" dur="500"/>
+                                        <p:tgtEl>
+                                          <p:spTgt spid="11"/>
+                                        </p:tgtEl>
+                                      </p:cBhvr>
+                                    </p:animEffect>
+                                  </p:childTnLst>
+                                </p:cTn>
+                              </p:par>
+                              <p:par>
+                                <p:cTn id="185" presetID="10" presetClass="entr" presetSubtype="0" fill="hold" grpId="0" nodeType="withEffect">
+                                  <p:stCondLst>
+                                    <p:cond delay="0"/>
+                                  </p:stCondLst>
+                                  <p:childTnLst>
+                                    <p:set>
+                                      <p:cBhvr>
+                                        <p:cTn id="186" dur="1" fill="hold">
+                                          <p:stCondLst>
+                                            <p:cond delay="0"/>
+                                          </p:stCondLst>
+                                        </p:cTn>
+                                        <p:tgtEl>
+                                          <p:spTgt spid="12"/>
+                                        </p:tgtEl>
+                                        <p:attrNameLst>
+                                          <p:attrName>style.visibility</p:attrName>
+                                        </p:attrNameLst>
+                                      </p:cBhvr>
+                                      <p:to>
+                                        <p:strVal val="visible"/>
+                                      </p:to>
+                                    </p:set>
+                                    <p:animEffect transition="in" filter="fade">
+                                      <p:cBhvr>
+                                        <p:cTn id="187" dur="500"/>
+                                        <p:tgtEl>
+                                          <p:spTgt spid="12"/>
+                                        </p:tgtEl>
+                                      </p:cBhvr>
+                                    </p:animEffect>
+                                  </p:childTnLst>
+                                </p:cTn>
+                              </p:par>
+                              <p:par>
+                                <p:cTn id="188" presetID="10" presetClass="entr" presetSubtype="0" fill="hold" grpId="0" nodeType="withEffect">
+                                  <p:stCondLst>
+                                    <p:cond delay="0"/>
+                                  </p:stCondLst>
+                                  <p:childTnLst>
+                                    <p:set>
+                                      <p:cBhvr>
+                                        <p:cTn id="189" dur="1" fill="hold">
+                                          <p:stCondLst>
+                                            <p:cond delay="0"/>
+                                          </p:stCondLst>
+                                        </p:cTn>
+                                        <p:tgtEl>
+                                          <p:spTgt spid="13"/>
+                                        </p:tgtEl>
+                                        <p:attrNameLst>
+                                          <p:attrName>style.visibility</p:attrName>
+                                        </p:attrNameLst>
+                                      </p:cBhvr>
+                                      <p:to>
+                                        <p:strVal val="visible"/>
+                                      </p:to>
+                                    </p:set>
+                                    <p:animEffect transition="in" filter="fade">
+                                      <p:cBhvr>
+                                        <p:cTn id="190" dur="500"/>
+                                        <p:tgtEl>
+                                          <p:spTgt spid="13"/>
+                                        </p:tgtEl>
+                                      </p:cBhvr>
+                                    </p:animEffect>
+                                  </p:childTnLst>
+                                </p:cTn>
+                              </p:par>
+                              <p:par>
+                                <p:cTn id="191" presetID="10" presetClass="entr" presetSubtype="0" fill="hold" grpId="0" nodeType="withEffect">
+                                  <p:stCondLst>
+                                    <p:cond delay="0"/>
+                                  </p:stCondLst>
+                                  <p:childTnLst>
+                                    <p:set>
+                                      <p:cBhvr>
+                                        <p:cTn id="192" dur="1" fill="hold">
+                                          <p:stCondLst>
+                                            <p:cond delay="0"/>
+                                          </p:stCondLst>
+                                        </p:cTn>
+                                        <p:tgtEl>
+                                          <p:spTgt spid="14"/>
+                                        </p:tgtEl>
+                                        <p:attrNameLst>
+                                          <p:attrName>style.visibility</p:attrName>
+                                        </p:attrNameLst>
+                                      </p:cBhvr>
+                                      <p:to>
+                                        <p:strVal val="visible"/>
+                                      </p:to>
+                                    </p:set>
+                                    <p:animEffect transition="in" filter="fade">
+                                      <p:cBhvr>
+                                        <p:cTn id="193" dur="500"/>
+                                        <p:tgtEl>
+                                          <p:spTgt spid="14"/>
+                                        </p:tgtEl>
+                                      </p:cBhvr>
+                                    </p:animEffect>
+                                  </p:childTnLst>
+                                </p:cTn>
+                              </p:par>
+                              <p:par>
+                                <p:cTn id="194" presetID="10" presetClass="entr" presetSubtype="0" fill="hold" nodeType="withEffect">
+                                  <p:stCondLst>
+                                    <p:cond delay="0"/>
+                                  </p:stCondLst>
+                                  <p:childTnLst>
+                                    <p:set>
+                                      <p:cBhvr>
+                                        <p:cTn id="195" dur="1" fill="hold">
+                                          <p:stCondLst>
+                                            <p:cond delay="0"/>
+                                          </p:stCondLst>
+                                        </p:cTn>
+                                        <p:tgtEl>
+                                          <p:spTgt spid="37"/>
+                                        </p:tgtEl>
+                                        <p:attrNameLst>
+                                          <p:attrName>style.visibility</p:attrName>
+                                        </p:attrNameLst>
+                                      </p:cBhvr>
+                                      <p:to>
+                                        <p:strVal val="visible"/>
+                                      </p:to>
+                                    </p:set>
+                                    <p:animEffect transition="in" filter="fade">
+                                      <p:cBhvr>
+                                        <p:cTn id="196" dur="500"/>
                                         <p:tgtEl>
                                           <p:spTgt spid="37"/>
                                         </p:tgtEl>
@@ -8676,8 +11077,8 @@
         </p:nvSpPr>
         <p:spPr>
           <a:xfrm>
-            <a:off x="251520" y="1556792"/>
-            <a:ext cx="2880320" cy="1008112"/>
+            <a:off x="251520" y="1700808"/>
+            <a:ext cx="3096344" cy="1008112"/>
           </a:xfrm>
           <a:prstGeom prst="rect">
             <a:avLst/>
@@ -8720,8 +11121,8 @@
         </p:nvSpPr>
         <p:spPr>
           <a:xfrm>
-            <a:off x="251520" y="4797152"/>
-            <a:ext cx="2376264" cy="924148"/>
+            <a:off x="251520" y="5042684"/>
+            <a:ext cx="2736304" cy="1122620"/>
           </a:xfrm>
           <a:prstGeom prst="rect">
             <a:avLst/>
@@ -8765,7 +11166,7 @@
         <p:spPr>
           <a:xfrm>
             <a:off x="0" y="92740"/>
-            <a:ext cx="4355976" cy="6340197"/>
+            <a:ext cx="6588224" cy="6786473"/>
           </a:xfrm>
           <a:prstGeom prst="rect">
             <a:avLst/>
@@ -8783,7 +11184,7 @@
               </a:spcAft>
             </a:pPr>
             <a:r>
-              <a:rPr lang="en-US" sz="1400" dirty="0">
+              <a:rPr lang="en-US" sz="1500" dirty="0">
                 <a:solidFill>
                   <a:srgbClr val="0000FF"/>
                 </a:solidFill>
@@ -8794,7 +11195,7 @@
               <a:t>class</a:t>
             </a:r>
             <a:r>
-              <a:rPr lang="en-US" sz="1400" dirty="0">
+              <a:rPr lang="en-US" sz="1500" dirty="0">
                 <a:solidFill>
                   <a:srgbClr val="000000"/>
                 </a:solidFill>
@@ -8805,7 +11206,7 @@
               <a:t> </a:t>
             </a:r>
             <a:r>
-              <a:rPr lang="en-US" sz="1400" dirty="0" err="1">
+              <a:rPr lang="en-US" sz="1500" dirty="0" err="1">
                 <a:solidFill>
                   <a:srgbClr val="2B91AF"/>
                 </a:solidFill>
@@ -8816,7 +11217,7 @@
               <a:t>CMenuHelpCommand</a:t>
             </a:r>
             <a:r>
-              <a:rPr lang="en-US" sz="1400" dirty="0">
+              <a:rPr lang="en-US" sz="1500" dirty="0">
                 <a:solidFill>
                   <a:srgbClr val="000000"/>
                 </a:solidFill>
@@ -8827,7 +11228,7 @@
               <a:t> : </a:t>
             </a:r>
             <a:r>
-              <a:rPr lang="en-US" sz="1400" dirty="0">
+              <a:rPr lang="en-US" sz="1500" dirty="0">
                 <a:solidFill>
                   <a:srgbClr val="0000FF"/>
                 </a:solidFill>
@@ -8838,7 +11239,7 @@
               <a:t>public</a:t>
             </a:r>
             <a:r>
-              <a:rPr lang="en-US" sz="1400" dirty="0">
+              <a:rPr lang="en-US" sz="1500" dirty="0">
                 <a:solidFill>
                   <a:srgbClr val="000000"/>
                 </a:solidFill>
@@ -8849,7 +11250,7 @@
               <a:t> </a:t>
             </a:r>
             <a:r>
-              <a:rPr lang="en-US" sz="1400" dirty="0" err="1">
+              <a:rPr lang="en-US" sz="1500" dirty="0" err="1">
                 <a:solidFill>
                   <a:srgbClr val="2B91AF"/>
                 </a:solidFill>
@@ -8859,7 +11260,7 @@
               </a:rPr>
               <a:t>ICommand</a:t>
             </a:r>
-            <a:endParaRPr lang="ru-RU" sz="1400" dirty="0">
+            <a:endParaRPr lang="ru-RU" sz="1500" dirty="0">
               <a:latin typeface="Calibri" panose="020F0502020204030204" pitchFamily="34" charset="0"/>
               <a:ea typeface="Calibri" panose="020F0502020204030204" pitchFamily="34" charset="0"/>
               <a:cs typeface="Times New Roman" panose="02020603050405020304" pitchFamily="18" charset="0"/>
@@ -8872,7 +11273,7 @@
               </a:spcAft>
             </a:pPr>
             <a:r>
-              <a:rPr lang="en-US" sz="1400" dirty="0">
+              <a:rPr lang="en-US" sz="1500" dirty="0">
                 <a:solidFill>
                   <a:srgbClr val="000000"/>
                 </a:solidFill>
@@ -8882,7 +11283,7 @@
               </a:rPr>
               <a:t>{</a:t>
             </a:r>
-            <a:endParaRPr lang="ru-RU" sz="1400" dirty="0">
+            <a:endParaRPr lang="ru-RU" sz="1500" dirty="0">
               <a:latin typeface="Calibri" panose="020F0502020204030204" pitchFamily="34" charset="0"/>
               <a:ea typeface="Calibri" panose="020F0502020204030204" pitchFamily="34" charset="0"/>
               <a:cs typeface="Times New Roman" panose="02020603050405020304" pitchFamily="18" charset="0"/>
@@ -8895,7 +11296,7 @@
               </a:spcAft>
             </a:pPr>
             <a:r>
-              <a:rPr lang="en-US" sz="1400" dirty="0">
+              <a:rPr lang="en-US" sz="1500" dirty="0">
                 <a:solidFill>
                   <a:srgbClr val="0000FF"/>
                 </a:solidFill>
@@ -8906,7 +11307,7 @@
               <a:t>public</a:t>
             </a:r>
             <a:r>
-              <a:rPr lang="en-US" sz="1400" dirty="0">
+              <a:rPr lang="en-US" sz="1500" dirty="0">
                 <a:solidFill>
                   <a:srgbClr val="000000"/>
                 </a:solidFill>
@@ -8916,7 +11317,7 @@
               </a:rPr>
               <a:t>:</a:t>
             </a:r>
-            <a:endParaRPr lang="ru-RU" sz="1400" dirty="0">
+            <a:endParaRPr lang="ru-RU" sz="1500" dirty="0">
               <a:latin typeface="Calibri" panose="020F0502020204030204" pitchFamily="34" charset="0"/>
               <a:ea typeface="Calibri" panose="020F0502020204030204" pitchFamily="34" charset="0"/>
               <a:cs typeface="Times New Roman" panose="02020603050405020304" pitchFamily="18" charset="0"/>
@@ -8929,7 +11330,7 @@
               </a:spcAft>
             </a:pPr>
             <a:r>
-              <a:rPr lang="en-US" sz="1400" dirty="0">
+              <a:rPr lang="en-US" sz="1500" dirty="0">
                 <a:solidFill>
                   <a:srgbClr val="000000"/>
                 </a:solidFill>
@@ -8940,7 +11341,7 @@
               <a:t>  </a:t>
             </a:r>
             <a:r>
-              <a:rPr lang="en-US" sz="1400" dirty="0" err="1">
+              <a:rPr lang="en-US" sz="1500" dirty="0" err="1">
                 <a:solidFill>
                   <a:srgbClr val="000000"/>
                 </a:solidFill>
@@ -8951,7 +11352,7 @@
               <a:t>CMenuHelpCommand</a:t>
             </a:r>
             <a:r>
-              <a:rPr lang="en-US" sz="1400" dirty="0">
+              <a:rPr lang="en-US" sz="1500" dirty="0">
                 <a:solidFill>
                   <a:srgbClr val="000000"/>
                 </a:solidFill>
@@ -8962,7 +11363,7 @@
               <a:t>(</a:t>
             </a:r>
             <a:r>
-              <a:rPr lang="en-US" sz="1400" dirty="0" err="1">
+              <a:rPr lang="en-US" sz="1500" dirty="0" err="1">
                 <a:solidFill>
                   <a:srgbClr val="0000FF"/>
                 </a:solidFill>
@@ -8973,7 +11374,7 @@
               <a:t>const</a:t>
             </a:r>
             <a:r>
-              <a:rPr lang="en-US" sz="1400" dirty="0">
+              <a:rPr lang="en-US" sz="1500" dirty="0">
                 <a:solidFill>
                   <a:srgbClr val="000000"/>
                 </a:solidFill>
@@ -8984,7 +11385,7 @@
               <a:t> </a:t>
             </a:r>
             <a:r>
-              <a:rPr lang="en-US" sz="1400" dirty="0" err="1">
+              <a:rPr lang="en-US" sz="1500" dirty="0" err="1">
                 <a:solidFill>
                   <a:srgbClr val="2B91AF"/>
                 </a:solidFill>
@@ -8995,7 +11396,7 @@
               <a:t>CMenu</a:t>
             </a:r>
             <a:r>
-              <a:rPr lang="en-US" sz="1400" dirty="0">
+              <a:rPr lang="en-US" sz="1500" dirty="0">
                 <a:solidFill>
                   <a:srgbClr val="000000"/>
                 </a:solidFill>
@@ -9006,7 +11407,7 @@
               <a:t> &amp; </a:t>
             </a:r>
             <a:r>
-              <a:rPr lang="en-US" sz="1400" dirty="0">
+              <a:rPr lang="en-US" sz="1500" dirty="0">
                 <a:solidFill>
                   <a:srgbClr val="808080"/>
                 </a:solidFill>
@@ -9017,7 +11418,7 @@
               <a:t>menu</a:t>
             </a:r>
             <a:r>
-              <a:rPr lang="en-US" sz="1400" dirty="0">
+              <a:rPr lang="en-US" sz="1500" dirty="0">
                 <a:solidFill>
                   <a:srgbClr val="000000"/>
                 </a:solidFill>
@@ -9027,7 +11428,7 @@
               </a:rPr>
               <a:t>)</a:t>
             </a:r>
-            <a:endParaRPr lang="ru-RU" sz="1400" dirty="0">
+            <a:endParaRPr lang="ru-RU" sz="1500" dirty="0">
               <a:latin typeface="Calibri" panose="020F0502020204030204" pitchFamily="34" charset="0"/>
               <a:ea typeface="Calibri" panose="020F0502020204030204" pitchFamily="34" charset="0"/>
               <a:cs typeface="Times New Roman" panose="02020603050405020304" pitchFamily="18" charset="0"/>
@@ -9040,7 +11441,7 @@
               </a:spcAft>
             </a:pPr>
             <a:r>
-              <a:rPr lang="en-US" sz="1400" dirty="0">
+              <a:rPr lang="en-US" sz="1500" dirty="0">
                 <a:solidFill>
                   <a:srgbClr val="000000"/>
                 </a:solidFill>
@@ -9051,7 +11452,7 @@
               <a:t>    :</a:t>
             </a:r>
             <a:r>
-              <a:rPr lang="en-US" sz="1400" dirty="0" err="1">
+              <a:rPr lang="en-US" sz="1500" dirty="0" err="1">
                 <a:solidFill>
                   <a:srgbClr val="000000"/>
                 </a:solidFill>
@@ -9062,7 +11463,7 @@
               <a:t>m_menu</a:t>
             </a:r>
             <a:r>
-              <a:rPr lang="en-US" sz="1400" dirty="0">
+              <a:rPr lang="en-US" sz="1500" dirty="0">
                 <a:solidFill>
                   <a:srgbClr val="000000"/>
                 </a:solidFill>
@@ -9073,7 +11474,7 @@
               <a:t>(</a:t>
             </a:r>
             <a:r>
-              <a:rPr lang="en-US" sz="1400" dirty="0">
+              <a:rPr lang="en-US" sz="1500" dirty="0">
                 <a:solidFill>
                   <a:srgbClr val="808080"/>
                 </a:solidFill>
@@ -9084,7 +11485,7 @@
               <a:t>menu</a:t>
             </a:r>
             <a:r>
-              <a:rPr lang="en-US" sz="1400" dirty="0">
+              <a:rPr lang="en-US" sz="1500" dirty="0">
                 <a:solidFill>
                   <a:srgbClr val="000000"/>
                 </a:solidFill>
@@ -9094,7 +11495,7 @@
               </a:rPr>
               <a:t>)</a:t>
             </a:r>
-            <a:endParaRPr lang="ru-RU" sz="1400" dirty="0">
+            <a:endParaRPr lang="ru-RU" sz="1500" dirty="0">
               <a:latin typeface="Calibri" panose="020F0502020204030204" pitchFamily="34" charset="0"/>
               <a:ea typeface="Calibri" panose="020F0502020204030204" pitchFamily="34" charset="0"/>
               <a:cs typeface="Times New Roman" panose="02020603050405020304" pitchFamily="18" charset="0"/>
@@ -9107,7 +11508,7 @@
               </a:spcAft>
             </a:pPr>
             <a:r>
-              <a:rPr lang="en-US" sz="1400" dirty="0">
+              <a:rPr lang="en-US" sz="1500" dirty="0">
                 <a:solidFill>
                   <a:srgbClr val="000000"/>
                 </a:solidFill>
@@ -9117,7 +11518,7 @@
               </a:rPr>
               <a:t>  {}</a:t>
             </a:r>
-            <a:endParaRPr lang="ru-RU" sz="1400" dirty="0">
+            <a:endParaRPr lang="ru-RU" sz="1500" dirty="0">
               <a:latin typeface="Calibri" panose="020F0502020204030204" pitchFamily="34" charset="0"/>
               <a:ea typeface="Calibri" panose="020F0502020204030204" pitchFamily="34" charset="0"/>
               <a:cs typeface="Times New Roman" panose="02020603050405020304" pitchFamily="18" charset="0"/>
@@ -9130,7 +11531,7 @@
               </a:spcAft>
             </a:pPr>
             <a:r>
-              <a:rPr lang="en-US" sz="1400" dirty="0">
+              <a:rPr lang="en-US" sz="1500" dirty="0">
                 <a:solidFill>
                   <a:srgbClr val="000000"/>
                 </a:solidFill>
@@ -9140,7 +11541,7 @@
               </a:rPr>
               <a:t> </a:t>
             </a:r>
-            <a:endParaRPr lang="ru-RU" sz="1400" dirty="0">
+            <a:endParaRPr lang="ru-RU" sz="1500" dirty="0">
               <a:latin typeface="Calibri" panose="020F0502020204030204" pitchFamily="34" charset="0"/>
               <a:ea typeface="Calibri" panose="020F0502020204030204" pitchFamily="34" charset="0"/>
               <a:cs typeface="Times New Roman" panose="02020603050405020304" pitchFamily="18" charset="0"/>
@@ -9153,7 +11554,7 @@
               </a:spcAft>
             </a:pPr>
             <a:r>
-              <a:rPr lang="en-US" sz="1400" dirty="0">
+              <a:rPr lang="en-US" sz="1500" dirty="0">
                 <a:solidFill>
                   <a:srgbClr val="000000"/>
                 </a:solidFill>
@@ -9164,7 +11565,7 @@
               <a:t>  </a:t>
             </a:r>
             <a:r>
-              <a:rPr lang="en-US" sz="1400" dirty="0">
+              <a:rPr lang="en-US" sz="1500" dirty="0">
                 <a:solidFill>
                   <a:srgbClr val="0000FF"/>
                 </a:solidFill>
@@ -9175,7 +11576,7 @@
               <a:t>void</a:t>
             </a:r>
             <a:r>
-              <a:rPr lang="en-US" sz="1400" dirty="0">
+              <a:rPr lang="en-US" sz="1500" dirty="0">
                 <a:solidFill>
                   <a:srgbClr val="000000"/>
                 </a:solidFill>
@@ -9186,7 +11587,7 @@
               <a:t> Execute() </a:t>
             </a:r>
             <a:r>
-              <a:rPr lang="en-US" sz="1400" dirty="0">
+              <a:rPr lang="en-US" sz="1500" dirty="0">
                 <a:solidFill>
                   <a:srgbClr val="0000FF"/>
                 </a:solidFill>
@@ -9196,7 +11597,7 @@
               </a:rPr>
               <a:t>override</a:t>
             </a:r>
-            <a:endParaRPr lang="ru-RU" sz="1400" dirty="0">
+            <a:endParaRPr lang="ru-RU" sz="1500" dirty="0">
               <a:latin typeface="Calibri" panose="020F0502020204030204" pitchFamily="34" charset="0"/>
               <a:ea typeface="Calibri" panose="020F0502020204030204" pitchFamily="34" charset="0"/>
               <a:cs typeface="Times New Roman" panose="02020603050405020304" pitchFamily="18" charset="0"/>
@@ -9209,7 +11610,7 @@
               </a:spcAft>
             </a:pPr>
             <a:r>
-              <a:rPr lang="en-US" sz="1400" dirty="0">
+              <a:rPr lang="en-US" sz="1500" dirty="0">
                 <a:solidFill>
                   <a:srgbClr val="000000"/>
                 </a:solidFill>
@@ -9219,7 +11620,7 @@
               </a:rPr>
               <a:t>  {</a:t>
             </a:r>
-            <a:endParaRPr lang="ru-RU" sz="1400" dirty="0">
+            <a:endParaRPr lang="ru-RU" sz="1500" dirty="0">
               <a:latin typeface="Calibri" panose="020F0502020204030204" pitchFamily="34" charset="0"/>
               <a:ea typeface="Calibri" panose="020F0502020204030204" pitchFamily="34" charset="0"/>
               <a:cs typeface="Times New Roman" panose="02020603050405020304" pitchFamily="18" charset="0"/>
@@ -9232,7 +11633,7 @@
               </a:spcAft>
             </a:pPr>
             <a:r>
-              <a:rPr lang="en-US" sz="1400" dirty="0">
+              <a:rPr lang="en-US" sz="1500" dirty="0">
                 <a:solidFill>
                   <a:srgbClr val="000000"/>
                 </a:solidFill>
@@ -9243,7 +11644,7 @@
               <a:t>    </a:t>
             </a:r>
             <a:r>
-              <a:rPr lang="en-US" sz="1400" dirty="0" err="1">
+              <a:rPr lang="en-US" sz="1500" dirty="0" err="1">
                 <a:solidFill>
                   <a:srgbClr val="000000"/>
                 </a:solidFill>
@@ -9254,7 +11655,7 @@
               <a:t>m_menu.ShowInstructions</a:t>
             </a:r>
             <a:r>
-              <a:rPr lang="en-US" sz="1400" dirty="0">
+              <a:rPr lang="en-US" sz="1500" dirty="0">
                 <a:solidFill>
                   <a:srgbClr val="000000"/>
                 </a:solidFill>
@@ -9264,7 +11665,7 @@
               </a:rPr>
               <a:t>();</a:t>
             </a:r>
-            <a:endParaRPr lang="ru-RU" sz="1400" dirty="0">
+            <a:endParaRPr lang="ru-RU" sz="1500" dirty="0">
               <a:latin typeface="Calibri" panose="020F0502020204030204" pitchFamily="34" charset="0"/>
               <a:ea typeface="Calibri" panose="020F0502020204030204" pitchFamily="34" charset="0"/>
               <a:cs typeface="Times New Roman" panose="02020603050405020304" pitchFamily="18" charset="0"/>
@@ -9277,7 +11678,7 @@
               </a:spcAft>
             </a:pPr>
             <a:r>
-              <a:rPr lang="en-US" sz="1400" dirty="0">
+              <a:rPr lang="en-US" sz="1500" dirty="0">
                 <a:solidFill>
                   <a:srgbClr val="000000"/>
                 </a:solidFill>
@@ -9287,7 +11688,7 @@
               </a:rPr>
               <a:t>  }</a:t>
             </a:r>
-            <a:endParaRPr lang="ru-RU" sz="1400" dirty="0">
+            <a:endParaRPr lang="ru-RU" sz="1500" dirty="0">
               <a:latin typeface="Calibri" panose="020F0502020204030204" pitchFamily="34" charset="0"/>
               <a:ea typeface="Calibri" panose="020F0502020204030204" pitchFamily="34" charset="0"/>
               <a:cs typeface="Times New Roman" panose="02020603050405020304" pitchFamily="18" charset="0"/>
@@ -9300,7 +11701,7 @@
               </a:spcAft>
             </a:pPr>
             <a:r>
-              <a:rPr lang="en-US" sz="1400" dirty="0">
+              <a:rPr lang="en-US" sz="1500" dirty="0">
                 <a:solidFill>
                   <a:srgbClr val="0000FF"/>
                 </a:solidFill>
@@ -9311,7 +11712,7 @@
               <a:t>private</a:t>
             </a:r>
             <a:r>
-              <a:rPr lang="en-US" sz="1400" dirty="0">
+              <a:rPr lang="en-US" sz="1500" dirty="0">
                 <a:solidFill>
                   <a:srgbClr val="000000"/>
                 </a:solidFill>
@@ -9321,7 +11722,7 @@
               </a:rPr>
               <a:t>:</a:t>
             </a:r>
-            <a:endParaRPr lang="ru-RU" sz="1400" dirty="0">
+            <a:endParaRPr lang="ru-RU" sz="1500" dirty="0">
               <a:latin typeface="Calibri" panose="020F0502020204030204" pitchFamily="34" charset="0"/>
               <a:ea typeface="Calibri" panose="020F0502020204030204" pitchFamily="34" charset="0"/>
               <a:cs typeface="Times New Roman" panose="02020603050405020304" pitchFamily="18" charset="0"/>
@@ -9334,7 +11735,7 @@
               </a:spcAft>
             </a:pPr>
             <a:r>
-              <a:rPr lang="en-US" sz="1400" dirty="0">
+              <a:rPr lang="en-US" sz="1500" dirty="0">
                 <a:solidFill>
                   <a:srgbClr val="000000"/>
                 </a:solidFill>
@@ -9345,7 +11746,7 @@
               <a:t>  </a:t>
             </a:r>
             <a:r>
-              <a:rPr lang="en-US" sz="1400" dirty="0" err="1">
+              <a:rPr lang="en-US" sz="1500" dirty="0" err="1">
                 <a:solidFill>
                   <a:srgbClr val="0000FF"/>
                 </a:solidFill>
@@ -9356,7 +11757,7 @@
               <a:t>const</a:t>
             </a:r>
             <a:r>
-              <a:rPr lang="en-US" sz="1400" dirty="0">
+              <a:rPr lang="en-US" sz="1500" dirty="0">
                 <a:solidFill>
                   <a:srgbClr val="000000"/>
                 </a:solidFill>
@@ -9367,7 +11768,7 @@
               <a:t> </a:t>
             </a:r>
             <a:r>
-              <a:rPr lang="en-US" sz="1400" dirty="0" err="1">
+              <a:rPr lang="en-US" sz="1500" dirty="0" err="1">
                 <a:solidFill>
                   <a:srgbClr val="2B91AF"/>
                 </a:solidFill>
@@ -9378,7 +11779,7 @@
               <a:t>CMenu</a:t>
             </a:r>
             <a:r>
-              <a:rPr lang="en-US" sz="1400" dirty="0">
+              <a:rPr lang="en-US" sz="1500" dirty="0">
                 <a:solidFill>
                   <a:srgbClr val="000000"/>
                 </a:solidFill>
@@ -9389,7 +11790,7 @@
               <a:t> &amp; </a:t>
             </a:r>
             <a:r>
-              <a:rPr lang="en-US" sz="1400" dirty="0" err="1">
+              <a:rPr lang="en-US" sz="1500" dirty="0" err="1">
                 <a:solidFill>
                   <a:srgbClr val="000000"/>
                 </a:solidFill>
@@ -9400,7 +11801,7 @@
               <a:t>m_menu</a:t>
             </a:r>
             <a:r>
-              <a:rPr lang="en-US" sz="1400" dirty="0">
+              <a:rPr lang="en-US" sz="1500" dirty="0">
                 <a:solidFill>
                   <a:srgbClr val="000000"/>
                 </a:solidFill>
@@ -9410,7 +11811,7 @@
               </a:rPr>
               <a:t>;</a:t>
             </a:r>
-            <a:endParaRPr lang="ru-RU" sz="1400" dirty="0">
+            <a:endParaRPr lang="ru-RU" sz="1500" dirty="0">
               <a:latin typeface="Calibri" panose="020F0502020204030204" pitchFamily="34" charset="0"/>
               <a:ea typeface="Calibri" panose="020F0502020204030204" pitchFamily="34" charset="0"/>
               <a:cs typeface="Times New Roman" panose="02020603050405020304" pitchFamily="18" charset="0"/>
@@ -9423,7 +11824,7 @@
               </a:spcAft>
             </a:pPr>
             <a:r>
-              <a:rPr lang="en-US" sz="1400" dirty="0">
+              <a:rPr lang="en-US" sz="1500" dirty="0">
                 <a:solidFill>
                   <a:srgbClr val="000000"/>
                 </a:solidFill>
@@ -9433,7 +11834,7 @@
               </a:rPr>
               <a:t>};</a:t>
             </a:r>
-            <a:endParaRPr lang="ru-RU" sz="1400" dirty="0">
+            <a:endParaRPr lang="ru-RU" sz="1500" dirty="0">
               <a:latin typeface="Calibri" panose="020F0502020204030204" pitchFamily="34" charset="0"/>
               <a:ea typeface="Calibri" panose="020F0502020204030204" pitchFamily="34" charset="0"/>
               <a:cs typeface="Times New Roman" panose="02020603050405020304" pitchFamily="18" charset="0"/>
@@ -9446,7 +11847,7 @@
               </a:spcAft>
             </a:pPr>
             <a:r>
-              <a:rPr lang="en-US" sz="1400" dirty="0">
+              <a:rPr lang="en-US" sz="1500" dirty="0">
                 <a:solidFill>
                   <a:srgbClr val="000000"/>
                 </a:solidFill>
@@ -9456,7 +11857,7 @@
               </a:rPr>
               <a:t> </a:t>
             </a:r>
-            <a:endParaRPr lang="ru-RU" sz="1400" dirty="0">
+            <a:endParaRPr lang="ru-RU" sz="1500" dirty="0">
               <a:latin typeface="Calibri" panose="020F0502020204030204" pitchFamily="34" charset="0"/>
               <a:ea typeface="Calibri" panose="020F0502020204030204" pitchFamily="34" charset="0"/>
               <a:cs typeface="Times New Roman" panose="02020603050405020304" pitchFamily="18" charset="0"/>
@@ -9469,7 +11870,7 @@
               </a:spcAft>
             </a:pPr>
             <a:r>
-              <a:rPr lang="en-US" sz="1400" dirty="0">
+              <a:rPr lang="en-US" sz="1500" dirty="0">
                 <a:solidFill>
                   <a:srgbClr val="0000FF"/>
                 </a:solidFill>
@@ -9480,7 +11881,7 @@
               <a:t>class</a:t>
             </a:r>
             <a:r>
-              <a:rPr lang="en-US" sz="1400" dirty="0">
+              <a:rPr lang="en-US" sz="1500" dirty="0">
                 <a:solidFill>
                   <a:srgbClr val="000000"/>
                 </a:solidFill>
@@ -9491,7 +11892,7 @@
               <a:t> </a:t>
             </a:r>
             <a:r>
-              <a:rPr lang="en-US" sz="1400" dirty="0" err="1">
+              <a:rPr lang="en-US" sz="1500" dirty="0" err="1">
                 <a:solidFill>
                   <a:srgbClr val="2B91AF"/>
                 </a:solidFill>
@@ -9502,7 +11903,7 @@
               <a:t>CExitMenuCommand</a:t>
             </a:r>
             <a:r>
-              <a:rPr lang="en-US" sz="1400" dirty="0">
+              <a:rPr lang="en-US" sz="1500" dirty="0">
                 <a:solidFill>
                   <a:srgbClr val="000000"/>
                 </a:solidFill>
@@ -9513,7 +11914,7 @@
               <a:t> : </a:t>
             </a:r>
             <a:r>
-              <a:rPr lang="en-US" sz="1400" dirty="0">
+              <a:rPr lang="en-US" sz="1500" dirty="0">
                 <a:solidFill>
                   <a:srgbClr val="0000FF"/>
                 </a:solidFill>
@@ -9524,7 +11925,7 @@
               <a:t>public</a:t>
             </a:r>
             <a:r>
-              <a:rPr lang="en-US" sz="1400" dirty="0">
+              <a:rPr lang="en-US" sz="1500" dirty="0">
                 <a:solidFill>
                   <a:srgbClr val="000000"/>
                 </a:solidFill>
@@ -9535,7 +11936,7 @@
               <a:t> </a:t>
             </a:r>
             <a:r>
-              <a:rPr lang="en-US" sz="1400" dirty="0" err="1">
+              <a:rPr lang="en-US" sz="1500" dirty="0" err="1">
                 <a:solidFill>
                   <a:srgbClr val="2B91AF"/>
                 </a:solidFill>
@@ -9545,7 +11946,7 @@
               </a:rPr>
               <a:t>ICommand</a:t>
             </a:r>
-            <a:endParaRPr lang="ru-RU" sz="1400" dirty="0">
+            <a:endParaRPr lang="ru-RU" sz="1500" dirty="0">
               <a:latin typeface="Calibri" panose="020F0502020204030204" pitchFamily="34" charset="0"/>
               <a:ea typeface="Calibri" panose="020F0502020204030204" pitchFamily="34" charset="0"/>
               <a:cs typeface="Times New Roman" panose="02020603050405020304" pitchFamily="18" charset="0"/>
@@ -9558,7 +11959,7 @@
               </a:spcAft>
             </a:pPr>
             <a:r>
-              <a:rPr lang="en-US" sz="1400" dirty="0">
+              <a:rPr lang="en-US" sz="1500" dirty="0">
                 <a:solidFill>
                   <a:srgbClr val="000000"/>
                 </a:solidFill>
@@ -9568,7 +11969,7 @@
               </a:rPr>
               <a:t>{</a:t>
             </a:r>
-            <a:endParaRPr lang="ru-RU" sz="1400" dirty="0">
+            <a:endParaRPr lang="ru-RU" sz="1500" dirty="0">
               <a:latin typeface="Calibri" panose="020F0502020204030204" pitchFamily="34" charset="0"/>
               <a:ea typeface="Calibri" panose="020F0502020204030204" pitchFamily="34" charset="0"/>
               <a:cs typeface="Times New Roman" panose="02020603050405020304" pitchFamily="18" charset="0"/>
@@ -9581,7 +11982,7 @@
               </a:spcAft>
             </a:pPr>
             <a:r>
-              <a:rPr lang="en-US" sz="1400" dirty="0">
+              <a:rPr lang="en-US" sz="1500" dirty="0">
                 <a:solidFill>
                   <a:srgbClr val="0000FF"/>
                 </a:solidFill>
@@ -9592,7 +11993,7 @@
               <a:t>public</a:t>
             </a:r>
             <a:r>
-              <a:rPr lang="en-US" sz="1400" dirty="0">
+              <a:rPr lang="en-US" sz="1500" dirty="0">
                 <a:solidFill>
                   <a:srgbClr val="000000"/>
                 </a:solidFill>
@@ -9602,7 +12003,7 @@
               </a:rPr>
               <a:t>:</a:t>
             </a:r>
-            <a:endParaRPr lang="ru-RU" sz="1400" dirty="0">
+            <a:endParaRPr lang="ru-RU" sz="1500" dirty="0">
               <a:latin typeface="Calibri" panose="020F0502020204030204" pitchFamily="34" charset="0"/>
               <a:ea typeface="Calibri" panose="020F0502020204030204" pitchFamily="34" charset="0"/>
               <a:cs typeface="Times New Roman" panose="02020603050405020304" pitchFamily="18" charset="0"/>
@@ -9615,7 +12016,7 @@
               </a:spcAft>
             </a:pPr>
             <a:r>
-              <a:rPr lang="en-US" sz="1400" dirty="0">
+              <a:rPr lang="en-US" sz="1500" dirty="0">
                 <a:solidFill>
                   <a:srgbClr val="000000"/>
                 </a:solidFill>
@@ -9626,7 +12027,7 @@
               <a:t>  </a:t>
             </a:r>
             <a:r>
-              <a:rPr lang="en-US" sz="1400" dirty="0" err="1">
+              <a:rPr lang="en-US" sz="1500" dirty="0" err="1">
                 <a:solidFill>
                   <a:srgbClr val="000000"/>
                 </a:solidFill>
@@ -9637,7 +12038,7 @@
               <a:t>CExitMenuCommand</a:t>
             </a:r>
             <a:r>
-              <a:rPr lang="en-US" sz="1400" dirty="0">
+              <a:rPr lang="en-US" sz="1500" dirty="0">
                 <a:solidFill>
                   <a:srgbClr val="000000"/>
                 </a:solidFill>
@@ -9648,7 +12049,7 @@
               <a:t>(</a:t>
             </a:r>
             <a:r>
-              <a:rPr lang="en-US" sz="1400" dirty="0" err="1">
+              <a:rPr lang="en-US" sz="1500" dirty="0" err="1">
                 <a:solidFill>
                   <a:srgbClr val="2B91AF"/>
                 </a:solidFill>
@@ -9659,7 +12060,7 @@
               <a:t>CMenu</a:t>
             </a:r>
             <a:r>
-              <a:rPr lang="en-US" sz="1400" dirty="0">
+              <a:rPr lang="en-US" sz="1500" dirty="0">
                 <a:solidFill>
                   <a:srgbClr val="000000"/>
                 </a:solidFill>
@@ -9670,7 +12071,7 @@
               <a:t> &amp; </a:t>
             </a:r>
             <a:r>
-              <a:rPr lang="en-US" sz="1400" dirty="0">
+              <a:rPr lang="en-US" sz="1500" dirty="0">
                 <a:solidFill>
                   <a:srgbClr val="808080"/>
                 </a:solidFill>
@@ -9681,7 +12082,7 @@
               <a:t>menu</a:t>
             </a:r>
             <a:r>
-              <a:rPr lang="en-US" sz="1400" dirty="0">
+              <a:rPr lang="en-US" sz="1500" dirty="0">
                 <a:solidFill>
                   <a:srgbClr val="000000"/>
                 </a:solidFill>
@@ -9691,7 +12092,7 @@
               </a:rPr>
               <a:t>)</a:t>
             </a:r>
-            <a:endParaRPr lang="ru-RU" sz="1400" dirty="0">
+            <a:endParaRPr lang="ru-RU" sz="1500" dirty="0">
               <a:latin typeface="Calibri" panose="020F0502020204030204" pitchFamily="34" charset="0"/>
               <a:ea typeface="Calibri" panose="020F0502020204030204" pitchFamily="34" charset="0"/>
               <a:cs typeface="Times New Roman" panose="02020603050405020304" pitchFamily="18" charset="0"/>
@@ -9704,7 +12105,7 @@
               </a:spcAft>
             </a:pPr>
             <a:r>
-              <a:rPr lang="en-US" sz="1400" dirty="0">
+              <a:rPr lang="en-US" sz="1500" dirty="0">
                 <a:solidFill>
                   <a:srgbClr val="000000"/>
                 </a:solidFill>
@@ -9715,7 +12116,7 @@
               <a:t>    :</a:t>
             </a:r>
             <a:r>
-              <a:rPr lang="en-US" sz="1400" dirty="0" err="1">
+              <a:rPr lang="en-US" sz="1500" dirty="0" err="1">
                 <a:solidFill>
                   <a:srgbClr val="000000"/>
                 </a:solidFill>
@@ -9726,7 +12127,7 @@
               <a:t>m_menu</a:t>
             </a:r>
             <a:r>
-              <a:rPr lang="en-US" sz="1400" dirty="0">
+              <a:rPr lang="en-US" sz="1500" dirty="0">
                 <a:solidFill>
                   <a:srgbClr val="000000"/>
                 </a:solidFill>
@@ -9737,7 +12138,7 @@
               <a:t>(</a:t>
             </a:r>
             <a:r>
-              <a:rPr lang="en-US" sz="1400" dirty="0">
+              <a:rPr lang="en-US" sz="1500" dirty="0">
                 <a:solidFill>
                   <a:srgbClr val="808080"/>
                 </a:solidFill>
@@ -9748,7 +12149,7 @@
               <a:t>menu</a:t>
             </a:r>
             <a:r>
-              <a:rPr lang="en-US" sz="1400" dirty="0">
+              <a:rPr lang="en-US" sz="1500" dirty="0">
                 <a:solidFill>
                   <a:srgbClr val="000000"/>
                 </a:solidFill>
@@ -9758,7 +12159,7 @@
               </a:rPr>
               <a:t>)</a:t>
             </a:r>
-            <a:endParaRPr lang="ru-RU" sz="1400" dirty="0">
+            <a:endParaRPr lang="ru-RU" sz="1500" dirty="0">
               <a:latin typeface="Calibri" panose="020F0502020204030204" pitchFamily="34" charset="0"/>
               <a:ea typeface="Calibri" panose="020F0502020204030204" pitchFamily="34" charset="0"/>
               <a:cs typeface="Times New Roman" panose="02020603050405020304" pitchFamily="18" charset="0"/>
@@ -9771,7 +12172,7 @@
               </a:spcAft>
             </a:pPr>
             <a:r>
-              <a:rPr lang="en-US" sz="1400" dirty="0">
+              <a:rPr lang="en-US" sz="1500" dirty="0">
                 <a:solidFill>
                   <a:srgbClr val="000000"/>
                 </a:solidFill>
@@ -9781,7 +12182,7 @@
               </a:rPr>
               <a:t>  {}</a:t>
             </a:r>
-            <a:endParaRPr lang="ru-RU" sz="1400" dirty="0">
+            <a:endParaRPr lang="ru-RU" sz="1500" dirty="0">
               <a:latin typeface="Calibri" panose="020F0502020204030204" pitchFamily="34" charset="0"/>
               <a:ea typeface="Calibri" panose="020F0502020204030204" pitchFamily="34" charset="0"/>
               <a:cs typeface="Times New Roman" panose="02020603050405020304" pitchFamily="18" charset="0"/>
@@ -9794,7 +12195,7 @@
               </a:spcAft>
             </a:pPr>
             <a:r>
-              <a:rPr lang="en-US" sz="1400" dirty="0">
+              <a:rPr lang="en-US" sz="1500" dirty="0">
                 <a:solidFill>
                   <a:srgbClr val="000000"/>
                 </a:solidFill>
@@ -9804,7 +12205,7 @@
               </a:rPr>
               <a:t> </a:t>
             </a:r>
-            <a:endParaRPr lang="ru-RU" sz="1400" dirty="0">
+            <a:endParaRPr lang="ru-RU" sz="1500" dirty="0">
               <a:latin typeface="Calibri" panose="020F0502020204030204" pitchFamily="34" charset="0"/>
               <a:ea typeface="Calibri" panose="020F0502020204030204" pitchFamily="34" charset="0"/>
               <a:cs typeface="Times New Roman" panose="02020603050405020304" pitchFamily="18" charset="0"/>
@@ -9817,7 +12218,7 @@
               </a:spcAft>
             </a:pPr>
             <a:r>
-              <a:rPr lang="en-US" sz="1400" dirty="0">
+              <a:rPr lang="en-US" sz="1500" dirty="0">
                 <a:solidFill>
                   <a:srgbClr val="000000"/>
                 </a:solidFill>
@@ -9828,7 +12229,7 @@
               <a:t>  </a:t>
             </a:r>
             <a:r>
-              <a:rPr lang="en-US" sz="1400" dirty="0">
+              <a:rPr lang="en-US" sz="1500" dirty="0">
                 <a:solidFill>
                   <a:srgbClr val="0000FF"/>
                 </a:solidFill>
@@ -9839,7 +12240,7 @@
               <a:t>void</a:t>
             </a:r>
             <a:r>
-              <a:rPr lang="en-US" sz="1400" dirty="0">
+              <a:rPr lang="en-US" sz="1500" dirty="0">
                 <a:solidFill>
                   <a:srgbClr val="000000"/>
                 </a:solidFill>
@@ -9850,7 +12251,7 @@
               <a:t> Execute() </a:t>
             </a:r>
             <a:r>
-              <a:rPr lang="en-US" sz="1400" dirty="0">
+              <a:rPr lang="en-US" sz="1500" dirty="0">
                 <a:solidFill>
                   <a:srgbClr val="0000FF"/>
                 </a:solidFill>
@@ -9860,7 +12261,7 @@
               </a:rPr>
               <a:t>override</a:t>
             </a:r>
-            <a:endParaRPr lang="ru-RU" sz="1400" dirty="0">
+            <a:endParaRPr lang="ru-RU" sz="1500" dirty="0">
               <a:latin typeface="Calibri" panose="020F0502020204030204" pitchFamily="34" charset="0"/>
               <a:ea typeface="Calibri" panose="020F0502020204030204" pitchFamily="34" charset="0"/>
               <a:cs typeface="Times New Roman" panose="02020603050405020304" pitchFamily="18" charset="0"/>
@@ -9873,7 +12274,7 @@
               </a:spcAft>
             </a:pPr>
             <a:r>
-              <a:rPr lang="en-US" sz="1400" dirty="0">
+              <a:rPr lang="en-US" sz="1500" dirty="0">
                 <a:solidFill>
                   <a:srgbClr val="000000"/>
                 </a:solidFill>
@@ -9883,7 +12284,7 @@
               </a:rPr>
               <a:t>  {</a:t>
             </a:r>
-            <a:endParaRPr lang="ru-RU" sz="1400" dirty="0">
+            <a:endParaRPr lang="ru-RU" sz="1500" dirty="0">
               <a:latin typeface="Calibri" panose="020F0502020204030204" pitchFamily="34" charset="0"/>
               <a:ea typeface="Calibri" panose="020F0502020204030204" pitchFamily="34" charset="0"/>
               <a:cs typeface="Times New Roman" panose="02020603050405020304" pitchFamily="18" charset="0"/>
@@ -9896,7 +12297,7 @@
               </a:spcAft>
             </a:pPr>
             <a:r>
-              <a:rPr lang="en-US" sz="1400" dirty="0">
+              <a:rPr lang="en-US" sz="1500" dirty="0">
                 <a:solidFill>
                   <a:srgbClr val="000000"/>
                 </a:solidFill>
@@ -9907,7 +12308,7 @@
               <a:t>    </a:t>
             </a:r>
             <a:r>
-              <a:rPr lang="en-US" sz="1400" dirty="0" err="1">
+              <a:rPr lang="en-US" sz="1500" dirty="0" err="1">
                 <a:solidFill>
                   <a:srgbClr val="000000"/>
                 </a:solidFill>
@@ -9918,7 +12319,7 @@
               <a:t>m_menu.Exit</a:t>
             </a:r>
             <a:r>
-              <a:rPr lang="en-US" sz="1400" dirty="0">
+              <a:rPr lang="en-US" sz="1500" dirty="0">
                 <a:solidFill>
                   <a:srgbClr val="000000"/>
                 </a:solidFill>
@@ -9928,7 +12329,7 @@
               </a:rPr>
               <a:t>();</a:t>
             </a:r>
-            <a:endParaRPr lang="ru-RU" sz="1400" dirty="0">
+            <a:endParaRPr lang="ru-RU" sz="1500" dirty="0">
               <a:latin typeface="Calibri" panose="020F0502020204030204" pitchFamily="34" charset="0"/>
               <a:ea typeface="Calibri" panose="020F0502020204030204" pitchFamily="34" charset="0"/>
               <a:cs typeface="Times New Roman" panose="02020603050405020304" pitchFamily="18" charset="0"/>
@@ -9941,7 +12342,7 @@
               </a:spcAft>
             </a:pPr>
             <a:r>
-              <a:rPr lang="en-US" sz="1400" dirty="0">
+              <a:rPr lang="en-US" sz="1500" dirty="0">
                 <a:solidFill>
                   <a:srgbClr val="000000"/>
                 </a:solidFill>
@@ -9952,7 +12353,7 @@
               <a:t>  </a:t>
             </a:r>
             <a:r>
-              <a:rPr lang="ru-RU" sz="1400" dirty="0">
+              <a:rPr lang="ru-RU" sz="1500" dirty="0">
                 <a:solidFill>
                   <a:srgbClr val="000000"/>
                 </a:solidFill>
@@ -9962,7 +12363,7 @@
               </a:rPr>
               <a:t>}</a:t>
             </a:r>
-            <a:endParaRPr lang="ru-RU" sz="1400" dirty="0">
+            <a:endParaRPr lang="ru-RU" sz="1500" dirty="0">
               <a:latin typeface="Calibri" panose="020F0502020204030204" pitchFamily="34" charset="0"/>
               <a:ea typeface="Calibri" panose="020F0502020204030204" pitchFamily="34" charset="0"/>
               <a:cs typeface="Times New Roman" panose="02020603050405020304" pitchFamily="18" charset="0"/>
@@ -9975,7 +12376,7 @@
               </a:spcAft>
             </a:pPr>
             <a:r>
-              <a:rPr lang="ru-RU" sz="1400" dirty="0" err="1">
+              <a:rPr lang="ru-RU" sz="1500" dirty="0" err="1">
                 <a:solidFill>
                   <a:srgbClr val="0000FF"/>
                 </a:solidFill>
@@ -9986,7 +12387,7 @@
               <a:t>private</a:t>
             </a:r>
             <a:r>
-              <a:rPr lang="ru-RU" sz="1400" dirty="0">
+              <a:rPr lang="ru-RU" sz="1500" dirty="0">
                 <a:solidFill>
                   <a:srgbClr val="000000"/>
                 </a:solidFill>
@@ -9996,7 +12397,7 @@
               </a:rPr>
               <a:t>:</a:t>
             </a:r>
-            <a:endParaRPr lang="ru-RU" sz="1400" dirty="0">
+            <a:endParaRPr lang="ru-RU" sz="1500" dirty="0">
               <a:latin typeface="Calibri" panose="020F0502020204030204" pitchFamily="34" charset="0"/>
               <a:ea typeface="Calibri" panose="020F0502020204030204" pitchFamily="34" charset="0"/>
               <a:cs typeface="Times New Roman" panose="02020603050405020304" pitchFamily="18" charset="0"/>
@@ -10009,7 +12410,7 @@
               </a:spcAft>
             </a:pPr>
             <a:r>
-              <a:rPr lang="ru-RU" sz="1400" dirty="0">
+              <a:rPr lang="ru-RU" sz="1500" dirty="0">
                 <a:solidFill>
                   <a:srgbClr val="000000"/>
                 </a:solidFill>
@@ -10020,7 +12421,7 @@
               <a:t>  </a:t>
             </a:r>
             <a:r>
-              <a:rPr lang="ru-RU" sz="1400" dirty="0" err="1">
+              <a:rPr lang="ru-RU" sz="1500" dirty="0" err="1">
                 <a:solidFill>
                   <a:srgbClr val="2B91AF"/>
                 </a:solidFill>
@@ -10031,7 +12432,7 @@
               <a:t>CMenu</a:t>
             </a:r>
             <a:r>
-              <a:rPr lang="ru-RU" sz="1400" dirty="0">
+              <a:rPr lang="ru-RU" sz="1500" dirty="0">
                 <a:solidFill>
                   <a:srgbClr val="000000"/>
                 </a:solidFill>
@@ -10042,7 +12443,7 @@
               <a:t> &amp; </a:t>
             </a:r>
             <a:r>
-              <a:rPr lang="ru-RU" sz="1400" dirty="0" err="1">
+              <a:rPr lang="ru-RU" sz="1500" dirty="0" err="1">
                 <a:solidFill>
                   <a:srgbClr val="000000"/>
                 </a:solidFill>
@@ -10053,7 +12454,7 @@
               <a:t>m_menu</a:t>
             </a:r>
             <a:r>
-              <a:rPr lang="ru-RU" sz="1400" dirty="0">
+              <a:rPr lang="ru-RU" sz="1500" dirty="0">
                 <a:solidFill>
                   <a:srgbClr val="000000"/>
                 </a:solidFill>
@@ -10063,7 +12464,7 @@
               </a:rPr>
               <a:t>;</a:t>
             </a:r>
-            <a:endParaRPr lang="ru-RU" sz="1400" dirty="0">
+            <a:endParaRPr lang="ru-RU" sz="1500" dirty="0">
               <a:latin typeface="Calibri" panose="020F0502020204030204" pitchFamily="34" charset="0"/>
               <a:ea typeface="Calibri" panose="020F0502020204030204" pitchFamily="34" charset="0"/>
               <a:cs typeface="Times New Roman" panose="02020603050405020304" pitchFamily="18" charset="0"/>
@@ -10076,7 +12477,7 @@
               </a:spcAft>
             </a:pPr>
             <a:r>
-              <a:rPr lang="ru-RU" sz="1400" dirty="0">
+              <a:rPr lang="ru-RU" sz="1500" dirty="0">
                 <a:solidFill>
                   <a:srgbClr val="000000"/>
                 </a:solidFill>
@@ -10086,7 +12487,7 @@
               </a:rPr>
               <a:t>};</a:t>
             </a:r>
-            <a:endParaRPr lang="ru-RU" sz="1400" dirty="0">
+            <a:endParaRPr lang="ru-RU" sz="1500" dirty="0">
               <a:effectLst/>
               <a:latin typeface="Calibri" panose="020F0502020204030204" pitchFamily="34" charset="0"/>
               <a:ea typeface="Calibri" panose="020F0502020204030204" pitchFamily="34" charset="0"/>
@@ -10148,7 +12549,7 @@
         </p:nvSpPr>
         <p:spPr>
           <a:xfrm>
-            <a:off x="3171168" y="5042684"/>
+            <a:off x="3707904" y="5387452"/>
             <a:ext cx="2592288" cy="433083"/>
           </a:xfrm>
           <a:prstGeom prst="borderCallout1">
@@ -10304,7 +12705,7 @@
                             </p:stCondLst>
                             <p:childTnLst>
                               <p:par>
-                                <p:cTn id="13" presetID="10" presetClass="entr" presetSubtype="0" fill="hold" grpId="0" nodeType="clickEffect">
+                                <p:cTn id="13" presetID="10" presetClass="entr" presetSubtype="0" fill="hold" nodeType="clickEffect">
                                   <p:stCondLst>
                                     <p:cond delay="0"/>
                                   </p:stCondLst>
@@ -10317,7 +12718,11 @@
                                           </p:stCondLst>
                                         </p:cTn>
                                         <p:tgtEl>
-                                          <p:spTgt spid="6"/>
+                                          <p:spTgt spid="2">
+                                            <p:txEl>
+                                              <p:pRg st="15" end="15"/>
+                                            </p:txEl>
+                                          </p:spTgt>
                                         </p:tgtEl>
                                         <p:attrNameLst>
                                           <p:attrName>style.visibility</p:attrName>
@@ -10331,7 +12736,11 @@
                                       <p:cBhvr>
                                         <p:cTn id="15" dur="500"/>
                                         <p:tgtEl>
-                                          <p:spTgt spid="6"/>
+                                          <p:spTgt spid="2">
+                                            <p:txEl>
+                                              <p:pRg st="15" end="15"/>
+                                            </p:txEl>
+                                          </p:spTgt>
                                         </p:tgtEl>
                                       </p:cBhvr>
                                     </p:animEffect>
@@ -10339,7 +12748,7 @@
                                 </p:cTn>
                               </p:par>
                               <p:par>
-                                <p:cTn id="16" presetID="10" presetClass="entr" presetSubtype="0" fill="hold" grpId="0" nodeType="withEffect">
+                                <p:cTn id="16" presetID="10" presetClass="entr" presetSubtype="0" fill="hold" nodeType="withEffect">
                                   <p:stCondLst>
                                     <p:cond delay="0"/>
                                   </p:stCondLst>
@@ -10352,7 +12761,11 @@
                                           </p:stCondLst>
                                         </p:cTn>
                                         <p:tgtEl>
-                                          <p:spTgt spid="7"/>
+                                          <p:spTgt spid="2">
+                                            <p:txEl>
+                                              <p:pRg st="16" end="16"/>
+                                            </p:txEl>
+                                          </p:spTgt>
                                         </p:tgtEl>
                                         <p:attrNameLst>
                                           <p:attrName>style.visibility</p:attrName>
@@ -10365,6 +12778,614 @@
                                     <p:animEffect transition="in" filter="fade">
                                       <p:cBhvr>
                                         <p:cTn id="18" dur="500"/>
+                                        <p:tgtEl>
+                                          <p:spTgt spid="2">
+                                            <p:txEl>
+                                              <p:pRg st="16" end="16"/>
+                                            </p:txEl>
+                                          </p:spTgt>
+                                        </p:tgtEl>
+                                      </p:cBhvr>
+                                    </p:animEffect>
+                                  </p:childTnLst>
+                                </p:cTn>
+                              </p:par>
+                              <p:par>
+                                <p:cTn id="19" presetID="10" presetClass="entr" presetSubtype="0" fill="hold" nodeType="withEffect">
+                                  <p:stCondLst>
+                                    <p:cond delay="0"/>
+                                  </p:stCondLst>
+                                  <p:childTnLst>
+                                    <p:set>
+                                      <p:cBhvr>
+                                        <p:cTn id="20" dur="1" fill="hold">
+                                          <p:stCondLst>
+                                            <p:cond delay="0"/>
+                                          </p:stCondLst>
+                                        </p:cTn>
+                                        <p:tgtEl>
+                                          <p:spTgt spid="2">
+                                            <p:txEl>
+                                              <p:pRg st="17" end="17"/>
+                                            </p:txEl>
+                                          </p:spTgt>
+                                        </p:tgtEl>
+                                        <p:attrNameLst>
+                                          <p:attrName>style.visibility</p:attrName>
+                                        </p:attrNameLst>
+                                      </p:cBhvr>
+                                      <p:to>
+                                        <p:strVal val="visible"/>
+                                      </p:to>
+                                    </p:set>
+                                    <p:animEffect transition="in" filter="fade">
+                                      <p:cBhvr>
+                                        <p:cTn id="21" dur="500"/>
+                                        <p:tgtEl>
+                                          <p:spTgt spid="2">
+                                            <p:txEl>
+                                              <p:pRg st="17" end="17"/>
+                                            </p:txEl>
+                                          </p:spTgt>
+                                        </p:tgtEl>
+                                      </p:cBhvr>
+                                    </p:animEffect>
+                                  </p:childTnLst>
+                                </p:cTn>
+                              </p:par>
+                              <p:par>
+                                <p:cTn id="22" presetID="10" presetClass="entr" presetSubtype="0" fill="hold" nodeType="withEffect">
+                                  <p:stCondLst>
+                                    <p:cond delay="0"/>
+                                  </p:stCondLst>
+                                  <p:childTnLst>
+                                    <p:set>
+                                      <p:cBhvr>
+                                        <p:cTn id="23" dur="1" fill="hold">
+                                          <p:stCondLst>
+                                            <p:cond delay="0"/>
+                                          </p:stCondLst>
+                                        </p:cTn>
+                                        <p:tgtEl>
+                                          <p:spTgt spid="2">
+                                            <p:txEl>
+                                              <p:pRg st="18" end="18"/>
+                                            </p:txEl>
+                                          </p:spTgt>
+                                        </p:tgtEl>
+                                        <p:attrNameLst>
+                                          <p:attrName>style.visibility</p:attrName>
+                                        </p:attrNameLst>
+                                      </p:cBhvr>
+                                      <p:to>
+                                        <p:strVal val="visible"/>
+                                      </p:to>
+                                    </p:set>
+                                    <p:animEffect transition="in" filter="fade">
+                                      <p:cBhvr>
+                                        <p:cTn id="24" dur="500"/>
+                                        <p:tgtEl>
+                                          <p:spTgt spid="2">
+                                            <p:txEl>
+                                              <p:pRg st="18" end="18"/>
+                                            </p:txEl>
+                                          </p:spTgt>
+                                        </p:tgtEl>
+                                      </p:cBhvr>
+                                    </p:animEffect>
+                                  </p:childTnLst>
+                                </p:cTn>
+                              </p:par>
+                              <p:par>
+                                <p:cTn id="25" presetID="10" presetClass="entr" presetSubtype="0" fill="hold" nodeType="withEffect">
+                                  <p:stCondLst>
+                                    <p:cond delay="0"/>
+                                  </p:stCondLst>
+                                  <p:childTnLst>
+                                    <p:set>
+                                      <p:cBhvr>
+                                        <p:cTn id="26" dur="1" fill="hold">
+                                          <p:stCondLst>
+                                            <p:cond delay="0"/>
+                                          </p:stCondLst>
+                                        </p:cTn>
+                                        <p:tgtEl>
+                                          <p:spTgt spid="2">
+                                            <p:txEl>
+                                              <p:pRg st="19" end="19"/>
+                                            </p:txEl>
+                                          </p:spTgt>
+                                        </p:tgtEl>
+                                        <p:attrNameLst>
+                                          <p:attrName>style.visibility</p:attrName>
+                                        </p:attrNameLst>
+                                      </p:cBhvr>
+                                      <p:to>
+                                        <p:strVal val="visible"/>
+                                      </p:to>
+                                    </p:set>
+                                    <p:animEffect transition="in" filter="fade">
+                                      <p:cBhvr>
+                                        <p:cTn id="27" dur="500"/>
+                                        <p:tgtEl>
+                                          <p:spTgt spid="2">
+                                            <p:txEl>
+                                              <p:pRg st="19" end="19"/>
+                                            </p:txEl>
+                                          </p:spTgt>
+                                        </p:tgtEl>
+                                      </p:cBhvr>
+                                    </p:animEffect>
+                                  </p:childTnLst>
+                                </p:cTn>
+                              </p:par>
+                              <p:par>
+                                <p:cTn id="28" presetID="10" presetClass="entr" presetSubtype="0" fill="hold" nodeType="withEffect">
+                                  <p:stCondLst>
+                                    <p:cond delay="0"/>
+                                  </p:stCondLst>
+                                  <p:childTnLst>
+                                    <p:set>
+                                      <p:cBhvr>
+                                        <p:cTn id="29" dur="1" fill="hold">
+                                          <p:stCondLst>
+                                            <p:cond delay="0"/>
+                                          </p:stCondLst>
+                                        </p:cTn>
+                                        <p:tgtEl>
+                                          <p:spTgt spid="2">
+                                            <p:txEl>
+                                              <p:pRg st="20" end="20"/>
+                                            </p:txEl>
+                                          </p:spTgt>
+                                        </p:tgtEl>
+                                        <p:attrNameLst>
+                                          <p:attrName>style.visibility</p:attrName>
+                                        </p:attrNameLst>
+                                      </p:cBhvr>
+                                      <p:to>
+                                        <p:strVal val="visible"/>
+                                      </p:to>
+                                    </p:set>
+                                    <p:animEffect transition="in" filter="fade">
+                                      <p:cBhvr>
+                                        <p:cTn id="30" dur="500"/>
+                                        <p:tgtEl>
+                                          <p:spTgt spid="2">
+                                            <p:txEl>
+                                              <p:pRg st="20" end="20"/>
+                                            </p:txEl>
+                                          </p:spTgt>
+                                        </p:tgtEl>
+                                      </p:cBhvr>
+                                    </p:animEffect>
+                                  </p:childTnLst>
+                                </p:cTn>
+                              </p:par>
+                              <p:par>
+                                <p:cTn id="31" presetID="10" presetClass="entr" presetSubtype="0" fill="hold" nodeType="withEffect">
+                                  <p:stCondLst>
+                                    <p:cond delay="0"/>
+                                  </p:stCondLst>
+                                  <p:childTnLst>
+                                    <p:set>
+                                      <p:cBhvr>
+                                        <p:cTn id="32" dur="1" fill="hold">
+                                          <p:stCondLst>
+                                            <p:cond delay="0"/>
+                                          </p:stCondLst>
+                                        </p:cTn>
+                                        <p:tgtEl>
+                                          <p:spTgt spid="2">
+                                            <p:txEl>
+                                              <p:pRg st="21" end="21"/>
+                                            </p:txEl>
+                                          </p:spTgt>
+                                        </p:tgtEl>
+                                        <p:attrNameLst>
+                                          <p:attrName>style.visibility</p:attrName>
+                                        </p:attrNameLst>
+                                      </p:cBhvr>
+                                      <p:to>
+                                        <p:strVal val="visible"/>
+                                      </p:to>
+                                    </p:set>
+                                    <p:animEffect transition="in" filter="fade">
+                                      <p:cBhvr>
+                                        <p:cTn id="33" dur="500"/>
+                                        <p:tgtEl>
+                                          <p:spTgt spid="2">
+                                            <p:txEl>
+                                              <p:pRg st="21" end="21"/>
+                                            </p:txEl>
+                                          </p:spTgt>
+                                        </p:tgtEl>
+                                      </p:cBhvr>
+                                    </p:animEffect>
+                                  </p:childTnLst>
+                                </p:cTn>
+                              </p:par>
+                              <p:par>
+                                <p:cTn id="34" presetID="10" presetClass="entr" presetSubtype="0" fill="hold" nodeType="withEffect">
+                                  <p:stCondLst>
+                                    <p:cond delay="0"/>
+                                  </p:stCondLst>
+                                  <p:childTnLst>
+                                    <p:set>
+                                      <p:cBhvr>
+                                        <p:cTn id="35" dur="1" fill="hold">
+                                          <p:stCondLst>
+                                            <p:cond delay="0"/>
+                                          </p:stCondLst>
+                                        </p:cTn>
+                                        <p:tgtEl>
+                                          <p:spTgt spid="2">
+                                            <p:txEl>
+                                              <p:pRg st="22" end="22"/>
+                                            </p:txEl>
+                                          </p:spTgt>
+                                        </p:tgtEl>
+                                        <p:attrNameLst>
+                                          <p:attrName>style.visibility</p:attrName>
+                                        </p:attrNameLst>
+                                      </p:cBhvr>
+                                      <p:to>
+                                        <p:strVal val="visible"/>
+                                      </p:to>
+                                    </p:set>
+                                    <p:animEffect transition="in" filter="fade">
+                                      <p:cBhvr>
+                                        <p:cTn id="36" dur="500"/>
+                                        <p:tgtEl>
+                                          <p:spTgt spid="2">
+                                            <p:txEl>
+                                              <p:pRg st="22" end="22"/>
+                                            </p:txEl>
+                                          </p:spTgt>
+                                        </p:tgtEl>
+                                      </p:cBhvr>
+                                    </p:animEffect>
+                                  </p:childTnLst>
+                                </p:cTn>
+                              </p:par>
+                              <p:par>
+                                <p:cTn id="37" presetID="10" presetClass="entr" presetSubtype="0" fill="hold" nodeType="withEffect">
+                                  <p:stCondLst>
+                                    <p:cond delay="0"/>
+                                  </p:stCondLst>
+                                  <p:childTnLst>
+                                    <p:set>
+                                      <p:cBhvr>
+                                        <p:cTn id="38" dur="1" fill="hold">
+                                          <p:stCondLst>
+                                            <p:cond delay="0"/>
+                                          </p:stCondLst>
+                                        </p:cTn>
+                                        <p:tgtEl>
+                                          <p:spTgt spid="2">
+                                            <p:txEl>
+                                              <p:pRg st="23" end="23"/>
+                                            </p:txEl>
+                                          </p:spTgt>
+                                        </p:tgtEl>
+                                        <p:attrNameLst>
+                                          <p:attrName>style.visibility</p:attrName>
+                                        </p:attrNameLst>
+                                      </p:cBhvr>
+                                      <p:to>
+                                        <p:strVal val="visible"/>
+                                      </p:to>
+                                    </p:set>
+                                    <p:animEffect transition="in" filter="fade">
+                                      <p:cBhvr>
+                                        <p:cTn id="39" dur="500"/>
+                                        <p:tgtEl>
+                                          <p:spTgt spid="2">
+                                            <p:txEl>
+                                              <p:pRg st="23" end="23"/>
+                                            </p:txEl>
+                                          </p:spTgt>
+                                        </p:tgtEl>
+                                      </p:cBhvr>
+                                    </p:animEffect>
+                                  </p:childTnLst>
+                                </p:cTn>
+                              </p:par>
+                              <p:par>
+                                <p:cTn id="40" presetID="10" presetClass="entr" presetSubtype="0" fill="hold" nodeType="withEffect">
+                                  <p:stCondLst>
+                                    <p:cond delay="0"/>
+                                  </p:stCondLst>
+                                  <p:childTnLst>
+                                    <p:set>
+                                      <p:cBhvr>
+                                        <p:cTn id="41" dur="1" fill="hold">
+                                          <p:stCondLst>
+                                            <p:cond delay="0"/>
+                                          </p:stCondLst>
+                                        </p:cTn>
+                                        <p:tgtEl>
+                                          <p:spTgt spid="2">
+                                            <p:txEl>
+                                              <p:pRg st="24" end="24"/>
+                                            </p:txEl>
+                                          </p:spTgt>
+                                        </p:tgtEl>
+                                        <p:attrNameLst>
+                                          <p:attrName>style.visibility</p:attrName>
+                                        </p:attrNameLst>
+                                      </p:cBhvr>
+                                      <p:to>
+                                        <p:strVal val="visible"/>
+                                      </p:to>
+                                    </p:set>
+                                    <p:animEffect transition="in" filter="fade">
+                                      <p:cBhvr>
+                                        <p:cTn id="42" dur="500"/>
+                                        <p:tgtEl>
+                                          <p:spTgt spid="2">
+                                            <p:txEl>
+                                              <p:pRg st="24" end="24"/>
+                                            </p:txEl>
+                                          </p:spTgt>
+                                        </p:tgtEl>
+                                      </p:cBhvr>
+                                    </p:animEffect>
+                                  </p:childTnLst>
+                                </p:cTn>
+                              </p:par>
+                              <p:par>
+                                <p:cTn id="43" presetID="10" presetClass="entr" presetSubtype="0" fill="hold" nodeType="withEffect">
+                                  <p:stCondLst>
+                                    <p:cond delay="0"/>
+                                  </p:stCondLst>
+                                  <p:childTnLst>
+                                    <p:set>
+                                      <p:cBhvr>
+                                        <p:cTn id="44" dur="1" fill="hold">
+                                          <p:stCondLst>
+                                            <p:cond delay="0"/>
+                                          </p:stCondLst>
+                                        </p:cTn>
+                                        <p:tgtEl>
+                                          <p:spTgt spid="2">
+                                            <p:txEl>
+                                              <p:pRg st="25" end="25"/>
+                                            </p:txEl>
+                                          </p:spTgt>
+                                        </p:tgtEl>
+                                        <p:attrNameLst>
+                                          <p:attrName>style.visibility</p:attrName>
+                                        </p:attrNameLst>
+                                      </p:cBhvr>
+                                      <p:to>
+                                        <p:strVal val="visible"/>
+                                      </p:to>
+                                    </p:set>
+                                    <p:animEffect transition="in" filter="fade">
+                                      <p:cBhvr>
+                                        <p:cTn id="45" dur="500"/>
+                                        <p:tgtEl>
+                                          <p:spTgt spid="2">
+                                            <p:txEl>
+                                              <p:pRg st="25" end="25"/>
+                                            </p:txEl>
+                                          </p:spTgt>
+                                        </p:tgtEl>
+                                      </p:cBhvr>
+                                    </p:animEffect>
+                                  </p:childTnLst>
+                                </p:cTn>
+                              </p:par>
+                              <p:par>
+                                <p:cTn id="46" presetID="10" presetClass="entr" presetSubtype="0" fill="hold" nodeType="withEffect">
+                                  <p:stCondLst>
+                                    <p:cond delay="0"/>
+                                  </p:stCondLst>
+                                  <p:childTnLst>
+                                    <p:set>
+                                      <p:cBhvr>
+                                        <p:cTn id="47" dur="1" fill="hold">
+                                          <p:stCondLst>
+                                            <p:cond delay="0"/>
+                                          </p:stCondLst>
+                                        </p:cTn>
+                                        <p:tgtEl>
+                                          <p:spTgt spid="2">
+                                            <p:txEl>
+                                              <p:pRg st="26" end="26"/>
+                                            </p:txEl>
+                                          </p:spTgt>
+                                        </p:tgtEl>
+                                        <p:attrNameLst>
+                                          <p:attrName>style.visibility</p:attrName>
+                                        </p:attrNameLst>
+                                      </p:cBhvr>
+                                      <p:to>
+                                        <p:strVal val="visible"/>
+                                      </p:to>
+                                    </p:set>
+                                    <p:animEffect transition="in" filter="fade">
+                                      <p:cBhvr>
+                                        <p:cTn id="48" dur="500"/>
+                                        <p:tgtEl>
+                                          <p:spTgt spid="2">
+                                            <p:txEl>
+                                              <p:pRg st="26" end="26"/>
+                                            </p:txEl>
+                                          </p:spTgt>
+                                        </p:tgtEl>
+                                      </p:cBhvr>
+                                    </p:animEffect>
+                                  </p:childTnLst>
+                                </p:cTn>
+                              </p:par>
+                              <p:par>
+                                <p:cTn id="49" presetID="10" presetClass="entr" presetSubtype="0" fill="hold" nodeType="withEffect">
+                                  <p:stCondLst>
+                                    <p:cond delay="0"/>
+                                  </p:stCondLst>
+                                  <p:childTnLst>
+                                    <p:set>
+                                      <p:cBhvr>
+                                        <p:cTn id="50" dur="1" fill="hold">
+                                          <p:stCondLst>
+                                            <p:cond delay="0"/>
+                                          </p:stCondLst>
+                                        </p:cTn>
+                                        <p:tgtEl>
+                                          <p:spTgt spid="2">
+                                            <p:txEl>
+                                              <p:pRg st="27" end="27"/>
+                                            </p:txEl>
+                                          </p:spTgt>
+                                        </p:tgtEl>
+                                        <p:attrNameLst>
+                                          <p:attrName>style.visibility</p:attrName>
+                                        </p:attrNameLst>
+                                      </p:cBhvr>
+                                      <p:to>
+                                        <p:strVal val="visible"/>
+                                      </p:to>
+                                    </p:set>
+                                    <p:animEffect transition="in" filter="fade">
+                                      <p:cBhvr>
+                                        <p:cTn id="51" dur="500"/>
+                                        <p:tgtEl>
+                                          <p:spTgt spid="2">
+                                            <p:txEl>
+                                              <p:pRg st="27" end="27"/>
+                                            </p:txEl>
+                                          </p:spTgt>
+                                        </p:tgtEl>
+                                      </p:cBhvr>
+                                    </p:animEffect>
+                                  </p:childTnLst>
+                                </p:cTn>
+                              </p:par>
+                              <p:par>
+                                <p:cTn id="52" presetID="10" presetClass="entr" presetSubtype="0" fill="hold" nodeType="withEffect">
+                                  <p:stCondLst>
+                                    <p:cond delay="0"/>
+                                  </p:stCondLst>
+                                  <p:childTnLst>
+                                    <p:set>
+                                      <p:cBhvr>
+                                        <p:cTn id="53" dur="1" fill="hold">
+                                          <p:stCondLst>
+                                            <p:cond delay="0"/>
+                                          </p:stCondLst>
+                                        </p:cTn>
+                                        <p:tgtEl>
+                                          <p:spTgt spid="2">
+                                            <p:txEl>
+                                              <p:pRg st="28" end="28"/>
+                                            </p:txEl>
+                                          </p:spTgt>
+                                        </p:tgtEl>
+                                        <p:attrNameLst>
+                                          <p:attrName>style.visibility</p:attrName>
+                                        </p:attrNameLst>
+                                      </p:cBhvr>
+                                      <p:to>
+                                        <p:strVal val="visible"/>
+                                      </p:to>
+                                    </p:set>
+                                    <p:animEffect transition="in" filter="fade">
+                                      <p:cBhvr>
+                                        <p:cTn id="54" dur="500"/>
+                                        <p:tgtEl>
+                                          <p:spTgt spid="2">
+                                            <p:txEl>
+                                              <p:pRg st="28" end="28"/>
+                                            </p:txEl>
+                                          </p:spTgt>
+                                        </p:tgtEl>
+                                      </p:cBhvr>
+                                    </p:animEffect>
+                                  </p:childTnLst>
+                                </p:cTn>
+                              </p:par>
+                            </p:childTnLst>
+                          </p:cTn>
+                        </p:par>
+                      </p:childTnLst>
+                    </p:cTn>
+                  </p:par>
+                  <p:par>
+                    <p:cTn id="55" fill="hold">
+                      <p:stCondLst>
+                        <p:cond delay="indefinite"/>
+                      </p:stCondLst>
+                      <p:childTnLst>
+                        <p:par>
+                          <p:cTn id="56" fill="hold">
+                            <p:stCondLst>
+                              <p:cond delay="0"/>
+                            </p:stCondLst>
+                            <p:childTnLst>
+                              <p:par>
+                                <p:cTn id="57" presetID="10" presetClass="entr" presetSubtype="0" fill="hold" grpId="0" nodeType="clickEffect">
+                                  <p:stCondLst>
+                                    <p:cond delay="0"/>
+                                  </p:stCondLst>
+                                  <p:childTnLst>
+                                    <p:set>
+                                      <p:cBhvr>
+                                        <p:cTn id="58" dur="1" fill="hold">
+                                          <p:stCondLst>
+                                            <p:cond delay="0"/>
+                                          </p:stCondLst>
+                                        </p:cTn>
+                                        <p:tgtEl>
+                                          <p:spTgt spid="6"/>
+                                        </p:tgtEl>
+                                        <p:attrNameLst>
+                                          <p:attrName>style.visibility</p:attrName>
+                                        </p:attrNameLst>
+                                      </p:cBhvr>
+                                      <p:to>
+                                        <p:strVal val="visible"/>
+                                      </p:to>
+                                    </p:set>
+                                    <p:animEffect transition="in" filter="fade">
+                                      <p:cBhvr>
+                                        <p:cTn id="59" dur="500"/>
+                                        <p:tgtEl>
+                                          <p:spTgt spid="6"/>
+                                        </p:tgtEl>
+                                      </p:cBhvr>
+                                    </p:animEffect>
+                                  </p:childTnLst>
+                                </p:cTn>
+                              </p:par>
+                              <p:par>
+                                <p:cTn id="60" presetID="10" presetClass="entr" presetSubtype="0" fill="hold" grpId="0" nodeType="withEffect">
+                                  <p:stCondLst>
+                                    <p:cond delay="0"/>
+                                  </p:stCondLst>
+                                  <p:childTnLst>
+                                    <p:set>
+                                      <p:cBhvr>
+                                        <p:cTn id="61" dur="1" fill="hold">
+                                          <p:stCondLst>
+                                            <p:cond delay="0"/>
+                                          </p:stCondLst>
+                                        </p:cTn>
+                                        <p:tgtEl>
+                                          <p:spTgt spid="7"/>
+                                        </p:tgtEl>
+                                        <p:attrNameLst>
+                                          <p:attrName>style.visibility</p:attrName>
+                                        </p:attrNameLst>
+                                      </p:cBhvr>
+                                      <p:to>
+                                        <p:strVal val="visible"/>
+                                      </p:to>
+                                    </p:set>
+                                    <p:animEffect transition="in" filter="fade">
+                                      <p:cBhvr>
+                                        <p:cTn id="62" dur="500"/>
                                         <p:tgtEl>
                                           <p:spTgt spid="7"/>
                                         </p:tgtEl>
@@ -10473,7 +13494,15 @@
             <a:pPr lvl="1"/>
             <a:r>
               <a:rPr lang="ru-RU" dirty="0"/>
-              <a:t>Каждая команда связывается с соответствующим Получателем и, возможно, </a:t>
+              <a:t>Каждая команда связывается с соответствующим </a:t>
+            </a:r>
+            <a:r>
+              <a:rPr lang="ru-RU" b="1" dirty="0"/>
+              <a:t>Получателем</a:t>
+            </a:r>
+            <a:r>
+              <a:rPr lang="ru-RU" dirty="0"/>
+              <a:t> и, возможно, </a:t>
             </a:r>
             <a:r>
               <a:rPr lang="ru-RU" dirty="0" err="1"/>
@@ -10484,7 +13513,19 @@
           <a:p>
             <a:r>
               <a:rPr lang="ru-RU" dirty="0"/>
-              <a:t>Настраивает систему распознавания речи, связывая фразы с командами управления роботом</a:t>
+              <a:t>Настраивает систему </a:t>
+            </a:r>
+            <a:r>
+              <a:rPr lang="ru-RU" dirty="0" smtClean="0"/>
+              <a:t>«</a:t>
+            </a:r>
+            <a:r>
+              <a:rPr lang="ru-RU" dirty="0" smtClean="0"/>
+              <a:t>распознавания речи», </a:t>
+            </a:r>
+            <a:r>
+              <a:rPr lang="ru-RU" dirty="0"/>
+              <a:t>связывая фразы с командами управления роботом</a:t>
             </a:r>
           </a:p>
           <a:p>
@@ -13210,7 +16251,7 @@
                             </p:stCondLst>
                             <p:childTnLst>
                               <p:par>
-                                <p:cTn id="21" presetID="10" presetClass="entr" presetSubtype="0" fill="hold" grpId="0" nodeType="clickEffect">
+                                <p:cTn id="21" presetID="10" presetClass="entr" presetSubtype="0" fill="hold" nodeType="clickEffect">
                                   <p:stCondLst>
                                     <p:cond delay="0"/>
                                   </p:stCondLst>
@@ -13223,7 +16264,11 @@
                                           </p:stCondLst>
                                         </p:cTn>
                                         <p:tgtEl>
-                                          <p:spTgt spid="10"/>
+                                          <p:spTgt spid="4">
+                                            <p:txEl>
+                                              <p:pRg st="5" end="5"/>
+                                            </p:txEl>
+                                          </p:spTgt>
                                         </p:tgtEl>
                                         <p:attrNameLst>
                                           <p:attrName>style.visibility</p:attrName>
@@ -13237,7 +16282,11 @@
                                       <p:cBhvr>
                                         <p:cTn id="23" dur="500"/>
                                         <p:tgtEl>
-                                          <p:spTgt spid="10"/>
+                                          <p:spTgt spid="4">
+                                            <p:txEl>
+                                              <p:pRg st="5" end="5"/>
+                                            </p:txEl>
+                                          </p:spTgt>
                                         </p:tgtEl>
                                       </p:cBhvr>
                                     </p:animEffect>
@@ -13245,7 +16294,7 @@
                                 </p:cTn>
                               </p:par>
                               <p:par>
-                                <p:cTn id="24" presetID="10" presetClass="entr" presetSubtype="0" fill="hold" grpId="0" nodeType="withEffect">
+                                <p:cTn id="24" presetID="10" presetClass="entr" presetSubtype="0" fill="hold" nodeType="withEffect">
                                   <p:stCondLst>
                                     <p:cond delay="0"/>
                                   </p:stCondLst>
@@ -13258,7 +16307,11 @@
                                           </p:stCondLst>
                                         </p:cTn>
                                         <p:tgtEl>
-                                          <p:spTgt spid="11"/>
+                                          <p:spTgt spid="4">
+                                            <p:txEl>
+                                              <p:pRg st="6" end="6"/>
+                                            </p:txEl>
+                                          </p:spTgt>
                                         </p:tgtEl>
                                         <p:attrNameLst>
                                           <p:attrName>style.visibility</p:attrName>
@@ -13272,7 +16325,613 @@
                                       <p:cBhvr>
                                         <p:cTn id="26" dur="500"/>
                                         <p:tgtEl>
-                                          <p:spTgt spid="11"/>
+                                          <p:spTgt spid="4">
+                                            <p:txEl>
+                                              <p:pRg st="6" end="6"/>
+                                            </p:txEl>
+                                          </p:spTgt>
+                                        </p:tgtEl>
+                                      </p:cBhvr>
+                                    </p:animEffect>
+                                  </p:childTnLst>
+                                </p:cTn>
+                              </p:par>
+                              <p:par>
+                                <p:cTn id="27" presetID="10" presetClass="entr" presetSubtype="0" fill="hold" nodeType="withEffect">
+                                  <p:stCondLst>
+                                    <p:cond delay="0"/>
+                                  </p:stCondLst>
+                                  <p:childTnLst>
+                                    <p:set>
+                                      <p:cBhvr>
+                                        <p:cTn id="28" dur="1" fill="hold">
+                                          <p:stCondLst>
+                                            <p:cond delay="0"/>
+                                          </p:stCondLst>
+                                        </p:cTn>
+                                        <p:tgtEl>
+                                          <p:spTgt spid="4">
+                                            <p:txEl>
+                                              <p:pRg st="7" end="7"/>
+                                            </p:txEl>
+                                          </p:spTgt>
+                                        </p:tgtEl>
+                                        <p:attrNameLst>
+                                          <p:attrName>style.visibility</p:attrName>
+                                        </p:attrNameLst>
+                                      </p:cBhvr>
+                                      <p:to>
+                                        <p:strVal val="visible"/>
+                                      </p:to>
+                                    </p:set>
+                                    <p:animEffect transition="in" filter="fade">
+                                      <p:cBhvr>
+                                        <p:cTn id="29" dur="500"/>
+                                        <p:tgtEl>
+                                          <p:spTgt spid="4">
+                                            <p:txEl>
+                                              <p:pRg st="7" end="7"/>
+                                            </p:txEl>
+                                          </p:spTgt>
+                                        </p:tgtEl>
+                                      </p:cBhvr>
+                                    </p:animEffect>
+                                  </p:childTnLst>
+                                </p:cTn>
+                              </p:par>
+                              <p:par>
+                                <p:cTn id="30" presetID="10" presetClass="entr" presetSubtype="0" fill="hold" nodeType="withEffect">
+                                  <p:stCondLst>
+                                    <p:cond delay="0"/>
+                                  </p:stCondLst>
+                                  <p:childTnLst>
+                                    <p:set>
+                                      <p:cBhvr>
+                                        <p:cTn id="31" dur="1" fill="hold">
+                                          <p:stCondLst>
+                                            <p:cond delay="0"/>
+                                          </p:stCondLst>
+                                        </p:cTn>
+                                        <p:tgtEl>
+                                          <p:spTgt spid="4">
+                                            <p:txEl>
+                                              <p:pRg st="8" end="8"/>
+                                            </p:txEl>
+                                          </p:spTgt>
+                                        </p:tgtEl>
+                                        <p:attrNameLst>
+                                          <p:attrName>style.visibility</p:attrName>
+                                        </p:attrNameLst>
+                                      </p:cBhvr>
+                                      <p:to>
+                                        <p:strVal val="visible"/>
+                                      </p:to>
+                                    </p:set>
+                                    <p:animEffect transition="in" filter="fade">
+                                      <p:cBhvr>
+                                        <p:cTn id="32" dur="500"/>
+                                        <p:tgtEl>
+                                          <p:spTgt spid="4">
+                                            <p:txEl>
+                                              <p:pRg st="8" end="8"/>
+                                            </p:txEl>
+                                          </p:spTgt>
+                                        </p:tgtEl>
+                                      </p:cBhvr>
+                                    </p:animEffect>
+                                  </p:childTnLst>
+                                </p:cTn>
+                              </p:par>
+                              <p:par>
+                                <p:cTn id="33" presetID="10" presetClass="entr" presetSubtype="0" fill="hold" nodeType="withEffect">
+                                  <p:stCondLst>
+                                    <p:cond delay="0"/>
+                                  </p:stCondLst>
+                                  <p:childTnLst>
+                                    <p:set>
+                                      <p:cBhvr>
+                                        <p:cTn id="34" dur="1" fill="hold">
+                                          <p:stCondLst>
+                                            <p:cond delay="0"/>
+                                          </p:stCondLst>
+                                        </p:cTn>
+                                        <p:tgtEl>
+                                          <p:spTgt spid="4">
+                                            <p:txEl>
+                                              <p:pRg st="9" end="9"/>
+                                            </p:txEl>
+                                          </p:spTgt>
+                                        </p:tgtEl>
+                                        <p:attrNameLst>
+                                          <p:attrName>style.visibility</p:attrName>
+                                        </p:attrNameLst>
+                                      </p:cBhvr>
+                                      <p:to>
+                                        <p:strVal val="visible"/>
+                                      </p:to>
+                                    </p:set>
+                                    <p:animEffect transition="in" filter="fade">
+                                      <p:cBhvr>
+                                        <p:cTn id="35" dur="500"/>
+                                        <p:tgtEl>
+                                          <p:spTgt spid="4">
+                                            <p:txEl>
+                                              <p:pRg st="9" end="9"/>
+                                            </p:txEl>
+                                          </p:spTgt>
+                                        </p:tgtEl>
+                                      </p:cBhvr>
+                                    </p:animEffect>
+                                  </p:childTnLst>
+                                </p:cTn>
+                              </p:par>
+                              <p:par>
+                                <p:cTn id="36" presetID="10" presetClass="entr" presetSubtype="0" fill="hold" nodeType="withEffect">
+                                  <p:stCondLst>
+                                    <p:cond delay="0"/>
+                                  </p:stCondLst>
+                                  <p:childTnLst>
+                                    <p:set>
+                                      <p:cBhvr>
+                                        <p:cTn id="37" dur="1" fill="hold">
+                                          <p:stCondLst>
+                                            <p:cond delay="0"/>
+                                          </p:stCondLst>
+                                        </p:cTn>
+                                        <p:tgtEl>
+                                          <p:spTgt spid="4">
+                                            <p:txEl>
+                                              <p:pRg st="10" end="10"/>
+                                            </p:txEl>
+                                          </p:spTgt>
+                                        </p:tgtEl>
+                                        <p:attrNameLst>
+                                          <p:attrName>style.visibility</p:attrName>
+                                        </p:attrNameLst>
+                                      </p:cBhvr>
+                                      <p:to>
+                                        <p:strVal val="visible"/>
+                                      </p:to>
+                                    </p:set>
+                                    <p:animEffect transition="in" filter="fade">
+                                      <p:cBhvr>
+                                        <p:cTn id="38" dur="500"/>
+                                        <p:tgtEl>
+                                          <p:spTgt spid="4">
+                                            <p:txEl>
+                                              <p:pRg st="10" end="10"/>
+                                            </p:txEl>
+                                          </p:spTgt>
+                                        </p:tgtEl>
+                                      </p:cBhvr>
+                                    </p:animEffect>
+                                  </p:childTnLst>
+                                </p:cTn>
+                              </p:par>
+                              <p:par>
+                                <p:cTn id="39" presetID="10" presetClass="entr" presetSubtype="0" fill="hold" nodeType="withEffect">
+                                  <p:stCondLst>
+                                    <p:cond delay="0"/>
+                                  </p:stCondLst>
+                                  <p:childTnLst>
+                                    <p:set>
+                                      <p:cBhvr>
+                                        <p:cTn id="40" dur="1" fill="hold">
+                                          <p:stCondLst>
+                                            <p:cond delay="0"/>
+                                          </p:stCondLst>
+                                        </p:cTn>
+                                        <p:tgtEl>
+                                          <p:spTgt spid="4">
+                                            <p:txEl>
+                                              <p:pRg st="11" end="11"/>
+                                            </p:txEl>
+                                          </p:spTgt>
+                                        </p:tgtEl>
+                                        <p:attrNameLst>
+                                          <p:attrName>style.visibility</p:attrName>
+                                        </p:attrNameLst>
+                                      </p:cBhvr>
+                                      <p:to>
+                                        <p:strVal val="visible"/>
+                                      </p:to>
+                                    </p:set>
+                                    <p:animEffect transition="in" filter="fade">
+                                      <p:cBhvr>
+                                        <p:cTn id="41" dur="500"/>
+                                        <p:tgtEl>
+                                          <p:spTgt spid="4">
+                                            <p:txEl>
+                                              <p:pRg st="11" end="11"/>
+                                            </p:txEl>
+                                          </p:spTgt>
+                                        </p:tgtEl>
+                                      </p:cBhvr>
+                                    </p:animEffect>
+                                  </p:childTnLst>
+                                </p:cTn>
+                              </p:par>
+                              <p:par>
+                                <p:cTn id="42" presetID="10" presetClass="entr" presetSubtype="0" fill="hold" nodeType="withEffect">
+                                  <p:stCondLst>
+                                    <p:cond delay="0"/>
+                                  </p:stCondLst>
+                                  <p:childTnLst>
+                                    <p:set>
+                                      <p:cBhvr>
+                                        <p:cTn id="43" dur="1" fill="hold">
+                                          <p:stCondLst>
+                                            <p:cond delay="0"/>
+                                          </p:stCondLst>
+                                        </p:cTn>
+                                        <p:tgtEl>
+                                          <p:spTgt spid="4">
+                                            <p:txEl>
+                                              <p:pRg st="12" end="12"/>
+                                            </p:txEl>
+                                          </p:spTgt>
+                                        </p:tgtEl>
+                                        <p:attrNameLst>
+                                          <p:attrName>style.visibility</p:attrName>
+                                        </p:attrNameLst>
+                                      </p:cBhvr>
+                                      <p:to>
+                                        <p:strVal val="visible"/>
+                                      </p:to>
+                                    </p:set>
+                                    <p:animEffect transition="in" filter="fade">
+                                      <p:cBhvr>
+                                        <p:cTn id="44" dur="500"/>
+                                        <p:tgtEl>
+                                          <p:spTgt spid="4">
+                                            <p:txEl>
+                                              <p:pRg st="12" end="12"/>
+                                            </p:txEl>
+                                          </p:spTgt>
+                                        </p:tgtEl>
+                                      </p:cBhvr>
+                                    </p:animEffect>
+                                  </p:childTnLst>
+                                </p:cTn>
+                              </p:par>
+                              <p:par>
+                                <p:cTn id="45" presetID="10" presetClass="entr" presetSubtype="0" fill="hold" nodeType="withEffect">
+                                  <p:stCondLst>
+                                    <p:cond delay="0"/>
+                                  </p:stCondLst>
+                                  <p:childTnLst>
+                                    <p:set>
+                                      <p:cBhvr>
+                                        <p:cTn id="46" dur="1" fill="hold">
+                                          <p:stCondLst>
+                                            <p:cond delay="0"/>
+                                          </p:stCondLst>
+                                        </p:cTn>
+                                        <p:tgtEl>
+                                          <p:spTgt spid="4">
+                                            <p:txEl>
+                                              <p:pRg st="13" end="13"/>
+                                            </p:txEl>
+                                          </p:spTgt>
+                                        </p:tgtEl>
+                                        <p:attrNameLst>
+                                          <p:attrName>style.visibility</p:attrName>
+                                        </p:attrNameLst>
+                                      </p:cBhvr>
+                                      <p:to>
+                                        <p:strVal val="visible"/>
+                                      </p:to>
+                                    </p:set>
+                                    <p:animEffect transition="in" filter="fade">
+                                      <p:cBhvr>
+                                        <p:cTn id="47" dur="500"/>
+                                        <p:tgtEl>
+                                          <p:spTgt spid="4">
+                                            <p:txEl>
+                                              <p:pRg st="13" end="13"/>
+                                            </p:txEl>
+                                          </p:spTgt>
+                                        </p:tgtEl>
+                                      </p:cBhvr>
+                                    </p:animEffect>
+                                  </p:childTnLst>
+                                </p:cTn>
+                              </p:par>
+                              <p:par>
+                                <p:cTn id="48" presetID="10" presetClass="entr" presetSubtype="0" fill="hold" nodeType="withEffect">
+                                  <p:stCondLst>
+                                    <p:cond delay="0"/>
+                                  </p:stCondLst>
+                                  <p:childTnLst>
+                                    <p:set>
+                                      <p:cBhvr>
+                                        <p:cTn id="49" dur="1" fill="hold">
+                                          <p:stCondLst>
+                                            <p:cond delay="0"/>
+                                          </p:stCondLst>
+                                        </p:cTn>
+                                        <p:tgtEl>
+                                          <p:spTgt spid="4">
+                                            <p:txEl>
+                                              <p:pRg st="14" end="14"/>
+                                            </p:txEl>
+                                          </p:spTgt>
+                                        </p:tgtEl>
+                                        <p:attrNameLst>
+                                          <p:attrName>style.visibility</p:attrName>
+                                        </p:attrNameLst>
+                                      </p:cBhvr>
+                                      <p:to>
+                                        <p:strVal val="visible"/>
+                                      </p:to>
+                                    </p:set>
+                                    <p:animEffect transition="in" filter="fade">
+                                      <p:cBhvr>
+                                        <p:cTn id="50" dur="500"/>
+                                        <p:tgtEl>
+                                          <p:spTgt spid="4">
+                                            <p:txEl>
+                                              <p:pRg st="14" end="14"/>
+                                            </p:txEl>
+                                          </p:spTgt>
+                                        </p:tgtEl>
+                                      </p:cBhvr>
+                                    </p:animEffect>
+                                  </p:childTnLst>
+                                </p:cTn>
+                              </p:par>
+                              <p:par>
+                                <p:cTn id="51" presetID="10" presetClass="entr" presetSubtype="0" fill="hold" nodeType="withEffect">
+                                  <p:stCondLst>
+                                    <p:cond delay="0"/>
+                                  </p:stCondLst>
+                                  <p:childTnLst>
+                                    <p:set>
+                                      <p:cBhvr>
+                                        <p:cTn id="52" dur="1" fill="hold">
+                                          <p:stCondLst>
+                                            <p:cond delay="0"/>
+                                          </p:stCondLst>
+                                        </p:cTn>
+                                        <p:tgtEl>
+                                          <p:spTgt spid="4">
+                                            <p:txEl>
+                                              <p:pRg st="15" end="15"/>
+                                            </p:txEl>
+                                          </p:spTgt>
+                                        </p:tgtEl>
+                                        <p:attrNameLst>
+                                          <p:attrName>style.visibility</p:attrName>
+                                        </p:attrNameLst>
+                                      </p:cBhvr>
+                                      <p:to>
+                                        <p:strVal val="visible"/>
+                                      </p:to>
+                                    </p:set>
+                                    <p:animEffect transition="in" filter="fade">
+                                      <p:cBhvr>
+                                        <p:cTn id="53" dur="500"/>
+                                        <p:tgtEl>
+                                          <p:spTgt spid="4">
+                                            <p:txEl>
+                                              <p:pRg st="15" end="15"/>
+                                            </p:txEl>
+                                          </p:spTgt>
+                                        </p:tgtEl>
+                                      </p:cBhvr>
+                                    </p:animEffect>
+                                  </p:childTnLst>
+                                </p:cTn>
+                              </p:par>
+                              <p:par>
+                                <p:cTn id="54" presetID="10" presetClass="entr" presetSubtype="0" fill="hold" nodeType="withEffect">
+                                  <p:stCondLst>
+                                    <p:cond delay="0"/>
+                                  </p:stCondLst>
+                                  <p:childTnLst>
+                                    <p:set>
+                                      <p:cBhvr>
+                                        <p:cTn id="55" dur="1" fill="hold">
+                                          <p:stCondLst>
+                                            <p:cond delay="0"/>
+                                          </p:stCondLst>
+                                        </p:cTn>
+                                        <p:tgtEl>
+                                          <p:spTgt spid="4">
+                                            <p:txEl>
+                                              <p:pRg st="16" end="16"/>
+                                            </p:txEl>
+                                          </p:spTgt>
+                                        </p:tgtEl>
+                                        <p:attrNameLst>
+                                          <p:attrName>style.visibility</p:attrName>
+                                        </p:attrNameLst>
+                                      </p:cBhvr>
+                                      <p:to>
+                                        <p:strVal val="visible"/>
+                                      </p:to>
+                                    </p:set>
+                                    <p:animEffect transition="in" filter="fade">
+                                      <p:cBhvr>
+                                        <p:cTn id="56" dur="500"/>
+                                        <p:tgtEl>
+                                          <p:spTgt spid="4">
+                                            <p:txEl>
+                                              <p:pRg st="16" end="16"/>
+                                            </p:txEl>
+                                          </p:spTgt>
+                                        </p:tgtEl>
+                                      </p:cBhvr>
+                                    </p:animEffect>
+                                  </p:childTnLst>
+                                </p:cTn>
+                              </p:par>
+                              <p:par>
+                                <p:cTn id="57" presetID="10" presetClass="entr" presetSubtype="0" fill="hold" nodeType="withEffect">
+                                  <p:stCondLst>
+                                    <p:cond delay="0"/>
+                                  </p:stCondLst>
+                                  <p:childTnLst>
+                                    <p:set>
+                                      <p:cBhvr>
+                                        <p:cTn id="58" dur="1" fill="hold">
+                                          <p:stCondLst>
+                                            <p:cond delay="0"/>
+                                          </p:stCondLst>
+                                        </p:cTn>
+                                        <p:tgtEl>
+                                          <p:spTgt spid="4">
+                                            <p:txEl>
+                                              <p:pRg st="17" end="17"/>
+                                            </p:txEl>
+                                          </p:spTgt>
+                                        </p:tgtEl>
+                                        <p:attrNameLst>
+                                          <p:attrName>style.visibility</p:attrName>
+                                        </p:attrNameLst>
+                                      </p:cBhvr>
+                                      <p:to>
+                                        <p:strVal val="visible"/>
+                                      </p:to>
+                                    </p:set>
+                                    <p:animEffect transition="in" filter="fade">
+                                      <p:cBhvr>
+                                        <p:cTn id="59" dur="500"/>
+                                        <p:tgtEl>
+                                          <p:spTgt spid="4">
+                                            <p:txEl>
+                                              <p:pRg st="17" end="17"/>
+                                            </p:txEl>
+                                          </p:spTgt>
+                                        </p:tgtEl>
+                                      </p:cBhvr>
+                                    </p:animEffect>
+                                  </p:childTnLst>
+                                </p:cTn>
+                              </p:par>
+                              <p:par>
+                                <p:cTn id="60" presetID="10" presetClass="entr" presetSubtype="0" fill="hold" nodeType="withEffect">
+                                  <p:stCondLst>
+                                    <p:cond delay="0"/>
+                                  </p:stCondLst>
+                                  <p:childTnLst>
+                                    <p:set>
+                                      <p:cBhvr>
+                                        <p:cTn id="61" dur="1" fill="hold">
+                                          <p:stCondLst>
+                                            <p:cond delay="0"/>
+                                          </p:stCondLst>
+                                        </p:cTn>
+                                        <p:tgtEl>
+                                          <p:spTgt spid="4">
+                                            <p:txEl>
+                                              <p:pRg st="18" end="18"/>
+                                            </p:txEl>
+                                          </p:spTgt>
+                                        </p:tgtEl>
+                                        <p:attrNameLst>
+                                          <p:attrName>style.visibility</p:attrName>
+                                        </p:attrNameLst>
+                                      </p:cBhvr>
+                                      <p:to>
+                                        <p:strVal val="visible"/>
+                                      </p:to>
+                                    </p:set>
+                                    <p:animEffect transition="in" filter="fade">
+                                      <p:cBhvr>
+                                        <p:cTn id="62" dur="500"/>
+                                        <p:tgtEl>
+                                          <p:spTgt spid="4">
+                                            <p:txEl>
+                                              <p:pRg st="18" end="18"/>
+                                            </p:txEl>
+                                          </p:spTgt>
+                                        </p:tgtEl>
+                                      </p:cBhvr>
+                                    </p:animEffect>
+                                  </p:childTnLst>
+                                </p:cTn>
+                              </p:par>
+                              <p:par>
+                                <p:cTn id="63" presetID="10" presetClass="entr" presetSubtype="0" fill="hold" nodeType="withEffect">
+                                  <p:stCondLst>
+                                    <p:cond delay="0"/>
+                                  </p:stCondLst>
+                                  <p:childTnLst>
+                                    <p:set>
+                                      <p:cBhvr>
+                                        <p:cTn id="64" dur="1" fill="hold">
+                                          <p:stCondLst>
+                                            <p:cond delay="0"/>
+                                          </p:stCondLst>
+                                        </p:cTn>
+                                        <p:tgtEl>
+                                          <p:spTgt spid="4">
+                                            <p:txEl>
+                                              <p:pRg st="19" end="19"/>
+                                            </p:txEl>
+                                          </p:spTgt>
+                                        </p:tgtEl>
+                                        <p:attrNameLst>
+                                          <p:attrName>style.visibility</p:attrName>
+                                        </p:attrNameLst>
+                                      </p:cBhvr>
+                                      <p:to>
+                                        <p:strVal val="visible"/>
+                                      </p:to>
+                                    </p:set>
+                                    <p:animEffect transition="in" filter="fade">
+                                      <p:cBhvr>
+                                        <p:cTn id="65" dur="500"/>
+                                        <p:tgtEl>
+                                          <p:spTgt spid="4">
+                                            <p:txEl>
+                                              <p:pRg st="19" end="19"/>
+                                            </p:txEl>
+                                          </p:spTgt>
+                                        </p:tgtEl>
+                                      </p:cBhvr>
+                                    </p:animEffect>
+                                  </p:childTnLst>
+                                </p:cTn>
+                              </p:par>
+                              <p:par>
+                                <p:cTn id="66" presetID="10" presetClass="entr" presetSubtype="0" fill="hold" nodeType="withEffect">
+                                  <p:stCondLst>
+                                    <p:cond delay="0"/>
+                                  </p:stCondLst>
+                                  <p:childTnLst>
+                                    <p:set>
+                                      <p:cBhvr>
+                                        <p:cTn id="67" dur="1" fill="hold">
+                                          <p:stCondLst>
+                                            <p:cond delay="0"/>
+                                          </p:stCondLst>
+                                        </p:cTn>
+                                        <p:tgtEl>
+                                          <p:spTgt spid="4">
+                                            <p:txEl>
+                                              <p:pRg st="20" end="20"/>
+                                            </p:txEl>
+                                          </p:spTgt>
+                                        </p:tgtEl>
+                                        <p:attrNameLst>
+                                          <p:attrName>style.visibility</p:attrName>
+                                        </p:attrNameLst>
+                                      </p:cBhvr>
+                                      <p:to>
+                                        <p:strVal val="visible"/>
+                                      </p:to>
+                                    </p:set>
+                                    <p:animEffect transition="in" filter="fade">
+                                      <p:cBhvr>
+                                        <p:cTn id="68" dur="500"/>
+                                        <p:tgtEl>
+                                          <p:spTgt spid="4">
+                                            <p:txEl>
+                                              <p:pRg st="20" end="20"/>
+                                            </p:txEl>
+                                          </p:spTgt>
                                         </p:tgtEl>
                                       </p:cBhvr>
                                     </p:animEffect>
@@ -13286,32 +16945,32 @@
                     </p:cTn>
                   </p:par>
                   <p:par>
-                    <p:cTn id="27" fill="hold">
+                    <p:cTn id="69" fill="hold">
                       <p:stCondLst>
                         <p:cond delay="indefinite"/>
                       </p:stCondLst>
                       <p:childTnLst>
                         <p:par>
-                          <p:cTn id="28" fill="hold">
+                          <p:cTn id="70" fill="hold">
                             <p:stCondLst>
                               <p:cond delay="0"/>
                             </p:stCondLst>
                             <p:childTnLst>
                               <p:par>
-                                <p:cTn id="29" presetID="10" presetClass="entr" presetSubtype="0" fill="hold" grpId="0" nodeType="clickEffect">
+                                <p:cTn id="71" presetID="10" presetClass="entr" presetSubtype="0" fill="hold" grpId="0" nodeType="clickEffect">
                                   <p:stCondLst>
                                     <p:cond delay="0"/>
                                   </p:stCondLst>
                                   <p:childTnLst>
                                     <p:set>
                                       <p:cBhvr>
-                                        <p:cTn id="30" dur="1" fill="hold">
+                                        <p:cTn id="72" dur="1" fill="hold">
                                           <p:stCondLst>
                                             <p:cond delay="0"/>
                                           </p:stCondLst>
                                         </p:cTn>
                                         <p:tgtEl>
-                                          <p:spTgt spid="12"/>
+                                          <p:spTgt spid="10"/>
                                         </p:tgtEl>
                                         <p:attrNameLst>
                                           <p:attrName>style.visibility</p:attrName>
@@ -13323,9 +16982,9 @@
                                     </p:set>
                                     <p:animEffect transition="in" filter="fade">
                                       <p:cBhvr>
-                                        <p:cTn id="31" dur="500"/>
-                                        <p:tgtEl>
-                                          <p:spTgt spid="12"/>
+                                        <p:cTn id="73" dur="500"/>
+                                        <p:tgtEl>
+                                          <p:spTgt spid="10"/>
                                         </p:tgtEl>
                                       </p:cBhvr>
                                     </p:animEffect>
@@ -13333,20 +16992,20 @@
                                 </p:cTn>
                               </p:par>
                               <p:par>
-                                <p:cTn id="32" presetID="10" presetClass="entr" presetSubtype="0" fill="hold" grpId="0" nodeType="withEffect">
+                                <p:cTn id="74" presetID="10" presetClass="entr" presetSubtype="0" fill="hold" grpId="0" nodeType="withEffect">
                                   <p:stCondLst>
                                     <p:cond delay="0"/>
                                   </p:stCondLst>
                                   <p:childTnLst>
                                     <p:set>
                                       <p:cBhvr>
-                                        <p:cTn id="33" dur="1" fill="hold">
+                                        <p:cTn id="75" dur="1" fill="hold">
                                           <p:stCondLst>
                                             <p:cond delay="0"/>
                                           </p:stCondLst>
                                         </p:cTn>
                                         <p:tgtEl>
-                                          <p:spTgt spid="13"/>
+                                          <p:spTgt spid="11"/>
                                         </p:tgtEl>
                                         <p:attrNameLst>
                                           <p:attrName>style.visibility</p:attrName>
@@ -13358,9 +17017,9 @@
                                     </p:set>
                                     <p:animEffect transition="in" filter="fade">
                                       <p:cBhvr>
-                                        <p:cTn id="34" dur="500"/>
-                                        <p:tgtEl>
-                                          <p:spTgt spid="13"/>
+                                        <p:cTn id="76" dur="500"/>
+                                        <p:tgtEl>
+                                          <p:spTgt spid="11"/>
                                         </p:tgtEl>
                                       </p:cBhvr>
                                     </p:animEffect>
@@ -13374,32 +17033,36 @@
                     </p:cTn>
                   </p:par>
                   <p:par>
-                    <p:cTn id="35" fill="hold">
+                    <p:cTn id="77" fill="hold">
                       <p:stCondLst>
                         <p:cond delay="indefinite"/>
                       </p:stCondLst>
                       <p:childTnLst>
                         <p:par>
-                          <p:cTn id="36" fill="hold">
+                          <p:cTn id="78" fill="hold">
                             <p:stCondLst>
                               <p:cond delay="0"/>
                             </p:stCondLst>
                             <p:childTnLst>
                               <p:par>
-                                <p:cTn id="37" presetID="10" presetClass="entr" presetSubtype="0" fill="hold" grpId="0" nodeType="clickEffect">
+                                <p:cTn id="79" presetID="10" presetClass="entr" presetSubtype="0" fill="hold" nodeType="clickEffect">
                                   <p:stCondLst>
                                     <p:cond delay="0"/>
                                   </p:stCondLst>
                                   <p:childTnLst>
                                     <p:set>
                                       <p:cBhvr>
-                                        <p:cTn id="38" dur="1" fill="hold">
+                                        <p:cTn id="80" dur="1" fill="hold">
                                           <p:stCondLst>
                                             <p:cond delay="0"/>
                                           </p:stCondLst>
                                         </p:cTn>
                                         <p:tgtEl>
-                                          <p:spTgt spid="14"/>
+                                          <p:spTgt spid="4">
+                                            <p:txEl>
+                                              <p:pRg st="22" end="22"/>
+                                            </p:txEl>
+                                          </p:spTgt>
                                         </p:tgtEl>
                                         <p:attrNameLst>
                                           <p:attrName>style.visibility</p:attrName>
@@ -13411,9 +17074,13 @@
                                     </p:set>
                                     <p:animEffect transition="in" filter="fade">
                                       <p:cBhvr>
-                                        <p:cTn id="39" dur="500"/>
-                                        <p:tgtEl>
-                                          <p:spTgt spid="14"/>
+                                        <p:cTn id="81" dur="500"/>
+                                        <p:tgtEl>
+                                          <p:spTgt spid="4">
+                                            <p:txEl>
+                                              <p:pRg st="22" end="22"/>
+                                            </p:txEl>
+                                          </p:spTgt>
                                         </p:tgtEl>
                                       </p:cBhvr>
                                     </p:animEffect>
@@ -13421,20 +17088,24 @@
                                 </p:cTn>
                               </p:par>
                               <p:par>
-                                <p:cTn id="40" presetID="10" presetClass="entr" presetSubtype="0" fill="hold" grpId="0" nodeType="withEffect">
+                                <p:cTn id="82" presetID="10" presetClass="entr" presetSubtype="0" fill="hold" nodeType="withEffect">
                                   <p:stCondLst>
                                     <p:cond delay="0"/>
                                   </p:stCondLst>
                                   <p:childTnLst>
                                     <p:set>
                                       <p:cBhvr>
-                                        <p:cTn id="41" dur="1" fill="hold">
+                                        <p:cTn id="83" dur="1" fill="hold">
                                           <p:stCondLst>
                                             <p:cond delay="0"/>
                                           </p:stCondLst>
                                         </p:cTn>
                                         <p:tgtEl>
-                                          <p:spTgt spid="15"/>
+                                          <p:spTgt spid="4">
+                                            <p:txEl>
+                                              <p:pRg st="23" end="23"/>
+                                            </p:txEl>
+                                          </p:spTgt>
                                         </p:tgtEl>
                                         <p:attrNameLst>
                                           <p:attrName>style.visibility</p:attrName>
@@ -13446,7 +17117,386 @@
                                     </p:set>
                                     <p:animEffect transition="in" filter="fade">
                                       <p:cBhvr>
-                                        <p:cTn id="42" dur="500"/>
+                                        <p:cTn id="84" dur="500"/>
+                                        <p:tgtEl>
+                                          <p:spTgt spid="4">
+                                            <p:txEl>
+                                              <p:pRg st="23" end="23"/>
+                                            </p:txEl>
+                                          </p:spTgt>
+                                        </p:tgtEl>
+                                      </p:cBhvr>
+                                    </p:animEffect>
+                                  </p:childTnLst>
+                                </p:cTn>
+                              </p:par>
+                              <p:par>
+                                <p:cTn id="85" presetID="10" presetClass="entr" presetSubtype="0" fill="hold" nodeType="withEffect">
+                                  <p:stCondLst>
+                                    <p:cond delay="0"/>
+                                  </p:stCondLst>
+                                  <p:childTnLst>
+                                    <p:set>
+                                      <p:cBhvr>
+                                        <p:cTn id="86" dur="1" fill="hold">
+                                          <p:stCondLst>
+                                            <p:cond delay="0"/>
+                                          </p:stCondLst>
+                                        </p:cTn>
+                                        <p:tgtEl>
+                                          <p:spTgt spid="4">
+                                            <p:txEl>
+                                              <p:pRg st="24" end="24"/>
+                                            </p:txEl>
+                                          </p:spTgt>
+                                        </p:tgtEl>
+                                        <p:attrNameLst>
+                                          <p:attrName>style.visibility</p:attrName>
+                                        </p:attrNameLst>
+                                      </p:cBhvr>
+                                      <p:to>
+                                        <p:strVal val="visible"/>
+                                      </p:to>
+                                    </p:set>
+                                    <p:animEffect transition="in" filter="fade">
+                                      <p:cBhvr>
+                                        <p:cTn id="87" dur="500"/>
+                                        <p:tgtEl>
+                                          <p:spTgt spid="4">
+                                            <p:txEl>
+                                              <p:pRg st="24" end="24"/>
+                                            </p:txEl>
+                                          </p:spTgt>
+                                        </p:tgtEl>
+                                      </p:cBhvr>
+                                    </p:animEffect>
+                                  </p:childTnLst>
+                                </p:cTn>
+                              </p:par>
+                              <p:par>
+                                <p:cTn id="88" presetID="10" presetClass="entr" presetSubtype="0" fill="hold" nodeType="withEffect">
+                                  <p:stCondLst>
+                                    <p:cond delay="0"/>
+                                  </p:stCondLst>
+                                  <p:childTnLst>
+                                    <p:set>
+                                      <p:cBhvr>
+                                        <p:cTn id="89" dur="1" fill="hold">
+                                          <p:stCondLst>
+                                            <p:cond delay="0"/>
+                                          </p:stCondLst>
+                                        </p:cTn>
+                                        <p:tgtEl>
+                                          <p:spTgt spid="4">
+                                            <p:txEl>
+                                              <p:pRg st="25" end="25"/>
+                                            </p:txEl>
+                                          </p:spTgt>
+                                        </p:tgtEl>
+                                        <p:attrNameLst>
+                                          <p:attrName>style.visibility</p:attrName>
+                                        </p:attrNameLst>
+                                      </p:cBhvr>
+                                      <p:to>
+                                        <p:strVal val="visible"/>
+                                      </p:to>
+                                    </p:set>
+                                    <p:animEffect transition="in" filter="fade">
+                                      <p:cBhvr>
+                                        <p:cTn id="90" dur="500"/>
+                                        <p:tgtEl>
+                                          <p:spTgt spid="4">
+                                            <p:txEl>
+                                              <p:pRg st="25" end="25"/>
+                                            </p:txEl>
+                                          </p:spTgt>
+                                        </p:tgtEl>
+                                      </p:cBhvr>
+                                    </p:animEffect>
+                                  </p:childTnLst>
+                                </p:cTn>
+                              </p:par>
+                            </p:childTnLst>
+                          </p:cTn>
+                        </p:par>
+                      </p:childTnLst>
+                    </p:cTn>
+                  </p:par>
+                  <p:par>
+                    <p:cTn id="91" fill="hold">
+                      <p:stCondLst>
+                        <p:cond delay="indefinite"/>
+                      </p:stCondLst>
+                      <p:childTnLst>
+                        <p:par>
+                          <p:cTn id="92" fill="hold">
+                            <p:stCondLst>
+                              <p:cond delay="0"/>
+                            </p:stCondLst>
+                            <p:childTnLst>
+                              <p:par>
+                                <p:cTn id="93" presetID="10" presetClass="entr" presetSubtype="0" fill="hold" grpId="0" nodeType="clickEffect">
+                                  <p:stCondLst>
+                                    <p:cond delay="0"/>
+                                  </p:stCondLst>
+                                  <p:childTnLst>
+                                    <p:set>
+                                      <p:cBhvr>
+                                        <p:cTn id="94" dur="1" fill="hold">
+                                          <p:stCondLst>
+                                            <p:cond delay="0"/>
+                                          </p:stCondLst>
+                                        </p:cTn>
+                                        <p:tgtEl>
+                                          <p:spTgt spid="12"/>
+                                        </p:tgtEl>
+                                        <p:attrNameLst>
+                                          <p:attrName>style.visibility</p:attrName>
+                                        </p:attrNameLst>
+                                      </p:cBhvr>
+                                      <p:to>
+                                        <p:strVal val="visible"/>
+                                      </p:to>
+                                    </p:set>
+                                    <p:animEffect transition="in" filter="fade">
+                                      <p:cBhvr>
+                                        <p:cTn id="95" dur="500"/>
+                                        <p:tgtEl>
+                                          <p:spTgt spid="12"/>
+                                        </p:tgtEl>
+                                      </p:cBhvr>
+                                    </p:animEffect>
+                                  </p:childTnLst>
+                                </p:cTn>
+                              </p:par>
+                              <p:par>
+                                <p:cTn id="96" presetID="10" presetClass="entr" presetSubtype="0" fill="hold" grpId="0" nodeType="withEffect">
+                                  <p:stCondLst>
+                                    <p:cond delay="0"/>
+                                  </p:stCondLst>
+                                  <p:childTnLst>
+                                    <p:set>
+                                      <p:cBhvr>
+                                        <p:cTn id="97" dur="1" fill="hold">
+                                          <p:stCondLst>
+                                            <p:cond delay="0"/>
+                                          </p:stCondLst>
+                                        </p:cTn>
+                                        <p:tgtEl>
+                                          <p:spTgt spid="13"/>
+                                        </p:tgtEl>
+                                        <p:attrNameLst>
+                                          <p:attrName>style.visibility</p:attrName>
+                                        </p:attrNameLst>
+                                      </p:cBhvr>
+                                      <p:to>
+                                        <p:strVal val="visible"/>
+                                      </p:to>
+                                    </p:set>
+                                    <p:animEffect transition="in" filter="fade">
+                                      <p:cBhvr>
+                                        <p:cTn id="98" dur="500"/>
+                                        <p:tgtEl>
+                                          <p:spTgt spid="13"/>
+                                        </p:tgtEl>
+                                      </p:cBhvr>
+                                    </p:animEffect>
+                                  </p:childTnLst>
+                                </p:cTn>
+                              </p:par>
+                            </p:childTnLst>
+                          </p:cTn>
+                        </p:par>
+                      </p:childTnLst>
+                    </p:cTn>
+                  </p:par>
+                  <p:par>
+                    <p:cTn id="99" fill="hold">
+                      <p:stCondLst>
+                        <p:cond delay="indefinite"/>
+                      </p:stCondLst>
+                      <p:childTnLst>
+                        <p:par>
+                          <p:cTn id="100" fill="hold">
+                            <p:stCondLst>
+                              <p:cond delay="0"/>
+                            </p:stCondLst>
+                            <p:childTnLst>
+                              <p:par>
+                                <p:cTn id="101" presetID="10" presetClass="entr" presetSubtype="0" fill="hold" nodeType="clickEffect">
+                                  <p:stCondLst>
+                                    <p:cond delay="0"/>
+                                  </p:stCondLst>
+                                  <p:childTnLst>
+                                    <p:set>
+                                      <p:cBhvr>
+                                        <p:cTn id="102" dur="1" fill="hold">
+                                          <p:stCondLst>
+                                            <p:cond delay="0"/>
+                                          </p:stCondLst>
+                                        </p:cTn>
+                                        <p:tgtEl>
+                                          <p:spTgt spid="4">
+                                            <p:txEl>
+                                              <p:pRg st="27" end="27"/>
+                                            </p:txEl>
+                                          </p:spTgt>
+                                        </p:tgtEl>
+                                        <p:attrNameLst>
+                                          <p:attrName>style.visibility</p:attrName>
+                                        </p:attrNameLst>
+                                      </p:cBhvr>
+                                      <p:to>
+                                        <p:strVal val="visible"/>
+                                      </p:to>
+                                    </p:set>
+                                    <p:animEffect transition="in" filter="fade">
+                                      <p:cBhvr>
+                                        <p:cTn id="103" dur="500"/>
+                                        <p:tgtEl>
+                                          <p:spTgt spid="4">
+                                            <p:txEl>
+                                              <p:pRg st="27" end="27"/>
+                                            </p:txEl>
+                                          </p:spTgt>
+                                        </p:tgtEl>
+                                      </p:cBhvr>
+                                    </p:animEffect>
+                                  </p:childTnLst>
+                                </p:cTn>
+                              </p:par>
+                            </p:childTnLst>
+                          </p:cTn>
+                        </p:par>
+                      </p:childTnLst>
+                    </p:cTn>
+                  </p:par>
+                  <p:par>
+                    <p:cTn id="104" fill="hold">
+                      <p:stCondLst>
+                        <p:cond delay="indefinite"/>
+                      </p:stCondLst>
+                      <p:childTnLst>
+                        <p:par>
+                          <p:cTn id="105" fill="hold">
+                            <p:stCondLst>
+                              <p:cond delay="0"/>
+                            </p:stCondLst>
+                            <p:childTnLst>
+                              <p:par>
+                                <p:cTn id="106" presetID="10" presetClass="entr" presetSubtype="0" fill="hold" nodeType="clickEffect">
+                                  <p:stCondLst>
+                                    <p:cond delay="0"/>
+                                  </p:stCondLst>
+                                  <p:childTnLst>
+                                    <p:set>
+                                      <p:cBhvr>
+                                        <p:cTn id="107" dur="1" fill="hold">
+                                          <p:stCondLst>
+                                            <p:cond delay="0"/>
+                                          </p:stCondLst>
+                                        </p:cTn>
+                                        <p:tgtEl>
+                                          <p:spTgt spid="4">
+                                            <p:txEl>
+                                              <p:pRg st="29" end="29"/>
+                                            </p:txEl>
+                                          </p:spTgt>
+                                        </p:tgtEl>
+                                        <p:attrNameLst>
+                                          <p:attrName>style.visibility</p:attrName>
+                                        </p:attrNameLst>
+                                      </p:cBhvr>
+                                      <p:to>
+                                        <p:strVal val="visible"/>
+                                      </p:to>
+                                    </p:set>
+                                    <p:animEffect transition="in" filter="fade">
+                                      <p:cBhvr>
+                                        <p:cTn id="108" dur="500"/>
+                                        <p:tgtEl>
+                                          <p:spTgt spid="4">
+                                            <p:txEl>
+                                              <p:pRg st="29" end="29"/>
+                                            </p:txEl>
+                                          </p:spTgt>
+                                        </p:tgtEl>
+                                      </p:cBhvr>
+                                    </p:animEffect>
+                                  </p:childTnLst>
+                                </p:cTn>
+                              </p:par>
+                            </p:childTnLst>
+                          </p:cTn>
+                        </p:par>
+                        <p:par>
+                          <p:cTn id="109" fill="hold">
+                            <p:stCondLst>
+                              <p:cond delay="500"/>
+                            </p:stCondLst>
+                            <p:childTnLst>
+                              <p:par>
+                                <p:cTn id="110" presetID="10" presetClass="entr" presetSubtype="0" fill="hold" grpId="0" nodeType="afterEffect">
+                                  <p:stCondLst>
+                                    <p:cond delay="0"/>
+                                  </p:stCondLst>
+                                  <p:childTnLst>
+                                    <p:set>
+                                      <p:cBhvr>
+                                        <p:cTn id="111" dur="1" fill="hold">
+                                          <p:stCondLst>
+                                            <p:cond delay="0"/>
+                                          </p:stCondLst>
+                                        </p:cTn>
+                                        <p:tgtEl>
+                                          <p:spTgt spid="14"/>
+                                        </p:tgtEl>
+                                        <p:attrNameLst>
+                                          <p:attrName>style.visibility</p:attrName>
+                                        </p:attrNameLst>
+                                      </p:cBhvr>
+                                      <p:to>
+                                        <p:strVal val="visible"/>
+                                      </p:to>
+                                    </p:set>
+                                    <p:animEffect transition="in" filter="fade">
+                                      <p:cBhvr>
+                                        <p:cTn id="112" dur="500"/>
+                                        <p:tgtEl>
+                                          <p:spTgt spid="14"/>
+                                        </p:tgtEl>
+                                      </p:cBhvr>
+                                    </p:animEffect>
+                                  </p:childTnLst>
+                                </p:cTn>
+                              </p:par>
+                              <p:par>
+                                <p:cTn id="113" presetID="10" presetClass="entr" presetSubtype="0" fill="hold" grpId="0" nodeType="withEffect">
+                                  <p:stCondLst>
+                                    <p:cond delay="0"/>
+                                  </p:stCondLst>
+                                  <p:childTnLst>
+                                    <p:set>
+                                      <p:cBhvr>
+                                        <p:cTn id="114" dur="1" fill="hold">
+                                          <p:stCondLst>
+                                            <p:cond delay="0"/>
+                                          </p:stCondLst>
+                                        </p:cTn>
+                                        <p:tgtEl>
+                                          <p:spTgt spid="15"/>
+                                        </p:tgtEl>
+                                        <p:attrNameLst>
+                                          <p:attrName>style.visibility</p:attrName>
+                                        </p:attrNameLst>
+                                      </p:cBhvr>
+                                      <p:to>
+                                        <p:strVal val="visible"/>
+                                      </p:to>
+                                    </p:set>
+                                    <p:animEffect transition="in" filter="fade">
+                                      <p:cBhvr>
+                                        <p:cTn id="115" dur="500"/>
                                         <p:tgtEl>
                                           <p:spTgt spid="15"/>
                                         </p:tgtEl>
@@ -19479,7 +23529,11 @@
                                           </p:stCondLst>
                                         </p:cTn>
                                         <p:tgtEl>
-                                          <p:spTgt spid="18"/>
+                                          <p:spTgt spid="4">
+                                            <p:txEl>
+                                              <p:pRg st="3" end="3"/>
+                                            </p:txEl>
+                                          </p:spTgt>
                                         </p:tgtEl>
                                         <p:attrNameLst>
                                           <p:attrName>style.visibility</p:attrName>
@@ -19493,7 +23547,11 @@
                                       <p:cBhvr>
                                         <p:cTn id="7" dur="500"/>
                                         <p:tgtEl>
-                                          <p:spTgt spid="18"/>
+                                          <p:spTgt spid="4">
+                                            <p:txEl>
+                                              <p:pRg st="3" end="3"/>
+                                            </p:txEl>
+                                          </p:spTgt>
                                         </p:tgtEl>
                                       </p:cBhvr>
                                     </p:animEffect>
@@ -19514,7 +23572,11 @@
                                           </p:stCondLst>
                                         </p:cTn>
                                         <p:tgtEl>
-                                          <p:spTgt spid="19"/>
+                                          <p:spTgt spid="4">
+                                            <p:txEl>
+                                              <p:pRg st="4" end="4"/>
+                                            </p:txEl>
+                                          </p:spTgt>
                                         </p:tgtEl>
                                         <p:attrNameLst>
                                           <p:attrName>style.visibility</p:attrName>
@@ -19528,7 +23590,269 @@
                                       <p:cBhvr>
                                         <p:cTn id="10" dur="500"/>
                                         <p:tgtEl>
-                                          <p:spTgt spid="19"/>
+                                          <p:spTgt spid="4">
+                                            <p:txEl>
+                                              <p:pRg st="4" end="4"/>
+                                            </p:txEl>
+                                          </p:spTgt>
+                                        </p:tgtEl>
+                                      </p:cBhvr>
+                                    </p:animEffect>
+                                  </p:childTnLst>
+                                </p:cTn>
+                              </p:par>
+                              <p:par>
+                                <p:cTn id="11" presetID="10" presetClass="entr" presetSubtype="0" fill="hold" nodeType="withEffect">
+                                  <p:stCondLst>
+                                    <p:cond delay="0"/>
+                                  </p:stCondLst>
+                                  <p:childTnLst>
+                                    <p:set>
+                                      <p:cBhvr>
+                                        <p:cTn id="12" dur="1" fill="hold">
+                                          <p:stCondLst>
+                                            <p:cond delay="0"/>
+                                          </p:stCondLst>
+                                        </p:cTn>
+                                        <p:tgtEl>
+                                          <p:spTgt spid="4">
+                                            <p:txEl>
+                                              <p:pRg st="5" end="5"/>
+                                            </p:txEl>
+                                          </p:spTgt>
+                                        </p:tgtEl>
+                                        <p:attrNameLst>
+                                          <p:attrName>style.visibility</p:attrName>
+                                        </p:attrNameLst>
+                                      </p:cBhvr>
+                                      <p:to>
+                                        <p:strVal val="visible"/>
+                                      </p:to>
+                                    </p:set>
+                                    <p:animEffect transition="in" filter="fade">
+                                      <p:cBhvr>
+                                        <p:cTn id="13" dur="500"/>
+                                        <p:tgtEl>
+                                          <p:spTgt spid="4">
+                                            <p:txEl>
+                                              <p:pRg st="5" end="5"/>
+                                            </p:txEl>
+                                          </p:spTgt>
+                                        </p:tgtEl>
+                                      </p:cBhvr>
+                                    </p:animEffect>
+                                  </p:childTnLst>
+                                </p:cTn>
+                              </p:par>
+                              <p:par>
+                                <p:cTn id="14" presetID="10" presetClass="entr" presetSubtype="0" fill="hold" nodeType="withEffect">
+                                  <p:stCondLst>
+                                    <p:cond delay="0"/>
+                                  </p:stCondLst>
+                                  <p:childTnLst>
+                                    <p:set>
+                                      <p:cBhvr>
+                                        <p:cTn id="15" dur="1" fill="hold">
+                                          <p:stCondLst>
+                                            <p:cond delay="0"/>
+                                          </p:stCondLst>
+                                        </p:cTn>
+                                        <p:tgtEl>
+                                          <p:spTgt spid="4">
+                                            <p:txEl>
+                                              <p:pRg st="6" end="6"/>
+                                            </p:txEl>
+                                          </p:spTgt>
+                                        </p:tgtEl>
+                                        <p:attrNameLst>
+                                          <p:attrName>style.visibility</p:attrName>
+                                        </p:attrNameLst>
+                                      </p:cBhvr>
+                                      <p:to>
+                                        <p:strVal val="visible"/>
+                                      </p:to>
+                                    </p:set>
+                                    <p:animEffect transition="in" filter="fade">
+                                      <p:cBhvr>
+                                        <p:cTn id="16" dur="500"/>
+                                        <p:tgtEl>
+                                          <p:spTgt spid="4">
+                                            <p:txEl>
+                                              <p:pRg st="6" end="6"/>
+                                            </p:txEl>
+                                          </p:spTgt>
+                                        </p:tgtEl>
+                                      </p:cBhvr>
+                                    </p:animEffect>
+                                  </p:childTnLst>
+                                </p:cTn>
+                              </p:par>
+                              <p:par>
+                                <p:cTn id="17" presetID="10" presetClass="entr" presetSubtype="0" fill="hold" nodeType="withEffect">
+                                  <p:stCondLst>
+                                    <p:cond delay="0"/>
+                                  </p:stCondLst>
+                                  <p:childTnLst>
+                                    <p:set>
+                                      <p:cBhvr>
+                                        <p:cTn id="18" dur="1" fill="hold">
+                                          <p:stCondLst>
+                                            <p:cond delay="0"/>
+                                          </p:stCondLst>
+                                        </p:cTn>
+                                        <p:tgtEl>
+                                          <p:spTgt spid="4">
+                                            <p:txEl>
+                                              <p:pRg st="7" end="7"/>
+                                            </p:txEl>
+                                          </p:spTgt>
+                                        </p:tgtEl>
+                                        <p:attrNameLst>
+                                          <p:attrName>style.visibility</p:attrName>
+                                        </p:attrNameLst>
+                                      </p:cBhvr>
+                                      <p:to>
+                                        <p:strVal val="visible"/>
+                                      </p:to>
+                                    </p:set>
+                                    <p:animEffect transition="in" filter="fade">
+                                      <p:cBhvr>
+                                        <p:cTn id="19" dur="500"/>
+                                        <p:tgtEl>
+                                          <p:spTgt spid="4">
+                                            <p:txEl>
+                                              <p:pRg st="7" end="7"/>
+                                            </p:txEl>
+                                          </p:spTgt>
+                                        </p:tgtEl>
+                                      </p:cBhvr>
+                                    </p:animEffect>
+                                  </p:childTnLst>
+                                </p:cTn>
+                              </p:par>
+                              <p:par>
+                                <p:cTn id="20" presetID="10" presetClass="entr" presetSubtype="0" fill="hold" nodeType="withEffect">
+                                  <p:stCondLst>
+                                    <p:cond delay="0"/>
+                                  </p:stCondLst>
+                                  <p:childTnLst>
+                                    <p:set>
+                                      <p:cBhvr>
+                                        <p:cTn id="21" dur="1" fill="hold">
+                                          <p:stCondLst>
+                                            <p:cond delay="0"/>
+                                          </p:stCondLst>
+                                        </p:cTn>
+                                        <p:tgtEl>
+                                          <p:spTgt spid="4">
+                                            <p:txEl>
+                                              <p:pRg st="8" end="8"/>
+                                            </p:txEl>
+                                          </p:spTgt>
+                                        </p:tgtEl>
+                                        <p:attrNameLst>
+                                          <p:attrName>style.visibility</p:attrName>
+                                        </p:attrNameLst>
+                                      </p:cBhvr>
+                                      <p:to>
+                                        <p:strVal val="visible"/>
+                                      </p:to>
+                                    </p:set>
+                                    <p:animEffect transition="in" filter="fade">
+                                      <p:cBhvr>
+                                        <p:cTn id="22" dur="500"/>
+                                        <p:tgtEl>
+                                          <p:spTgt spid="4">
+                                            <p:txEl>
+                                              <p:pRg st="8" end="8"/>
+                                            </p:txEl>
+                                          </p:spTgt>
+                                        </p:tgtEl>
+                                      </p:cBhvr>
+                                    </p:animEffect>
+                                  </p:childTnLst>
+                                </p:cTn>
+                              </p:par>
+                              <p:par>
+                                <p:cTn id="23" presetID="10" presetClass="entr" presetSubtype="0" fill="hold" nodeType="withEffect">
+                                  <p:stCondLst>
+                                    <p:cond delay="0"/>
+                                  </p:stCondLst>
+                                  <p:childTnLst>
+                                    <p:set>
+                                      <p:cBhvr>
+                                        <p:cTn id="24" dur="1" fill="hold">
+                                          <p:stCondLst>
+                                            <p:cond delay="0"/>
+                                          </p:stCondLst>
+                                        </p:cTn>
+                                        <p:tgtEl>
+                                          <p:spTgt spid="4">
+                                            <p:txEl>
+                                              <p:pRg st="9" end="9"/>
+                                            </p:txEl>
+                                          </p:spTgt>
+                                        </p:tgtEl>
+                                        <p:attrNameLst>
+                                          <p:attrName>style.visibility</p:attrName>
+                                        </p:attrNameLst>
+                                      </p:cBhvr>
+                                      <p:to>
+                                        <p:strVal val="visible"/>
+                                      </p:to>
+                                    </p:set>
+                                    <p:animEffect transition="in" filter="fade">
+                                      <p:cBhvr>
+                                        <p:cTn id="25" dur="500"/>
+                                        <p:tgtEl>
+                                          <p:spTgt spid="4">
+                                            <p:txEl>
+                                              <p:pRg st="9" end="9"/>
+                                            </p:txEl>
+                                          </p:spTgt>
+                                        </p:tgtEl>
+                                      </p:cBhvr>
+                                    </p:animEffect>
+                                  </p:childTnLst>
+                                </p:cTn>
+                              </p:par>
+                              <p:par>
+                                <p:cTn id="26" presetID="10" presetClass="entr" presetSubtype="0" fill="hold" nodeType="withEffect">
+                                  <p:stCondLst>
+                                    <p:cond delay="0"/>
+                                  </p:stCondLst>
+                                  <p:childTnLst>
+                                    <p:set>
+                                      <p:cBhvr>
+                                        <p:cTn id="27" dur="1" fill="hold">
+                                          <p:stCondLst>
+                                            <p:cond delay="0"/>
+                                          </p:stCondLst>
+                                        </p:cTn>
+                                        <p:tgtEl>
+                                          <p:spTgt spid="4">
+                                            <p:txEl>
+                                              <p:pRg st="10" end="10"/>
+                                            </p:txEl>
+                                          </p:spTgt>
+                                        </p:tgtEl>
+                                        <p:attrNameLst>
+                                          <p:attrName>style.visibility</p:attrName>
+                                        </p:attrNameLst>
+                                      </p:cBhvr>
+                                      <p:to>
+                                        <p:strVal val="visible"/>
+                                      </p:to>
+                                    </p:set>
+                                    <p:animEffect transition="in" filter="fade">
+                                      <p:cBhvr>
+                                        <p:cTn id="28" dur="500"/>
+                                        <p:tgtEl>
+                                          <p:spTgt spid="4">
+                                            <p:txEl>
+                                              <p:pRg st="10" end="10"/>
+                                            </p:txEl>
+                                          </p:spTgt>
                                         </p:tgtEl>
                                       </p:cBhvr>
                                     </p:animEffect>
@@ -19542,32 +23866,32 @@
                     </p:cTn>
                   </p:par>
                   <p:par>
-                    <p:cTn id="11" fill="hold">
+                    <p:cTn id="29" fill="hold">
                       <p:stCondLst>
                         <p:cond delay="indefinite"/>
                       </p:stCondLst>
                       <p:childTnLst>
                         <p:par>
-                          <p:cTn id="12" fill="hold">
+                          <p:cTn id="30" fill="hold">
                             <p:stCondLst>
                               <p:cond delay="0"/>
                             </p:stCondLst>
                             <p:childTnLst>
                               <p:par>
-                                <p:cTn id="13" presetID="10" presetClass="entr" presetSubtype="0" fill="hold" grpId="0" nodeType="clickEffect">
+                                <p:cTn id="31" presetID="10" presetClass="entr" presetSubtype="0" fill="hold" nodeType="clickEffect">
                                   <p:stCondLst>
                                     <p:cond delay="0"/>
                                   </p:stCondLst>
                                   <p:childTnLst>
                                     <p:set>
                                       <p:cBhvr>
-                                        <p:cTn id="14" dur="1" fill="hold">
+                                        <p:cTn id="32" dur="1" fill="hold">
                                           <p:stCondLst>
                                             <p:cond delay="0"/>
                                           </p:stCondLst>
                                         </p:cTn>
                                         <p:tgtEl>
-                                          <p:spTgt spid="29"/>
+                                          <p:spTgt spid="18"/>
                                         </p:tgtEl>
                                         <p:attrNameLst>
                                           <p:attrName>style.visibility</p:attrName>
@@ -19579,9 +23903,9 @@
                                     </p:set>
                                     <p:animEffect transition="in" filter="fade">
                                       <p:cBhvr>
-                                        <p:cTn id="15" dur="500"/>
-                                        <p:tgtEl>
-                                          <p:spTgt spid="29"/>
+                                        <p:cTn id="33" dur="500"/>
+                                        <p:tgtEl>
+                                          <p:spTgt spid="18"/>
                                         </p:tgtEl>
                                       </p:cBhvr>
                                     </p:animEffect>
@@ -19589,20 +23913,20 @@
                                 </p:cTn>
                               </p:par>
                               <p:par>
-                                <p:cTn id="16" presetID="10" presetClass="entr" presetSubtype="0" fill="hold" grpId="0" nodeType="withEffect">
+                                <p:cTn id="34" presetID="10" presetClass="entr" presetSubtype="0" fill="hold" nodeType="withEffect">
                                   <p:stCondLst>
                                     <p:cond delay="0"/>
                                   </p:stCondLst>
                                   <p:childTnLst>
                                     <p:set>
                                       <p:cBhvr>
-                                        <p:cTn id="17" dur="1" fill="hold">
+                                        <p:cTn id="35" dur="1" fill="hold">
                                           <p:stCondLst>
                                             <p:cond delay="0"/>
                                           </p:stCondLst>
                                         </p:cTn>
                                         <p:tgtEl>
-                                          <p:spTgt spid="30"/>
+                                          <p:spTgt spid="19"/>
                                         </p:tgtEl>
                                         <p:attrNameLst>
                                           <p:attrName>style.visibility</p:attrName>
@@ -19614,9 +23938,9 @@
                                     </p:set>
                                     <p:animEffect transition="in" filter="fade">
                                       <p:cBhvr>
-                                        <p:cTn id="18" dur="500"/>
-                                        <p:tgtEl>
-                                          <p:spTgt spid="30"/>
+                                        <p:cTn id="36" dur="500"/>
+                                        <p:tgtEl>
+                                          <p:spTgt spid="19"/>
                                         </p:tgtEl>
                                       </p:cBhvr>
                                     </p:animEffect>
@@ -19630,32 +23954,32 @@
                     </p:cTn>
                   </p:par>
                   <p:par>
-                    <p:cTn id="19" fill="hold">
+                    <p:cTn id="37" fill="hold">
                       <p:stCondLst>
                         <p:cond delay="indefinite"/>
                       </p:stCondLst>
                       <p:childTnLst>
                         <p:par>
-                          <p:cTn id="20" fill="hold">
+                          <p:cTn id="38" fill="hold">
                             <p:stCondLst>
                               <p:cond delay="0"/>
                             </p:stCondLst>
                             <p:childTnLst>
                               <p:par>
-                                <p:cTn id="21" presetID="10" presetClass="entr" presetSubtype="0" fill="hold" grpId="0" nodeType="clickEffect">
+                                <p:cTn id="39" presetID="10" presetClass="entr" presetSubtype="0" fill="hold" grpId="0" nodeType="clickEffect">
                                   <p:stCondLst>
                                     <p:cond delay="0"/>
                                   </p:stCondLst>
                                   <p:childTnLst>
                                     <p:set>
                                       <p:cBhvr>
-                                        <p:cTn id="22" dur="1" fill="hold">
+                                        <p:cTn id="40" dur="1" fill="hold">
                                           <p:stCondLst>
                                             <p:cond delay="0"/>
                                           </p:stCondLst>
                                         </p:cTn>
                                         <p:tgtEl>
-                                          <p:spTgt spid="20"/>
+                                          <p:spTgt spid="29"/>
                                         </p:tgtEl>
                                         <p:attrNameLst>
                                           <p:attrName>style.visibility</p:attrName>
@@ -19667,9 +23991,9 @@
                                     </p:set>
                                     <p:animEffect transition="in" filter="fade">
                                       <p:cBhvr>
-                                        <p:cTn id="23" dur="500"/>
-                                        <p:tgtEl>
-                                          <p:spTgt spid="20"/>
+                                        <p:cTn id="41" dur="500"/>
+                                        <p:tgtEl>
+                                          <p:spTgt spid="29"/>
                                         </p:tgtEl>
                                       </p:cBhvr>
                                     </p:animEffect>
@@ -19677,20 +24001,20 @@
                                 </p:cTn>
                               </p:par>
                               <p:par>
-                                <p:cTn id="24" presetID="10" presetClass="entr" presetSubtype="0" fill="hold" grpId="0" nodeType="withEffect">
+                                <p:cTn id="42" presetID="10" presetClass="entr" presetSubtype="0" fill="hold" grpId="0" nodeType="withEffect">
                                   <p:stCondLst>
                                     <p:cond delay="0"/>
                                   </p:stCondLst>
                                   <p:childTnLst>
                                     <p:set>
                                       <p:cBhvr>
-                                        <p:cTn id="25" dur="1" fill="hold">
+                                        <p:cTn id="43" dur="1" fill="hold">
                                           <p:stCondLst>
                                             <p:cond delay="0"/>
                                           </p:stCondLst>
                                         </p:cTn>
                                         <p:tgtEl>
-                                          <p:spTgt spid="21"/>
+                                          <p:spTgt spid="30"/>
                                         </p:tgtEl>
                                         <p:attrNameLst>
                                           <p:attrName>style.visibility</p:attrName>
@@ -19702,9 +24026,9 @@
                                     </p:set>
                                     <p:animEffect transition="in" filter="fade">
                                       <p:cBhvr>
-                                        <p:cTn id="26" dur="500"/>
-                                        <p:tgtEl>
-                                          <p:spTgt spid="21"/>
+                                        <p:cTn id="44" dur="500"/>
+                                        <p:tgtEl>
+                                          <p:spTgt spid="30"/>
                                         </p:tgtEl>
                                       </p:cBhvr>
                                     </p:animEffect>
@@ -19718,32 +24042,36 @@
                     </p:cTn>
                   </p:par>
                   <p:par>
-                    <p:cTn id="27" fill="hold">
+                    <p:cTn id="45" fill="hold">
                       <p:stCondLst>
                         <p:cond delay="indefinite"/>
                       </p:stCondLst>
                       <p:childTnLst>
                         <p:par>
-                          <p:cTn id="28" fill="hold">
+                          <p:cTn id="46" fill="hold">
                             <p:stCondLst>
                               <p:cond delay="0"/>
                             </p:stCondLst>
                             <p:childTnLst>
                               <p:par>
-                                <p:cTn id="29" presetID="10" presetClass="entr" presetSubtype="0" fill="hold" grpId="0" nodeType="clickEffect">
+                                <p:cTn id="47" presetID="10" presetClass="entr" presetSubtype="0" fill="hold" nodeType="clickEffect">
                                   <p:stCondLst>
                                     <p:cond delay="0"/>
                                   </p:stCondLst>
                                   <p:childTnLst>
                                     <p:set>
                                       <p:cBhvr>
-                                        <p:cTn id="30" dur="1" fill="hold">
+                                        <p:cTn id="48" dur="1" fill="hold">
                                           <p:stCondLst>
                                             <p:cond delay="0"/>
                                           </p:stCondLst>
                                         </p:cTn>
                                         <p:tgtEl>
-                                          <p:spTgt spid="22"/>
+                                          <p:spTgt spid="4">
+                                            <p:txEl>
+                                              <p:pRg st="12" end="12"/>
+                                            </p:txEl>
+                                          </p:spTgt>
                                         </p:tgtEl>
                                         <p:attrNameLst>
                                           <p:attrName>style.visibility</p:attrName>
@@ -19755,9 +24083,13 @@
                                     </p:set>
                                     <p:animEffect transition="in" filter="fade">
                                       <p:cBhvr>
-                                        <p:cTn id="31" dur="500"/>
-                                        <p:tgtEl>
-                                          <p:spTgt spid="22"/>
+                                        <p:cTn id="49" dur="500"/>
+                                        <p:tgtEl>
+                                          <p:spTgt spid="4">
+                                            <p:txEl>
+                                              <p:pRg st="12" end="12"/>
+                                            </p:txEl>
+                                          </p:spTgt>
                                         </p:tgtEl>
                                       </p:cBhvr>
                                     </p:animEffect>
@@ -19765,20 +24097,24 @@
                                 </p:cTn>
                               </p:par>
                               <p:par>
-                                <p:cTn id="32" presetID="10" presetClass="entr" presetSubtype="0" fill="hold" grpId="0" nodeType="withEffect">
+                                <p:cTn id="50" presetID="10" presetClass="entr" presetSubtype="0" fill="hold" nodeType="withEffect">
                                   <p:stCondLst>
                                     <p:cond delay="0"/>
                                   </p:stCondLst>
                                   <p:childTnLst>
                                     <p:set>
                                       <p:cBhvr>
-                                        <p:cTn id="33" dur="1" fill="hold">
+                                        <p:cTn id="51" dur="1" fill="hold">
                                           <p:stCondLst>
                                             <p:cond delay="0"/>
                                           </p:stCondLst>
                                         </p:cTn>
                                         <p:tgtEl>
-                                          <p:spTgt spid="23"/>
+                                          <p:spTgt spid="4">
+                                            <p:txEl>
+                                              <p:pRg st="13" end="13"/>
+                                            </p:txEl>
+                                          </p:spTgt>
                                         </p:tgtEl>
                                         <p:attrNameLst>
                                           <p:attrName>style.visibility</p:attrName>
@@ -19790,9 +24126,56 @@
                                     </p:set>
                                     <p:animEffect transition="in" filter="fade">
                                       <p:cBhvr>
-                                        <p:cTn id="34" dur="500"/>
-                                        <p:tgtEl>
-                                          <p:spTgt spid="23"/>
+                                        <p:cTn id="52" dur="500"/>
+                                        <p:tgtEl>
+                                          <p:spTgt spid="4">
+                                            <p:txEl>
+                                              <p:pRg st="13" end="13"/>
+                                            </p:txEl>
+                                          </p:spTgt>
+                                        </p:tgtEl>
+                                      </p:cBhvr>
+                                    </p:animEffect>
+                                  </p:childTnLst>
+                                </p:cTn>
+                              </p:par>
+                              <p:par>
+                                <p:cTn id="53" presetID="10" presetClass="entr" presetSubtype="0" fill="hold" nodeType="withEffect">
+                                  <p:stCondLst>
+                                    <p:cond delay="0"/>
+                                  </p:stCondLst>
+                                  <p:childTnLst>
+                                    <p:set>
+                                      <p:cBhvr>
+                                        <p:cTn id="54" dur="1" fill="hold">
+                                          <p:stCondLst>
+                                            <p:cond delay="0"/>
+                                          </p:stCondLst>
+                                        </p:cTn>
+                                        <p:tgtEl>
+                                          <p:spTgt spid="4">
+                                            <p:txEl>
+                                              <p:pRg st="14" end="14"/>
+                                            </p:txEl>
+                                          </p:spTgt>
+                                        </p:tgtEl>
+                                        <p:attrNameLst>
+                                          <p:attrName>style.visibility</p:attrName>
+                                        </p:attrNameLst>
+                                      </p:cBhvr>
+                                      <p:to>
+                                        <p:strVal val="visible"/>
+                                      </p:to>
+                                    </p:set>
+                                    <p:animEffect transition="in" filter="fade">
+                                      <p:cBhvr>
+                                        <p:cTn id="55" dur="500"/>
+                                        <p:tgtEl>
+                                          <p:spTgt spid="4">
+                                            <p:txEl>
+                                              <p:pRg st="14" end="14"/>
+                                            </p:txEl>
+                                          </p:spTgt>
                                         </p:tgtEl>
                                       </p:cBhvr>
                                     </p:animEffect>
@@ -19806,32 +24189,32 @@
                     </p:cTn>
                   </p:par>
                   <p:par>
-                    <p:cTn id="35" fill="hold">
+                    <p:cTn id="56" fill="hold">
                       <p:stCondLst>
                         <p:cond delay="indefinite"/>
                       </p:stCondLst>
                       <p:childTnLst>
                         <p:par>
-                          <p:cTn id="36" fill="hold">
+                          <p:cTn id="57" fill="hold">
                             <p:stCondLst>
                               <p:cond delay="0"/>
                             </p:stCondLst>
                             <p:childTnLst>
                               <p:par>
-                                <p:cTn id="37" presetID="10" presetClass="entr" presetSubtype="0" fill="hold" grpId="0" nodeType="clickEffect">
+                                <p:cTn id="58" presetID="10" presetClass="entr" presetSubtype="0" fill="hold" grpId="0" nodeType="clickEffect">
                                   <p:stCondLst>
                                     <p:cond delay="0"/>
                                   </p:stCondLst>
                                   <p:childTnLst>
                                     <p:set>
                                       <p:cBhvr>
-                                        <p:cTn id="38" dur="1" fill="hold">
+                                        <p:cTn id="59" dur="1" fill="hold">
                                           <p:stCondLst>
                                             <p:cond delay="0"/>
                                           </p:stCondLst>
                                         </p:cTn>
                                         <p:tgtEl>
-                                          <p:spTgt spid="24"/>
+                                          <p:spTgt spid="20"/>
                                         </p:tgtEl>
                                         <p:attrNameLst>
                                           <p:attrName>style.visibility</p:attrName>
@@ -19843,9 +24226,9 @@
                                     </p:set>
                                     <p:animEffect transition="in" filter="fade">
                                       <p:cBhvr>
-                                        <p:cTn id="39" dur="500"/>
-                                        <p:tgtEl>
-                                          <p:spTgt spid="24"/>
+                                        <p:cTn id="60" dur="500"/>
+                                        <p:tgtEl>
+                                          <p:spTgt spid="20"/>
                                         </p:tgtEl>
                                       </p:cBhvr>
                                     </p:animEffect>
@@ -19853,20 +24236,20 @@
                                 </p:cTn>
                               </p:par>
                               <p:par>
-                                <p:cTn id="40" presetID="10" presetClass="entr" presetSubtype="0" fill="hold" grpId="0" nodeType="withEffect">
+                                <p:cTn id="61" presetID="10" presetClass="entr" presetSubtype="0" fill="hold" grpId="0" nodeType="withEffect">
                                   <p:stCondLst>
                                     <p:cond delay="0"/>
                                   </p:stCondLst>
                                   <p:childTnLst>
                                     <p:set>
                                       <p:cBhvr>
-                                        <p:cTn id="41" dur="1" fill="hold">
+                                        <p:cTn id="62" dur="1" fill="hold">
                                           <p:stCondLst>
                                             <p:cond delay="0"/>
                                           </p:stCondLst>
                                         </p:cTn>
                                         <p:tgtEl>
-                                          <p:spTgt spid="25"/>
+                                          <p:spTgt spid="21"/>
                                         </p:tgtEl>
                                         <p:attrNameLst>
                                           <p:attrName>style.visibility</p:attrName>
@@ -19878,7 +24261,760 @@
                                     </p:set>
                                     <p:animEffect transition="in" filter="fade">
                                       <p:cBhvr>
-                                        <p:cTn id="42" dur="500"/>
+                                        <p:cTn id="63" dur="500"/>
+                                        <p:tgtEl>
+                                          <p:spTgt spid="21"/>
+                                        </p:tgtEl>
+                                      </p:cBhvr>
+                                    </p:animEffect>
+                                  </p:childTnLst>
+                                </p:cTn>
+                              </p:par>
+                            </p:childTnLst>
+                          </p:cTn>
+                        </p:par>
+                      </p:childTnLst>
+                    </p:cTn>
+                  </p:par>
+                  <p:par>
+                    <p:cTn id="64" fill="hold">
+                      <p:stCondLst>
+                        <p:cond delay="indefinite"/>
+                      </p:stCondLst>
+                      <p:childTnLst>
+                        <p:par>
+                          <p:cTn id="65" fill="hold">
+                            <p:stCondLst>
+                              <p:cond delay="0"/>
+                            </p:stCondLst>
+                            <p:childTnLst>
+                              <p:par>
+                                <p:cTn id="66" presetID="10" presetClass="entr" presetSubtype="0" fill="hold" grpId="0" nodeType="clickEffect">
+                                  <p:stCondLst>
+                                    <p:cond delay="0"/>
+                                  </p:stCondLst>
+                                  <p:childTnLst>
+                                    <p:set>
+                                      <p:cBhvr>
+                                        <p:cTn id="67" dur="1" fill="hold">
+                                          <p:stCondLst>
+                                            <p:cond delay="0"/>
+                                          </p:stCondLst>
+                                        </p:cTn>
+                                        <p:tgtEl>
+                                          <p:spTgt spid="22"/>
+                                        </p:tgtEl>
+                                        <p:attrNameLst>
+                                          <p:attrName>style.visibility</p:attrName>
+                                        </p:attrNameLst>
+                                      </p:cBhvr>
+                                      <p:to>
+                                        <p:strVal val="visible"/>
+                                      </p:to>
+                                    </p:set>
+                                    <p:animEffect transition="in" filter="fade">
+                                      <p:cBhvr>
+                                        <p:cTn id="68" dur="500"/>
+                                        <p:tgtEl>
+                                          <p:spTgt spid="22"/>
+                                        </p:tgtEl>
+                                      </p:cBhvr>
+                                    </p:animEffect>
+                                  </p:childTnLst>
+                                </p:cTn>
+                              </p:par>
+                              <p:par>
+                                <p:cTn id="69" presetID="10" presetClass="entr" presetSubtype="0" fill="hold" grpId="0" nodeType="withEffect">
+                                  <p:stCondLst>
+                                    <p:cond delay="0"/>
+                                  </p:stCondLst>
+                                  <p:childTnLst>
+                                    <p:set>
+                                      <p:cBhvr>
+                                        <p:cTn id="70" dur="1" fill="hold">
+                                          <p:stCondLst>
+                                            <p:cond delay="0"/>
+                                          </p:stCondLst>
+                                        </p:cTn>
+                                        <p:tgtEl>
+                                          <p:spTgt spid="23"/>
+                                        </p:tgtEl>
+                                        <p:attrNameLst>
+                                          <p:attrName>style.visibility</p:attrName>
+                                        </p:attrNameLst>
+                                      </p:cBhvr>
+                                      <p:to>
+                                        <p:strVal val="visible"/>
+                                      </p:to>
+                                    </p:set>
+                                    <p:animEffect transition="in" filter="fade">
+                                      <p:cBhvr>
+                                        <p:cTn id="71" dur="500"/>
+                                        <p:tgtEl>
+                                          <p:spTgt spid="23"/>
+                                        </p:tgtEl>
+                                      </p:cBhvr>
+                                    </p:animEffect>
+                                  </p:childTnLst>
+                                </p:cTn>
+                              </p:par>
+                            </p:childTnLst>
+                          </p:cTn>
+                        </p:par>
+                      </p:childTnLst>
+                    </p:cTn>
+                  </p:par>
+                  <p:par>
+                    <p:cTn id="72" fill="hold">
+                      <p:stCondLst>
+                        <p:cond delay="indefinite"/>
+                      </p:stCondLst>
+                      <p:childTnLst>
+                        <p:par>
+                          <p:cTn id="73" fill="hold">
+                            <p:stCondLst>
+                              <p:cond delay="0"/>
+                            </p:stCondLst>
+                            <p:childTnLst>
+                              <p:par>
+                                <p:cTn id="74" presetID="10" presetClass="entr" presetSubtype="0" fill="hold" nodeType="clickEffect">
+                                  <p:stCondLst>
+                                    <p:cond delay="0"/>
+                                  </p:stCondLst>
+                                  <p:childTnLst>
+                                    <p:set>
+                                      <p:cBhvr>
+                                        <p:cTn id="75" dur="1" fill="hold">
+                                          <p:stCondLst>
+                                            <p:cond delay="0"/>
+                                          </p:stCondLst>
+                                        </p:cTn>
+                                        <p:tgtEl>
+                                          <p:spTgt spid="5">
+                                            <p:txEl>
+                                              <p:pRg st="1" end="1"/>
+                                            </p:txEl>
+                                          </p:spTgt>
+                                        </p:tgtEl>
+                                        <p:attrNameLst>
+                                          <p:attrName>style.visibility</p:attrName>
+                                        </p:attrNameLst>
+                                      </p:cBhvr>
+                                      <p:to>
+                                        <p:strVal val="visible"/>
+                                      </p:to>
+                                    </p:set>
+                                    <p:animEffect transition="in" filter="fade">
+                                      <p:cBhvr>
+                                        <p:cTn id="76" dur="500"/>
+                                        <p:tgtEl>
+                                          <p:spTgt spid="5">
+                                            <p:txEl>
+                                              <p:pRg st="1" end="1"/>
+                                            </p:txEl>
+                                          </p:spTgt>
+                                        </p:tgtEl>
+                                      </p:cBhvr>
+                                    </p:animEffect>
+                                  </p:childTnLst>
+                                </p:cTn>
+                              </p:par>
+                              <p:par>
+                                <p:cTn id="77" presetID="10" presetClass="entr" presetSubtype="0" fill="hold" nodeType="withEffect">
+                                  <p:stCondLst>
+                                    <p:cond delay="0"/>
+                                  </p:stCondLst>
+                                  <p:childTnLst>
+                                    <p:set>
+                                      <p:cBhvr>
+                                        <p:cTn id="78" dur="1" fill="hold">
+                                          <p:stCondLst>
+                                            <p:cond delay="0"/>
+                                          </p:stCondLst>
+                                        </p:cTn>
+                                        <p:tgtEl>
+                                          <p:spTgt spid="5">
+                                            <p:txEl>
+                                              <p:pRg st="2" end="2"/>
+                                            </p:txEl>
+                                          </p:spTgt>
+                                        </p:tgtEl>
+                                        <p:attrNameLst>
+                                          <p:attrName>style.visibility</p:attrName>
+                                        </p:attrNameLst>
+                                      </p:cBhvr>
+                                      <p:to>
+                                        <p:strVal val="visible"/>
+                                      </p:to>
+                                    </p:set>
+                                    <p:animEffect transition="in" filter="fade">
+                                      <p:cBhvr>
+                                        <p:cTn id="79" dur="500"/>
+                                        <p:tgtEl>
+                                          <p:spTgt spid="5">
+                                            <p:txEl>
+                                              <p:pRg st="2" end="2"/>
+                                            </p:txEl>
+                                          </p:spTgt>
+                                        </p:tgtEl>
+                                      </p:cBhvr>
+                                    </p:animEffect>
+                                  </p:childTnLst>
+                                </p:cTn>
+                              </p:par>
+                              <p:par>
+                                <p:cTn id="80" presetID="10" presetClass="entr" presetSubtype="0" fill="hold" nodeType="withEffect">
+                                  <p:stCondLst>
+                                    <p:cond delay="0"/>
+                                  </p:stCondLst>
+                                  <p:childTnLst>
+                                    <p:set>
+                                      <p:cBhvr>
+                                        <p:cTn id="81" dur="1" fill="hold">
+                                          <p:stCondLst>
+                                            <p:cond delay="0"/>
+                                          </p:stCondLst>
+                                        </p:cTn>
+                                        <p:tgtEl>
+                                          <p:spTgt spid="5">
+                                            <p:txEl>
+                                              <p:pRg st="3" end="3"/>
+                                            </p:txEl>
+                                          </p:spTgt>
+                                        </p:tgtEl>
+                                        <p:attrNameLst>
+                                          <p:attrName>style.visibility</p:attrName>
+                                        </p:attrNameLst>
+                                      </p:cBhvr>
+                                      <p:to>
+                                        <p:strVal val="visible"/>
+                                      </p:to>
+                                    </p:set>
+                                    <p:animEffect transition="in" filter="fade">
+                                      <p:cBhvr>
+                                        <p:cTn id="82" dur="500"/>
+                                        <p:tgtEl>
+                                          <p:spTgt spid="5">
+                                            <p:txEl>
+                                              <p:pRg st="3" end="3"/>
+                                            </p:txEl>
+                                          </p:spTgt>
+                                        </p:tgtEl>
+                                      </p:cBhvr>
+                                    </p:animEffect>
+                                  </p:childTnLst>
+                                </p:cTn>
+                              </p:par>
+                              <p:par>
+                                <p:cTn id="83" presetID="10" presetClass="entr" presetSubtype="0" fill="hold" nodeType="withEffect">
+                                  <p:stCondLst>
+                                    <p:cond delay="0"/>
+                                  </p:stCondLst>
+                                  <p:childTnLst>
+                                    <p:set>
+                                      <p:cBhvr>
+                                        <p:cTn id="84" dur="1" fill="hold">
+                                          <p:stCondLst>
+                                            <p:cond delay="0"/>
+                                          </p:stCondLst>
+                                        </p:cTn>
+                                        <p:tgtEl>
+                                          <p:spTgt spid="5">
+                                            <p:txEl>
+                                              <p:pRg st="5" end="5"/>
+                                            </p:txEl>
+                                          </p:spTgt>
+                                        </p:tgtEl>
+                                        <p:attrNameLst>
+                                          <p:attrName>style.visibility</p:attrName>
+                                        </p:attrNameLst>
+                                      </p:cBhvr>
+                                      <p:to>
+                                        <p:strVal val="visible"/>
+                                      </p:to>
+                                    </p:set>
+                                    <p:animEffect transition="in" filter="fade">
+                                      <p:cBhvr>
+                                        <p:cTn id="85" dur="500"/>
+                                        <p:tgtEl>
+                                          <p:spTgt spid="5">
+                                            <p:txEl>
+                                              <p:pRg st="5" end="5"/>
+                                            </p:txEl>
+                                          </p:spTgt>
+                                        </p:tgtEl>
+                                      </p:cBhvr>
+                                    </p:animEffect>
+                                  </p:childTnLst>
+                                </p:cTn>
+                              </p:par>
+                              <p:par>
+                                <p:cTn id="86" presetID="10" presetClass="entr" presetSubtype="0" fill="hold" nodeType="withEffect">
+                                  <p:stCondLst>
+                                    <p:cond delay="0"/>
+                                  </p:stCondLst>
+                                  <p:childTnLst>
+                                    <p:set>
+                                      <p:cBhvr>
+                                        <p:cTn id="87" dur="1" fill="hold">
+                                          <p:stCondLst>
+                                            <p:cond delay="0"/>
+                                          </p:stCondLst>
+                                        </p:cTn>
+                                        <p:tgtEl>
+                                          <p:spTgt spid="5">
+                                            <p:txEl>
+                                              <p:pRg st="6" end="6"/>
+                                            </p:txEl>
+                                          </p:spTgt>
+                                        </p:tgtEl>
+                                        <p:attrNameLst>
+                                          <p:attrName>style.visibility</p:attrName>
+                                        </p:attrNameLst>
+                                      </p:cBhvr>
+                                      <p:to>
+                                        <p:strVal val="visible"/>
+                                      </p:to>
+                                    </p:set>
+                                    <p:animEffect transition="in" filter="fade">
+                                      <p:cBhvr>
+                                        <p:cTn id="88" dur="500"/>
+                                        <p:tgtEl>
+                                          <p:spTgt spid="5">
+                                            <p:txEl>
+                                              <p:pRg st="6" end="6"/>
+                                            </p:txEl>
+                                          </p:spTgt>
+                                        </p:tgtEl>
+                                      </p:cBhvr>
+                                    </p:animEffect>
+                                  </p:childTnLst>
+                                </p:cTn>
+                              </p:par>
+                              <p:par>
+                                <p:cTn id="89" presetID="10" presetClass="entr" presetSubtype="0" fill="hold" nodeType="withEffect">
+                                  <p:stCondLst>
+                                    <p:cond delay="0"/>
+                                  </p:stCondLst>
+                                  <p:childTnLst>
+                                    <p:set>
+                                      <p:cBhvr>
+                                        <p:cTn id="90" dur="1" fill="hold">
+                                          <p:stCondLst>
+                                            <p:cond delay="0"/>
+                                          </p:stCondLst>
+                                        </p:cTn>
+                                        <p:tgtEl>
+                                          <p:spTgt spid="5">
+                                            <p:txEl>
+                                              <p:pRg st="7" end="7"/>
+                                            </p:txEl>
+                                          </p:spTgt>
+                                        </p:tgtEl>
+                                        <p:attrNameLst>
+                                          <p:attrName>style.visibility</p:attrName>
+                                        </p:attrNameLst>
+                                      </p:cBhvr>
+                                      <p:to>
+                                        <p:strVal val="visible"/>
+                                      </p:to>
+                                    </p:set>
+                                    <p:animEffect transition="in" filter="fade">
+                                      <p:cBhvr>
+                                        <p:cTn id="91" dur="500"/>
+                                        <p:tgtEl>
+                                          <p:spTgt spid="5">
+                                            <p:txEl>
+                                              <p:pRg st="7" end="7"/>
+                                            </p:txEl>
+                                          </p:spTgt>
+                                        </p:tgtEl>
+                                      </p:cBhvr>
+                                    </p:animEffect>
+                                  </p:childTnLst>
+                                </p:cTn>
+                              </p:par>
+                              <p:par>
+                                <p:cTn id="92" presetID="10" presetClass="entr" presetSubtype="0" fill="hold" nodeType="withEffect">
+                                  <p:stCondLst>
+                                    <p:cond delay="0"/>
+                                  </p:stCondLst>
+                                  <p:childTnLst>
+                                    <p:set>
+                                      <p:cBhvr>
+                                        <p:cTn id="93" dur="1" fill="hold">
+                                          <p:stCondLst>
+                                            <p:cond delay="0"/>
+                                          </p:stCondLst>
+                                        </p:cTn>
+                                        <p:tgtEl>
+                                          <p:spTgt spid="5">
+                                            <p:txEl>
+                                              <p:pRg st="8" end="8"/>
+                                            </p:txEl>
+                                          </p:spTgt>
+                                        </p:tgtEl>
+                                        <p:attrNameLst>
+                                          <p:attrName>style.visibility</p:attrName>
+                                        </p:attrNameLst>
+                                      </p:cBhvr>
+                                      <p:to>
+                                        <p:strVal val="visible"/>
+                                      </p:to>
+                                    </p:set>
+                                    <p:animEffect transition="in" filter="fade">
+                                      <p:cBhvr>
+                                        <p:cTn id="94" dur="500"/>
+                                        <p:tgtEl>
+                                          <p:spTgt spid="5">
+                                            <p:txEl>
+                                              <p:pRg st="8" end="8"/>
+                                            </p:txEl>
+                                          </p:spTgt>
+                                        </p:tgtEl>
+                                      </p:cBhvr>
+                                    </p:animEffect>
+                                  </p:childTnLst>
+                                </p:cTn>
+                              </p:par>
+                              <p:par>
+                                <p:cTn id="95" presetID="10" presetClass="entr" presetSubtype="0" fill="hold" nodeType="withEffect">
+                                  <p:stCondLst>
+                                    <p:cond delay="0"/>
+                                  </p:stCondLst>
+                                  <p:childTnLst>
+                                    <p:set>
+                                      <p:cBhvr>
+                                        <p:cTn id="96" dur="1" fill="hold">
+                                          <p:stCondLst>
+                                            <p:cond delay="0"/>
+                                          </p:stCondLst>
+                                        </p:cTn>
+                                        <p:tgtEl>
+                                          <p:spTgt spid="5">
+                                            <p:txEl>
+                                              <p:pRg st="10" end="10"/>
+                                            </p:txEl>
+                                          </p:spTgt>
+                                        </p:tgtEl>
+                                        <p:attrNameLst>
+                                          <p:attrName>style.visibility</p:attrName>
+                                        </p:attrNameLst>
+                                      </p:cBhvr>
+                                      <p:to>
+                                        <p:strVal val="visible"/>
+                                      </p:to>
+                                    </p:set>
+                                    <p:animEffect transition="in" filter="fade">
+                                      <p:cBhvr>
+                                        <p:cTn id="97" dur="500"/>
+                                        <p:tgtEl>
+                                          <p:spTgt spid="5">
+                                            <p:txEl>
+                                              <p:pRg st="10" end="10"/>
+                                            </p:txEl>
+                                          </p:spTgt>
+                                        </p:tgtEl>
+                                      </p:cBhvr>
+                                    </p:animEffect>
+                                  </p:childTnLst>
+                                </p:cTn>
+                              </p:par>
+                              <p:par>
+                                <p:cTn id="98" presetID="10" presetClass="entr" presetSubtype="0" fill="hold" nodeType="withEffect">
+                                  <p:stCondLst>
+                                    <p:cond delay="0"/>
+                                  </p:stCondLst>
+                                  <p:childTnLst>
+                                    <p:set>
+                                      <p:cBhvr>
+                                        <p:cTn id="99" dur="1" fill="hold">
+                                          <p:stCondLst>
+                                            <p:cond delay="0"/>
+                                          </p:stCondLst>
+                                        </p:cTn>
+                                        <p:tgtEl>
+                                          <p:spTgt spid="5">
+                                            <p:txEl>
+                                              <p:pRg st="11" end="11"/>
+                                            </p:txEl>
+                                          </p:spTgt>
+                                        </p:tgtEl>
+                                        <p:attrNameLst>
+                                          <p:attrName>style.visibility</p:attrName>
+                                        </p:attrNameLst>
+                                      </p:cBhvr>
+                                      <p:to>
+                                        <p:strVal val="visible"/>
+                                      </p:to>
+                                    </p:set>
+                                    <p:animEffect transition="in" filter="fade">
+                                      <p:cBhvr>
+                                        <p:cTn id="100" dur="500"/>
+                                        <p:tgtEl>
+                                          <p:spTgt spid="5">
+                                            <p:txEl>
+                                              <p:pRg st="11" end="11"/>
+                                            </p:txEl>
+                                          </p:spTgt>
+                                        </p:tgtEl>
+                                      </p:cBhvr>
+                                    </p:animEffect>
+                                  </p:childTnLst>
+                                </p:cTn>
+                              </p:par>
+                              <p:par>
+                                <p:cTn id="101" presetID="10" presetClass="entr" presetSubtype="0" fill="hold" nodeType="withEffect">
+                                  <p:stCondLst>
+                                    <p:cond delay="0"/>
+                                  </p:stCondLst>
+                                  <p:childTnLst>
+                                    <p:set>
+                                      <p:cBhvr>
+                                        <p:cTn id="102" dur="1" fill="hold">
+                                          <p:stCondLst>
+                                            <p:cond delay="0"/>
+                                          </p:stCondLst>
+                                        </p:cTn>
+                                        <p:tgtEl>
+                                          <p:spTgt spid="5">
+                                            <p:txEl>
+                                              <p:pRg st="12" end="12"/>
+                                            </p:txEl>
+                                          </p:spTgt>
+                                        </p:tgtEl>
+                                        <p:attrNameLst>
+                                          <p:attrName>style.visibility</p:attrName>
+                                        </p:attrNameLst>
+                                      </p:cBhvr>
+                                      <p:to>
+                                        <p:strVal val="visible"/>
+                                      </p:to>
+                                    </p:set>
+                                    <p:animEffect transition="in" filter="fade">
+                                      <p:cBhvr>
+                                        <p:cTn id="103" dur="500"/>
+                                        <p:tgtEl>
+                                          <p:spTgt spid="5">
+                                            <p:txEl>
+                                              <p:pRg st="12" end="12"/>
+                                            </p:txEl>
+                                          </p:spTgt>
+                                        </p:tgtEl>
+                                      </p:cBhvr>
+                                    </p:animEffect>
+                                  </p:childTnLst>
+                                </p:cTn>
+                              </p:par>
+                              <p:par>
+                                <p:cTn id="104" presetID="10" presetClass="entr" presetSubtype="0" fill="hold" nodeType="withEffect">
+                                  <p:stCondLst>
+                                    <p:cond delay="0"/>
+                                  </p:stCondLst>
+                                  <p:childTnLst>
+                                    <p:set>
+                                      <p:cBhvr>
+                                        <p:cTn id="105" dur="1" fill="hold">
+                                          <p:stCondLst>
+                                            <p:cond delay="0"/>
+                                          </p:stCondLst>
+                                        </p:cTn>
+                                        <p:tgtEl>
+                                          <p:spTgt spid="5">
+                                            <p:txEl>
+                                              <p:pRg st="13" end="13"/>
+                                            </p:txEl>
+                                          </p:spTgt>
+                                        </p:tgtEl>
+                                        <p:attrNameLst>
+                                          <p:attrName>style.visibility</p:attrName>
+                                        </p:attrNameLst>
+                                      </p:cBhvr>
+                                      <p:to>
+                                        <p:strVal val="visible"/>
+                                      </p:to>
+                                    </p:set>
+                                    <p:animEffect transition="in" filter="fade">
+                                      <p:cBhvr>
+                                        <p:cTn id="106" dur="500"/>
+                                        <p:tgtEl>
+                                          <p:spTgt spid="5">
+                                            <p:txEl>
+                                              <p:pRg st="13" end="13"/>
+                                            </p:txEl>
+                                          </p:spTgt>
+                                        </p:tgtEl>
+                                      </p:cBhvr>
+                                    </p:animEffect>
+                                  </p:childTnLst>
+                                </p:cTn>
+                              </p:par>
+                              <p:par>
+                                <p:cTn id="107" presetID="10" presetClass="entr" presetSubtype="0" fill="hold" nodeType="withEffect">
+                                  <p:stCondLst>
+                                    <p:cond delay="0"/>
+                                  </p:stCondLst>
+                                  <p:childTnLst>
+                                    <p:set>
+                                      <p:cBhvr>
+                                        <p:cTn id="108" dur="1" fill="hold">
+                                          <p:stCondLst>
+                                            <p:cond delay="0"/>
+                                          </p:stCondLst>
+                                        </p:cTn>
+                                        <p:tgtEl>
+                                          <p:spTgt spid="5">
+                                            <p:txEl>
+                                              <p:pRg st="14" end="14"/>
+                                            </p:txEl>
+                                          </p:spTgt>
+                                        </p:tgtEl>
+                                        <p:attrNameLst>
+                                          <p:attrName>style.visibility</p:attrName>
+                                        </p:attrNameLst>
+                                      </p:cBhvr>
+                                      <p:to>
+                                        <p:strVal val="visible"/>
+                                      </p:to>
+                                    </p:set>
+                                    <p:animEffect transition="in" filter="fade">
+                                      <p:cBhvr>
+                                        <p:cTn id="109" dur="500"/>
+                                        <p:tgtEl>
+                                          <p:spTgt spid="5">
+                                            <p:txEl>
+                                              <p:pRg st="14" end="14"/>
+                                            </p:txEl>
+                                          </p:spTgt>
+                                        </p:tgtEl>
+                                      </p:cBhvr>
+                                    </p:animEffect>
+                                  </p:childTnLst>
+                                </p:cTn>
+                              </p:par>
+                              <p:par>
+                                <p:cTn id="110" presetID="10" presetClass="entr" presetSubtype="0" fill="hold" nodeType="withEffect">
+                                  <p:stCondLst>
+                                    <p:cond delay="0"/>
+                                  </p:stCondLst>
+                                  <p:childTnLst>
+                                    <p:set>
+                                      <p:cBhvr>
+                                        <p:cTn id="111" dur="1" fill="hold">
+                                          <p:stCondLst>
+                                            <p:cond delay="0"/>
+                                          </p:stCondLst>
+                                        </p:cTn>
+                                        <p:tgtEl>
+                                          <p:spTgt spid="5">
+                                            <p:txEl>
+                                              <p:pRg st="15" end="15"/>
+                                            </p:txEl>
+                                          </p:spTgt>
+                                        </p:tgtEl>
+                                        <p:attrNameLst>
+                                          <p:attrName>style.visibility</p:attrName>
+                                        </p:attrNameLst>
+                                      </p:cBhvr>
+                                      <p:to>
+                                        <p:strVal val="visible"/>
+                                      </p:to>
+                                    </p:set>
+                                    <p:animEffect transition="in" filter="fade">
+                                      <p:cBhvr>
+                                        <p:cTn id="112" dur="500"/>
+                                        <p:tgtEl>
+                                          <p:spTgt spid="5">
+                                            <p:txEl>
+                                              <p:pRg st="15" end="15"/>
+                                            </p:txEl>
+                                          </p:spTgt>
+                                        </p:tgtEl>
+                                      </p:cBhvr>
+                                    </p:animEffect>
+                                  </p:childTnLst>
+                                </p:cTn>
+                              </p:par>
+                            </p:childTnLst>
+                          </p:cTn>
+                        </p:par>
+                      </p:childTnLst>
+                    </p:cTn>
+                  </p:par>
+                  <p:par>
+                    <p:cTn id="113" fill="hold">
+                      <p:stCondLst>
+                        <p:cond delay="indefinite"/>
+                      </p:stCondLst>
+                      <p:childTnLst>
+                        <p:par>
+                          <p:cTn id="114" fill="hold">
+                            <p:stCondLst>
+                              <p:cond delay="0"/>
+                            </p:stCondLst>
+                            <p:childTnLst>
+                              <p:par>
+                                <p:cTn id="115" presetID="10" presetClass="entr" presetSubtype="0" fill="hold" grpId="0" nodeType="clickEffect">
+                                  <p:stCondLst>
+                                    <p:cond delay="0"/>
+                                  </p:stCondLst>
+                                  <p:childTnLst>
+                                    <p:set>
+                                      <p:cBhvr>
+                                        <p:cTn id="116" dur="1" fill="hold">
+                                          <p:stCondLst>
+                                            <p:cond delay="0"/>
+                                          </p:stCondLst>
+                                        </p:cTn>
+                                        <p:tgtEl>
+                                          <p:spTgt spid="24"/>
+                                        </p:tgtEl>
+                                        <p:attrNameLst>
+                                          <p:attrName>style.visibility</p:attrName>
+                                        </p:attrNameLst>
+                                      </p:cBhvr>
+                                      <p:to>
+                                        <p:strVal val="visible"/>
+                                      </p:to>
+                                    </p:set>
+                                    <p:animEffect transition="in" filter="fade">
+                                      <p:cBhvr>
+                                        <p:cTn id="117" dur="500"/>
+                                        <p:tgtEl>
+                                          <p:spTgt spid="24"/>
+                                        </p:tgtEl>
+                                      </p:cBhvr>
+                                    </p:animEffect>
+                                  </p:childTnLst>
+                                </p:cTn>
+                              </p:par>
+                              <p:par>
+                                <p:cTn id="118" presetID="10" presetClass="entr" presetSubtype="0" fill="hold" grpId="0" nodeType="withEffect">
+                                  <p:stCondLst>
+                                    <p:cond delay="0"/>
+                                  </p:stCondLst>
+                                  <p:childTnLst>
+                                    <p:set>
+                                      <p:cBhvr>
+                                        <p:cTn id="119" dur="1" fill="hold">
+                                          <p:stCondLst>
+                                            <p:cond delay="0"/>
+                                          </p:stCondLst>
+                                        </p:cTn>
+                                        <p:tgtEl>
+                                          <p:spTgt spid="25"/>
+                                        </p:tgtEl>
+                                        <p:attrNameLst>
+                                          <p:attrName>style.visibility</p:attrName>
+                                        </p:attrNameLst>
+                                      </p:cBhvr>
+                                      <p:to>
+                                        <p:strVal val="visible"/>
+                                      </p:to>
+                                    </p:set>
+                                    <p:animEffect transition="in" filter="fade">
+                                      <p:cBhvr>
+                                        <p:cTn id="120" dur="500"/>
                                         <p:tgtEl>
                                           <p:spTgt spid="25"/>
                                         </p:tgtEl>
@@ -23820,7 +28956,7 @@
                             </p:stCondLst>
                             <p:childTnLst>
                               <p:par>
-                                <p:cTn id="5" presetID="10" presetClass="entr" presetSubtype="0" fill="hold" grpId="0" nodeType="clickEffect">
+                                <p:cTn id="5" presetID="10" presetClass="entr" presetSubtype="0" fill="hold" nodeType="clickEffect">
                                   <p:stCondLst>
                                     <p:cond delay="0"/>
                                   </p:stCondLst>
@@ -23833,7 +28969,11 @@
                                           </p:stCondLst>
                                         </p:cTn>
                                         <p:tgtEl>
-                                          <p:spTgt spid="3"/>
+                                          <p:spTgt spid="2">
+                                            <p:txEl>
+                                              <p:pRg st="5" end="5"/>
+                                            </p:txEl>
+                                          </p:spTgt>
                                         </p:tgtEl>
                                         <p:attrNameLst>
                                           <p:attrName>style.visibility</p:attrName>
@@ -23847,7 +28987,11 @@
                                       <p:cBhvr>
                                         <p:cTn id="7" dur="500"/>
                                         <p:tgtEl>
-                                          <p:spTgt spid="3"/>
+                                          <p:spTgt spid="2">
+                                            <p:txEl>
+                                              <p:pRg st="5" end="5"/>
+                                            </p:txEl>
+                                          </p:spTgt>
                                         </p:tgtEl>
                                       </p:cBhvr>
                                     </p:animEffect>
@@ -23855,7 +28999,7 @@
                                 </p:cTn>
                               </p:par>
                               <p:par>
-                                <p:cTn id="8" presetID="10" presetClass="entr" presetSubtype="0" fill="hold" grpId="0" nodeType="withEffect">
+                                <p:cTn id="8" presetID="10" presetClass="entr" presetSubtype="0" fill="hold" nodeType="withEffect">
                                   <p:stCondLst>
                                     <p:cond delay="0"/>
                                   </p:stCondLst>
@@ -23868,7 +29012,11 @@
                                           </p:stCondLst>
                                         </p:cTn>
                                         <p:tgtEl>
-                                          <p:spTgt spid="4"/>
+                                          <p:spTgt spid="2">
+                                            <p:txEl>
+                                              <p:pRg st="6" end="6"/>
+                                            </p:txEl>
+                                          </p:spTgt>
                                         </p:tgtEl>
                                         <p:attrNameLst>
                                           <p:attrName>style.visibility</p:attrName>
@@ -23882,7 +29030,140 @@
                                       <p:cBhvr>
                                         <p:cTn id="10" dur="500"/>
                                         <p:tgtEl>
-                                          <p:spTgt spid="4"/>
+                                          <p:spTgt spid="2">
+                                            <p:txEl>
+                                              <p:pRg st="6" end="6"/>
+                                            </p:txEl>
+                                          </p:spTgt>
+                                        </p:tgtEl>
+                                      </p:cBhvr>
+                                    </p:animEffect>
+                                  </p:childTnLst>
+                                </p:cTn>
+                              </p:par>
+                              <p:par>
+                                <p:cTn id="11" presetID="10" presetClass="entr" presetSubtype="0" fill="hold" nodeType="withEffect">
+                                  <p:stCondLst>
+                                    <p:cond delay="0"/>
+                                  </p:stCondLst>
+                                  <p:childTnLst>
+                                    <p:set>
+                                      <p:cBhvr>
+                                        <p:cTn id="12" dur="1" fill="hold">
+                                          <p:stCondLst>
+                                            <p:cond delay="0"/>
+                                          </p:stCondLst>
+                                        </p:cTn>
+                                        <p:tgtEl>
+                                          <p:spTgt spid="2">
+                                            <p:txEl>
+                                              <p:pRg st="7" end="7"/>
+                                            </p:txEl>
+                                          </p:spTgt>
+                                        </p:tgtEl>
+                                        <p:attrNameLst>
+                                          <p:attrName>style.visibility</p:attrName>
+                                        </p:attrNameLst>
+                                      </p:cBhvr>
+                                      <p:to>
+                                        <p:strVal val="visible"/>
+                                      </p:to>
+                                    </p:set>
+                                    <p:animEffect transition="in" filter="fade">
+                                      <p:cBhvr>
+                                        <p:cTn id="13" dur="500"/>
+                                        <p:tgtEl>
+                                          <p:spTgt spid="2">
+                                            <p:txEl>
+                                              <p:pRg st="7" end="7"/>
+                                            </p:txEl>
+                                          </p:spTgt>
+                                        </p:tgtEl>
+                                      </p:cBhvr>
+                                    </p:animEffect>
+                                  </p:childTnLst>
+                                </p:cTn>
+                              </p:par>
+                              <p:par>
+                                <p:cTn id="14" presetID="10" presetClass="entr" presetSubtype="0" fill="hold" nodeType="withEffect">
+                                  <p:stCondLst>
+                                    <p:cond delay="0"/>
+                                  </p:stCondLst>
+                                  <p:childTnLst>
+                                    <p:set>
+                                      <p:cBhvr>
+                                        <p:cTn id="15" dur="1" fill="hold">
+                                          <p:stCondLst>
+                                            <p:cond delay="0"/>
+                                          </p:stCondLst>
+                                        </p:cTn>
+                                        <p:tgtEl>
+                                          <p:spTgt spid="2">
+                                            <p:txEl>
+                                              <p:pRg st="8" end="8"/>
+                                            </p:txEl>
+                                          </p:spTgt>
+                                        </p:tgtEl>
+                                        <p:attrNameLst>
+                                          <p:attrName>style.visibility</p:attrName>
+                                        </p:attrNameLst>
+                                      </p:cBhvr>
+                                      <p:to>
+                                        <p:strVal val="visible"/>
+                                      </p:to>
+                                    </p:set>
+                                    <p:animEffect transition="in" filter="fade">
+                                      <p:cBhvr>
+                                        <p:cTn id="16" dur="500"/>
+                                        <p:tgtEl>
+                                          <p:spTgt spid="2">
+                                            <p:txEl>
+                                              <p:pRg st="8" end="8"/>
+                                            </p:txEl>
+                                          </p:spTgt>
+                                        </p:tgtEl>
+                                      </p:cBhvr>
+                                    </p:animEffect>
+                                  </p:childTnLst>
+                                </p:cTn>
+                              </p:par>
+                              <p:par>
+                                <p:cTn id="17" presetID="10" presetClass="entr" presetSubtype="0" fill="hold" nodeType="withEffect">
+                                  <p:stCondLst>
+                                    <p:cond delay="0"/>
+                                  </p:stCondLst>
+                                  <p:childTnLst>
+                                    <p:set>
+                                      <p:cBhvr>
+                                        <p:cTn id="18" dur="1" fill="hold">
+                                          <p:stCondLst>
+                                            <p:cond delay="0"/>
+                                          </p:stCondLst>
+                                        </p:cTn>
+                                        <p:tgtEl>
+                                          <p:spTgt spid="2">
+                                            <p:txEl>
+                                              <p:pRg st="9" end="9"/>
+                                            </p:txEl>
+                                          </p:spTgt>
+                                        </p:tgtEl>
+                                        <p:attrNameLst>
+                                          <p:attrName>style.visibility</p:attrName>
+                                        </p:attrNameLst>
+                                      </p:cBhvr>
+                                      <p:to>
+                                        <p:strVal val="visible"/>
+                                      </p:to>
+                                    </p:set>
+                                    <p:animEffect transition="in" filter="fade">
+                                      <p:cBhvr>
+                                        <p:cTn id="19" dur="500"/>
+                                        <p:tgtEl>
+                                          <p:spTgt spid="2">
+                                            <p:txEl>
+                                              <p:pRg st="9" end="9"/>
+                                            </p:txEl>
+                                          </p:spTgt>
                                         </p:tgtEl>
                                       </p:cBhvr>
                                     </p:animEffect>
@@ -23896,32 +29177,32 @@
                     </p:cTn>
                   </p:par>
                   <p:par>
-                    <p:cTn id="11" fill="hold">
+                    <p:cTn id="20" fill="hold">
                       <p:stCondLst>
                         <p:cond delay="indefinite"/>
                       </p:stCondLst>
                       <p:childTnLst>
                         <p:par>
-                          <p:cTn id="12" fill="hold">
+                          <p:cTn id="21" fill="hold">
                             <p:stCondLst>
                               <p:cond delay="0"/>
                             </p:stCondLst>
                             <p:childTnLst>
                               <p:par>
-                                <p:cTn id="13" presetID="10" presetClass="entr" presetSubtype="0" fill="hold" grpId="0" nodeType="clickEffect">
+                                <p:cTn id="22" presetID="10" presetClass="entr" presetSubtype="0" fill="hold" grpId="0" nodeType="clickEffect">
                                   <p:stCondLst>
                                     <p:cond delay="0"/>
                                   </p:stCondLst>
                                   <p:childTnLst>
                                     <p:set>
                                       <p:cBhvr>
-                                        <p:cTn id="14" dur="1" fill="hold">
+                                        <p:cTn id="23" dur="1" fill="hold">
                                           <p:stCondLst>
                                             <p:cond delay="0"/>
                                           </p:stCondLst>
                                         </p:cTn>
                                         <p:tgtEl>
-                                          <p:spTgt spid="5"/>
+                                          <p:spTgt spid="3"/>
                                         </p:tgtEl>
                                         <p:attrNameLst>
                                           <p:attrName>style.visibility</p:attrName>
@@ -23933,9 +29214,9 @@
                                     </p:set>
                                     <p:animEffect transition="in" filter="fade">
                                       <p:cBhvr>
-                                        <p:cTn id="15" dur="500"/>
-                                        <p:tgtEl>
-                                          <p:spTgt spid="5"/>
+                                        <p:cTn id="24" dur="500"/>
+                                        <p:tgtEl>
+                                          <p:spTgt spid="3"/>
                                         </p:tgtEl>
                                       </p:cBhvr>
                                     </p:animEffect>
@@ -23943,20 +29224,20 @@
                                 </p:cTn>
                               </p:par>
                               <p:par>
-                                <p:cTn id="16" presetID="10" presetClass="entr" presetSubtype="0" fill="hold" grpId="0" nodeType="withEffect">
+                                <p:cTn id="25" presetID="10" presetClass="entr" presetSubtype="0" fill="hold" grpId="0" nodeType="withEffect">
                                   <p:stCondLst>
                                     <p:cond delay="0"/>
                                   </p:stCondLst>
                                   <p:childTnLst>
                                     <p:set>
                                       <p:cBhvr>
-                                        <p:cTn id="17" dur="1" fill="hold">
+                                        <p:cTn id="26" dur="1" fill="hold">
                                           <p:stCondLst>
                                             <p:cond delay="0"/>
                                           </p:stCondLst>
                                         </p:cTn>
                                         <p:tgtEl>
-                                          <p:spTgt spid="6"/>
+                                          <p:spTgt spid="4"/>
                                         </p:tgtEl>
                                         <p:attrNameLst>
                                           <p:attrName>style.visibility</p:attrName>
@@ -23968,9 +29249,9 @@
                                     </p:set>
                                     <p:animEffect transition="in" filter="fade">
                                       <p:cBhvr>
-                                        <p:cTn id="18" dur="500"/>
-                                        <p:tgtEl>
-                                          <p:spTgt spid="6"/>
+                                        <p:cTn id="27" dur="500"/>
+                                        <p:tgtEl>
+                                          <p:spTgt spid="4"/>
                                         </p:tgtEl>
                                       </p:cBhvr>
                                     </p:animEffect>
@@ -23984,32 +29265,32 @@
                     </p:cTn>
                   </p:par>
                   <p:par>
-                    <p:cTn id="19" fill="hold">
+                    <p:cTn id="28" fill="hold">
                       <p:stCondLst>
                         <p:cond delay="indefinite"/>
                       </p:stCondLst>
                       <p:childTnLst>
                         <p:par>
-                          <p:cTn id="20" fill="hold">
+                          <p:cTn id="29" fill="hold">
                             <p:stCondLst>
                               <p:cond delay="0"/>
                             </p:stCondLst>
                             <p:childTnLst>
                               <p:par>
-                                <p:cTn id="21" presetID="10" presetClass="entr" presetSubtype="0" fill="hold" nodeType="clickEffect">
+                                <p:cTn id="30" presetID="10" presetClass="entr" presetSubtype="0" fill="hold" grpId="0" nodeType="clickEffect">
                                   <p:stCondLst>
                                     <p:cond delay="0"/>
                                   </p:stCondLst>
                                   <p:childTnLst>
                                     <p:set>
                                       <p:cBhvr>
-                                        <p:cTn id="22" dur="1" fill="hold">
+                                        <p:cTn id="31" dur="1" fill="hold">
                                           <p:stCondLst>
                                             <p:cond delay="0"/>
                                           </p:stCondLst>
                                         </p:cTn>
                                         <p:tgtEl>
-                                          <p:spTgt spid="32"/>
+                                          <p:spTgt spid="5"/>
                                         </p:tgtEl>
                                         <p:attrNameLst>
                                           <p:attrName>style.visibility</p:attrName>
@@ -24021,9 +29302,9 @@
                                     </p:set>
                                     <p:animEffect transition="in" filter="fade">
                                       <p:cBhvr>
-                                        <p:cTn id="23" dur="500"/>
-                                        <p:tgtEl>
-                                          <p:spTgt spid="32"/>
+                                        <p:cTn id="32" dur="500"/>
+                                        <p:tgtEl>
+                                          <p:spTgt spid="5"/>
                                         </p:tgtEl>
                                       </p:cBhvr>
                                     </p:animEffect>
@@ -24031,20 +29312,20 @@
                                 </p:cTn>
                               </p:par>
                               <p:par>
-                                <p:cTn id="24" presetID="10" presetClass="entr" presetSubtype="0" fill="hold" nodeType="withEffect">
+                                <p:cTn id="33" presetID="10" presetClass="entr" presetSubtype="0" fill="hold" grpId="0" nodeType="withEffect">
                                   <p:stCondLst>
                                     <p:cond delay="0"/>
                                   </p:stCondLst>
                                   <p:childTnLst>
                                     <p:set>
                                       <p:cBhvr>
-                                        <p:cTn id="25" dur="1" fill="hold">
+                                        <p:cTn id="34" dur="1" fill="hold">
                                           <p:stCondLst>
                                             <p:cond delay="0"/>
                                           </p:stCondLst>
                                         </p:cTn>
                                         <p:tgtEl>
-                                          <p:spTgt spid="31"/>
+                                          <p:spTgt spid="6"/>
                                         </p:tgtEl>
                                         <p:attrNameLst>
                                           <p:attrName>style.visibility</p:attrName>
@@ -24056,9 +29337,950 @@
                                     </p:set>
                                     <p:animEffect transition="in" filter="fade">
                                       <p:cBhvr>
-                                        <p:cTn id="26" dur="500"/>
+                                        <p:cTn id="35" dur="500"/>
+                                        <p:tgtEl>
+                                          <p:spTgt spid="6"/>
+                                        </p:tgtEl>
+                                      </p:cBhvr>
+                                    </p:animEffect>
+                                  </p:childTnLst>
+                                </p:cTn>
+                              </p:par>
+                            </p:childTnLst>
+                          </p:cTn>
+                        </p:par>
+                      </p:childTnLst>
+                    </p:cTn>
+                  </p:par>
+                  <p:par>
+                    <p:cTn id="36" fill="hold">
+                      <p:stCondLst>
+                        <p:cond delay="indefinite"/>
+                      </p:stCondLst>
+                      <p:childTnLst>
+                        <p:par>
+                          <p:cTn id="37" fill="hold">
+                            <p:stCondLst>
+                              <p:cond delay="0"/>
+                            </p:stCondLst>
+                            <p:childTnLst>
+                              <p:par>
+                                <p:cTn id="38" presetID="10" presetClass="entr" presetSubtype="0" fill="hold" nodeType="clickEffect">
+                                  <p:stCondLst>
+                                    <p:cond delay="0"/>
+                                  </p:stCondLst>
+                                  <p:childTnLst>
+                                    <p:set>
+                                      <p:cBhvr>
+                                        <p:cTn id="39" dur="1" fill="hold">
+                                          <p:stCondLst>
+                                            <p:cond delay="0"/>
+                                          </p:stCondLst>
+                                        </p:cTn>
+                                        <p:tgtEl>
+                                          <p:spTgt spid="2">
+                                            <p:txEl>
+                                              <p:pRg st="11" end="11"/>
+                                            </p:txEl>
+                                          </p:spTgt>
+                                        </p:tgtEl>
+                                        <p:attrNameLst>
+                                          <p:attrName>style.visibility</p:attrName>
+                                        </p:attrNameLst>
+                                      </p:cBhvr>
+                                      <p:to>
+                                        <p:strVal val="visible"/>
+                                      </p:to>
+                                    </p:set>
+                                    <p:animEffect transition="in" filter="fade">
+                                      <p:cBhvr>
+                                        <p:cTn id="40" dur="500"/>
+                                        <p:tgtEl>
+                                          <p:spTgt spid="2">
+                                            <p:txEl>
+                                              <p:pRg st="11" end="11"/>
+                                            </p:txEl>
+                                          </p:spTgt>
+                                        </p:tgtEl>
+                                      </p:cBhvr>
+                                    </p:animEffect>
+                                  </p:childTnLst>
+                                </p:cTn>
+                              </p:par>
+                              <p:par>
+                                <p:cTn id="41" presetID="10" presetClass="entr" presetSubtype="0" fill="hold" nodeType="withEffect">
+                                  <p:stCondLst>
+                                    <p:cond delay="0"/>
+                                  </p:stCondLst>
+                                  <p:childTnLst>
+                                    <p:set>
+                                      <p:cBhvr>
+                                        <p:cTn id="42" dur="1" fill="hold">
+                                          <p:stCondLst>
+                                            <p:cond delay="0"/>
+                                          </p:stCondLst>
+                                        </p:cTn>
+                                        <p:tgtEl>
+                                          <p:spTgt spid="2">
+                                            <p:txEl>
+                                              <p:pRg st="12" end="12"/>
+                                            </p:txEl>
+                                          </p:spTgt>
+                                        </p:tgtEl>
+                                        <p:attrNameLst>
+                                          <p:attrName>style.visibility</p:attrName>
+                                        </p:attrNameLst>
+                                      </p:cBhvr>
+                                      <p:to>
+                                        <p:strVal val="visible"/>
+                                      </p:to>
+                                    </p:set>
+                                    <p:animEffect transition="in" filter="fade">
+                                      <p:cBhvr>
+                                        <p:cTn id="43" dur="500"/>
+                                        <p:tgtEl>
+                                          <p:spTgt spid="2">
+                                            <p:txEl>
+                                              <p:pRg st="12" end="12"/>
+                                            </p:txEl>
+                                          </p:spTgt>
+                                        </p:tgtEl>
+                                      </p:cBhvr>
+                                    </p:animEffect>
+                                  </p:childTnLst>
+                                </p:cTn>
+                              </p:par>
+                              <p:par>
+                                <p:cTn id="44" presetID="10" presetClass="entr" presetSubtype="0" fill="hold" nodeType="withEffect">
+                                  <p:stCondLst>
+                                    <p:cond delay="0"/>
+                                  </p:stCondLst>
+                                  <p:childTnLst>
+                                    <p:set>
+                                      <p:cBhvr>
+                                        <p:cTn id="45" dur="1" fill="hold">
+                                          <p:stCondLst>
+                                            <p:cond delay="0"/>
+                                          </p:stCondLst>
+                                        </p:cTn>
+                                        <p:tgtEl>
+                                          <p:spTgt spid="2">
+                                            <p:txEl>
+                                              <p:pRg st="13" end="13"/>
+                                            </p:txEl>
+                                          </p:spTgt>
+                                        </p:tgtEl>
+                                        <p:attrNameLst>
+                                          <p:attrName>style.visibility</p:attrName>
+                                        </p:attrNameLst>
+                                      </p:cBhvr>
+                                      <p:to>
+                                        <p:strVal val="visible"/>
+                                      </p:to>
+                                    </p:set>
+                                    <p:animEffect transition="in" filter="fade">
+                                      <p:cBhvr>
+                                        <p:cTn id="46" dur="500"/>
+                                        <p:tgtEl>
+                                          <p:spTgt spid="2">
+                                            <p:txEl>
+                                              <p:pRg st="13" end="13"/>
+                                            </p:txEl>
+                                          </p:spTgt>
+                                        </p:tgtEl>
+                                      </p:cBhvr>
+                                    </p:animEffect>
+                                  </p:childTnLst>
+                                </p:cTn>
+                              </p:par>
+                              <p:par>
+                                <p:cTn id="47" presetID="10" presetClass="entr" presetSubtype="0" fill="hold" nodeType="withEffect">
+                                  <p:stCondLst>
+                                    <p:cond delay="0"/>
+                                  </p:stCondLst>
+                                  <p:childTnLst>
+                                    <p:set>
+                                      <p:cBhvr>
+                                        <p:cTn id="48" dur="1" fill="hold">
+                                          <p:stCondLst>
+                                            <p:cond delay="0"/>
+                                          </p:stCondLst>
+                                        </p:cTn>
+                                        <p:tgtEl>
+                                          <p:spTgt spid="2">
+                                            <p:txEl>
+                                              <p:pRg st="14" end="14"/>
+                                            </p:txEl>
+                                          </p:spTgt>
+                                        </p:tgtEl>
+                                        <p:attrNameLst>
+                                          <p:attrName>style.visibility</p:attrName>
+                                        </p:attrNameLst>
+                                      </p:cBhvr>
+                                      <p:to>
+                                        <p:strVal val="visible"/>
+                                      </p:to>
+                                    </p:set>
+                                    <p:animEffect transition="in" filter="fade">
+                                      <p:cBhvr>
+                                        <p:cTn id="49" dur="500"/>
+                                        <p:tgtEl>
+                                          <p:spTgt spid="2">
+                                            <p:txEl>
+                                              <p:pRg st="14" end="14"/>
+                                            </p:txEl>
+                                          </p:spTgt>
+                                        </p:tgtEl>
+                                      </p:cBhvr>
+                                    </p:animEffect>
+                                  </p:childTnLst>
+                                </p:cTn>
+                              </p:par>
+                              <p:par>
+                                <p:cTn id="50" presetID="10" presetClass="entr" presetSubtype="0" fill="hold" nodeType="withEffect">
+                                  <p:stCondLst>
+                                    <p:cond delay="0"/>
+                                  </p:stCondLst>
+                                  <p:childTnLst>
+                                    <p:set>
+                                      <p:cBhvr>
+                                        <p:cTn id="51" dur="1" fill="hold">
+                                          <p:stCondLst>
+                                            <p:cond delay="0"/>
+                                          </p:stCondLst>
+                                        </p:cTn>
+                                        <p:tgtEl>
+                                          <p:spTgt spid="2">
+                                            <p:txEl>
+                                              <p:pRg st="15" end="15"/>
+                                            </p:txEl>
+                                          </p:spTgt>
+                                        </p:tgtEl>
+                                        <p:attrNameLst>
+                                          <p:attrName>style.visibility</p:attrName>
+                                        </p:attrNameLst>
+                                      </p:cBhvr>
+                                      <p:to>
+                                        <p:strVal val="visible"/>
+                                      </p:to>
+                                    </p:set>
+                                    <p:animEffect transition="in" filter="fade">
+                                      <p:cBhvr>
+                                        <p:cTn id="52" dur="500"/>
+                                        <p:tgtEl>
+                                          <p:spTgt spid="2">
+                                            <p:txEl>
+                                              <p:pRg st="15" end="15"/>
+                                            </p:txEl>
+                                          </p:spTgt>
+                                        </p:tgtEl>
+                                      </p:cBhvr>
+                                    </p:animEffect>
+                                  </p:childTnLst>
+                                </p:cTn>
+                              </p:par>
+                              <p:par>
+                                <p:cTn id="53" presetID="10" presetClass="entr" presetSubtype="0" fill="hold" nodeType="withEffect">
+                                  <p:stCondLst>
+                                    <p:cond delay="0"/>
+                                  </p:stCondLst>
+                                  <p:childTnLst>
+                                    <p:set>
+                                      <p:cBhvr>
+                                        <p:cTn id="54" dur="1" fill="hold">
+                                          <p:stCondLst>
+                                            <p:cond delay="0"/>
+                                          </p:stCondLst>
+                                        </p:cTn>
+                                        <p:tgtEl>
+                                          <p:spTgt spid="2">
+                                            <p:txEl>
+                                              <p:pRg st="16" end="16"/>
+                                            </p:txEl>
+                                          </p:spTgt>
+                                        </p:tgtEl>
+                                        <p:attrNameLst>
+                                          <p:attrName>style.visibility</p:attrName>
+                                        </p:attrNameLst>
+                                      </p:cBhvr>
+                                      <p:to>
+                                        <p:strVal val="visible"/>
+                                      </p:to>
+                                    </p:set>
+                                    <p:animEffect transition="in" filter="fade">
+                                      <p:cBhvr>
+                                        <p:cTn id="55" dur="500"/>
+                                        <p:tgtEl>
+                                          <p:spTgt spid="2">
+                                            <p:txEl>
+                                              <p:pRg st="16" end="16"/>
+                                            </p:txEl>
+                                          </p:spTgt>
+                                        </p:tgtEl>
+                                      </p:cBhvr>
+                                    </p:animEffect>
+                                  </p:childTnLst>
+                                </p:cTn>
+                              </p:par>
+                              <p:par>
+                                <p:cTn id="56" presetID="10" presetClass="entr" presetSubtype="0" fill="hold" nodeType="withEffect">
+                                  <p:stCondLst>
+                                    <p:cond delay="0"/>
+                                  </p:stCondLst>
+                                  <p:childTnLst>
+                                    <p:set>
+                                      <p:cBhvr>
+                                        <p:cTn id="57" dur="1" fill="hold">
+                                          <p:stCondLst>
+                                            <p:cond delay="0"/>
+                                          </p:stCondLst>
+                                        </p:cTn>
+                                        <p:tgtEl>
+                                          <p:spTgt spid="2">
+                                            <p:txEl>
+                                              <p:pRg st="17" end="17"/>
+                                            </p:txEl>
+                                          </p:spTgt>
+                                        </p:tgtEl>
+                                        <p:attrNameLst>
+                                          <p:attrName>style.visibility</p:attrName>
+                                        </p:attrNameLst>
+                                      </p:cBhvr>
+                                      <p:to>
+                                        <p:strVal val="visible"/>
+                                      </p:to>
+                                    </p:set>
+                                    <p:animEffect transition="in" filter="fade">
+                                      <p:cBhvr>
+                                        <p:cTn id="58" dur="500"/>
+                                        <p:tgtEl>
+                                          <p:spTgt spid="2">
+                                            <p:txEl>
+                                              <p:pRg st="17" end="17"/>
+                                            </p:txEl>
+                                          </p:spTgt>
+                                        </p:tgtEl>
+                                      </p:cBhvr>
+                                    </p:animEffect>
+                                  </p:childTnLst>
+                                </p:cTn>
+                              </p:par>
+                              <p:par>
+                                <p:cTn id="59" presetID="10" presetClass="entr" presetSubtype="0" fill="hold" nodeType="withEffect">
+                                  <p:stCondLst>
+                                    <p:cond delay="0"/>
+                                  </p:stCondLst>
+                                  <p:childTnLst>
+                                    <p:set>
+                                      <p:cBhvr>
+                                        <p:cTn id="60" dur="1" fill="hold">
+                                          <p:stCondLst>
+                                            <p:cond delay="0"/>
+                                          </p:stCondLst>
+                                        </p:cTn>
+                                        <p:tgtEl>
+                                          <p:spTgt spid="2">
+                                            <p:txEl>
+                                              <p:pRg st="18" end="18"/>
+                                            </p:txEl>
+                                          </p:spTgt>
+                                        </p:tgtEl>
+                                        <p:attrNameLst>
+                                          <p:attrName>style.visibility</p:attrName>
+                                        </p:attrNameLst>
+                                      </p:cBhvr>
+                                      <p:to>
+                                        <p:strVal val="visible"/>
+                                      </p:to>
+                                    </p:set>
+                                    <p:animEffect transition="in" filter="fade">
+                                      <p:cBhvr>
+                                        <p:cTn id="61" dur="500"/>
+                                        <p:tgtEl>
+                                          <p:spTgt spid="2">
+                                            <p:txEl>
+                                              <p:pRg st="18" end="18"/>
+                                            </p:txEl>
+                                          </p:spTgt>
+                                        </p:tgtEl>
+                                      </p:cBhvr>
+                                    </p:animEffect>
+                                  </p:childTnLst>
+                                </p:cTn>
+                              </p:par>
+                            </p:childTnLst>
+                          </p:cTn>
+                        </p:par>
+                      </p:childTnLst>
+                    </p:cTn>
+                  </p:par>
+                  <p:par>
+                    <p:cTn id="62" fill="hold">
+                      <p:stCondLst>
+                        <p:cond delay="indefinite"/>
+                      </p:stCondLst>
+                      <p:childTnLst>
+                        <p:par>
+                          <p:cTn id="63" fill="hold">
+                            <p:stCondLst>
+                              <p:cond delay="0"/>
+                            </p:stCondLst>
+                            <p:childTnLst>
+                              <p:par>
+                                <p:cTn id="64" presetID="10" presetClass="entr" presetSubtype="0" fill="hold" nodeType="clickEffect">
+                                  <p:stCondLst>
+                                    <p:cond delay="0"/>
+                                  </p:stCondLst>
+                                  <p:childTnLst>
+                                    <p:set>
+                                      <p:cBhvr>
+                                        <p:cTn id="65" dur="1" fill="hold">
+                                          <p:stCondLst>
+                                            <p:cond delay="0"/>
+                                          </p:stCondLst>
+                                        </p:cTn>
+                                        <p:tgtEl>
+                                          <p:spTgt spid="32"/>
+                                        </p:tgtEl>
+                                        <p:attrNameLst>
+                                          <p:attrName>style.visibility</p:attrName>
+                                        </p:attrNameLst>
+                                      </p:cBhvr>
+                                      <p:to>
+                                        <p:strVal val="visible"/>
+                                      </p:to>
+                                    </p:set>
+                                    <p:animEffect transition="in" filter="fade">
+                                      <p:cBhvr>
+                                        <p:cTn id="66" dur="500"/>
+                                        <p:tgtEl>
+                                          <p:spTgt spid="32"/>
+                                        </p:tgtEl>
+                                      </p:cBhvr>
+                                    </p:animEffect>
+                                  </p:childTnLst>
+                                </p:cTn>
+                              </p:par>
+                              <p:par>
+                                <p:cTn id="67" presetID="10" presetClass="entr" presetSubtype="0" fill="hold" nodeType="withEffect">
+                                  <p:stCondLst>
+                                    <p:cond delay="0"/>
+                                  </p:stCondLst>
+                                  <p:childTnLst>
+                                    <p:set>
+                                      <p:cBhvr>
+                                        <p:cTn id="68" dur="1" fill="hold">
+                                          <p:stCondLst>
+                                            <p:cond delay="0"/>
+                                          </p:stCondLst>
+                                        </p:cTn>
                                         <p:tgtEl>
                                           <p:spTgt spid="31"/>
+                                        </p:tgtEl>
+                                        <p:attrNameLst>
+                                          <p:attrName>style.visibility</p:attrName>
+                                        </p:attrNameLst>
+                                      </p:cBhvr>
+                                      <p:to>
+                                        <p:strVal val="visible"/>
+                                      </p:to>
+                                    </p:set>
+                                    <p:animEffect transition="in" filter="fade">
+                                      <p:cBhvr>
+                                        <p:cTn id="69" dur="500"/>
+                                        <p:tgtEl>
+                                          <p:spTgt spid="31"/>
+                                        </p:tgtEl>
+                                      </p:cBhvr>
+                                    </p:animEffect>
+                                  </p:childTnLst>
+                                </p:cTn>
+                              </p:par>
+                            </p:childTnLst>
+                          </p:cTn>
+                        </p:par>
+                      </p:childTnLst>
+                    </p:cTn>
+                  </p:par>
+                  <p:par>
+                    <p:cTn id="70" fill="hold">
+                      <p:stCondLst>
+                        <p:cond delay="indefinite"/>
+                      </p:stCondLst>
+                      <p:childTnLst>
+                        <p:par>
+                          <p:cTn id="71" fill="hold">
+                            <p:stCondLst>
+                              <p:cond delay="0"/>
+                            </p:stCondLst>
+                            <p:childTnLst>
+                              <p:par>
+                                <p:cTn id="72" presetID="10" presetClass="entr" presetSubtype="0" fill="hold" nodeType="clickEffect">
+                                  <p:stCondLst>
+                                    <p:cond delay="0"/>
+                                  </p:stCondLst>
+                                  <p:childTnLst>
+                                    <p:set>
+                                      <p:cBhvr>
+                                        <p:cTn id="73" dur="1" fill="hold">
+                                          <p:stCondLst>
+                                            <p:cond delay="0"/>
+                                          </p:stCondLst>
+                                        </p:cTn>
+                                        <p:tgtEl>
+                                          <p:spTgt spid="2">
+                                            <p:txEl>
+                                              <p:pRg st="20" end="20"/>
+                                            </p:txEl>
+                                          </p:spTgt>
+                                        </p:tgtEl>
+                                        <p:attrNameLst>
+                                          <p:attrName>style.visibility</p:attrName>
+                                        </p:attrNameLst>
+                                      </p:cBhvr>
+                                      <p:to>
+                                        <p:strVal val="visible"/>
+                                      </p:to>
+                                    </p:set>
+                                    <p:animEffect transition="in" filter="fade">
+                                      <p:cBhvr>
+                                        <p:cTn id="74" dur="500"/>
+                                        <p:tgtEl>
+                                          <p:spTgt spid="2">
+                                            <p:txEl>
+                                              <p:pRg st="20" end="20"/>
+                                            </p:txEl>
+                                          </p:spTgt>
+                                        </p:tgtEl>
+                                      </p:cBhvr>
+                                    </p:animEffect>
+                                  </p:childTnLst>
+                                </p:cTn>
+                              </p:par>
+                              <p:par>
+                                <p:cTn id="75" presetID="10" presetClass="entr" presetSubtype="0" fill="hold" nodeType="withEffect">
+                                  <p:stCondLst>
+                                    <p:cond delay="0"/>
+                                  </p:stCondLst>
+                                  <p:childTnLst>
+                                    <p:set>
+                                      <p:cBhvr>
+                                        <p:cTn id="76" dur="1" fill="hold">
+                                          <p:stCondLst>
+                                            <p:cond delay="0"/>
+                                          </p:stCondLst>
+                                        </p:cTn>
+                                        <p:tgtEl>
+                                          <p:spTgt spid="2">
+                                            <p:txEl>
+                                              <p:pRg st="21" end="21"/>
+                                            </p:txEl>
+                                          </p:spTgt>
+                                        </p:tgtEl>
+                                        <p:attrNameLst>
+                                          <p:attrName>style.visibility</p:attrName>
+                                        </p:attrNameLst>
+                                      </p:cBhvr>
+                                      <p:to>
+                                        <p:strVal val="visible"/>
+                                      </p:to>
+                                    </p:set>
+                                    <p:animEffect transition="in" filter="fade">
+                                      <p:cBhvr>
+                                        <p:cTn id="77" dur="500"/>
+                                        <p:tgtEl>
+                                          <p:spTgt spid="2">
+                                            <p:txEl>
+                                              <p:pRg st="21" end="21"/>
+                                            </p:txEl>
+                                          </p:spTgt>
+                                        </p:tgtEl>
+                                      </p:cBhvr>
+                                    </p:animEffect>
+                                  </p:childTnLst>
+                                </p:cTn>
+                              </p:par>
+                              <p:par>
+                                <p:cTn id="78" presetID="10" presetClass="entr" presetSubtype="0" fill="hold" nodeType="withEffect">
+                                  <p:stCondLst>
+                                    <p:cond delay="0"/>
+                                  </p:stCondLst>
+                                  <p:childTnLst>
+                                    <p:set>
+                                      <p:cBhvr>
+                                        <p:cTn id="79" dur="1" fill="hold">
+                                          <p:stCondLst>
+                                            <p:cond delay="0"/>
+                                          </p:stCondLst>
+                                        </p:cTn>
+                                        <p:tgtEl>
+                                          <p:spTgt spid="2">
+                                            <p:txEl>
+                                              <p:pRg st="22" end="22"/>
+                                            </p:txEl>
+                                          </p:spTgt>
+                                        </p:tgtEl>
+                                        <p:attrNameLst>
+                                          <p:attrName>style.visibility</p:attrName>
+                                        </p:attrNameLst>
+                                      </p:cBhvr>
+                                      <p:to>
+                                        <p:strVal val="visible"/>
+                                      </p:to>
+                                    </p:set>
+                                    <p:animEffect transition="in" filter="fade">
+                                      <p:cBhvr>
+                                        <p:cTn id="80" dur="500"/>
+                                        <p:tgtEl>
+                                          <p:spTgt spid="2">
+                                            <p:txEl>
+                                              <p:pRg st="22" end="22"/>
+                                            </p:txEl>
+                                          </p:spTgt>
+                                        </p:tgtEl>
+                                      </p:cBhvr>
+                                    </p:animEffect>
+                                  </p:childTnLst>
+                                </p:cTn>
+                              </p:par>
+                              <p:par>
+                                <p:cTn id="81" presetID="10" presetClass="entr" presetSubtype="0" fill="hold" nodeType="withEffect">
+                                  <p:stCondLst>
+                                    <p:cond delay="0"/>
+                                  </p:stCondLst>
+                                  <p:childTnLst>
+                                    <p:set>
+                                      <p:cBhvr>
+                                        <p:cTn id="82" dur="1" fill="hold">
+                                          <p:stCondLst>
+                                            <p:cond delay="0"/>
+                                          </p:stCondLst>
+                                        </p:cTn>
+                                        <p:tgtEl>
+                                          <p:spTgt spid="2">
+                                            <p:txEl>
+                                              <p:pRg st="23" end="23"/>
+                                            </p:txEl>
+                                          </p:spTgt>
+                                        </p:tgtEl>
+                                        <p:attrNameLst>
+                                          <p:attrName>style.visibility</p:attrName>
+                                        </p:attrNameLst>
+                                      </p:cBhvr>
+                                      <p:to>
+                                        <p:strVal val="visible"/>
+                                      </p:to>
+                                    </p:set>
+                                    <p:animEffect transition="in" filter="fade">
+                                      <p:cBhvr>
+                                        <p:cTn id="83" dur="500"/>
+                                        <p:tgtEl>
+                                          <p:spTgt spid="2">
+                                            <p:txEl>
+                                              <p:pRg st="23" end="23"/>
+                                            </p:txEl>
+                                          </p:spTgt>
+                                        </p:tgtEl>
+                                      </p:cBhvr>
+                                    </p:animEffect>
+                                  </p:childTnLst>
+                                </p:cTn>
+                              </p:par>
+                              <p:par>
+                                <p:cTn id="84" presetID="10" presetClass="entr" presetSubtype="0" fill="hold" nodeType="withEffect">
+                                  <p:stCondLst>
+                                    <p:cond delay="0"/>
+                                  </p:stCondLst>
+                                  <p:childTnLst>
+                                    <p:set>
+                                      <p:cBhvr>
+                                        <p:cTn id="85" dur="1" fill="hold">
+                                          <p:stCondLst>
+                                            <p:cond delay="0"/>
+                                          </p:stCondLst>
+                                        </p:cTn>
+                                        <p:tgtEl>
+                                          <p:spTgt spid="2">
+                                            <p:txEl>
+                                              <p:pRg st="24" end="24"/>
+                                            </p:txEl>
+                                          </p:spTgt>
+                                        </p:tgtEl>
+                                        <p:attrNameLst>
+                                          <p:attrName>style.visibility</p:attrName>
+                                        </p:attrNameLst>
+                                      </p:cBhvr>
+                                      <p:to>
+                                        <p:strVal val="visible"/>
+                                      </p:to>
+                                    </p:set>
+                                    <p:animEffect transition="in" filter="fade">
+                                      <p:cBhvr>
+                                        <p:cTn id="86" dur="500"/>
+                                        <p:tgtEl>
+                                          <p:spTgt spid="2">
+                                            <p:txEl>
+                                              <p:pRg st="24" end="24"/>
+                                            </p:txEl>
+                                          </p:spTgt>
+                                        </p:tgtEl>
+                                      </p:cBhvr>
+                                    </p:animEffect>
+                                  </p:childTnLst>
+                                </p:cTn>
+                              </p:par>
+                              <p:par>
+                                <p:cTn id="87" presetID="10" presetClass="entr" presetSubtype="0" fill="hold" nodeType="withEffect">
+                                  <p:stCondLst>
+                                    <p:cond delay="0"/>
+                                  </p:stCondLst>
+                                  <p:childTnLst>
+                                    <p:set>
+                                      <p:cBhvr>
+                                        <p:cTn id="88" dur="1" fill="hold">
+                                          <p:stCondLst>
+                                            <p:cond delay="0"/>
+                                          </p:stCondLst>
+                                        </p:cTn>
+                                        <p:tgtEl>
+                                          <p:spTgt spid="2">
+                                            <p:txEl>
+                                              <p:pRg st="25" end="25"/>
+                                            </p:txEl>
+                                          </p:spTgt>
+                                        </p:tgtEl>
+                                        <p:attrNameLst>
+                                          <p:attrName>style.visibility</p:attrName>
+                                        </p:attrNameLst>
+                                      </p:cBhvr>
+                                      <p:to>
+                                        <p:strVal val="visible"/>
+                                      </p:to>
+                                    </p:set>
+                                    <p:animEffect transition="in" filter="fade">
+                                      <p:cBhvr>
+                                        <p:cTn id="89" dur="500"/>
+                                        <p:tgtEl>
+                                          <p:spTgt spid="2">
+                                            <p:txEl>
+                                              <p:pRg st="25" end="25"/>
+                                            </p:txEl>
+                                          </p:spTgt>
+                                        </p:tgtEl>
+                                      </p:cBhvr>
+                                    </p:animEffect>
+                                  </p:childTnLst>
+                                </p:cTn>
+                              </p:par>
+                              <p:par>
+                                <p:cTn id="90" presetID="10" presetClass="entr" presetSubtype="0" fill="hold" nodeType="withEffect">
+                                  <p:stCondLst>
+                                    <p:cond delay="0"/>
+                                  </p:stCondLst>
+                                  <p:childTnLst>
+                                    <p:set>
+                                      <p:cBhvr>
+                                        <p:cTn id="91" dur="1" fill="hold">
+                                          <p:stCondLst>
+                                            <p:cond delay="0"/>
+                                          </p:stCondLst>
+                                        </p:cTn>
+                                        <p:tgtEl>
+                                          <p:spTgt spid="2">
+                                            <p:txEl>
+                                              <p:pRg st="26" end="26"/>
+                                            </p:txEl>
+                                          </p:spTgt>
+                                        </p:tgtEl>
+                                        <p:attrNameLst>
+                                          <p:attrName>style.visibility</p:attrName>
+                                        </p:attrNameLst>
+                                      </p:cBhvr>
+                                      <p:to>
+                                        <p:strVal val="visible"/>
+                                      </p:to>
+                                    </p:set>
+                                    <p:animEffect transition="in" filter="fade">
+                                      <p:cBhvr>
+                                        <p:cTn id="92" dur="500"/>
+                                        <p:tgtEl>
+                                          <p:spTgt spid="2">
+                                            <p:txEl>
+                                              <p:pRg st="26" end="26"/>
+                                            </p:txEl>
+                                          </p:spTgt>
+                                        </p:tgtEl>
+                                      </p:cBhvr>
+                                    </p:animEffect>
+                                  </p:childTnLst>
+                                </p:cTn>
+                              </p:par>
+                              <p:par>
+                                <p:cTn id="93" presetID="10" presetClass="entr" presetSubtype="0" fill="hold" nodeType="withEffect">
+                                  <p:stCondLst>
+                                    <p:cond delay="0"/>
+                                  </p:stCondLst>
+                                  <p:childTnLst>
+                                    <p:set>
+                                      <p:cBhvr>
+                                        <p:cTn id="94" dur="1" fill="hold">
+                                          <p:stCondLst>
+                                            <p:cond delay="0"/>
+                                          </p:stCondLst>
+                                        </p:cTn>
+                                        <p:tgtEl>
+                                          <p:spTgt spid="2">
+                                            <p:txEl>
+                                              <p:pRg st="27" end="27"/>
+                                            </p:txEl>
+                                          </p:spTgt>
+                                        </p:tgtEl>
+                                        <p:attrNameLst>
+                                          <p:attrName>style.visibility</p:attrName>
+                                        </p:attrNameLst>
+                                      </p:cBhvr>
+                                      <p:to>
+                                        <p:strVal val="visible"/>
+                                      </p:to>
+                                    </p:set>
+                                    <p:animEffect transition="in" filter="fade">
+                                      <p:cBhvr>
+                                        <p:cTn id="95" dur="500"/>
+                                        <p:tgtEl>
+                                          <p:spTgt spid="2">
+                                            <p:txEl>
+                                              <p:pRg st="27" end="27"/>
+                                            </p:txEl>
+                                          </p:spTgt>
+                                        </p:tgtEl>
+                                      </p:cBhvr>
+                                    </p:animEffect>
+                                  </p:childTnLst>
+                                </p:cTn>
+                              </p:par>
+                              <p:par>
+                                <p:cTn id="96" presetID="10" presetClass="entr" presetSubtype="0" fill="hold" nodeType="withEffect">
+                                  <p:stCondLst>
+                                    <p:cond delay="0"/>
+                                  </p:stCondLst>
+                                  <p:childTnLst>
+                                    <p:set>
+                                      <p:cBhvr>
+                                        <p:cTn id="97" dur="1" fill="hold">
+                                          <p:stCondLst>
+                                            <p:cond delay="0"/>
+                                          </p:stCondLst>
+                                        </p:cTn>
+                                        <p:tgtEl>
+                                          <p:spTgt spid="2">
+                                            <p:txEl>
+                                              <p:pRg st="28" end="28"/>
+                                            </p:txEl>
+                                          </p:spTgt>
+                                        </p:tgtEl>
+                                        <p:attrNameLst>
+                                          <p:attrName>style.visibility</p:attrName>
+                                        </p:attrNameLst>
+                                      </p:cBhvr>
+                                      <p:to>
+                                        <p:strVal val="visible"/>
+                                      </p:to>
+                                    </p:set>
+                                    <p:animEffect transition="in" filter="fade">
+                                      <p:cBhvr>
+                                        <p:cTn id="98" dur="500"/>
+                                        <p:tgtEl>
+                                          <p:spTgt spid="2">
+                                            <p:txEl>
+                                              <p:pRg st="28" end="28"/>
+                                            </p:txEl>
+                                          </p:spTgt>
+                                        </p:tgtEl>
+                                      </p:cBhvr>
+                                    </p:animEffect>
+                                  </p:childTnLst>
+                                </p:cTn>
+                              </p:par>
+                              <p:par>
+                                <p:cTn id="99" presetID="10" presetClass="entr" presetSubtype="0" fill="hold" nodeType="withEffect">
+                                  <p:stCondLst>
+                                    <p:cond delay="0"/>
+                                  </p:stCondLst>
+                                  <p:childTnLst>
+                                    <p:set>
+                                      <p:cBhvr>
+                                        <p:cTn id="100" dur="1" fill="hold">
+                                          <p:stCondLst>
+                                            <p:cond delay="0"/>
+                                          </p:stCondLst>
+                                        </p:cTn>
+                                        <p:tgtEl>
+                                          <p:spTgt spid="2">
+                                            <p:txEl>
+                                              <p:pRg st="29" end="29"/>
+                                            </p:txEl>
+                                          </p:spTgt>
+                                        </p:tgtEl>
+                                        <p:attrNameLst>
+                                          <p:attrName>style.visibility</p:attrName>
+                                        </p:attrNameLst>
+                                      </p:cBhvr>
+                                      <p:to>
+                                        <p:strVal val="visible"/>
+                                      </p:to>
+                                    </p:set>
+                                    <p:animEffect transition="in" filter="fade">
+                                      <p:cBhvr>
+                                        <p:cTn id="101" dur="500"/>
+                                        <p:tgtEl>
+                                          <p:spTgt spid="2">
+                                            <p:txEl>
+                                              <p:pRg st="29" end="29"/>
+                                            </p:txEl>
+                                          </p:spTgt>
+                                        </p:tgtEl>
+                                      </p:cBhvr>
+                                    </p:animEffect>
+                                  </p:childTnLst>
+                                </p:cTn>
+                              </p:par>
+                              <p:par>
+                                <p:cTn id="102" presetID="10" presetClass="entr" presetSubtype="0" fill="hold" nodeType="withEffect">
+                                  <p:stCondLst>
+                                    <p:cond delay="0"/>
+                                  </p:stCondLst>
+                                  <p:childTnLst>
+                                    <p:set>
+                                      <p:cBhvr>
+                                        <p:cTn id="103" dur="1" fill="hold">
+                                          <p:stCondLst>
+                                            <p:cond delay="0"/>
+                                          </p:stCondLst>
+                                        </p:cTn>
+                                        <p:tgtEl>
+                                          <p:spTgt spid="2">
+                                            <p:txEl>
+                                              <p:pRg st="30" end="30"/>
+                                            </p:txEl>
+                                          </p:spTgt>
+                                        </p:tgtEl>
+                                        <p:attrNameLst>
+                                          <p:attrName>style.visibility</p:attrName>
+                                        </p:attrNameLst>
+                                      </p:cBhvr>
+                                      <p:to>
+                                        <p:strVal val="visible"/>
+                                      </p:to>
+                                    </p:set>
+                                    <p:animEffect transition="in" filter="fade">
+                                      <p:cBhvr>
+                                        <p:cTn id="104" dur="500"/>
+                                        <p:tgtEl>
+                                          <p:spTgt spid="2">
+                                            <p:txEl>
+                                              <p:pRg st="30" end="30"/>
+                                            </p:txEl>
+                                          </p:spTgt>
                                         </p:tgtEl>
                                       </p:cBhvr>
                                     </p:animEffect>
@@ -26397,11 +32619,11 @@
               <a:t>Команды предоставляют возможность своей </a:t>
             </a:r>
             <a:r>
-              <a:rPr lang="ru-RU" dirty="0" err="1"/>
+              <a:rPr lang="ru-RU" dirty="0" err="1" smtClean="0"/>
               <a:t>сериализации</a:t>
             </a:r>
             <a:r>
-              <a:rPr lang="ru-RU" dirty="0"/>
+              <a:rPr lang="ru-RU" smtClean="0"/>
               <a:t> и </a:t>
             </a:r>
             <a:r>
@@ -27242,9 +33464,574 @@
   <p:timing>
     <p:tnLst>
       <p:par>
-        <p:cTn id="1" dur="indefinite" restart="never" nodeType="tmRoot"/>
+        <p:cTn id="1" dur="indefinite" restart="never" nodeType="tmRoot">
+          <p:childTnLst>
+            <p:seq concurrent="1" nextAc="seek">
+              <p:cTn id="2" dur="indefinite" nodeType="mainSeq">
+                <p:childTnLst>
+                  <p:par>
+                    <p:cTn id="3" fill="hold">
+                      <p:stCondLst>
+                        <p:cond delay="indefinite"/>
+                      </p:stCondLst>
+                      <p:childTnLst>
+                        <p:par>
+                          <p:cTn id="4" fill="hold">
+                            <p:stCondLst>
+                              <p:cond delay="0"/>
+                            </p:stCondLst>
+                            <p:childTnLst>
+                              <p:par>
+                                <p:cTn id="5" presetID="10" presetClass="entr" presetSubtype="0" fill="hold" grpId="0" nodeType="clickEffect">
+                                  <p:stCondLst>
+                                    <p:cond delay="0"/>
+                                  </p:stCondLst>
+                                  <p:childTnLst>
+                                    <p:set>
+                                      <p:cBhvr>
+                                        <p:cTn id="6" dur="1" fill="hold">
+                                          <p:stCondLst>
+                                            <p:cond delay="0"/>
+                                          </p:stCondLst>
+                                        </p:cTn>
+                                        <p:tgtEl>
+                                          <p:spTgt spid="9"/>
+                                        </p:tgtEl>
+                                        <p:attrNameLst>
+                                          <p:attrName>style.visibility</p:attrName>
+                                        </p:attrNameLst>
+                                      </p:cBhvr>
+                                      <p:to>
+                                        <p:strVal val="visible"/>
+                                      </p:to>
+                                    </p:set>
+                                    <p:animEffect transition="in" filter="fade">
+                                      <p:cBhvr>
+                                        <p:cTn id="7" dur="500"/>
+                                        <p:tgtEl>
+                                          <p:spTgt spid="9"/>
+                                        </p:tgtEl>
+                                      </p:cBhvr>
+                                    </p:animEffect>
+                                  </p:childTnLst>
+                                </p:cTn>
+                              </p:par>
+                              <p:par>
+                                <p:cTn id="8" presetID="10" presetClass="entr" presetSubtype="0" fill="hold" grpId="0" nodeType="withEffect">
+                                  <p:stCondLst>
+                                    <p:cond delay="0"/>
+                                  </p:stCondLst>
+                                  <p:childTnLst>
+                                    <p:set>
+                                      <p:cBhvr>
+                                        <p:cTn id="9" dur="1" fill="hold">
+                                          <p:stCondLst>
+                                            <p:cond delay="0"/>
+                                          </p:stCondLst>
+                                        </p:cTn>
+                                        <p:tgtEl>
+                                          <p:spTgt spid="20"/>
+                                        </p:tgtEl>
+                                        <p:attrNameLst>
+                                          <p:attrName>style.visibility</p:attrName>
+                                        </p:attrNameLst>
+                                      </p:cBhvr>
+                                      <p:to>
+                                        <p:strVal val="visible"/>
+                                      </p:to>
+                                    </p:set>
+                                    <p:animEffect transition="in" filter="fade">
+                                      <p:cBhvr>
+                                        <p:cTn id="10" dur="500"/>
+                                        <p:tgtEl>
+                                          <p:spTgt spid="20"/>
+                                        </p:tgtEl>
+                                      </p:cBhvr>
+                                    </p:animEffect>
+                                  </p:childTnLst>
+                                </p:cTn>
+                              </p:par>
+                            </p:childTnLst>
+                          </p:cTn>
+                        </p:par>
+                      </p:childTnLst>
+                    </p:cTn>
+                  </p:par>
+                  <p:par>
+                    <p:cTn id="11" fill="hold">
+                      <p:stCondLst>
+                        <p:cond delay="indefinite"/>
+                      </p:stCondLst>
+                      <p:childTnLst>
+                        <p:par>
+                          <p:cTn id="12" fill="hold">
+                            <p:stCondLst>
+                              <p:cond delay="0"/>
+                            </p:stCondLst>
+                            <p:childTnLst>
+                              <p:par>
+                                <p:cTn id="13" presetID="10" presetClass="entr" presetSubtype="0" fill="hold" grpId="0" nodeType="clickEffect">
+                                  <p:stCondLst>
+                                    <p:cond delay="0"/>
+                                  </p:stCondLst>
+                                  <p:childTnLst>
+                                    <p:set>
+                                      <p:cBhvr>
+                                        <p:cTn id="14" dur="1" fill="hold">
+                                          <p:stCondLst>
+                                            <p:cond delay="0"/>
+                                          </p:stCondLst>
+                                        </p:cTn>
+                                        <p:tgtEl>
+                                          <p:spTgt spid="18"/>
+                                        </p:tgtEl>
+                                        <p:attrNameLst>
+                                          <p:attrName>style.visibility</p:attrName>
+                                        </p:attrNameLst>
+                                      </p:cBhvr>
+                                      <p:to>
+                                        <p:strVal val="visible"/>
+                                      </p:to>
+                                    </p:set>
+                                    <p:animEffect transition="in" filter="fade">
+                                      <p:cBhvr>
+                                        <p:cTn id="15" dur="500"/>
+                                        <p:tgtEl>
+                                          <p:spTgt spid="18"/>
+                                        </p:tgtEl>
+                                      </p:cBhvr>
+                                    </p:animEffect>
+                                  </p:childTnLst>
+                                </p:cTn>
+                              </p:par>
+                              <p:par>
+                                <p:cTn id="16" presetID="10" presetClass="entr" presetSubtype="0" fill="hold" grpId="0" nodeType="withEffect">
+                                  <p:stCondLst>
+                                    <p:cond delay="0"/>
+                                  </p:stCondLst>
+                                  <p:childTnLst>
+                                    <p:set>
+                                      <p:cBhvr>
+                                        <p:cTn id="17" dur="1" fill="hold">
+                                          <p:stCondLst>
+                                            <p:cond delay="0"/>
+                                          </p:stCondLst>
+                                        </p:cTn>
+                                        <p:tgtEl>
+                                          <p:spTgt spid="12"/>
+                                        </p:tgtEl>
+                                        <p:attrNameLst>
+                                          <p:attrName>style.visibility</p:attrName>
+                                        </p:attrNameLst>
+                                      </p:cBhvr>
+                                      <p:to>
+                                        <p:strVal val="visible"/>
+                                      </p:to>
+                                    </p:set>
+                                    <p:animEffect transition="in" filter="fade">
+                                      <p:cBhvr>
+                                        <p:cTn id="18" dur="500"/>
+                                        <p:tgtEl>
+                                          <p:spTgt spid="12"/>
+                                        </p:tgtEl>
+                                      </p:cBhvr>
+                                    </p:animEffect>
+                                  </p:childTnLst>
+                                </p:cTn>
+                              </p:par>
+                            </p:childTnLst>
+                          </p:cTn>
+                        </p:par>
+                      </p:childTnLst>
+                    </p:cTn>
+                  </p:par>
+                  <p:par>
+                    <p:cTn id="19" fill="hold">
+                      <p:stCondLst>
+                        <p:cond delay="indefinite"/>
+                      </p:stCondLst>
+                      <p:childTnLst>
+                        <p:par>
+                          <p:cTn id="20" fill="hold">
+                            <p:stCondLst>
+                              <p:cond delay="0"/>
+                            </p:stCondLst>
+                            <p:childTnLst>
+                              <p:par>
+                                <p:cTn id="21" presetID="10" presetClass="entr" presetSubtype="0" fill="hold" grpId="0" nodeType="clickEffect">
+                                  <p:stCondLst>
+                                    <p:cond delay="0"/>
+                                  </p:stCondLst>
+                                  <p:childTnLst>
+                                    <p:set>
+                                      <p:cBhvr>
+                                        <p:cTn id="22" dur="1" fill="hold">
+                                          <p:stCondLst>
+                                            <p:cond delay="0"/>
+                                          </p:stCondLst>
+                                        </p:cTn>
+                                        <p:tgtEl>
+                                          <p:spTgt spid="11"/>
+                                        </p:tgtEl>
+                                        <p:attrNameLst>
+                                          <p:attrName>style.visibility</p:attrName>
+                                        </p:attrNameLst>
+                                      </p:cBhvr>
+                                      <p:to>
+                                        <p:strVal val="visible"/>
+                                      </p:to>
+                                    </p:set>
+                                    <p:animEffect transition="in" filter="fade">
+                                      <p:cBhvr>
+                                        <p:cTn id="23" dur="500"/>
+                                        <p:tgtEl>
+                                          <p:spTgt spid="11"/>
+                                        </p:tgtEl>
+                                      </p:cBhvr>
+                                    </p:animEffect>
+                                  </p:childTnLst>
+                                </p:cTn>
+                              </p:par>
+                              <p:par>
+                                <p:cTn id="24" presetID="10" presetClass="entr" presetSubtype="0" fill="hold" grpId="0" nodeType="withEffect">
+                                  <p:stCondLst>
+                                    <p:cond delay="0"/>
+                                  </p:stCondLst>
+                                  <p:childTnLst>
+                                    <p:set>
+                                      <p:cBhvr>
+                                        <p:cTn id="25" dur="1" fill="hold">
+                                          <p:stCondLst>
+                                            <p:cond delay="0"/>
+                                          </p:stCondLst>
+                                        </p:cTn>
+                                        <p:tgtEl>
+                                          <p:spTgt spid="17"/>
+                                        </p:tgtEl>
+                                        <p:attrNameLst>
+                                          <p:attrName>style.visibility</p:attrName>
+                                        </p:attrNameLst>
+                                      </p:cBhvr>
+                                      <p:to>
+                                        <p:strVal val="visible"/>
+                                      </p:to>
+                                    </p:set>
+                                    <p:animEffect transition="in" filter="fade">
+                                      <p:cBhvr>
+                                        <p:cTn id="26" dur="500"/>
+                                        <p:tgtEl>
+                                          <p:spTgt spid="17"/>
+                                        </p:tgtEl>
+                                      </p:cBhvr>
+                                    </p:animEffect>
+                                  </p:childTnLst>
+                                </p:cTn>
+                              </p:par>
+                            </p:childTnLst>
+                          </p:cTn>
+                        </p:par>
+                      </p:childTnLst>
+                    </p:cTn>
+                  </p:par>
+                  <p:par>
+                    <p:cTn id="27" fill="hold">
+                      <p:stCondLst>
+                        <p:cond delay="indefinite"/>
+                      </p:stCondLst>
+                      <p:childTnLst>
+                        <p:par>
+                          <p:cTn id="28" fill="hold">
+                            <p:stCondLst>
+                              <p:cond delay="0"/>
+                            </p:stCondLst>
+                            <p:childTnLst>
+                              <p:par>
+                                <p:cTn id="29" presetID="10" presetClass="entr" presetSubtype="0" fill="hold" grpId="0" nodeType="clickEffect">
+                                  <p:stCondLst>
+                                    <p:cond delay="0"/>
+                                  </p:stCondLst>
+                                  <p:childTnLst>
+                                    <p:set>
+                                      <p:cBhvr>
+                                        <p:cTn id="30" dur="1" fill="hold">
+                                          <p:stCondLst>
+                                            <p:cond delay="0"/>
+                                          </p:stCondLst>
+                                        </p:cTn>
+                                        <p:tgtEl>
+                                          <p:spTgt spid="19"/>
+                                        </p:tgtEl>
+                                        <p:attrNameLst>
+                                          <p:attrName>style.visibility</p:attrName>
+                                        </p:attrNameLst>
+                                      </p:cBhvr>
+                                      <p:to>
+                                        <p:strVal val="visible"/>
+                                      </p:to>
+                                    </p:set>
+                                    <p:animEffect transition="in" filter="fade">
+                                      <p:cBhvr>
+                                        <p:cTn id="31" dur="500"/>
+                                        <p:tgtEl>
+                                          <p:spTgt spid="19"/>
+                                        </p:tgtEl>
+                                      </p:cBhvr>
+                                    </p:animEffect>
+                                  </p:childTnLst>
+                                </p:cTn>
+                              </p:par>
+                              <p:par>
+                                <p:cTn id="32" presetID="10" presetClass="entr" presetSubtype="0" fill="hold" grpId="0" nodeType="withEffect">
+                                  <p:stCondLst>
+                                    <p:cond delay="0"/>
+                                  </p:stCondLst>
+                                  <p:childTnLst>
+                                    <p:set>
+                                      <p:cBhvr>
+                                        <p:cTn id="33" dur="1" fill="hold">
+                                          <p:stCondLst>
+                                            <p:cond delay="0"/>
+                                          </p:stCondLst>
+                                        </p:cTn>
+                                        <p:tgtEl>
+                                          <p:spTgt spid="13"/>
+                                        </p:tgtEl>
+                                        <p:attrNameLst>
+                                          <p:attrName>style.visibility</p:attrName>
+                                        </p:attrNameLst>
+                                      </p:cBhvr>
+                                      <p:to>
+                                        <p:strVal val="visible"/>
+                                      </p:to>
+                                    </p:set>
+                                    <p:animEffect transition="in" filter="fade">
+                                      <p:cBhvr>
+                                        <p:cTn id="34" dur="500"/>
+                                        <p:tgtEl>
+                                          <p:spTgt spid="13"/>
+                                        </p:tgtEl>
+                                      </p:cBhvr>
+                                    </p:animEffect>
+                                  </p:childTnLst>
+                                </p:cTn>
+                              </p:par>
+                            </p:childTnLst>
+                          </p:cTn>
+                        </p:par>
+                      </p:childTnLst>
+                    </p:cTn>
+                  </p:par>
+                  <p:par>
+                    <p:cTn id="35" fill="hold">
+                      <p:stCondLst>
+                        <p:cond delay="indefinite"/>
+                      </p:stCondLst>
+                      <p:childTnLst>
+                        <p:par>
+                          <p:cTn id="36" fill="hold">
+                            <p:stCondLst>
+                              <p:cond delay="0"/>
+                            </p:stCondLst>
+                            <p:childTnLst>
+                              <p:par>
+                                <p:cTn id="37" presetID="10" presetClass="entr" presetSubtype="0" fill="hold" grpId="0" nodeType="clickEffect">
+                                  <p:stCondLst>
+                                    <p:cond delay="0"/>
+                                  </p:stCondLst>
+                                  <p:childTnLst>
+                                    <p:set>
+                                      <p:cBhvr>
+                                        <p:cTn id="38" dur="1" fill="hold">
+                                          <p:stCondLst>
+                                            <p:cond delay="0"/>
+                                          </p:stCondLst>
+                                        </p:cTn>
+                                        <p:tgtEl>
+                                          <p:spTgt spid="8"/>
+                                        </p:tgtEl>
+                                        <p:attrNameLst>
+                                          <p:attrName>style.visibility</p:attrName>
+                                        </p:attrNameLst>
+                                      </p:cBhvr>
+                                      <p:to>
+                                        <p:strVal val="visible"/>
+                                      </p:to>
+                                    </p:set>
+                                    <p:animEffect transition="in" filter="fade">
+                                      <p:cBhvr>
+                                        <p:cTn id="39" dur="500"/>
+                                        <p:tgtEl>
+                                          <p:spTgt spid="8"/>
+                                        </p:tgtEl>
+                                      </p:cBhvr>
+                                    </p:animEffect>
+                                  </p:childTnLst>
+                                </p:cTn>
+                              </p:par>
+                              <p:par>
+                                <p:cTn id="40" presetID="10" presetClass="entr" presetSubtype="0" fill="hold" grpId="0" nodeType="withEffect">
+                                  <p:stCondLst>
+                                    <p:cond delay="0"/>
+                                  </p:stCondLst>
+                                  <p:childTnLst>
+                                    <p:set>
+                                      <p:cBhvr>
+                                        <p:cTn id="41" dur="1" fill="hold">
+                                          <p:stCondLst>
+                                            <p:cond delay="0"/>
+                                          </p:stCondLst>
+                                        </p:cTn>
+                                        <p:tgtEl>
+                                          <p:spTgt spid="21"/>
+                                        </p:tgtEl>
+                                        <p:attrNameLst>
+                                          <p:attrName>style.visibility</p:attrName>
+                                        </p:attrNameLst>
+                                      </p:cBhvr>
+                                      <p:to>
+                                        <p:strVal val="visible"/>
+                                      </p:to>
+                                    </p:set>
+                                    <p:animEffect transition="in" filter="fade">
+                                      <p:cBhvr>
+                                        <p:cTn id="42" dur="500"/>
+                                        <p:tgtEl>
+                                          <p:spTgt spid="21"/>
+                                        </p:tgtEl>
+                                      </p:cBhvr>
+                                    </p:animEffect>
+                                  </p:childTnLst>
+                                </p:cTn>
+                              </p:par>
+                            </p:childTnLst>
+                          </p:cTn>
+                        </p:par>
+                      </p:childTnLst>
+                    </p:cTn>
+                  </p:par>
+                  <p:par>
+                    <p:cTn id="43" fill="hold">
+                      <p:stCondLst>
+                        <p:cond delay="indefinite"/>
+                      </p:stCondLst>
+                      <p:childTnLst>
+                        <p:par>
+                          <p:cTn id="44" fill="hold">
+                            <p:stCondLst>
+                              <p:cond delay="0"/>
+                            </p:stCondLst>
+                            <p:childTnLst>
+                              <p:par>
+                                <p:cTn id="45" presetID="10" presetClass="entr" presetSubtype="0" fill="hold" grpId="0" nodeType="clickEffect">
+                                  <p:stCondLst>
+                                    <p:cond delay="0"/>
+                                  </p:stCondLst>
+                                  <p:childTnLst>
+                                    <p:set>
+                                      <p:cBhvr>
+                                        <p:cTn id="46" dur="1" fill="hold">
+                                          <p:stCondLst>
+                                            <p:cond delay="0"/>
+                                          </p:stCondLst>
+                                        </p:cTn>
+                                        <p:tgtEl>
+                                          <p:spTgt spid="7"/>
+                                        </p:tgtEl>
+                                        <p:attrNameLst>
+                                          <p:attrName>style.visibility</p:attrName>
+                                        </p:attrNameLst>
+                                      </p:cBhvr>
+                                      <p:to>
+                                        <p:strVal val="visible"/>
+                                      </p:to>
+                                    </p:set>
+                                    <p:animEffect transition="in" filter="fade">
+                                      <p:cBhvr>
+                                        <p:cTn id="47" dur="500"/>
+                                        <p:tgtEl>
+                                          <p:spTgt spid="7"/>
+                                        </p:tgtEl>
+                                      </p:cBhvr>
+                                    </p:animEffect>
+                                  </p:childTnLst>
+                                </p:cTn>
+                              </p:par>
+                              <p:par>
+                                <p:cTn id="48" presetID="10" presetClass="entr" presetSubtype="0" fill="hold" grpId="0" nodeType="withEffect">
+                                  <p:stCondLst>
+                                    <p:cond delay="0"/>
+                                  </p:stCondLst>
+                                  <p:childTnLst>
+                                    <p:set>
+                                      <p:cBhvr>
+                                        <p:cTn id="49" dur="1" fill="hold">
+                                          <p:stCondLst>
+                                            <p:cond delay="0"/>
+                                          </p:stCondLst>
+                                        </p:cTn>
+                                        <p:tgtEl>
+                                          <p:spTgt spid="16"/>
+                                        </p:tgtEl>
+                                        <p:attrNameLst>
+                                          <p:attrName>style.visibility</p:attrName>
+                                        </p:attrNameLst>
+                                      </p:cBhvr>
+                                      <p:to>
+                                        <p:strVal val="visible"/>
+                                      </p:to>
+                                    </p:set>
+                                    <p:animEffect transition="in" filter="fade">
+                                      <p:cBhvr>
+                                        <p:cTn id="50" dur="500"/>
+                                        <p:tgtEl>
+                                          <p:spTgt spid="16"/>
+                                        </p:tgtEl>
+                                      </p:cBhvr>
+                                    </p:animEffect>
+                                  </p:childTnLst>
+                                </p:cTn>
+                              </p:par>
+                            </p:childTnLst>
+                          </p:cTn>
+                        </p:par>
+                      </p:childTnLst>
+                    </p:cTn>
+                  </p:par>
+                </p:childTnLst>
+              </p:cTn>
+              <p:prevCondLst>
+                <p:cond evt="onPrev" delay="0">
+                  <p:tgtEl>
+                    <p:sldTgt/>
+                  </p:tgtEl>
+                </p:cond>
+              </p:prevCondLst>
+              <p:nextCondLst>
+                <p:cond evt="onNext" delay="0">
+                  <p:tgtEl>
+                    <p:sldTgt/>
+                  </p:tgtEl>
+                </p:cond>
+              </p:nextCondLst>
+            </p:seq>
+          </p:childTnLst>
+        </p:cTn>
       </p:par>
     </p:tnLst>
+    <p:bldLst>
+      <p:bldP spid="7" grpId="0"/>
+      <p:bldP spid="8" grpId="0"/>
+      <p:bldP spid="9" grpId="0"/>
+      <p:bldP spid="11" grpId="0"/>
+      <p:bldP spid="12" grpId="0"/>
+      <p:bldP spid="13" grpId="0"/>
+      <p:bldP spid="16" grpId="0" animBg="1"/>
+      <p:bldP spid="17" grpId="0" animBg="1"/>
+      <p:bldP spid="18" grpId="0" animBg="1"/>
+      <p:bldP spid="19" grpId="0" animBg="1"/>
+      <p:bldP spid="20" grpId="0" animBg="1"/>
+      <p:bldP spid="21" grpId="0" animBg="1"/>
+    </p:bldLst>
   </p:timing>
 </p:sld>
 </file>
@@ -27421,7 +34208,7 @@
     <p:controls>
       <mc:AlternateContent xmlns:mc="http://schemas.openxmlformats.org/markup-compatibility/2006">
         <mc:Choice xmlns:v="urn:schemas-microsoft-com:vml" Requires="v">
-          <p:control spid="1042" name="ShockwaveFlash1" r:id="rId2" imgW="1828800" imgH="1828800"/>
+          <p:control spid="1044" name="ShockwaveFlash1" r:id="rId2" imgW="1828800" imgH="1828800"/>
         </mc:Choice>
         <mc:Fallback>
           <p:control name="ShockwaveFlash1" r:id="rId2" imgW="1828800" imgH="1828800">
@@ -27534,7 +34321,11 @@
           <a:p>
             <a:r>
               <a:rPr lang="ru-RU" dirty="0"/>
-              <a:t>Играет роль Получателя</a:t>
+              <a:t>Играет роль </a:t>
+            </a:r>
+            <a:r>
+              <a:rPr lang="ru-RU" b="1" dirty="0"/>
+              <a:t>Получателя</a:t>
             </a:r>
           </a:p>
           <a:p>
@@ -28631,7 +35422,11 @@
           <a:p>
             <a:r>
               <a:rPr lang="ru-RU" dirty="0"/>
-              <a:t>Играет роль Инициатора</a:t>
+              <a:t>Играет роль </a:t>
+            </a:r>
+            <a:r>
+              <a:rPr lang="ru-RU" b="1" dirty="0"/>
+              <a:t>Инициатора</a:t>
             </a:r>
           </a:p>
           <a:p>

--- a/lectures/06.command/command.pptx
+++ b/lectures/06.command/command.pptx
@@ -13517,11 +13517,7 @@
             </a:r>
             <a:r>
               <a:rPr lang="ru-RU" dirty="0" smtClean="0"/>
-              <a:t>«</a:t>
-            </a:r>
-            <a:r>
-              <a:rPr lang="ru-RU" dirty="0" smtClean="0"/>
-              <a:t>распознавания речи», </a:t>
+              <a:t>«распознавания речи», </a:t>
             </a:r>
             <a:r>
               <a:rPr lang="ru-RU" dirty="0"/>
@@ -34208,7 +34204,7 @@
     <p:controls>
       <mc:AlternateContent xmlns:mc="http://schemas.openxmlformats.org/markup-compatibility/2006">
         <mc:Choice xmlns:v="urn:schemas-microsoft-com:vml" Requires="v">
-          <p:control spid="1044" name="ShockwaveFlash1" r:id="rId2" imgW="1828800" imgH="1828800"/>
+          <p:control spid="1046" name="ShockwaveFlash1" r:id="rId2" imgW="1828800" imgH="1828800"/>
         </mc:Choice>
         <mc:Fallback>
           <p:control name="ShockwaveFlash1" r:id="rId2" imgW="1828800" imgH="1828800">

--- a/lectures/06.command/command.pptx
+++ b/lectures/06.command/command.pptx
@@ -5,7 +5,7 @@
     <p:sldMasterId id="2147483672" r:id="rId1"/>
   </p:sldMasterIdLst>
   <p:notesMasterIdLst>
-    <p:notesMasterId r:id="rId31"/>
+    <p:notesMasterId r:id="rId33"/>
   </p:notesMasterIdLst>
   <p:sldIdLst>
     <p:sldId id="256" r:id="rId2"/>
@@ -35,13 +35,15 @@
     <p:sldId id="280" r:id="rId26"/>
     <p:sldId id="282" r:id="rId27"/>
     <p:sldId id="281" r:id="rId28"/>
-    <p:sldId id="284" r:id="rId29"/>
-    <p:sldId id="283" r:id="rId30"/>
+    <p:sldId id="285" r:id="rId29"/>
+    <p:sldId id="286" r:id="rId30"/>
+    <p:sldId id="284" r:id="rId31"/>
+    <p:sldId id="283" r:id="rId32"/>
   </p:sldIdLst>
   <p:sldSz cx="9144000" cy="6858000" type="screen4x3"/>
   <p:notesSz cx="6858000" cy="9144000"/>
   <p:custDataLst>
-    <p:tags r:id="rId32"/>
+    <p:tags r:id="rId34"/>
   </p:custDataLst>
   <p:defaultTextStyle>
     <a:defPPr>
@@ -243,7 +245,7 @@
           <a:p>
             <a:fld id="{2F3DCB6D-0B48-4A3D-B663-06C3F903A9D3}" type="datetimeFigureOut">
               <a:rPr lang="ru-RU" smtClean="0"/>
-              <a:t>01.03.2018</a:t>
+              <a:t>04.10.2018</a:t>
             </a:fld>
             <a:endParaRPr lang="ru-RU"/>
           </a:p>
@@ -1008,7 +1010,7 @@
           <a:p>
             <a:fld id="{2590F9C9-AB92-4E86-B698-DEC9BF4350FF}" type="datetimeFigureOut">
               <a:rPr lang="ru-RU" smtClean="0"/>
-              <a:t>01.03.2018</a:t>
+              <a:t>04.10.2018</a:t>
             </a:fld>
             <a:endParaRPr lang="ru-RU"/>
           </a:p>
@@ -1232,7 +1234,7 @@
           <a:p>
             <a:fld id="{2590F9C9-AB92-4E86-B698-DEC9BF4350FF}" type="datetimeFigureOut">
               <a:rPr lang="ru-RU" smtClean="0"/>
-              <a:t>01.03.2018</a:t>
+              <a:t>04.10.2018</a:t>
             </a:fld>
             <a:endParaRPr lang="ru-RU"/>
           </a:p>
@@ -1504,7 +1506,7 @@
           <a:p>
             <a:fld id="{2590F9C9-AB92-4E86-B698-DEC9BF4350FF}" type="datetimeFigureOut">
               <a:rPr lang="ru-RU" smtClean="0"/>
-              <a:t>01.03.2018</a:t>
+              <a:t>04.10.2018</a:t>
             </a:fld>
             <a:endParaRPr lang="ru-RU"/>
           </a:p>
@@ -1679,7 +1681,7 @@
           <a:p>
             <a:fld id="{2590F9C9-AB92-4E86-B698-DEC9BF4350FF}" type="datetimeFigureOut">
               <a:rPr lang="ru-RU" smtClean="0"/>
-              <a:t>01.03.2018</a:t>
+              <a:t>04.10.2018</a:t>
             </a:fld>
             <a:endParaRPr lang="ru-RU"/>
           </a:p>
@@ -2040,7 +2042,7 @@
           <a:p>
             <a:fld id="{2590F9C9-AB92-4E86-B698-DEC9BF4350FF}" type="datetimeFigureOut">
               <a:rPr lang="ru-RU" smtClean="0"/>
-              <a:t>01.03.2018</a:t>
+              <a:t>04.10.2018</a:t>
             </a:fld>
             <a:endParaRPr lang="ru-RU"/>
           </a:p>
@@ -2332,7 +2334,7 @@
           <a:p>
             <a:fld id="{2590F9C9-AB92-4E86-B698-DEC9BF4350FF}" type="datetimeFigureOut">
               <a:rPr lang="ru-RU" smtClean="0"/>
-              <a:t>01.03.2018</a:t>
+              <a:t>04.10.2018</a:t>
             </a:fld>
             <a:endParaRPr lang="ru-RU"/>
           </a:p>
@@ -2761,7 +2763,7 @@
           <a:p>
             <a:fld id="{2590F9C9-AB92-4E86-B698-DEC9BF4350FF}" type="datetimeFigureOut">
               <a:rPr lang="ru-RU" smtClean="0"/>
-              <a:t>01.03.2018</a:t>
+              <a:t>04.10.2018</a:t>
             </a:fld>
             <a:endParaRPr lang="ru-RU"/>
           </a:p>
@@ -2874,7 +2876,7 @@
           <a:p>
             <a:fld id="{2590F9C9-AB92-4E86-B698-DEC9BF4350FF}" type="datetimeFigureOut">
               <a:rPr lang="ru-RU" smtClean="0"/>
-              <a:t>01.03.2018</a:t>
+              <a:t>04.10.2018</a:t>
             </a:fld>
             <a:endParaRPr lang="ru-RU"/>
           </a:p>
@@ -2971,7 +2973,7 @@
           <a:p>
             <a:fld id="{2590F9C9-AB92-4E86-B698-DEC9BF4350FF}" type="datetimeFigureOut">
               <a:rPr lang="ru-RU" smtClean="0"/>
-              <a:t>01.03.2018</a:t>
+              <a:t>04.10.2018</a:t>
             </a:fld>
             <a:endParaRPr lang="ru-RU"/>
           </a:p>
@@ -3256,7 +3258,7 @@
           <a:p>
             <a:fld id="{2590F9C9-AB92-4E86-B698-DEC9BF4350FF}" type="datetimeFigureOut">
               <a:rPr lang="ru-RU" smtClean="0"/>
-              <a:t>01.03.2018</a:t>
+              <a:t>04.10.2018</a:t>
             </a:fld>
             <a:endParaRPr lang="ru-RU"/>
           </a:p>
@@ -3618,7 +3620,7 @@
           <a:p>
             <a:fld id="{2590F9C9-AB92-4E86-B698-DEC9BF4350FF}" type="datetimeFigureOut">
               <a:rPr lang="ru-RU" smtClean="0"/>
-              <a:t>01.03.2018</a:t>
+              <a:t>04.10.2018</a:t>
             </a:fld>
             <a:endParaRPr lang="ru-RU"/>
           </a:p>
@@ -4043,7 +4045,7 @@
           <a:p>
             <a:fld id="{2590F9C9-AB92-4E86-B698-DEC9BF4350FF}" type="datetimeFigureOut">
               <a:rPr lang="ru-RU" smtClean="0"/>
-              <a:t>01.03.2018</a:t>
+              <a:t>04.10.2018</a:t>
             </a:fld>
             <a:endParaRPr lang="ru-RU"/>
           </a:p>
@@ -32365,7 +32367,7 @@
       </p:grpSpPr>
       <p:pic>
         <p:nvPicPr>
-          <p:cNvPr id="7" name="Рисунок 6"/>
+          <p:cNvPr id="3" name="Picture 2"/>
           <p:cNvPicPr>
             <a:picLocks noChangeAspect="1"/>
           </p:cNvPicPr>
@@ -32379,8 +32381,8 @@
         </p:blipFill>
         <p:spPr>
           <a:xfrm>
-            <a:off x="283471" y="47733"/>
-            <a:ext cx="8577057" cy="6762534"/>
+            <a:off x="323528" y="168293"/>
+            <a:ext cx="8496944" cy="6521414"/>
           </a:xfrm>
           <a:prstGeom prst="rect">
             <a:avLst/>
@@ -32424,89 +32426,34 @@
           <a:chExt cx="0" cy="0"/>
         </a:xfrm>
       </p:grpSpPr>
-      <p:sp>
-        <p:nvSpPr>
-          <p:cNvPr id="2" name="Заголовок 1"/>
-          <p:cNvSpPr>
-            <a:spLocks noGrp="1"/>
-          </p:cNvSpPr>
-          <p:nvPr>
-            <p:ph type="title"/>
-          </p:nvPr>
-        </p:nvSpPr>
-        <p:spPr/>
-        <p:txBody>
-          <a:bodyPr>
-            <a:normAutofit/>
-          </a:bodyPr>
-          <a:lstStyle/>
-          <a:p>
-            <a:r>
-              <a:rPr lang="ru-RU" dirty="0"/>
-              <a:t>Интеллектуальность команд</a:t>
-            </a:r>
-          </a:p>
-        </p:txBody>
-      </p:sp>
-      <p:sp>
-        <p:nvSpPr>
-          <p:cNvPr id="3" name="Объект 2"/>
-          <p:cNvSpPr>
-            <a:spLocks noGrp="1"/>
-          </p:cNvSpPr>
-          <p:nvPr>
-            <p:ph idx="1"/>
-          </p:nvPr>
-        </p:nvSpPr>
-        <p:spPr/>
-        <p:txBody>
-          <a:bodyPr>
-            <a:normAutofit lnSpcReduction="10000"/>
-          </a:bodyPr>
-          <a:lstStyle/>
-          <a:p>
-            <a:r>
-              <a:rPr lang="ru-RU" dirty="0"/>
-              <a:t>Крайности, которых следует избегать</a:t>
-            </a:r>
-          </a:p>
-          <a:p>
-            <a:pPr lvl="1"/>
-            <a:r>
-              <a:rPr lang="ru-RU" dirty="0"/>
-              <a:t>Команда просто является посредником между Получателем и действиями, необходимыми для выполнения запроса</a:t>
-            </a:r>
-          </a:p>
-          <a:p>
-            <a:pPr lvl="1"/>
-            <a:r>
-              <a:rPr lang="ru-RU" dirty="0"/>
-              <a:t>Команда всё реализует самостоятельно, не обращаясь к Получателю</a:t>
-            </a:r>
-          </a:p>
-          <a:p>
-            <a:r>
-              <a:rPr lang="ru-RU" dirty="0"/>
-              <a:t>Получатель – единственный объект, знающий как выполнять операции</a:t>
-            </a:r>
-          </a:p>
-          <a:p>
-            <a:pPr lvl="1"/>
-            <a:r>
-              <a:rPr lang="ru-RU" smtClean="0"/>
-              <a:t>Назначение команды </a:t>
-            </a:r>
-            <a:r>
-              <a:rPr lang="ru-RU" dirty="0"/>
-              <a:t>– помочь клиентам делегировать свои запросы Получателю</a:t>
-            </a:r>
-          </a:p>
-        </p:txBody>
-      </p:sp>
+      <p:pic>
+        <p:nvPicPr>
+          <p:cNvPr id="2" name="Picture 1"/>
+          <p:cNvPicPr>
+            <a:picLocks noChangeAspect="1"/>
+          </p:cNvPicPr>
+          <p:nvPr/>
+        </p:nvPicPr>
+        <p:blipFill>
+          <a:blip r:embed="rId2"/>
+          <a:stretch>
+            <a:fillRect/>
+          </a:stretch>
+        </p:blipFill>
+        <p:spPr>
+          <a:xfrm>
+            <a:off x="251520" y="1052736"/>
+            <a:ext cx="8713181" cy="4608512"/>
+          </a:xfrm>
+          <a:prstGeom prst="rect">
+            <a:avLst/>
+          </a:prstGeom>
+        </p:spPr>
+      </p:pic>
     </p:spTree>
     <p:extLst>
       <p:ext uri="{BB962C8B-B14F-4D97-AF65-F5344CB8AC3E}">
-        <p14:creationId xmlns:p14="http://schemas.microsoft.com/office/powerpoint/2010/main" val="3142935812"/>
+        <p14:creationId xmlns:p14="http://schemas.microsoft.com/office/powerpoint/2010/main" val="693801829"/>
       </p:ext>
     </p:extLst>
   </p:cSld>
@@ -32542,105 +32489,1288 @@
       </p:grpSpPr>
       <p:sp>
         <p:nvSpPr>
-          <p:cNvPr id="2" name="Заголовок 1"/>
-          <p:cNvSpPr>
-            <a:spLocks noGrp="1"/>
-          </p:cNvSpPr>
-          <p:nvPr>
-            <p:ph type="title"/>
-          </p:nvPr>
+          <p:cNvPr id="2" name="Rectangle 1"/>
+          <p:cNvSpPr/>
+          <p:nvPr/>
         </p:nvSpPr>
-        <p:spPr/>
+        <p:spPr>
+          <a:xfrm>
+            <a:off x="0" y="0"/>
+            <a:ext cx="9144000" cy="6524863"/>
+          </a:xfrm>
+          <a:prstGeom prst="rect">
+            <a:avLst/>
+          </a:prstGeom>
+        </p:spPr>
         <p:txBody>
-          <a:bodyPr>
-            <a:normAutofit fontScale="90000"/>
+          <a:bodyPr wrap="square">
+            <a:spAutoFit/>
           </a:bodyPr>
           <a:lstStyle/>
           <a:p>
-            <a:r>
-              <a:rPr lang="ru-RU" dirty="0"/>
-              <a:t>Прочие области применения паттерна</a:t>
-            </a:r>
-          </a:p>
-        </p:txBody>
-      </p:sp>
-      <p:sp>
-        <p:nvSpPr>
-          <p:cNvPr id="3" name="Объект 2"/>
-          <p:cNvSpPr>
-            <a:spLocks noGrp="1"/>
-          </p:cNvSpPr>
-          <p:nvPr>
-            <p:ph idx="1"/>
-          </p:nvPr>
-        </p:nvSpPr>
-        <p:spPr/>
-        <p:txBody>
-          <a:bodyPr/>
-          <a:lstStyle/>
-          <a:p>
-            <a:r>
-              <a:rPr lang="ru-RU" dirty="0"/>
-              <a:t>Асинхронный вызов методов</a:t>
-            </a:r>
-          </a:p>
-          <a:p>
-            <a:pPr lvl="1"/>
-            <a:r>
-              <a:rPr lang="ru-RU" dirty="0"/>
-              <a:t>Команда помещается в очередь в одном потоке</a:t>
-            </a:r>
-          </a:p>
-          <a:p>
-            <a:pPr lvl="1"/>
-            <a:r>
-              <a:rPr lang="ru-RU" dirty="0"/>
-              <a:t>Исполняется в другом</a:t>
-            </a:r>
-          </a:p>
-          <a:p>
-            <a:r>
-              <a:rPr lang="ru-RU" dirty="0" err="1"/>
-              <a:t>Журналирование</a:t>
-            </a:r>
-            <a:r>
-              <a:rPr lang="ru-RU" dirty="0"/>
-              <a:t> операций</a:t>
-            </a:r>
-          </a:p>
-          <a:p>
-            <a:pPr lvl="1"/>
-            <a:r>
-              <a:rPr lang="ru-RU" dirty="0"/>
-              <a:t>Команды предоставляют возможность своей </a:t>
-            </a:r>
-            <a:r>
-              <a:rPr lang="ru-RU" dirty="0" err="1" smtClean="0"/>
-              <a:t>сериализации</a:t>
-            </a:r>
-            <a:r>
-              <a:rPr lang="ru-RU" smtClean="0"/>
-              <a:t> и </a:t>
-            </a:r>
-            <a:r>
-              <a:rPr lang="ru-RU" dirty="0" err="1"/>
-              <a:t>десериализации</a:t>
-            </a:r>
-            <a:endParaRPr lang="ru-RU" dirty="0"/>
-          </a:p>
-          <a:p>
-            <a:pPr lvl="1"/>
-            <a:r>
-              <a:rPr lang="ru-RU" dirty="0"/>
-              <a:t>Восстановление после сбоя</a:t>
-            </a:r>
+            <a:pPr>
+              <a:spcAft>
+                <a:spcPts val="0"/>
+              </a:spcAft>
+            </a:pPr>
+            <a:r>
+              <a:rPr lang="en-US" sz="2200" dirty="0">
+                <a:solidFill>
+                  <a:srgbClr val="0000FF"/>
+                </a:solidFill>
+                <a:latin typeface="Consolas" panose="020B0609020204030204" pitchFamily="49" charset="0"/>
+                <a:ea typeface="Calibri" panose="020F0502020204030204" pitchFamily="34" charset="0"/>
+                <a:cs typeface="Consolas" panose="020B0609020204030204" pitchFamily="49" charset="0"/>
+              </a:rPr>
+              <a:t>bool</a:t>
+            </a:r>
+            <a:r>
+              <a:rPr lang="en-US" sz="2200" dirty="0">
+                <a:solidFill>
+                  <a:srgbClr val="000000"/>
+                </a:solidFill>
+                <a:latin typeface="Consolas" panose="020B0609020204030204" pitchFamily="49" charset="0"/>
+                <a:ea typeface="Calibri" panose="020F0502020204030204" pitchFamily="34" charset="0"/>
+                <a:cs typeface="Consolas" panose="020B0609020204030204" pitchFamily="49" charset="0"/>
+              </a:rPr>
+              <a:t> </a:t>
+            </a:r>
+            <a:r>
+              <a:rPr lang="en-US" sz="2200" dirty="0" err="1">
+                <a:solidFill>
+                  <a:srgbClr val="0000FF"/>
+                </a:solidFill>
+                <a:latin typeface="Consolas" panose="020B0609020204030204" pitchFamily="49" charset="0"/>
+                <a:ea typeface="Calibri" panose="020F0502020204030204" pitchFamily="34" charset="0"/>
+                <a:cs typeface="Consolas" panose="020B0609020204030204" pitchFamily="49" charset="0"/>
+              </a:rPr>
+              <a:t>CompoundEdit</a:t>
+            </a:r>
+            <a:r>
+              <a:rPr lang="en-US" sz="2200" dirty="0">
+                <a:solidFill>
+                  <a:srgbClr val="000000"/>
+                </a:solidFill>
+                <a:latin typeface="Consolas" panose="020B0609020204030204" pitchFamily="49" charset="0"/>
+                <a:ea typeface="Calibri" panose="020F0502020204030204" pitchFamily="34" charset="0"/>
+                <a:cs typeface="Consolas" panose="020B0609020204030204" pitchFamily="49" charset="0"/>
+              </a:rPr>
+              <a:t>::</a:t>
+            </a:r>
+            <a:r>
+              <a:rPr lang="en-US" sz="2200" dirty="0" err="1">
+                <a:solidFill>
+                  <a:srgbClr val="880000"/>
+                </a:solidFill>
+                <a:latin typeface="Consolas" panose="020B0609020204030204" pitchFamily="49" charset="0"/>
+                <a:ea typeface="Calibri" panose="020F0502020204030204" pitchFamily="34" charset="0"/>
+                <a:cs typeface="Consolas" panose="020B0609020204030204" pitchFamily="49" charset="0"/>
+              </a:rPr>
+              <a:t>AddEdit</a:t>
+            </a:r>
+            <a:r>
+              <a:rPr lang="en-US" sz="2200" dirty="0">
+                <a:solidFill>
+                  <a:srgbClr val="000000"/>
+                </a:solidFill>
+                <a:latin typeface="Consolas" panose="020B0609020204030204" pitchFamily="49" charset="0"/>
+                <a:ea typeface="Calibri" panose="020F0502020204030204" pitchFamily="34" charset="0"/>
+                <a:cs typeface="Consolas" panose="020B0609020204030204" pitchFamily="49" charset="0"/>
+              </a:rPr>
+              <a:t>(</a:t>
+            </a:r>
+            <a:r>
+              <a:rPr lang="en-US" sz="2200" dirty="0" err="1">
+                <a:solidFill>
+                  <a:srgbClr val="0000FF"/>
+                </a:solidFill>
+                <a:latin typeface="Consolas" panose="020B0609020204030204" pitchFamily="49" charset="0"/>
+                <a:ea typeface="Calibri" panose="020F0502020204030204" pitchFamily="34" charset="0"/>
+                <a:cs typeface="Consolas" panose="020B0609020204030204" pitchFamily="49" charset="0"/>
+              </a:rPr>
+              <a:t>const</a:t>
+            </a:r>
+            <a:r>
+              <a:rPr lang="en-US" sz="2200" dirty="0">
+                <a:solidFill>
+                  <a:srgbClr val="000000"/>
+                </a:solidFill>
+                <a:latin typeface="Consolas" panose="020B0609020204030204" pitchFamily="49" charset="0"/>
+                <a:ea typeface="Calibri" panose="020F0502020204030204" pitchFamily="34" charset="0"/>
+                <a:cs typeface="Consolas" panose="020B0609020204030204" pitchFamily="49" charset="0"/>
+              </a:rPr>
+              <a:t> </a:t>
+            </a:r>
+            <a:r>
+              <a:rPr lang="en-US" sz="2200" dirty="0" err="1">
+                <a:solidFill>
+                  <a:srgbClr val="0000FF"/>
+                </a:solidFill>
+                <a:latin typeface="Consolas" panose="020B0609020204030204" pitchFamily="49" charset="0"/>
+                <a:ea typeface="Calibri" panose="020F0502020204030204" pitchFamily="34" charset="0"/>
+                <a:cs typeface="Consolas" panose="020B0609020204030204" pitchFamily="49" charset="0"/>
+              </a:rPr>
+              <a:t>IUndoableEditPtr</a:t>
+            </a:r>
+            <a:r>
+              <a:rPr lang="en-US" sz="2200" dirty="0">
+                <a:solidFill>
+                  <a:srgbClr val="000000"/>
+                </a:solidFill>
+                <a:latin typeface="Consolas" panose="020B0609020204030204" pitchFamily="49" charset="0"/>
+                <a:ea typeface="Calibri" panose="020F0502020204030204" pitchFamily="34" charset="0"/>
+                <a:cs typeface="Consolas" panose="020B0609020204030204" pitchFamily="49" charset="0"/>
+              </a:rPr>
+              <a:t>&amp; </a:t>
+            </a:r>
+            <a:r>
+              <a:rPr lang="en-US" sz="2200" dirty="0">
+                <a:solidFill>
+                  <a:srgbClr val="000080"/>
+                </a:solidFill>
+                <a:latin typeface="Consolas" panose="020B0609020204030204" pitchFamily="49" charset="0"/>
+                <a:ea typeface="Calibri" panose="020F0502020204030204" pitchFamily="34" charset="0"/>
+                <a:cs typeface="Consolas" panose="020B0609020204030204" pitchFamily="49" charset="0"/>
+              </a:rPr>
+              <a:t>edit</a:t>
+            </a:r>
+            <a:r>
+              <a:rPr lang="en-US" sz="2200" dirty="0" smtClean="0">
+                <a:solidFill>
+                  <a:srgbClr val="000000"/>
+                </a:solidFill>
+                <a:latin typeface="Consolas" panose="020B0609020204030204" pitchFamily="49" charset="0"/>
+                <a:ea typeface="Calibri" panose="020F0502020204030204" pitchFamily="34" charset="0"/>
+                <a:cs typeface="Consolas" panose="020B0609020204030204" pitchFamily="49" charset="0"/>
+              </a:rPr>
+              <a:t>) {</a:t>
+            </a:r>
+            <a:endParaRPr lang="ru-RU" sz="2200" dirty="0">
+              <a:latin typeface="Calibri" panose="020F0502020204030204" pitchFamily="34" charset="0"/>
+              <a:ea typeface="Calibri" panose="020F0502020204030204" pitchFamily="34" charset="0"/>
+              <a:cs typeface="Times New Roman" panose="02020603050405020304" pitchFamily="18" charset="0"/>
+            </a:endParaRPr>
+          </a:p>
+          <a:p>
+            <a:pPr>
+              <a:spcAft>
+                <a:spcPts val="0"/>
+              </a:spcAft>
+            </a:pPr>
+            <a:r>
+              <a:rPr lang="en-US" sz="2200" dirty="0">
+                <a:solidFill>
+                  <a:srgbClr val="000000"/>
+                </a:solidFill>
+                <a:latin typeface="Consolas" panose="020B0609020204030204" pitchFamily="49" charset="0"/>
+                <a:ea typeface="Calibri" panose="020F0502020204030204" pitchFamily="34" charset="0"/>
+                <a:cs typeface="Consolas" panose="020B0609020204030204" pitchFamily="49" charset="0"/>
+              </a:rPr>
+              <a:t> </a:t>
+            </a:r>
+            <a:endParaRPr lang="ru-RU" sz="2200" dirty="0">
+              <a:latin typeface="Calibri" panose="020F0502020204030204" pitchFamily="34" charset="0"/>
+              <a:ea typeface="Calibri" panose="020F0502020204030204" pitchFamily="34" charset="0"/>
+              <a:cs typeface="Times New Roman" panose="02020603050405020304" pitchFamily="18" charset="0"/>
+            </a:endParaRPr>
+          </a:p>
+          <a:p>
+            <a:pPr>
+              <a:spcAft>
+                <a:spcPts val="0"/>
+              </a:spcAft>
+            </a:pPr>
+            <a:r>
+              <a:rPr lang="en-US" sz="2200" dirty="0">
+                <a:solidFill>
+                  <a:srgbClr val="000000"/>
+                </a:solidFill>
+                <a:latin typeface="Consolas" panose="020B0609020204030204" pitchFamily="49" charset="0"/>
+                <a:ea typeface="Calibri" panose="020F0502020204030204" pitchFamily="34" charset="0"/>
+                <a:cs typeface="Consolas" panose="020B0609020204030204" pitchFamily="49" charset="0"/>
+              </a:rPr>
+              <a:t>  </a:t>
+            </a:r>
+            <a:r>
+              <a:rPr lang="en-US" sz="2200" dirty="0">
+                <a:solidFill>
+                  <a:srgbClr val="0000FF"/>
+                </a:solidFill>
+                <a:latin typeface="Consolas" panose="020B0609020204030204" pitchFamily="49" charset="0"/>
+                <a:ea typeface="Calibri" panose="020F0502020204030204" pitchFamily="34" charset="0"/>
+                <a:cs typeface="Consolas" panose="020B0609020204030204" pitchFamily="49" charset="0"/>
+              </a:rPr>
+              <a:t>if</a:t>
+            </a:r>
+            <a:r>
+              <a:rPr lang="en-US" sz="2200" dirty="0">
+                <a:solidFill>
+                  <a:srgbClr val="000000"/>
+                </a:solidFill>
+                <a:latin typeface="Consolas" panose="020B0609020204030204" pitchFamily="49" charset="0"/>
+                <a:ea typeface="Calibri" panose="020F0502020204030204" pitchFamily="34" charset="0"/>
+                <a:cs typeface="Consolas" panose="020B0609020204030204" pitchFamily="49" charset="0"/>
+              </a:rPr>
+              <a:t> (!</a:t>
+            </a:r>
+            <a:r>
+              <a:rPr lang="en-US" sz="2200" dirty="0" err="1">
+                <a:solidFill>
+                  <a:srgbClr val="000080"/>
+                </a:solidFill>
+                <a:latin typeface="Consolas" panose="020B0609020204030204" pitchFamily="49" charset="0"/>
+                <a:ea typeface="Calibri" panose="020F0502020204030204" pitchFamily="34" charset="0"/>
+                <a:cs typeface="Consolas" panose="020B0609020204030204" pitchFamily="49" charset="0"/>
+              </a:rPr>
+              <a:t>m_inProgress</a:t>
+            </a:r>
+            <a:r>
+              <a:rPr lang="en-US" sz="2200" dirty="0" smtClean="0">
+                <a:solidFill>
+                  <a:srgbClr val="000000"/>
+                </a:solidFill>
+                <a:latin typeface="Consolas" panose="020B0609020204030204" pitchFamily="49" charset="0"/>
+                <a:ea typeface="Calibri" panose="020F0502020204030204" pitchFamily="34" charset="0"/>
+                <a:cs typeface="Consolas" panose="020B0609020204030204" pitchFamily="49" charset="0"/>
+              </a:rPr>
+              <a:t>) </a:t>
+            </a:r>
+            <a:r>
+              <a:rPr lang="en-US" sz="2200" dirty="0" smtClean="0">
+                <a:solidFill>
+                  <a:srgbClr val="0000FF"/>
+                </a:solidFill>
+                <a:latin typeface="Consolas" panose="020B0609020204030204" pitchFamily="49" charset="0"/>
+                <a:ea typeface="Calibri" panose="020F0502020204030204" pitchFamily="34" charset="0"/>
+                <a:cs typeface="Consolas" panose="020B0609020204030204" pitchFamily="49" charset="0"/>
+              </a:rPr>
+              <a:t>return</a:t>
+            </a:r>
+            <a:r>
+              <a:rPr lang="en-US" sz="2200" dirty="0" smtClean="0">
+                <a:solidFill>
+                  <a:srgbClr val="000000"/>
+                </a:solidFill>
+                <a:latin typeface="Consolas" panose="020B0609020204030204" pitchFamily="49" charset="0"/>
+                <a:ea typeface="Calibri" panose="020F0502020204030204" pitchFamily="34" charset="0"/>
+                <a:cs typeface="Consolas" panose="020B0609020204030204" pitchFamily="49" charset="0"/>
+              </a:rPr>
+              <a:t> </a:t>
+            </a:r>
+            <a:r>
+              <a:rPr lang="en-US" sz="2200" dirty="0">
+                <a:solidFill>
+                  <a:srgbClr val="0000FF"/>
+                </a:solidFill>
+                <a:latin typeface="Consolas" panose="020B0609020204030204" pitchFamily="49" charset="0"/>
+                <a:ea typeface="Calibri" panose="020F0502020204030204" pitchFamily="34" charset="0"/>
+                <a:cs typeface="Consolas" panose="020B0609020204030204" pitchFamily="49" charset="0"/>
+              </a:rPr>
+              <a:t>false</a:t>
+            </a:r>
+            <a:r>
+              <a:rPr lang="en-US" sz="2200" dirty="0" smtClean="0">
+                <a:solidFill>
+                  <a:srgbClr val="000000"/>
+                </a:solidFill>
+                <a:latin typeface="Consolas" panose="020B0609020204030204" pitchFamily="49" charset="0"/>
+                <a:ea typeface="Calibri" panose="020F0502020204030204" pitchFamily="34" charset="0"/>
+                <a:cs typeface="Consolas" panose="020B0609020204030204" pitchFamily="49" charset="0"/>
+              </a:rPr>
+              <a:t>;</a:t>
+            </a:r>
+            <a:endParaRPr lang="ru-RU" sz="2200" dirty="0">
+              <a:latin typeface="Calibri" panose="020F0502020204030204" pitchFamily="34" charset="0"/>
+              <a:ea typeface="Calibri" panose="020F0502020204030204" pitchFamily="34" charset="0"/>
+              <a:cs typeface="Times New Roman" panose="02020603050405020304" pitchFamily="18" charset="0"/>
+            </a:endParaRPr>
+          </a:p>
+          <a:p>
+            <a:pPr>
+              <a:spcAft>
+                <a:spcPts val="0"/>
+              </a:spcAft>
+            </a:pPr>
+            <a:r>
+              <a:rPr lang="en-US" sz="2200" dirty="0">
+                <a:solidFill>
+                  <a:srgbClr val="000000"/>
+                </a:solidFill>
+                <a:latin typeface="Consolas" panose="020B0609020204030204" pitchFamily="49" charset="0"/>
+                <a:ea typeface="Calibri" panose="020F0502020204030204" pitchFamily="34" charset="0"/>
+                <a:cs typeface="Consolas" panose="020B0609020204030204" pitchFamily="49" charset="0"/>
+              </a:rPr>
+              <a:t> </a:t>
+            </a:r>
+            <a:endParaRPr lang="ru-RU" sz="2200" dirty="0">
+              <a:latin typeface="Calibri" panose="020F0502020204030204" pitchFamily="34" charset="0"/>
+              <a:ea typeface="Calibri" panose="020F0502020204030204" pitchFamily="34" charset="0"/>
+              <a:cs typeface="Times New Roman" panose="02020603050405020304" pitchFamily="18" charset="0"/>
+            </a:endParaRPr>
+          </a:p>
+          <a:p>
+            <a:pPr>
+              <a:spcAft>
+                <a:spcPts val="0"/>
+              </a:spcAft>
+            </a:pPr>
+            <a:r>
+              <a:rPr lang="en-US" sz="2200" dirty="0">
+                <a:solidFill>
+                  <a:srgbClr val="000000"/>
+                </a:solidFill>
+                <a:latin typeface="Consolas" panose="020B0609020204030204" pitchFamily="49" charset="0"/>
+                <a:ea typeface="Calibri" panose="020F0502020204030204" pitchFamily="34" charset="0"/>
+                <a:cs typeface="Consolas" panose="020B0609020204030204" pitchFamily="49" charset="0"/>
+              </a:rPr>
+              <a:t>  </a:t>
+            </a:r>
+            <a:r>
+              <a:rPr lang="en-US" sz="2200" dirty="0">
+                <a:solidFill>
+                  <a:srgbClr val="0000FF"/>
+                </a:solidFill>
+                <a:latin typeface="Consolas" panose="020B0609020204030204" pitchFamily="49" charset="0"/>
+                <a:ea typeface="Calibri" panose="020F0502020204030204" pitchFamily="34" charset="0"/>
+                <a:cs typeface="Consolas" panose="020B0609020204030204" pitchFamily="49" charset="0"/>
+              </a:rPr>
+              <a:t>if</a:t>
+            </a:r>
+            <a:r>
+              <a:rPr lang="en-US" sz="2200" dirty="0">
+                <a:solidFill>
+                  <a:srgbClr val="000000"/>
+                </a:solidFill>
+                <a:latin typeface="Consolas" panose="020B0609020204030204" pitchFamily="49" charset="0"/>
+                <a:ea typeface="Calibri" panose="020F0502020204030204" pitchFamily="34" charset="0"/>
+                <a:cs typeface="Consolas" panose="020B0609020204030204" pitchFamily="49" charset="0"/>
+              </a:rPr>
+              <a:t> (!</a:t>
+            </a:r>
+            <a:r>
+              <a:rPr lang="en-US" sz="2200" dirty="0" err="1">
+                <a:solidFill>
+                  <a:srgbClr val="000080"/>
+                </a:solidFill>
+                <a:latin typeface="Consolas" panose="020B0609020204030204" pitchFamily="49" charset="0"/>
+                <a:ea typeface="Calibri" panose="020F0502020204030204" pitchFamily="34" charset="0"/>
+                <a:cs typeface="Consolas" panose="020B0609020204030204" pitchFamily="49" charset="0"/>
+              </a:rPr>
+              <a:t>m_edits</a:t>
+            </a:r>
+            <a:r>
+              <a:rPr lang="en-US" sz="2200" dirty="0" err="1">
+                <a:solidFill>
+                  <a:srgbClr val="000000"/>
+                </a:solidFill>
+                <a:latin typeface="Consolas" panose="020B0609020204030204" pitchFamily="49" charset="0"/>
+                <a:ea typeface="Calibri" panose="020F0502020204030204" pitchFamily="34" charset="0"/>
+                <a:cs typeface="Consolas" panose="020B0609020204030204" pitchFamily="49" charset="0"/>
+              </a:rPr>
+              <a:t>.</a:t>
+            </a:r>
+            <a:r>
+              <a:rPr lang="en-US" sz="2200" i="1" dirty="0" err="1">
+                <a:solidFill>
+                  <a:srgbClr val="880000"/>
+                </a:solidFill>
+                <a:latin typeface="Consolas" panose="020B0609020204030204" pitchFamily="49" charset="0"/>
+                <a:ea typeface="Calibri" panose="020F0502020204030204" pitchFamily="34" charset="0"/>
+                <a:cs typeface="Consolas" panose="020B0609020204030204" pitchFamily="49" charset="0"/>
+              </a:rPr>
+              <a:t>empty</a:t>
+            </a:r>
+            <a:r>
+              <a:rPr lang="en-US" sz="2200" dirty="0" smtClean="0">
+                <a:solidFill>
+                  <a:srgbClr val="000000"/>
+                </a:solidFill>
+                <a:latin typeface="Consolas" panose="020B0609020204030204" pitchFamily="49" charset="0"/>
+                <a:ea typeface="Calibri" panose="020F0502020204030204" pitchFamily="34" charset="0"/>
+                <a:cs typeface="Consolas" panose="020B0609020204030204" pitchFamily="49" charset="0"/>
+              </a:rPr>
+              <a:t>()) {</a:t>
+            </a:r>
+            <a:endParaRPr lang="ru-RU" sz="2200" dirty="0" smtClean="0">
+              <a:latin typeface="Calibri" panose="020F0502020204030204" pitchFamily="34" charset="0"/>
+              <a:ea typeface="Calibri" panose="020F0502020204030204" pitchFamily="34" charset="0"/>
+              <a:cs typeface="Times New Roman" panose="02020603050405020304" pitchFamily="18" charset="0"/>
+            </a:endParaRPr>
+          </a:p>
+          <a:p>
+            <a:pPr>
+              <a:spcAft>
+                <a:spcPts val="0"/>
+              </a:spcAft>
+            </a:pPr>
+            <a:r>
+              <a:rPr lang="en-US" sz="2200" dirty="0" smtClean="0">
+                <a:solidFill>
+                  <a:srgbClr val="000000"/>
+                </a:solidFill>
+                <a:latin typeface="Consolas" panose="020B0609020204030204" pitchFamily="49" charset="0"/>
+                <a:ea typeface="Calibri" panose="020F0502020204030204" pitchFamily="34" charset="0"/>
+                <a:cs typeface="Consolas" panose="020B0609020204030204" pitchFamily="49" charset="0"/>
+              </a:rPr>
+              <a:t>    </a:t>
+            </a:r>
+            <a:r>
+              <a:rPr lang="en-US" sz="2200" dirty="0">
+                <a:solidFill>
+                  <a:srgbClr val="0000FF"/>
+                </a:solidFill>
+                <a:latin typeface="Consolas" panose="020B0609020204030204" pitchFamily="49" charset="0"/>
+                <a:ea typeface="Calibri" panose="020F0502020204030204" pitchFamily="34" charset="0"/>
+                <a:cs typeface="Consolas" panose="020B0609020204030204" pitchFamily="49" charset="0"/>
+              </a:rPr>
+              <a:t>auto</a:t>
+            </a:r>
+            <a:r>
+              <a:rPr lang="en-US" sz="2200" dirty="0">
+                <a:solidFill>
+                  <a:srgbClr val="000000"/>
+                </a:solidFill>
+                <a:latin typeface="Consolas" panose="020B0609020204030204" pitchFamily="49" charset="0"/>
+                <a:ea typeface="Calibri" panose="020F0502020204030204" pitchFamily="34" charset="0"/>
+                <a:cs typeface="Consolas" panose="020B0609020204030204" pitchFamily="49" charset="0"/>
+              </a:rPr>
+              <a:t> </a:t>
+            </a:r>
+            <a:r>
+              <a:rPr lang="en-US" sz="2200" dirty="0" err="1">
+                <a:solidFill>
+                  <a:srgbClr val="000000"/>
+                </a:solidFill>
+                <a:latin typeface="Consolas" panose="020B0609020204030204" pitchFamily="49" charset="0"/>
+                <a:ea typeface="Calibri" panose="020F0502020204030204" pitchFamily="34" charset="0"/>
+                <a:cs typeface="Consolas" panose="020B0609020204030204" pitchFamily="49" charset="0"/>
+              </a:rPr>
+              <a:t>lastEdit</a:t>
+            </a:r>
+            <a:r>
+              <a:rPr lang="en-US" sz="2200" dirty="0">
+                <a:solidFill>
+                  <a:srgbClr val="000000"/>
+                </a:solidFill>
+                <a:latin typeface="Consolas" panose="020B0609020204030204" pitchFamily="49" charset="0"/>
+                <a:ea typeface="Calibri" panose="020F0502020204030204" pitchFamily="34" charset="0"/>
+                <a:cs typeface="Consolas" panose="020B0609020204030204" pitchFamily="49" charset="0"/>
+              </a:rPr>
+              <a:t> = </a:t>
+            </a:r>
+            <a:r>
+              <a:rPr lang="en-US" sz="2200" dirty="0" err="1">
+                <a:solidFill>
+                  <a:srgbClr val="000080"/>
+                </a:solidFill>
+                <a:latin typeface="Consolas" panose="020B0609020204030204" pitchFamily="49" charset="0"/>
+                <a:ea typeface="Calibri" panose="020F0502020204030204" pitchFamily="34" charset="0"/>
+                <a:cs typeface="Consolas" panose="020B0609020204030204" pitchFamily="49" charset="0"/>
+              </a:rPr>
+              <a:t>m_edits</a:t>
+            </a:r>
+            <a:r>
+              <a:rPr lang="en-US" sz="2200" dirty="0" err="1">
+                <a:solidFill>
+                  <a:srgbClr val="000000"/>
+                </a:solidFill>
+                <a:latin typeface="Consolas" panose="020B0609020204030204" pitchFamily="49" charset="0"/>
+                <a:ea typeface="Calibri" panose="020F0502020204030204" pitchFamily="34" charset="0"/>
+                <a:cs typeface="Consolas" panose="020B0609020204030204" pitchFamily="49" charset="0"/>
+              </a:rPr>
+              <a:t>.</a:t>
+            </a:r>
+            <a:r>
+              <a:rPr lang="en-US" sz="2200" dirty="0" err="1">
+                <a:solidFill>
+                  <a:srgbClr val="880000"/>
+                </a:solidFill>
+                <a:latin typeface="Consolas" panose="020B0609020204030204" pitchFamily="49" charset="0"/>
+                <a:ea typeface="Calibri" panose="020F0502020204030204" pitchFamily="34" charset="0"/>
+                <a:cs typeface="Consolas" panose="020B0609020204030204" pitchFamily="49" charset="0"/>
+              </a:rPr>
+              <a:t>back</a:t>
+            </a:r>
+            <a:r>
+              <a:rPr lang="en-US" sz="2200" dirty="0">
+                <a:solidFill>
+                  <a:srgbClr val="000000"/>
+                </a:solidFill>
+                <a:latin typeface="Consolas" panose="020B0609020204030204" pitchFamily="49" charset="0"/>
+                <a:ea typeface="Calibri" panose="020F0502020204030204" pitchFamily="34" charset="0"/>
+                <a:cs typeface="Consolas" panose="020B0609020204030204" pitchFamily="49" charset="0"/>
+              </a:rPr>
+              <a:t>();</a:t>
+            </a:r>
+            <a:endParaRPr lang="ru-RU" sz="2200" dirty="0">
+              <a:latin typeface="Calibri" panose="020F0502020204030204" pitchFamily="34" charset="0"/>
+              <a:ea typeface="Calibri" panose="020F0502020204030204" pitchFamily="34" charset="0"/>
+              <a:cs typeface="Times New Roman" panose="02020603050405020304" pitchFamily="18" charset="0"/>
+            </a:endParaRPr>
+          </a:p>
+          <a:p>
+            <a:pPr>
+              <a:spcAft>
+                <a:spcPts val="0"/>
+              </a:spcAft>
+            </a:pPr>
+            <a:r>
+              <a:rPr lang="en-US" sz="2200" dirty="0">
+                <a:solidFill>
+                  <a:srgbClr val="000000"/>
+                </a:solidFill>
+                <a:latin typeface="Consolas" panose="020B0609020204030204" pitchFamily="49" charset="0"/>
+                <a:ea typeface="Calibri" panose="020F0502020204030204" pitchFamily="34" charset="0"/>
+                <a:cs typeface="Consolas" panose="020B0609020204030204" pitchFamily="49" charset="0"/>
+              </a:rPr>
+              <a:t> </a:t>
+            </a:r>
+            <a:endParaRPr lang="ru-RU" sz="2200" dirty="0">
+              <a:latin typeface="Calibri" panose="020F0502020204030204" pitchFamily="34" charset="0"/>
+              <a:ea typeface="Calibri" panose="020F0502020204030204" pitchFamily="34" charset="0"/>
+              <a:cs typeface="Times New Roman" panose="02020603050405020304" pitchFamily="18" charset="0"/>
+            </a:endParaRPr>
+          </a:p>
+          <a:p>
+            <a:pPr>
+              <a:spcAft>
+                <a:spcPts val="0"/>
+              </a:spcAft>
+            </a:pPr>
+            <a:r>
+              <a:rPr lang="en-US" sz="2200" dirty="0">
+                <a:solidFill>
+                  <a:srgbClr val="000000"/>
+                </a:solidFill>
+                <a:latin typeface="Consolas" panose="020B0609020204030204" pitchFamily="49" charset="0"/>
+                <a:ea typeface="Calibri" panose="020F0502020204030204" pitchFamily="34" charset="0"/>
+                <a:cs typeface="Consolas" panose="020B0609020204030204" pitchFamily="49" charset="0"/>
+              </a:rPr>
+              <a:t>    </a:t>
+            </a:r>
+            <a:r>
+              <a:rPr lang="en-US" sz="2200" dirty="0">
+                <a:solidFill>
+                  <a:srgbClr val="0000FF"/>
+                </a:solidFill>
+                <a:latin typeface="Consolas" panose="020B0609020204030204" pitchFamily="49" charset="0"/>
+                <a:ea typeface="Calibri" panose="020F0502020204030204" pitchFamily="34" charset="0"/>
+                <a:cs typeface="Consolas" panose="020B0609020204030204" pitchFamily="49" charset="0"/>
+              </a:rPr>
+              <a:t>if</a:t>
+            </a:r>
+            <a:r>
+              <a:rPr lang="en-US" sz="2200" dirty="0">
+                <a:solidFill>
+                  <a:srgbClr val="000000"/>
+                </a:solidFill>
+                <a:latin typeface="Consolas" panose="020B0609020204030204" pitchFamily="49" charset="0"/>
+                <a:ea typeface="Calibri" panose="020F0502020204030204" pitchFamily="34" charset="0"/>
+                <a:cs typeface="Consolas" panose="020B0609020204030204" pitchFamily="49" charset="0"/>
+              </a:rPr>
+              <a:t> (!</a:t>
+            </a:r>
+            <a:r>
+              <a:rPr lang="en-US" sz="2200" dirty="0" err="1">
+                <a:solidFill>
+                  <a:srgbClr val="000000"/>
+                </a:solidFill>
+                <a:latin typeface="Consolas" panose="020B0609020204030204" pitchFamily="49" charset="0"/>
+                <a:ea typeface="Calibri" panose="020F0502020204030204" pitchFamily="34" charset="0"/>
+                <a:cs typeface="Consolas" panose="020B0609020204030204" pitchFamily="49" charset="0"/>
+              </a:rPr>
+              <a:t>lastEdit</a:t>
+            </a:r>
+            <a:r>
+              <a:rPr lang="en-US" sz="2200" dirty="0">
+                <a:solidFill>
+                  <a:srgbClr val="000000"/>
+                </a:solidFill>
+                <a:latin typeface="Consolas" panose="020B0609020204030204" pitchFamily="49" charset="0"/>
+                <a:ea typeface="Calibri" panose="020F0502020204030204" pitchFamily="34" charset="0"/>
+                <a:cs typeface="Consolas" panose="020B0609020204030204" pitchFamily="49" charset="0"/>
+              </a:rPr>
+              <a:t>-&gt;</a:t>
+            </a:r>
+            <a:r>
+              <a:rPr lang="en-US" sz="2200" dirty="0" err="1">
+                <a:solidFill>
+                  <a:srgbClr val="880000"/>
+                </a:solidFill>
+                <a:latin typeface="Consolas" panose="020B0609020204030204" pitchFamily="49" charset="0"/>
+                <a:ea typeface="Calibri" panose="020F0502020204030204" pitchFamily="34" charset="0"/>
+                <a:cs typeface="Consolas" panose="020B0609020204030204" pitchFamily="49" charset="0"/>
+              </a:rPr>
+              <a:t>AddEdit</a:t>
+            </a:r>
+            <a:r>
+              <a:rPr lang="en-US" sz="2200" dirty="0">
+                <a:solidFill>
+                  <a:srgbClr val="000000"/>
+                </a:solidFill>
+                <a:latin typeface="Consolas" panose="020B0609020204030204" pitchFamily="49" charset="0"/>
+                <a:ea typeface="Calibri" panose="020F0502020204030204" pitchFamily="34" charset="0"/>
+                <a:cs typeface="Consolas" panose="020B0609020204030204" pitchFamily="49" charset="0"/>
+              </a:rPr>
+              <a:t>(</a:t>
+            </a:r>
+            <a:r>
+              <a:rPr lang="en-US" sz="2200" dirty="0">
+                <a:solidFill>
+                  <a:srgbClr val="000080"/>
+                </a:solidFill>
+                <a:latin typeface="Consolas" panose="020B0609020204030204" pitchFamily="49" charset="0"/>
+                <a:ea typeface="Calibri" panose="020F0502020204030204" pitchFamily="34" charset="0"/>
+                <a:cs typeface="Consolas" panose="020B0609020204030204" pitchFamily="49" charset="0"/>
+              </a:rPr>
+              <a:t>edit</a:t>
+            </a:r>
+            <a:r>
+              <a:rPr lang="en-US" sz="2200" dirty="0" smtClean="0">
+                <a:solidFill>
+                  <a:srgbClr val="000000"/>
+                </a:solidFill>
+                <a:latin typeface="Consolas" panose="020B0609020204030204" pitchFamily="49" charset="0"/>
+                <a:ea typeface="Calibri" panose="020F0502020204030204" pitchFamily="34" charset="0"/>
+                <a:cs typeface="Consolas" panose="020B0609020204030204" pitchFamily="49" charset="0"/>
+              </a:rPr>
+              <a:t>)) {</a:t>
+            </a:r>
+            <a:endParaRPr lang="ru-RU" sz="2200" dirty="0" smtClean="0">
+              <a:latin typeface="Calibri" panose="020F0502020204030204" pitchFamily="34" charset="0"/>
+              <a:ea typeface="Calibri" panose="020F0502020204030204" pitchFamily="34" charset="0"/>
+              <a:cs typeface="Times New Roman" panose="02020603050405020304" pitchFamily="18" charset="0"/>
+            </a:endParaRPr>
+          </a:p>
+          <a:p>
+            <a:pPr>
+              <a:spcAft>
+                <a:spcPts val="0"/>
+              </a:spcAft>
+            </a:pPr>
+            <a:r>
+              <a:rPr lang="en-US" sz="2200" dirty="0" smtClean="0">
+                <a:solidFill>
+                  <a:srgbClr val="000000"/>
+                </a:solidFill>
+                <a:latin typeface="Consolas" panose="020B0609020204030204" pitchFamily="49" charset="0"/>
+                <a:ea typeface="Calibri" panose="020F0502020204030204" pitchFamily="34" charset="0"/>
+                <a:cs typeface="Consolas" panose="020B0609020204030204" pitchFamily="49" charset="0"/>
+              </a:rPr>
+              <a:t>      </a:t>
+            </a:r>
+            <a:r>
+              <a:rPr lang="en-US" sz="2200" dirty="0">
+                <a:solidFill>
+                  <a:srgbClr val="0000FF"/>
+                </a:solidFill>
+                <a:latin typeface="Consolas" panose="020B0609020204030204" pitchFamily="49" charset="0"/>
+                <a:ea typeface="Calibri" panose="020F0502020204030204" pitchFamily="34" charset="0"/>
+                <a:cs typeface="Consolas" panose="020B0609020204030204" pitchFamily="49" charset="0"/>
+              </a:rPr>
+              <a:t>if</a:t>
+            </a:r>
+            <a:r>
+              <a:rPr lang="en-US" sz="2200" dirty="0">
+                <a:solidFill>
+                  <a:srgbClr val="000000"/>
+                </a:solidFill>
+                <a:latin typeface="Consolas" panose="020B0609020204030204" pitchFamily="49" charset="0"/>
+                <a:ea typeface="Calibri" panose="020F0502020204030204" pitchFamily="34" charset="0"/>
+                <a:cs typeface="Consolas" panose="020B0609020204030204" pitchFamily="49" charset="0"/>
+              </a:rPr>
+              <a:t> (</a:t>
+            </a:r>
+            <a:r>
+              <a:rPr lang="en-US" sz="2200" dirty="0">
+                <a:solidFill>
+                  <a:srgbClr val="000080"/>
+                </a:solidFill>
+                <a:latin typeface="Consolas" panose="020B0609020204030204" pitchFamily="49" charset="0"/>
+                <a:ea typeface="Calibri" panose="020F0502020204030204" pitchFamily="34" charset="0"/>
+                <a:cs typeface="Consolas" panose="020B0609020204030204" pitchFamily="49" charset="0"/>
+              </a:rPr>
+              <a:t>edit</a:t>
+            </a:r>
+            <a:r>
+              <a:rPr lang="en-US" sz="2200" dirty="0">
+                <a:solidFill>
+                  <a:srgbClr val="000000"/>
+                </a:solidFill>
+                <a:latin typeface="Consolas" panose="020B0609020204030204" pitchFamily="49" charset="0"/>
+                <a:ea typeface="Calibri" panose="020F0502020204030204" pitchFamily="34" charset="0"/>
+                <a:cs typeface="Consolas" panose="020B0609020204030204" pitchFamily="49" charset="0"/>
+              </a:rPr>
+              <a:t>-&gt;</a:t>
+            </a:r>
+            <a:r>
+              <a:rPr lang="en-US" sz="2200" dirty="0" err="1">
+                <a:solidFill>
+                  <a:srgbClr val="880000"/>
+                </a:solidFill>
+                <a:latin typeface="Consolas" panose="020B0609020204030204" pitchFamily="49" charset="0"/>
+                <a:ea typeface="Calibri" panose="020F0502020204030204" pitchFamily="34" charset="0"/>
+                <a:cs typeface="Consolas" panose="020B0609020204030204" pitchFamily="49" charset="0"/>
+              </a:rPr>
+              <a:t>ReplaceEdit</a:t>
+            </a:r>
+            <a:r>
+              <a:rPr lang="en-US" sz="2200" dirty="0">
+                <a:solidFill>
+                  <a:srgbClr val="000000"/>
+                </a:solidFill>
+                <a:latin typeface="Consolas" panose="020B0609020204030204" pitchFamily="49" charset="0"/>
+                <a:ea typeface="Calibri" panose="020F0502020204030204" pitchFamily="34" charset="0"/>
+                <a:cs typeface="Consolas" panose="020B0609020204030204" pitchFamily="49" charset="0"/>
+              </a:rPr>
+              <a:t>(</a:t>
+            </a:r>
+            <a:r>
+              <a:rPr lang="en-US" sz="2200" dirty="0" err="1">
+                <a:solidFill>
+                  <a:srgbClr val="000000"/>
+                </a:solidFill>
+                <a:latin typeface="Consolas" panose="020B0609020204030204" pitchFamily="49" charset="0"/>
+                <a:ea typeface="Calibri" panose="020F0502020204030204" pitchFamily="34" charset="0"/>
+                <a:cs typeface="Consolas" panose="020B0609020204030204" pitchFamily="49" charset="0"/>
+              </a:rPr>
+              <a:t>lastEdit</a:t>
+            </a:r>
+            <a:r>
+              <a:rPr lang="en-US" sz="2200" dirty="0" smtClean="0">
+                <a:solidFill>
+                  <a:srgbClr val="000000"/>
+                </a:solidFill>
+                <a:latin typeface="Consolas" panose="020B0609020204030204" pitchFamily="49" charset="0"/>
+                <a:ea typeface="Calibri" panose="020F0502020204030204" pitchFamily="34" charset="0"/>
+                <a:cs typeface="Consolas" panose="020B0609020204030204" pitchFamily="49" charset="0"/>
+              </a:rPr>
+              <a:t>))</a:t>
+            </a:r>
+          </a:p>
+          <a:p>
+            <a:pPr>
+              <a:spcAft>
+                <a:spcPts val="0"/>
+              </a:spcAft>
+            </a:pPr>
+            <a:r>
+              <a:rPr lang="en-US" sz="2200" dirty="0">
+                <a:solidFill>
+                  <a:srgbClr val="000000"/>
+                </a:solidFill>
+                <a:latin typeface="Consolas" panose="020B0609020204030204" pitchFamily="49" charset="0"/>
+                <a:ea typeface="Calibri" panose="020F0502020204030204" pitchFamily="34" charset="0"/>
+                <a:cs typeface="Consolas" panose="020B0609020204030204" pitchFamily="49" charset="0"/>
+              </a:rPr>
+              <a:t> </a:t>
+            </a:r>
+            <a:r>
+              <a:rPr lang="en-US" sz="2200" dirty="0" smtClean="0">
+                <a:solidFill>
+                  <a:srgbClr val="000000"/>
+                </a:solidFill>
+                <a:latin typeface="Consolas" panose="020B0609020204030204" pitchFamily="49" charset="0"/>
+                <a:ea typeface="Calibri" panose="020F0502020204030204" pitchFamily="34" charset="0"/>
+                <a:cs typeface="Consolas" panose="020B0609020204030204" pitchFamily="49" charset="0"/>
+              </a:rPr>
+              <a:t>       </a:t>
+            </a:r>
+            <a:r>
+              <a:rPr lang="en-US" sz="2200" dirty="0" err="1" smtClean="0">
+                <a:solidFill>
+                  <a:srgbClr val="000080"/>
+                </a:solidFill>
+                <a:latin typeface="Consolas" panose="020B0609020204030204" pitchFamily="49" charset="0"/>
+                <a:ea typeface="Calibri" panose="020F0502020204030204" pitchFamily="34" charset="0"/>
+                <a:cs typeface="Consolas" panose="020B0609020204030204" pitchFamily="49" charset="0"/>
+              </a:rPr>
+              <a:t>m_edits</a:t>
+            </a:r>
+            <a:r>
+              <a:rPr lang="en-US" sz="2200" dirty="0" err="1" smtClean="0">
+                <a:solidFill>
+                  <a:srgbClr val="000000"/>
+                </a:solidFill>
+                <a:latin typeface="Consolas" panose="020B0609020204030204" pitchFamily="49" charset="0"/>
+                <a:ea typeface="Calibri" panose="020F0502020204030204" pitchFamily="34" charset="0"/>
+                <a:cs typeface="Consolas" panose="020B0609020204030204" pitchFamily="49" charset="0"/>
+              </a:rPr>
+              <a:t>.</a:t>
+            </a:r>
+            <a:r>
+              <a:rPr lang="en-US" sz="2200" i="1" dirty="0" err="1" smtClean="0">
+                <a:solidFill>
+                  <a:srgbClr val="0000FF"/>
+                </a:solidFill>
+                <a:latin typeface="Consolas" panose="020B0609020204030204" pitchFamily="49" charset="0"/>
+                <a:ea typeface="Calibri" panose="020F0502020204030204" pitchFamily="34" charset="0"/>
+                <a:cs typeface="Consolas" panose="020B0609020204030204" pitchFamily="49" charset="0"/>
+              </a:rPr>
+              <a:t>pop_back</a:t>
+            </a:r>
+            <a:r>
+              <a:rPr lang="en-US" sz="2200" dirty="0">
+                <a:solidFill>
+                  <a:srgbClr val="000000"/>
+                </a:solidFill>
+                <a:latin typeface="Consolas" panose="020B0609020204030204" pitchFamily="49" charset="0"/>
+                <a:ea typeface="Calibri" panose="020F0502020204030204" pitchFamily="34" charset="0"/>
+                <a:cs typeface="Consolas" panose="020B0609020204030204" pitchFamily="49" charset="0"/>
+              </a:rPr>
+              <a:t>();</a:t>
+            </a:r>
+            <a:endParaRPr lang="ru-RU" sz="2200" dirty="0">
+              <a:latin typeface="Calibri" panose="020F0502020204030204" pitchFamily="34" charset="0"/>
+              <a:ea typeface="Calibri" panose="020F0502020204030204" pitchFamily="34" charset="0"/>
+              <a:cs typeface="Times New Roman" panose="02020603050405020304" pitchFamily="18" charset="0"/>
+            </a:endParaRPr>
+          </a:p>
+          <a:p>
+            <a:pPr>
+              <a:spcAft>
+                <a:spcPts val="0"/>
+              </a:spcAft>
+            </a:pPr>
+            <a:r>
+              <a:rPr lang="en-US" sz="2200" dirty="0" smtClean="0">
+                <a:solidFill>
+                  <a:srgbClr val="000000"/>
+                </a:solidFill>
+                <a:latin typeface="Consolas" panose="020B0609020204030204" pitchFamily="49" charset="0"/>
+                <a:ea typeface="Calibri" panose="020F0502020204030204" pitchFamily="34" charset="0"/>
+                <a:cs typeface="Consolas" panose="020B0609020204030204" pitchFamily="49" charset="0"/>
+              </a:rPr>
+              <a:t>      </a:t>
+            </a:r>
+            <a:r>
+              <a:rPr lang="en-US" sz="2200" dirty="0" err="1" smtClean="0">
+                <a:solidFill>
+                  <a:srgbClr val="000080"/>
+                </a:solidFill>
+                <a:latin typeface="Consolas" panose="020B0609020204030204" pitchFamily="49" charset="0"/>
+                <a:ea typeface="Calibri" panose="020F0502020204030204" pitchFamily="34" charset="0"/>
+                <a:cs typeface="Consolas" panose="020B0609020204030204" pitchFamily="49" charset="0"/>
+              </a:rPr>
+              <a:t>m_edits</a:t>
+            </a:r>
+            <a:r>
+              <a:rPr lang="en-US" sz="2200" dirty="0" err="1" smtClean="0">
+                <a:solidFill>
+                  <a:srgbClr val="000000"/>
+                </a:solidFill>
+                <a:latin typeface="Consolas" panose="020B0609020204030204" pitchFamily="49" charset="0"/>
+                <a:ea typeface="Calibri" panose="020F0502020204030204" pitchFamily="34" charset="0"/>
+                <a:cs typeface="Consolas" panose="020B0609020204030204" pitchFamily="49" charset="0"/>
+              </a:rPr>
+              <a:t>.</a:t>
+            </a:r>
+            <a:r>
+              <a:rPr lang="en-US" sz="2200" i="1" dirty="0" err="1" smtClean="0">
+                <a:solidFill>
+                  <a:srgbClr val="0000FF"/>
+                </a:solidFill>
+                <a:latin typeface="Consolas" panose="020B0609020204030204" pitchFamily="49" charset="0"/>
+                <a:ea typeface="Calibri" panose="020F0502020204030204" pitchFamily="34" charset="0"/>
+                <a:cs typeface="Consolas" panose="020B0609020204030204" pitchFamily="49" charset="0"/>
+              </a:rPr>
+              <a:t>push_back</a:t>
+            </a:r>
+            <a:r>
+              <a:rPr lang="en-US" sz="2200" dirty="0" smtClean="0">
+                <a:solidFill>
+                  <a:srgbClr val="000000"/>
+                </a:solidFill>
+                <a:latin typeface="Consolas" panose="020B0609020204030204" pitchFamily="49" charset="0"/>
+                <a:ea typeface="Calibri" panose="020F0502020204030204" pitchFamily="34" charset="0"/>
+                <a:cs typeface="Consolas" panose="020B0609020204030204" pitchFamily="49" charset="0"/>
+              </a:rPr>
+              <a:t>(</a:t>
+            </a:r>
+            <a:r>
+              <a:rPr lang="en-US" sz="2200" dirty="0" smtClean="0">
+                <a:solidFill>
+                  <a:srgbClr val="000080"/>
+                </a:solidFill>
+                <a:latin typeface="Consolas" panose="020B0609020204030204" pitchFamily="49" charset="0"/>
+                <a:ea typeface="Calibri" panose="020F0502020204030204" pitchFamily="34" charset="0"/>
+                <a:cs typeface="Consolas" panose="020B0609020204030204" pitchFamily="49" charset="0"/>
+              </a:rPr>
+              <a:t>edit</a:t>
+            </a:r>
+            <a:r>
+              <a:rPr lang="en-US" sz="2200" dirty="0" smtClean="0">
+                <a:solidFill>
+                  <a:srgbClr val="000000"/>
+                </a:solidFill>
+                <a:latin typeface="Consolas" panose="020B0609020204030204" pitchFamily="49" charset="0"/>
+                <a:ea typeface="Calibri" panose="020F0502020204030204" pitchFamily="34" charset="0"/>
+                <a:cs typeface="Consolas" panose="020B0609020204030204" pitchFamily="49" charset="0"/>
+              </a:rPr>
+              <a:t>);</a:t>
+            </a:r>
+            <a:endParaRPr lang="ru-RU" sz="2200" dirty="0" smtClean="0">
+              <a:latin typeface="Calibri" panose="020F0502020204030204" pitchFamily="34" charset="0"/>
+              <a:ea typeface="Calibri" panose="020F0502020204030204" pitchFamily="34" charset="0"/>
+              <a:cs typeface="Times New Roman" panose="02020603050405020304" pitchFamily="18" charset="0"/>
+            </a:endParaRPr>
+          </a:p>
+          <a:p>
+            <a:pPr>
+              <a:spcAft>
+                <a:spcPts val="0"/>
+              </a:spcAft>
+            </a:pPr>
+            <a:r>
+              <a:rPr lang="en-US" sz="2200" dirty="0" smtClean="0">
+                <a:solidFill>
+                  <a:srgbClr val="000000"/>
+                </a:solidFill>
+                <a:latin typeface="Consolas" panose="020B0609020204030204" pitchFamily="49" charset="0"/>
+                <a:ea typeface="Calibri" panose="020F0502020204030204" pitchFamily="34" charset="0"/>
+                <a:cs typeface="Consolas" panose="020B0609020204030204" pitchFamily="49" charset="0"/>
+              </a:rPr>
+              <a:t>    </a:t>
+            </a:r>
+            <a:r>
+              <a:rPr lang="en-US" sz="2200" dirty="0">
+                <a:solidFill>
+                  <a:srgbClr val="000000"/>
+                </a:solidFill>
+                <a:latin typeface="Consolas" panose="020B0609020204030204" pitchFamily="49" charset="0"/>
+                <a:ea typeface="Calibri" panose="020F0502020204030204" pitchFamily="34" charset="0"/>
+                <a:cs typeface="Consolas" panose="020B0609020204030204" pitchFamily="49" charset="0"/>
+              </a:rPr>
+              <a:t>}</a:t>
+            </a:r>
+            <a:endParaRPr lang="ru-RU" sz="2200" dirty="0">
+              <a:latin typeface="Calibri" panose="020F0502020204030204" pitchFamily="34" charset="0"/>
+              <a:ea typeface="Calibri" panose="020F0502020204030204" pitchFamily="34" charset="0"/>
+              <a:cs typeface="Times New Roman" panose="02020603050405020304" pitchFamily="18" charset="0"/>
+            </a:endParaRPr>
+          </a:p>
+          <a:p>
+            <a:pPr>
+              <a:spcAft>
+                <a:spcPts val="0"/>
+              </a:spcAft>
+            </a:pPr>
+            <a:r>
+              <a:rPr lang="en-US" sz="2200" dirty="0">
+                <a:solidFill>
+                  <a:srgbClr val="000000"/>
+                </a:solidFill>
+                <a:latin typeface="Consolas" panose="020B0609020204030204" pitchFamily="49" charset="0"/>
+                <a:ea typeface="Calibri" panose="020F0502020204030204" pitchFamily="34" charset="0"/>
+                <a:cs typeface="Consolas" panose="020B0609020204030204" pitchFamily="49" charset="0"/>
+              </a:rPr>
+              <a:t>  }</a:t>
+            </a:r>
+            <a:endParaRPr lang="ru-RU" sz="2200" dirty="0">
+              <a:latin typeface="Calibri" panose="020F0502020204030204" pitchFamily="34" charset="0"/>
+              <a:ea typeface="Calibri" panose="020F0502020204030204" pitchFamily="34" charset="0"/>
+              <a:cs typeface="Times New Roman" panose="02020603050405020304" pitchFamily="18" charset="0"/>
+            </a:endParaRPr>
+          </a:p>
+          <a:p>
+            <a:pPr>
+              <a:spcAft>
+                <a:spcPts val="0"/>
+              </a:spcAft>
+            </a:pPr>
+            <a:r>
+              <a:rPr lang="en-US" sz="2200" dirty="0">
+                <a:solidFill>
+                  <a:srgbClr val="000000"/>
+                </a:solidFill>
+                <a:latin typeface="Consolas" panose="020B0609020204030204" pitchFamily="49" charset="0"/>
+                <a:ea typeface="Calibri" panose="020F0502020204030204" pitchFamily="34" charset="0"/>
+                <a:cs typeface="Consolas" panose="020B0609020204030204" pitchFamily="49" charset="0"/>
+              </a:rPr>
+              <a:t>  </a:t>
+            </a:r>
+            <a:r>
+              <a:rPr lang="en-US" sz="2200" dirty="0" smtClean="0">
+                <a:solidFill>
+                  <a:srgbClr val="0000FF"/>
+                </a:solidFill>
+                <a:latin typeface="Consolas" panose="020B0609020204030204" pitchFamily="49" charset="0"/>
+                <a:ea typeface="Calibri" panose="020F0502020204030204" pitchFamily="34" charset="0"/>
+                <a:cs typeface="Consolas" panose="020B0609020204030204" pitchFamily="49" charset="0"/>
+              </a:rPr>
+              <a:t>else</a:t>
+            </a:r>
+            <a:r>
+              <a:rPr lang="en-US" sz="2200" dirty="0" smtClean="0">
+                <a:solidFill>
+                  <a:srgbClr val="000000"/>
+                </a:solidFill>
+                <a:latin typeface="Consolas" panose="020B0609020204030204" pitchFamily="49" charset="0"/>
+                <a:ea typeface="Calibri" panose="020F0502020204030204" pitchFamily="34" charset="0"/>
+                <a:cs typeface="Consolas" panose="020B0609020204030204" pitchFamily="49" charset="0"/>
+              </a:rPr>
+              <a:t> </a:t>
+            </a:r>
+            <a:r>
+              <a:rPr lang="en-US" sz="2200" dirty="0">
+                <a:solidFill>
+                  <a:srgbClr val="000000"/>
+                </a:solidFill>
+                <a:latin typeface="Consolas" panose="020B0609020204030204" pitchFamily="49" charset="0"/>
+                <a:ea typeface="Calibri" panose="020F0502020204030204" pitchFamily="34" charset="0"/>
+                <a:cs typeface="Consolas" panose="020B0609020204030204" pitchFamily="49" charset="0"/>
+              </a:rPr>
+              <a:t>{</a:t>
+            </a:r>
+            <a:endParaRPr lang="ru-RU" sz="2200" dirty="0">
+              <a:latin typeface="Calibri" panose="020F0502020204030204" pitchFamily="34" charset="0"/>
+              <a:ea typeface="Calibri" panose="020F0502020204030204" pitchFamily="34" charset="0"/>
+              <a:cs typeface="Times New Roman" panose="02020603050405020304" pitchFamily="18" charset="0"/>
+            </a:endParaRPr>
+          </a:p>
+          <a:p>
+            <a:pPr>
+              <a:spcAft>
+                <a:spcPts val="0"/>
+              </a:spcAft>
+            </a:pPr>
+            <a:r>
+              <a:rPr lang="en-US" sz="2200" dirty="0">
+                <a:solidFill>
+                  <a:srgbClr val="000000"/>
+                </a:solidFill>
+                <a:latin typeface="Consolas" panose="020B0609020204030204" pitchFamily="49" charset="0"/>
+                <a:ea typeface="Calibri" panose="020F0502020204030204" pitchFamily="34" charset="0"/>
+                <a:cs typeface="Consolas" panose="020B0609020204030204" pitchFamily="49" charset="0"/>
+              </a:rPr>
+              <a:t>    </a:t>
+            </a:r>
+            <a:r>
+              <a:rPr lang="en-US" sz="2200" dirty="0" err="1">
+                <a:solidFill>
+                  <a:srgbClr val="000080"/>
+                </a:solidFill>
+                <a:latin typeface="Consolas" panose="020B0609020204030204" pitchFamily="49" charset="0"/>
+                <a:ea typeface="Calibri" panose="020F0502020204030204" pitchFamily="34" charset="0"/>
+                <a:cs typeface="Consolas" panose="020B0609020204030204" pitchFamily="49" charset="0"/>
+              </a:rPr>
+              <a:t>m_edits</a:t>
+            </a:r>
+            <a:r>
+              <a:rPr lang="en-US" sz="2200" dirty="0" err="1">
+                <a:solidFill>
+                  <a:srgbClr val="000000"/>
+                </a:solidFill>
+                <a:latin typeface="Consolas" panose="020B0609020204030204" pitchFamily="49" charset="0"/>
+                <a:ea typeface="Calibri" panose="020F0502020204030204" pitchFamily="34" charset="0"/>
+                <a:cs typeface="Consolas" panose="020B0609020204030204" pitchFamily="49" charset="0"/>
+              </a:rPr>
+              <a:t>.</a:t>
+            </a:r>
+            <a:r>
+              <a:rPr lang="en-US" sz="2200" i="1" dirty="0" err="1">
+                <a:solidFill>
+                  <a:srgbClr val="0000FF"/>
+                </a:solidFill>
+                <a:latin typeface="Consolas" panose="020B0609020204030204" pitchFamily="49" charset="0"/>
+                <a:ea typeface="Calibri" panose="020F0502020204030204" pitchFamily="34" charset="0"/>
+                <a:cs typeface="Consolas" panose="020B0609020204030204" pitchFamily="49" charset="0"/>
+              </a:rPr>
+              <a:t>push_back</a:t>
+            </a:r>
+            <a:r>
+              <a:rPr lang="en-US" sz="2200" dirty="0">
+                <a:solidFill>
+                  <a:srgbClr val="000000"/>
+                </a:solidFill>
+                <a:latin typeface="Consolas" panose="020B0609020204030204" pitchFamily="49" charset="0"/>
+                <a:ea typeface="Calibri" panose="020F0502020204030204" pitchFamily="34" charset="0"/>
+                <a:cs typeface="Consolas" panose="020B0609020204030204" pitchFamily="49" charset="0"/>
+              </a:rPr>
+              <a:t>(</a:t>
+            </a:r>
+            <a:r>
+              <a:rPr lang="en-US" sz="2200" dirty="0">
+                <a:solidFill>
+                  <a:srgbClr val="000080"/>
+                </a:solidFill>
+                <a:latin typeface="Consolas" panose="020B0609020204030204" pitchFamily="49" charset="0"/>
+                <a:ea typeface="Calibri" panose="020F0502020204030204" pitchFamily="34" charset="0"/>
+                <a:cs typeface="Consolas" panose="020B0609020204030204" pitchFamily="49" charset="0"/>
+              </a:rPr>
+              <a:t>edit</a:t>
+            </a:r>
+            <a:r>
+              <a:rPr lang="en-US" sz="2200" dirty="0">
+                <a:solidFill>
+                  <a:srgbClr val="000000"/>
+                </a:solidFill>
+                <a:latin typeface="Consolas" panose="020B0609020204030204" pitchFamily="49" charset="0"/>
+                <a:ea typeface="Calibri" panose="020F0502020204030204" pitchFamily="34" charset="0"/>
+                <a:cs typeface="Consolas" panose="020B0609020204030204" pitchFamily="49" charset="0"/>
+              </a:rPr>
+              <a:t>);</a:t>
+            </a:r>
+            <a:endParaRPr lang="ru-RU" sz="2200" dirty="0">
+              <a:latin typeface="Calibri" panose="020F0502020204030204" pitchFamily="34" charset="0"/>
+              <a:ea typeface="Calibri" panose="020F0502020204030204" pitchFamily="34" charset="0"/>
+              <a:cs typeface="Times New Roman" panose="02020603050405020304" pitchFamily="18" charset="0"/>
+            </a:endParaRPr>
+          </a:p>
+          <a:p>
+            <a:pPr>
+              <a:spcAft>
+                <a:spcPts val="0"/>
+              </a:spcAft>
+            </a:pPr>
+            <a:r>
+              <a:rPr lang="en-US" sz="2200" dirty="0">
+                <a:solidFill>
+                  <a:srgbClr val="000000"/>
+                </a:solidFill>
+                <a:latin typeface="Consolas" panose="020B0609020204030204" pitchFamily="49" charset="0"/>
+                <a:ea typeface="Calibri" panose="020F0502020204030204" pitchFamily="34" charset="0"/>
+                <a:cs typeface="Consolas" panose="020B0609020204030204" pitchFamily="49" charset="0"/>
+              </a:rPr>
+              <a:t>  </a:t>
+            </a:r>
+            <a:r>
+              <a:rPr lang="ru-RU" sz="2200" dirty="0">
+                <a:solidFill>
+                  <a:srgbClr val="000000"/>
+                </a:solidFill>
+                <a:latin typeface="Consolas" panose="020B0609020204030204" pitchFamily="49" charset="0"/>
+                <a:ea typeface="Calibri" panose="020F0502020204030204" pitchFamily="34" charset="0"/>
+                <a:cs typeface="Consolas" panose="020B0609020204030204" pitchFamily="49" charset="0"/>
+              </a:rPr>
+              <a:t>}</a:t>
+            </a:r>
+            <a:endParaRPr lang="ru-RU" sz="2200" dirty="0">
+              <a:latin typeface="Calibri" panose="020F0502020204030204" pitchFamily="34" charset="0"/>
+              <a:ea typeface="Calibri" panose="020F0502020204030204" pitchFamily="34" charset="0"/>
+              <a:cs typeface="Times New Roman" panose="02020603050405020304" pitchFamily="18" charset="0"/>
+            </a:endParaRPr>
+          </a:p>
+          <a:p>
+            <a:pPr>
+              <a:spcAft>
+                <a:spcPts val="0"/>
+              </a:spcAft>
+            </a:pPr>
+            <a:r>
+              <a:rPr lang="ru-RU" sz="2200" dirty="0">
+                <a:solidFill>
+                  <a:srgbClr val="000000"/>
+                </a:solidFill>
+                <a:latin typeface="Consolas" panose="020B0609020204030204" pitchFamily="49" charset="0"/>
+                <a:ea typeface="Calibri" panose="020F0502020204030204" pitchFamily="34" charset="0"/>
+                <a:cs typeface="Consolas" panose="020B0609020204030204" pitchFamily="49" charset="0"/>
+              </a:rPr>
+              <a:t> </a:t>
+            </a:r>
+            <a:endParaRPr lang="ru-RU" sz="2200" dirty="0">
+              <a:latin typeface="Calibri" panose="020F0502020204030204" pitchFamily="34" charset="0"/>
+              <a:ea typeface="Calibri" panose="020F0502020204030204" pitchFamily="34" charset="0"/>
+              <a:cs typeface="Times New Roman" panose="02020603050405020304" pitchFamily="18" charset="0"/>
+            </a:endParaRPr>
+          </a:p>
+          <a:p>
+            <a:pPr>
+              <a:spcAft>
+                <a:spcPts val="0"/>
+              </a:spcAft>
+            </a:pPr>
+            <a:r>
+              <a:rPr lang="ru-RU" sz="2200" dirty="0">
+                <a:solidFill>
+                  <a:srgbClr val="000000"/>
+                </a:solidFill>
+                <a:latin typeface="Consolas" panose="020B0609020204030204" pitchFamily="49" charset="0"/>
+                <a:ea typeface="Calibri" panose="020F0502020204030204" pitchFamily="34" charset="0"/>
+                <a:cs typeface="Consolas" panose="020B0609020204030204" pitchFamily="49" charset="0"/>
+              </a:rPr>
+              <a:t>  </a:t>
+            </a:r>
+            <a:r>
+              <a:rPr lang="ru-RU" sz="2200" dirty="0" err="1">
+                <a:solidFill>
+                  <a:srgbClr val="0000FF"/>
+                </a:solidFill>
+                <a:latin typeface="Consolas" panose="020B0609020204030204" pitchFamily="49" charset="0"/>
+                <a:ea typeface="Calibri" panose="020F0502020204030204" pitchFamily="34" charset="0"/>
+                <a:cs typeface="Consolas" panose="020B0609020204030204" pitchFamily="49" charset="0"/>
+              </a:rPr>
+              <a:t>return</a:t>
+            </a:r>
+            <a:r>
+              <a:rPr lang="ru-RU" sz="2200" dirty="0">
+                <a:solidFill>
+                  <a:srgbClr val="000000"/>
+                </a:solidFill>
+                <a:latin typeface="Consolas" panose="020B0609020204030204" pitchFamily="49" charset="0"/>
+                <a:ea typeface="Calibri" panose="020F0502020204030204" pitchFamily="34" charset="0"/>
+                <a:cs typeface="Consolas" panose="020B0609020204030204" pitchFamily="49" charset="0"/>
+              </a:rPr>
+              <a:t> </a:t>
+            </a:r>
+            <a:r>
+              <a:rPr lang="ru-RU" sz="2200" dirty="0" err="1">
+                <a:solidFill>
+                  <a:srgbClr val="0000FF"/>
+                </a:solidFill>
+                <a:latin typeface="Consolas" panose="020B0609020204030204" pitchFamily="49" charset="0"/>
+                <a:ea typeface="Calibri" panose="020F0502020204030204" pitchFamily="34" charset="0"/>
+                <a:cs typeface="Consolas" panose="020B0609020204030204" pitchFamily="49" charset="0"/>
+              </a:rPr>
+              <a:t>true</a:t>
+            </a:r>
+            <a:r>
+              <a:rPr lang="ru-RU" sz="2200" dirty="0">
+                <a:solidFill>
+                  <a:srgbClr val="000000"/>
+                </a:solidFill>
+                <a:latin typeface="Consolas" panose="020B0609020204030204" pitchFamily="49" charset="0"/>
+                <a:ea typeface="Calibri" panose="020F0502020204030204" pitchFamily="34" charset="0"/>
+                <a:cs typeface="Consolas" panose="020B0609020204030204" pitchFamily="49" charset="0"/>
+              </a:rPr>
+              <a:t>;</a:t>
+            </a:r>
+            <a:endParaRPr lang="ru-RU" sz="2200" dirty="0">
+              <a:latin typeface="Calibri" panose="020F0502020204030204" pitchFamily="34" charset="0"/>
+              <a:ea typeface="Calibri" panose="020F0502020204030204" pitchFamily="34" charset="0"/>
+              <a:cs typeface="Times New Roman" panose="02020603050405020304" pitchFamily="18" charset="0"/>
+            </a:endParaRPr>
+          </a:p>
+          <a:p>
+            <a:pPr>
+              <a:spcAft>
+                <a:spcPts val="0"/>
+              </a:spcAft>
+            </a:pPr>
+            <a:r>
+              <a:rPr lang="ru-RU" sz="2200" dirty="0">
+                <a:solidFill>
+                  <a:srgbClr val="000000"/>
+                </a:solidFill>
+                <a:latin typeface="Consolas" panose="020B0609020204030204" pitchFamily="49" charset="0"/>
+                <a:ea typeface="Calibri" panose="020F0502020204030204" pitchFamily="34" charset="0"/>
+                <a:cs typeface="Consolas" panose="020B0609020204030204" pitchFamily="49" charset="0"/>
+              </a:rPr>
+              <a:t>}</a:t>
+            </a:r>
+            <a:endParaRPr lang="ru-RU" sz="2200" dirty="0">
+              <a:effectLst/>
+              <a:latin typeface="Calibri" panose="020F0502020204030204" pitchFamily="34" charset="0"/>
+              <a:ea typeface="Calibri" panose="020F0502020204030204" pitchFamily="34" charset="0"/>
+              <a:cs typeface="Times New Roman" panose="02020603050405020304" pitchFamily="18" charset="0"/>
+            </a:endParaRPr>
           </a:p>
         </p:txBody>
       </p:sp>
     </p:spTree>
     <p:extLst>
       <p:ext uri="{BB962C8B-B14F-4D97-AF65-F5344CB8AC3E}">
-        <p14:creationId xmlns:p14="http://schemas.microsoft.com/office/powerpoint/2010/main" val="1576522693"/>
+        <p14:creationId xmlns:p14="http://schemas.microsoft.com/office/powerpoint/2010/main" val="974472920"/>
       </p:ext>
     </p:extLst>
   </p:cSld>
@@ -32650,7 +33780,733 @@
   <p:timing>
     <p:tnLst>
       <p:par>
-        <p:cTn id="1" dur="indefinite" restart="never" nodeType="tmRoot"/>
+        <p:cTn id="1" dur="indefinite" restart="never" nodeType="tmRoot">
+          <p:childTnLst>
+            <p:seq concurrent="1" nextAc="seek">
+              <p:cTn id="2" dur="indefinite" nodeType="mainSeq">
+                <p:childTnLst>
+                  <p:par>
+                    <p:cTn id="3" fill="hold">
+                      <p:stCondLst>
+                        <p:cond delay="indefinite"/>
+                      </p:stCondLst>
+                      <p:childTnLst>
+                        <p:par>
+                          <p:cTn id="4" fill="hold">
+                            <p:stCondLst>
+                              <p:cond delay="0"/>
+                            </p:stCondLst>
+                            <p:childTnLst>
+                              <p:par>
+                                <p:cTn id="5" presetID="10" presetClass="entr" presetSubtype="0" fill="hold" nodeType="clickEffect">
+                                  <p:stCondLst>
+                                    <p:cond delay="0"/>
+                                  </p:stCondLst>
+                                  <p:childTnLst>
+                                    <p:set>
+                                      <p:cBhvr>
+                                        <p:cTn id="6" dur="1" fill="hold">
+                                          <p:stCondLst>
+                                            <p:cond delay="0"/>
+                                          </p:stCondLst>
+                                        </p:cTn>
+                                        <p:tgtEl>
+                                          <p:spTgt spid="2">
+                                            <p:txEl>
+                                              <p:pRg st="2" end="2"/>
+                                            </p:txEl>
+                                          </p:spTgt>
+                                        </p:tgtEl>
+                                        <p:attrNameLst>
+                                          <p:attrName>style.visibility</p:attrName>
+                                        </p:attrNameLst>
+                                      </p:cBhvr>
+                                      <p:to>
+                                        <p:strVal val="visible"/>
+                                      </p:to>
+                                    </p:set>
+                                    <p:animEffect transition="in" filter="fade">
+                                      <p:cBhvr>
+                                        <p:cTn id="7" dur="500"/>
+                                        <p:tgtEl>
+                                          <p:spTgt spid="2">
+                                            <p:txEl>
+                                              <p:pRg st="2" end="2"/>
+                                            </p:txEl>
+                                          </p:spTgt>
+                                        </p:tgtEl>
+                                      </p:cBhvr>
+                                    </p:animEffect>
+                                  </p:childTnLst>
+                                </p:cTn>
+                              </p:par>
+                            </p:childTnLst>
+                          </p:cTn>
+                        </p:par>
+                      </p:childTnLst>
+                    </p:cTn>
+                  </p:par>
+                  <p:par>
+                    <p:cTn id="8" fill="hold">
+                      <p:stCondLst>
+                        <p:cond delay="indefinite"/>
+                      </p:stCondLst>
+                      <p:childTnLst>
+                        <p:par>
+                          <p:cTn id="9" fill="hold">
+                            <p:stCondLst>
+                              <p:cond delay="0"/>
+                            </p:stCondLst>
+                            <p:childTnLst>
+                              <p:par>
+                                <p:cTn id="10" presetID="10" presetClass="entr" presetSubtype="0" fill="hold" nodeType="clickEffect">
+                                  <p:stCondLst>
+                                    <p:cond delay="0"/>
+                                  </p:stCondLst>
+                                  <p:childTnLst>
+                                    <p:set>
+                                      <p:cBhvr>
+                                        <p:cTn id="11" dur="1" fill="hold">
+                                          <p:stCondLst>
+                                            <p:cond delay="0"/>
+                                          </p:stCondLst>
+                                        </p:cTn>
+                                        <p:tgtEl>
+                                          <p:spTgt spid="2">
+                                            <p:txEl>
+                                              <p:pRg st="4" end="4"/>
+                                            </p:txEl>
+                                          </p:spTgt>
+                                        </p:tgtEl>
+                                        <p:attrNameLst>
+                                          <p:attrName>style.visibility</p:attrName>
+                                        </p:attrNameLst>
+                                      </p:cBhvr>
+                                      <p:to>
+                                        <p:strVal val="visible"/>
+                                      </p:to>
+                                    </p:set>
+                                    <p:animEffect transition="in" filter="fade">
+                                      <p:cBhvr>
+                                        <p:cTn id="12" dur="500"/>
+                                        <p:tgtEl>
+                                          <p:spTgt spid="2">
+                                            <p:txEl>
+                                              <p:pRg st="4" end="4"/>
+                                            </p:txEl>
+                                          </p:spTgt>
+                                        </p:tgtEl>
+                                      </p:cBhvr>
+                                    </p:animEffect>
+                                  </p:childTnLst>
+                                </p:cTn>
+                              </p:par>
+                              <p:par>
+                                <p:cTn id="13" presetID="10" presetClass="entr" presetSubtype="0" fill="hold" nodeType="withEffect">
+                                  <p:stCondLst>
+                                    <p:cond delay="0"/>
+                                  </p:stCondLst>
+                                  <p:childTnLst>
+                                    <p:set>
+                                      <p:cBhvr>
+                                        <p:cTn id="14" dur="1" fill="hold">
+                                          <p:stCondLst>
+                                            <p:cond delay="0"/>
+                                          </p:stCondLst>
+                                        </p:cTn>
+                                        <p:tgtEl>
+                                          <p:spTgt spid="2">
+                                            <p:txEl>
+                                              <p:pRg st="12" end="12"/>
+                                            </p:txEl>
+                                          </p:spTgt>
+                                        </p:tgtEl>
+                                        <p:attrNameLst>
+                                          <p:attrName>style.visibility</p:attrName>
+                                        </p:attrNameLst>
+                                      </p:cBhvr>
+                                      <p:to>
+                                        <p:strVal val="visible"/>
+                                      </p:to>
+                                    </p:set>
+                                    <p:animEffect transition="in" filter="fade">
+                                      <p:cBhvr>
+                                        <p:cTn id="15" dur="500"/>
+                                        <p:tgtEl>
+                                          <p:spTgt spid="2">
+                                            <p:txEl>
+                                              <p:pRg st="12" end="12"/>
+                                            </p:txEl>
+                                          </p:spTgt>
+                                        </p:tgtEl>
+                                      </p:cBhvr>
+                                    </p:animEffect>
+                                  </p:childTnLst>
+                                </p:cTn>
+                              </p:par>
+                              <p:par>
+                                <p:cTn id="16" presetID="10" presetClass="entr" presetSubtype="0" fill="hold" nodeType="withEffect">
+                                  <p:stCondLst>
+                                    <p:cond delay="0"/>
+                                  </p:stCondLst>
+                                  <p:childTnLst>
+                                    <p:set>
+                                      <p:cBhvr>
+                                        <p:cTn id="17" dur="1" fill="hold">
+                                          <p:stCondLst>
+                                            <p:cond delay="0"/>
+                                          </p:stCondLst>
+                                        </p:cTn>
+                                        <p:tgtEl>
+                                          <p:spTgt spid="2">
+                                            <p:txEl>
+                                              <p:pRg st="13" end="13"/>
+                                            </p:txEl>
+                                          </p:spTgt>
+                                        </p:tgtEl>
+                                        <p:attrNameLst>
+                                          <p:attrName>style.visibility</p:attrName>
+                                        </p:attrNameLst>
+                                      </p:cBhvr>
+                                      <p:to>
+                                        <p:strVal val="visible"/>
+                                      </p:to>
+                                    </p:set>
+                                    <p:animEffect transition="in" filter="fade">
+                                      <p:cBhvr>
+                                        <p:cTn id="18" dur="500"/>
+                                        <p:tgtEl>
+                                          <p:spTgt spid="2">
+                                            <p:txEl>
+                                              <p:pRg st="13" end="13"/>
+                                            </p:txEl>
+                                          </p:spTgt>
+                                        </p:tgtEl>
+                                      </p:cBhvr>
+                                    </p:animEffect>
+                                  </p:childTnLst>
+                                </p:cTn>
+                              </p:par>
+                              <p:par>
+                                <p:cTn id="19" presetID="10" presetClass="entr" presetSubtype="0" fill="hold" nodeType="withEffect">
+                                  <p:stCondLst>
+                                    <p:cond delay="0"/>
+                                  </p:stCondLst>
+                                  <p:childTnLst>
+                                    <p:set>
+                                      <p:cBhvr>
+                                        <p:cTn id="20" dur="1" fill="hold">
+                                          <p:stCondLst>
+                                            <p:cond delay="0"/>
+                                          </p:stCondLst>
+                                        </p:cTn>
+                                        <p:tgtEl>
+                                          <p:spTgt spid="2">
+                                            <p:txEl>
+                                              <p:pRg st="15" end="15"/>
+                                            </p:txEl>
+                                          </p:spTgt>
+                                        </p:tgtEl>
+                                        <p:attrNameLst>
+                                          <p:attrName>style.visibility</p:attrName>
+                                        </p:attrNameLst>
+                                      </p:cBhvr>
+                                      <p:to>
+                                        <p:strVal val="visible"/>
+                                      </p:to>
+                                    </p:set>
+                                    <p:animEffect transition="in" filter="fade">
+                                      <p:cBhvr>
+                                        <p:cTn id="21" dur="500"/>
+                                        <p:tgtEl>
+                                          <p:spTgt spid="2">
+                                            <p:txEl>
+                                              <p:pRg st="15" end="15"/>
+                                            </p:txEl>
+                                          </p:spTgt>
+                                        </p:tgtEl>
+                                      </p:cBhvr>
+                                    </p:animEffect>
+                                  </p:childTnLst>
+                                </p:cTn>
+                              </p:par>
+                            </p:childTnLst>
+                          </p:cTn>
+                        </p:par>
+                      </p:childTnLst>
+                    </p:cTn>
+                  </p:par>
+                  <p:par>
+                    <p:cTn id="22" fill="hold">
+                      <p:stCondLst>
+                        <p:cond delay="indefinite"/>
+                      </p:stCondLst>
+                      <p:childTnLst>
+                        <p:par>
+                          <p:cTn id="23" fill="hold">
+                            <p:stCondLst>
+                              <p:cond delay="0"/>
+                            </p:stCondLst>
+                            <p:childTnLst>
+                              <p:par>
+                                <p:cTn id="24" presetID="10" presetClass="entr" presetSubtype="0" fill="hold" nodeType="clickEffect">
+                                  <p:stCondLst>
+                                    <p:cond delay="0"/>
+                                  </p:stCondLst>
+                                  <p:childTnLst>
+                                    <p:set>
+                                      <p:cBhvr>
+                                        <p:cTn id="25" dur="1" fill="hold">
+                                          <p:stCondLst>
+                                            <p:cond delay="0"/>
+                                          </p:stCondLst>
+                                        </p:cTn>
+                                        <p:tgtEl>
+                                          <p:spTgt spid="2">
+                                            <p:txEl>
+                                              <p:pRg st="5" end="5"/>
+                                            </p:txEl>
+                                          </p:spTgt>
+                                        </p:tgtEl>
+                                        <p:attrNameLst>
+                                          <p:attrName>style.visibility</p:attrName>
+                                        </p:attrNameLst>
+                                      </p:cBhvr>
+                                      <p:to>
+                                        <p:strVal val="visible"/>
+                                      </p:to>
+                                    </p:set>
+                                    <p:animEffect transition="in" filter="fade">
+                                      <p:cBhvr>
+                                        <p:cTn id="26" dur="500"/>
+                                        <p:tgtEl>
+                                          <p:spTgt spid="2">
+                                            <p:txEl>
+                                              <p:pRg st="5" end="5"/>
+                                            </p:txEl>
+                                          </p:spTgt>
+                                        </p:tgtEl>
+                                      </p:cBhvr>
+                                    </p:animEffect>
+                                  </p:childTnLst>
+                                </p:cTn>
+                              </p:par>
+                            </p:childTnLst>
+                          </p:cTn>
+                        </p:par>
+                      </p:childTnLst>
+                    </p:cTn>
+                  </p:par>
+                  <p:par>
+                    <p:cTn id="27" fill="hold">
+                      <p:stCondLst>
+                        <p:cond delay="indefinite"/>
+                      </p:stCondLst>
+                      <p:childTnLst>
+                        <p:par>
+                          <p:cTn id="28" fill="hold">
+                            <p:stCondLst>
+                              <p:cond delay="0"/>
+                            </p:stCondLst>
+                            <p:childTnLst>
+                              <p:par>
+                                <p:cTn id="29" presetID="10" presetClass="entr" presetSubtype="0" fill="hold" nodeType="clickEffect">
+                                  <p:stCondLst>
+                                    <p:cond delay="0"/>
+                                  </p:stCondLst>
+                                  <p:childTnLst>
+                                    <p:set>
+                                      <p:cBhvr>
+                                        <p:cTn id="30" dur="1" fill="hold">
+                                          <p:stCondLst>
+                                            <p:cond delay="0"/>
+                                          </p:stCondLst>
+                                        </p:cTn>
+                                        <p:tgtEl>
+                                          <p:spTgt spid="2">
+                                            <p:txEl>
+                                              <p:pRg st="7" end="7"/>
+                                            </p:txEl>
+                                          </p:spTgt>
+                                        </p:tgtEl>
+                                        <p:attrNameLst>
+                                          <p:attrName>style.visibility</p:attrName>
+                                        </p:attrNameLst>
+                                      </p:cBhvr>
+                                      <p:to>
+                                        <p:strVal val="visible"/>
+                                      </p:to>
+                                    </p:set>
+                                    <p:animEffect transition="in" filter="fade">
+                                      <p:cBhvr>
+                                        <p:cTn id="31" dur="500"/>
+                                        <p:tgtEl>
+                                          <p:spTgt spid="2">
+                                            <p:txEl>
+                                              <p:pRg st="7" end="7"/>
+                                            </p:txEl>
+                                          </p:spTgt>
+                                        </p:tgtEl>
+                                      </p:cBhvr>
+                                    </p:animEffect>
+                                  </p:childTnLst>
+                                </p:cTn>
+                              </p:par>
+                              <p:par>
+                                <p:cTn id="32" presetID="10" presetClass="entr" presetSubtype="0" fill="hold" nodeType="withEffect">
+                                  <p:stCondLst>
+                                    <p:cond delay="0"/>
+                                  </p:stCondLst>
+                                  <p:childTnLst>
+                                    <p:set>
+                                      <p:cBhvr>
+                                        <p:cTn id="33" dur="1" fill="hold">
+                                          <p:stCondLst>
+                                            <p:cond delay="0"/>
+                                          </p:stCondLst>
+                                        </p:cTn>
+                                        <p:tgtEl>
+                                          <p:spTgt spid="2">
+                                            <p:txEl>
+                                              <p:pRg st="11" end="11"/>
+                                            </p:txEl>
+                                          </p:spTgt>
+                                        </p:tgtEl>
+                                        <p:attrNameLst>
+                                          <p:attrName>style.visibility</p:attrName>
+                                        </p:attrNameLst>
+                                      </p:cBhvr>
+                                      <p:to>
+                                        <p:strVal val="visible"/>
+                                      </p:to>
+                                    </p:set>
+                                    <p:animEffect transition="in" filter="fade">
+                                      <p:cBhvr>
+                                        <p:cTn id="34" dur="500"/>
+                                        <p:tgtEl>
+                                          <p:spTgt spid="2">
+                                            <p:txEl>
+                                              <p:pRg st="11" end="11"/>
+                                            </p:txEl>
+                                          </p:spTgt>
+                                        </p:tgtEl>
+                                      </p:cBhvr>
+                                    </p:animEffect>
+                                  </p:childTnLst>
+                                </p:cTn>
+                              </p:par>
+                            </p:childTnLst>
+                          </p:cTn>
+                        </p:par>
+                      </p:childTnLst>
+                    </p:cTn>
+                  </p:par>
+                  <p:par>
+                    <p:cTn id="35" fill="hold">
+                      <p:stCondLst>
+                        <p:cond delay="indefinite"/>
+                      </p:stCondLst>
+                      <p:childTnLst>
+                        <p:par>
+                          <p:cTn id="36" fill="hold">
+                            <p:stCondLst>
+                              <p:cond delay="0"/>
+                            </p:stCondLst>
+                            <p:childTnLst>
+                              <p:par>
+                                <p:cTn id="37" presetID="10" presetClass="entr" presetSubtype="0" fill="hold" nodeType="clickEffect">
+                                  <p:stCondLst>
+                                    <p:cond delay="0"/>
+                                  </p:stCondLst>
+                                  <p:childTnLst>
+                                    <p:set>
+                                      <p:cBhvr>
+                                        <p:cTn id="38" dur="1" fill="hold">
+                                          <p:stCondLst>
+                                            <p:cond delay="0"/>
+                                          </p:stCondLst>
+                                        </p:cTn>
+                                        <p:tgtEl>
+                                          <p:spTgt spid="2">
+                                            <p:txEl>
+                                              <p:pRg st="8" end="8"/>
+                                            </p:txEl>
+                                          </p:spTgt>
+                                        </p:tgtEl>
+                                        <p:attrNameLst>
+                                          <p:attrName>style.visibility</p:attrName>
+                                        </p:attrNameLst>
+                                      </p:cBhvr>
+                                      <p:to>
+                                        <p:strVal val="visible"/>
+                                      </p:to>
+                                    </p:set>
+                                    <p:animEffect transition="in" filter="fade">
+                                      <p:cBhvr>
+                                        <p:cTn id="39" dur="500"/>
+                                        <p:tgtEl>
+                                          <p:spTgt spid="2">
+                                            <p:txEl>
+                                              <p:pRg st="8" end="8"/>
+                                            </p:txEl>
+                                          </p:spTgt>
+                                        </p:tgtEl>
+                                      </p:cBhvr>
+                                    </p:animEffect>
+                                  </p:childTnLst>
+                                </p:cTn>
+                              </p:par>
+                              <p:par>
+                                <p:cTn id="40" presetID="10" presetClass="entr" presetSubtype="0" fill="hold" nodeType="withEffect">
+                                  <p:stCondLst>
+                                    <p:cond delay="0"/>
+                                  </p:stCondLst>
+                                  <p:childTnLst>
+                                    <p:set>
+                                      <p:cBhvr>
+                                        <p:cTn id="41" dur="1" fill="hold">
+                                          <p:stCondLst>
+                                            <p:cond delay="0"/>
+                                          </p:stCondLst>
+                                        </p:cTn>
+                                        <p:tgtEl>
+                                          <p:spTgt spid="2">
+                                            <p:txEl>
+                                              <p:pRg st="9" end="9"/>
+                                            </p:txEl>
+                                          </p:spTgt>
+                                        </p:tgtEl>
+                                        <p:attrNameLst>
+                                          <p:attrName>style.visibility</p:attrName>
+                                        </p:attrNameLst>
+                                      </p:cBhvr>
+                                      <p:to>
+                                        <p:strVal val="visible"/>
+                                      </p:to>
+                                    </p:set>
+                                    <p:animEffect transition="in" filter="fade">
+                                      <p:cBhvr>
+                                        <p:cTn id="42" dur="500"/>
+                                        <p:tgtEl>
+                                          <p:spTgt spid="2">
+                                            <p:txEl>
+                                              <p:pRg st="9" end="9"/>
+                                            </p:txEl>
+                                          </p:spTgt>
+                                        </p:tgtEl>
+                                      </p:cBhvr>
+                                    </p:animEffect>
+                                  </p:childTnLst>
+                                </p:cTn>
+                              </p:par>
+                            </p:childTnLst>
+                          </p:cTn>
+                        </p:par>
+                      </p:childTnLst>
+                    </p:cTn>
+                  </p:par>
+                  <p:par>
+                    <p:cTn id="43" fill="hold">
+                      <p:stCondLst>
+                        <p:cond delay="indefinite"/>
+                      </p:stCondLst>
+                      <p:childTnLst>
+                        <p:par>
+                          <p:cTn id="44" fill="hold">
+                            <p:stCondLst>
+                              <p:cond delay="0"/>
+                            </p:stCondLst>
+                            <p:childTnLst>
+                              <p:par>
+                                <p:cTn id="45" presetID="10" presetClass="entr" presetSubtype="0" fill="hold" nodeType="clickEffect">
+                                  <p:stCondLst>
+                                    <p:cond delay="0"/>
+                                  </p:stCondLst>
+                                  <p:childTnLst>
+                                    <p:set>
+                                      <p:cBhvr>
+                                        <p:cTn id="46" dur="1" fill="hold">
+                                          <p:stCondLst>
+                                            <p:cond delay="0"/>
+                                          </p:stCondLst>
+                                        </p:cTn>
+                                        <p:tgtEl>
+                                          <p:spTgt spid="2">
+                                            <p:txEl>
+                                              <p:pRg st="10" end="10"/>
+                                            </p:txEl>
+                                          </p:spTgt>
+                                        </p:tgtEl>
+                                        <p:attrNameLst>
+                                          <p:attrName>style.visibility</p:attrName>
+                                        </p:attrNameLst>
+                                      </p:cBhvr>
+                                      <p:to>
+                                        <p:strVal val="visible"/>
+                                      </p:to>
+                                    </p:set>
+                                    <p:animEffect transition="in" filter="fade">
+                                      <p:cBhvr>
+                                        <p:cTn id="47" dur="500"/>
+                                        <p:tgtEl>
+                                          <p:spTgt spid="2">
+                                            <p:txEl>
+                                              <p:pRg st="10" end="10"/>
+                                            </p:txEl>
+                                          </p:spTgt>
+                                        </p:tgtEl>
+                                      </p:cBhvr>
+                                    </p:animEffect>
+                                  </p:childTnLst>
+                                </p:cTn>
+                              </p:par>
+                            </p:childTnLst>
+                          </p:cTn>
+                        </p:par>
+                      </p:childTnLst>
+                    </p:cTn>
+                  </p:par>
+                  <p:par>
+                    <p:cTn id="48" fill="hold">
+                      <p:stCondLst>
+                        <p:cond delay="indefinite"/>
+                      </p:stCondLst>
+                      <p:childTnLst>
+                        <p:par>
+                          <p:cTn id="49" fill="hold">
+                            <p:stCondLst>
+                              <p:cond delay="0"/>
+                            </p:stCondLst>
+                            <p:childTnLst>
+                              <p:par>
+                                <p:cTn id="50" presetID="10" presetClass="entr" presetSubtype="0" fill="hold" nodeType="clickEffect">
+                                  <p:stCondLst>
+                                    <p:cond delay="0"/>
+                                  </p:stCondLst>
+                                  <p:childTnLst>
+                                    <p:set>
+                                      <p:cBhvr>
+                                        <p:cTn id="51" dur="1" fill="hold">
+                                          <p:stCondLst>
+                                            <p:cond delay="0"/>
+                                          </p:stCondLst>
+                                        </p:cTn>
+                                        <p:tgtEl>
+                                          <p:spTgt spid="2">
+                                            <p:txEl>
+                                              <p:pRg st="14" end="14"/>
+                                            </p:txEl>
+                                          </p:spTgt>
+                                        </p:tgtEl>
+                                        <p:attrNameLst>
+                                          <p:attrName>style.visibility</p:attrName>
+                                        </p:attrNameLst>
+                                      </p:cBhvr>
+                                      <p:to>
+                                        <p:strVal val="visible"/>
+                                      </p:to>
+                                    </p:set>
+                                    <p:animEffect transition="in" filter="fade">
+                                      <p:cBhvr>
+                                        <p:cTn id="52" dur="500"/>
+                                        <p:tgtEl>
+                                          <p:spTgt spid="2">
+                                            <p:txEl>
+                                              <p:pRg st="14" end="14"/>
+                                            </p:txEl>
+                                          </p:spTgt>
+                                        </p:tgtEl>
+                                      </p:cBhvr>
+                                    </p:animEffect>
+                                  </p:childTnLst>
+                                </p:cTn>
+                              </p:par>
+                            </p:childTnLst>
+                          </p:cTn>
+                        </p:par>
+                      </p:childTnLst>
+                    </p:cTn>
+                  </p:par>
+                  <p:par>
+                    <p:cTn id="53" fill="hold">
+                      <p:stCondLst>
+                        <p:cond delay="indefinite"/>
+                      </p:stCondLst>
+                      <p:childTnLst>
+                        <p:par>
+                          <p:cTn id="54" fill="hold">
+                            <p:stCondLst>
+                              <p:cond delay="0"/>
+                            </p:stCondLst>
+                            <p:childTnLst>
+                              <p:par>
+                                <p:cTn id="55" presetID="10" presetClass="entr" presetSubtype="0" fill="hold" nodeType="clickEffect">
+                                  <p:stCondLst>
+                                    <p:cond delay="0"/>
+                                  </p:stCondLst>
+                                  <p:childTnLst>
+                                    <p:set>
+                                      <p:cBhvr>
+                                        <p:cTn id="56" dur="1" fill="hold">
+                                          <p:stCondLst>
+                                            <p:cond delay="0"/>
+                                          </p:stCondLst>
+                                        </p:cTn>
+                                        <p:tgtEl>
+                                          <p:spTgt spid="2">
+                                            <p:txEl>
+                                              <p:pRg st="17" end="17"/>
+                                            </p:txEl>
+                                          </p:spTgt>
+                                        </p:tgtEl>
+                                        <p:attrNameLst>
+                                          <p:attrName>style.visibility</p:attrName>
+                                        </p:attrNameLst>
+                                      </p:cBhvr>
+                                      <p:to>
+                                        <p:strVal val="visible"/>
+                                      </p:to>
+                                    </p:set>
+                                    <p:animEffect transition="in" filter="fade">
+                                      <p:cBhvr>
+                                        <p:cTn id="57" dur="500"/>
+                                        <p:tgtEl>
+                                          <p:spTgt spid="2">
+                                            <p:txEl>
+                                              <p:pRg st="17" end="17"/>
+                                            </p:txEl>
+                                          </p:spTgt>
+                                        </p:tgtEl>
+                                      </p:cBhvr>
+                                    </p:animEffect>
+                                  </p:childTnLst>
+                                </p:cTn>
+                              </p:par>
+                            </p:childTnLst>
+                          </p:cTn>
+                        </p:par>
+                      </p:childTnLst>
+                    </p:cTn>
+                  </p:par>
+                </p:childTnLst>
+              </p:cTn>
+              <p:prevCondLst>
+                <p:cond evt="onPrev" delay="0">
+                  <p:tgtEl>
+                    <p:sldTgt/>
+                  </p:tgtEl>
+                </p:cond>
+              </p:prevCondLst>
+              <p:nextCondLst>
+                <p:cond evt="onNext" delay="0">
+                  <p:tgtEl>
+                    <p:sldTgt/>
+                  </p:tgtEl>
+                </p:cond>
+              </p:nextCondLst>
+            </p:seq>
+          </p:childTnLst>
+        </p:cTn>
       </p:par>
     </p:tnLst>
   </p:timing>
@@ -34032,6 +35888,256 @@
 </p:sld>
 </file>
 
+<file path=ppt/slides/slide30.xml><?xml version="1.0" encoding="utf-8"?>
+<p:sld xmlns:a="http://schemas.openxmlformats.org/drawingml/2006/main" xmlns:r="http://schemas.openxmlformats.org/officeDocument/2006/relationships" xmlns:p="http://schemas.openxmlformats.org/presentationml/2006/main">
+  <p:cSld>
+    <p:spTree>
+      <p:nvGrpSpPr>
+        <p:cNvPr id="1" name=""/>
+        <p:cNvGrpSpPr/>
+        <p:nvPr/>
+      </p:nvGrpSpPr>
+      <p:grpSpPr>
+        <a:xfrm>
+          <a:off x="0" y="0"/>
+          <a:ext cx="0" cy="0"/>
+          <a:chOff x="0" y="0"/>
+          <a:chExt cx="0" cy="0"/>
+        </a:xfrm>
+      </p:grpSpPr>
+      <p:sp>
+        <p:nvSpPr>
+          <p:cNvPr id="2" name="Заголовок 1"/>
+          <p:cNvSpPr>
+            <a:spLocks noGrp="1"/>
+          </p:cNvSpPr>
+          <p:nvPr>
+            <p:ph type="title"/>
+          </p:nvPr>
+        </p:nvSpPr>
+        <p:spPr/>
+        <p:txBody>
+          <a:bodyPr>
+            <a:normAutofit/>
+          </a:bodyPr>
+          <a:lstStyle/>
+          <a:p>
+            <a:r>
+              <a:rPr lang="ru-RU" dirty="0"/>
+              <a:t>Интеллектуальность команд</a:t>
+            </a:r>
+          </a:p>
+        </p:txBody>
+      </p:sp>
+      <p:sp>
+        <p:nvSpPr>
+          <p:cNvPr id="3" name="Объект 2"/>
+          <p:cNvSpPr>
+            <a:spLocks noGrp="1"/>
+          </p:cNvSpPr>
+          <p:nvPr>
+            <p:ph idx="1"/>
+          </p:nvPr>
+        </p:nvSpPr>
+        <p:spPr/>
+        <p:txBody>
+          <a:bodyPr>
+            <a:normAutofit lnSpcReduction="10000"/>
+          </a:bodyPr>
+          <a:lstStyle/>
+          <a:p>
+            <a:r>
+              <a:rPr lang="ru-RU" dirty="0"/>
+              <a:t>Крайности, которых следует избегать</a:t>
+            </a:r>
+          </a:p>
+          <a:p>
+            <a:pPr lvl="1"/>
+            <a:r>
+              <a:rPr lang="ru-RU" dirty="0"/>
+              <a:t>Команда просто является посредником между Получателем и действиями, необходимыми для выполнения запроса</a:t>
+            </a:r>
+          </a:p>
+          <a:p>
+            <a:pPr lvl="1"/>
+            <a:r>
+              <a:rPr lang="ru-RU" dirty="0"/>
+              <a:t>Команда всё реализует самостоятельно, не обращаясь к Получателю</a:t>
+            </a:r>
+          </a:p>
+          <a:p>
+            <a:r>
+              <a:rPr lang="ru-RU" dirty="0"/>
+              <a:t>Получатель – единственный объект, знающий как выполнять операции</a:t>
+            </a:r>
+          </a:p>
+          <a:p>
+            <a:pPr lvl="1"/>
+            <a:r>
+              <a:rPr lang="ru-RU" smtClean="0"/>
+              <a:t>Назначение команды </a:t>
+            </a:r>
+            <a:r>
+              <a:rPr lang="ru-RU" dirty="0"/>
+              <a:t>– помочь клиентам делегировать свои запросы Получателю</a:t>
+            </a:r>
+          </a:p>
+        </p:txBody>
+      </p:sp>
+    </p:spTree>
+    <p:extLst>
+      <p:ext uri="{BB962C8B-B14F-4D97-AF65-F5344CB8AC3E}">
+        <p14:creationId xmlns:p14="http://schemas.microsoft.com/office/powerpoint/2010/main" val="3142935812"/>
+      </p:ext>
+    </p:extLst>
+  </p:cSld>
+  <p:clrMapOvr>
+    <a:masterClrMapping/>
+  </p:clrMapOvr>
+  <p:timing>
+    <p:tnLst>
+      <p:par>
+        <p:cTn id="1" dur="indefinite" restart="never" nodeType="tmRoot"/>
+      </p:par>
+    </p:tnLst>
+  </p:timing>
+</p:sld>
+</file>
+
+<file path=ppt/slides/slide31.xml><?xml version="1.0" encoding="utf-8"?>
+<p:sld xmlns:a="http://schemas.openxmlformats.org/drawingml/2006/main" xmlns:r="http://schemas.openxmlformats.org/officeDocument/2006/relationships" xmlns:p="http://schemas.openxmlformats.org/presentationml/2006/main">
+  <p:cSld>
+    <p:spTree>
+      <p:nvGrpSpPr>
+        <p:cNvPr id="1" name=""/>
+        <p:cNvGrpSpPr/>
+        <p:nvPr/>
+      </p:nvGrpSpPr>
+      <p:grpSpPr>
+        <a:xfrm>
+          <a:off x="0" y="0"/>
+          <a:ext cx="0" cy="0"/>
+          <a:chOff x="0" y="0"/>
+          <a:chExt cx="0" cy="0"/>
+        </a:xfrm>
+      </p:grpSpPr>
+      <p:sp>
+        <p:nvSpPr>
+          <p:cNvPr id="2" name="Заголовок 1"/>
+          <p:cNvSpPr>
+            <a:spLocks noGrp="1"/>
+          </p:cNvSpPr>
+          <p:nvPr>
+            <p:ph type="title"/>
+          </p:nvPr>
+        </p:nvSpPr>
+        <p:spPr/>
+        <p:txBody>
+          <a:bodyPr>
+            <a:normAutofit fontScale="90000"/>
+          </a:bodyPr>
+          <a:lstStyle/>
+          <a:p>
+            <a:r>
+              <a:rPr lang="ru-RU" dirty="0"/>
+              <a:t>Прочие области применения паттерна</a:t>
+            </a:r>
+          </a:p>
+        </p:txBody>
+      </p:sp>
+      <p:sp>
+        <p:nvSpPr>
+          <p:cNvPr id="3" name="Объект 2"/>
+          <p:cNvSpPr>
+            <a:spLocks noGrp="1"/>
+          </p:cNvSpPr>
+          <p:nvPr>
+            <p:ph idx="1"/>
+          </p:nvPr>
+        </p:nvSpPr>
+        <p:spPr/>
+        <p:txBody>
+          <a:bodyPr/>
+          <a:lstStyle/>
+          <a:p>
+            <a:r>
+              <a:rPr lang="ru-RU" dirty="0"/>
+              <a:t>Асинхронный вызов методов</a:t>
+            </a:r>
+          </a:p>
+          <a:p>
+            <a:pPr lvl="1"/>
+            <a:r>
+              <a:rPr lang="ru-RU" dirty="0"/>
+              <a:t>Команда помещается в очередь в одном потоке</a:t>
+            </a:r>
+          </a:p>
+          <a:p>
+            <a:pPr lvl="1"/>
+            <a:r>
+              <a:rPr lang="ru-RU" dirty="0"/>
+              <a:t>Исполняется в другом</a:t>
+            </a:r>
+          </a:p>
+          <a:p>
+            <a:r>
+              <a:rPr lang="ru-RU" dirty="0" err="1"/>
+              <a:t>Журналирование</a:t>
+            </a:r>
+            <a:r>
+              <a:rPr lang="ru-RU" dirty="0"/>
+              <a:t> операций</a:t>
+            </a:r>
+          </a:p>
+          <a:p>
+            <a:pPr lvl="1"/>
+            <a:r>
+              <a:rPr lang="ru-RU" dirty="0"/>
+              <a:t>Команды предоставляют возможность своей </a:t>
+            </a:r>
+            <a:r>
+              <a:rPr lang="ru-RU" dirty="0" err="1" smtClean="0"/>
+              <a:t>сериализации</a:t>
+            </a:r>
+            <a:r>
+              <a:rPr lang="ru-RU" smtClean="0"/>
+              <a:t> и </a:t>
+            </a:r>
+            <a:r>
+              <a:rPr lang="ru-RU" dirty="0" err="1"/>
+              <a:t>десериализации</a:t>
+            </a:r>
+            <a:endParaRPr lang="ru-RU" dirty="0"/>
+          </a:p>
+          <a:p>
+            <a:pPr lvl="1"/>
+            <a:r>
+              <a:rPr lang="ru-RU" dirty="0"/>
+              <a:t>Восстановление после сбоя</a:t>
+            </a:r>
+          </a:p>
+        </p:txBody>
+      </p:sp>
+    </p:spTree>
+    <p:extLst>
+      <p:ext uri="{BB962C8B-B14F-4D97-AF65-F5344CB8AC3E}">
+        <p14:creationId xmlns:p14="http://schemas.microsoft.com/office/powerpoint/2010/main" val="1576522693"/>
+      </p:ext>
+    </p:extLst>
+  </p:cSld>
+  <p:clrMapOvr>
+    <a:masterClrMapping/>
+  </p:clrMapOvr>
+  <p:timing>
+    <p:tnLst>
+      <p:par>
+        <p:cTn id="1" dur="indefinite" restart="never" nodeType="tmRoot"/>
+      </p:par>
+    </p:tnLst>
+  </p:timing>
+</p:sld>
+</file>
+
 <file path=ppt/slides/slide4.xml><?xml version="1.0" encoding="utf-8"?>
 <p:sld xmlns:a="http://schemas.openxmlformats.org/drawingml/2006/main" xmlns:r="http://schemas.openxmlformats.org/officeDocument/2006/relationships" xmlns:p="http://schemas.openxmlformats.org/presentationml/2006/main">
   <p:cSld>
@@ -34204,7 +36310,7 @@
     <p:controls>
       <mc:AlternateContent xmlns:mc="http://schemas.openxmlformats.org/markup-compatibility/2006">
         <mc:Choice xmlns:v="urn:schemas-microsoft-com:vml" Requires="v">
-          <p:control spid="1046" name="ShockwaveFlash1" r:id="rId2" imgW="1828800" imgH="1828800"/>
+          <p:control spid="1049" name="ShockwaveFlash1" r:id="rId2" imgW="1828800" imgH="1828800"/>
         </mc:Choice>
         <mc:Fallback>
           <p:control name="ShockwaveFlash1" r:id="rId2" imgW="1828800" imgH="1828800">

--- a/lectures/06.command/command.pptx
+++ b/lectures/06.command/command.pptx
@@ -30814,18 +30814,18 @@
               <a:t>    </a:t>
             </a:r>
             <a:r>
-              <a:rPr lang="en-US" sz="1400" dirty="0" err="1">
-                <a:solidFill>
-                  <a:srgbClr val="000000"/>
-                </a:solidFill>
-                <a:latin typeface="Consolas" panose="020B0609020204030204" pitchFamily="49" charset="0"/>
-                <a:ea typeface="Calibri" panose="020F0502020204030204" pitchFamily="34" charset="0"/>
-                <a:cs typeface="Times New Roman" panose="02020603050405020304" pitchFamily="18" charset="0"/>
-              </a:rPr>
-              <a:t>TestMenuWithClassicCommandPattern</a:t>
-            </a:r>
-            <a:r>
-              <a:rPr lang="en-US" sz="1400" dirty="0">
+              <a:rPr lang="en-US" sz="1400" smtClean="0">
+                <a:solidFill>
+                  <a:srgbClr val="000000"/>
+                </a:solidFill>
+                <a:latin typeface="Consolas" panose="020B0609020204030204" pitchFamily="49" charset="0"/>
+                <a:ea typeface="Calibri" panose="020F0502020204030204" pitchFamily="34" charset="0"/>
+                <a:cs typeface="Times New Roman" panose="02020603050405020304" pitchFamily="18" charset="0"/>
+              </a:rPr>
+              <a:t>TestMenuWithFunctionalCommandPattern</a:t>
+            </a:r>
+            <a:r>
+              <a:rPr lang="en-US" sz="1400" dirty="0" smtClean="0">
                 <a:solidFill>
                   <a:srgbClr val="000000"/>
                 </a:solidFill>
@@ -36310,7 +36310,7 @@
     <p:controls>
       <mc:AlternateContent xmlns:mc="http://schemas.openxmlformats.org/markup-compatibility/2006">
         <mc:Choice xmlns:v="urn:schemas-microsoft-com:vml" Requires="v">
-          <p:control spid="1049" name="ShockwaveFlash1" r:id="rId2" imgW="1828800" imgH="1828800"/>
+          <p:control spid="1051" name="ShockwaveFlash1" r:id="rId2" imgW="1828800" imgH="1828800"/>
         </mc:Choice>
         <mc:Fallback>
           <p:control name="ShockwaveFlash1" r:id="rId2" imgW="1828800" imgH="1828800">
